--- a/课程PPT/05.JavaScript函数进阶二.pptx
+++ b/课程PPT/05.JavaScript函数进阶二.pptx
@@ -24794,13 +24794,7 @@
               <a:rPr kumimoji="0" lang="zh-CN" altLang="en-US" dirty="0">
                 <a:sym typeface="+mn-ea"/>
               </a:rPr>
-              <a:t>闭包的常见形式（</a:t>
-            </a:r>
-            <a:r>
-              <a:rPr kumimoji="0" lang="zh-CN" altLang="en-US" dirty="0">
-                <a:sym typeface="+mn-ea"/>
-              </a:rPr>
-              <a:t>作为函数返回值返回）</a:t>
+              <a:t>闭包的常见形式（作为函数返回值返回）</a:t>
             </a:r>
             <a:endParaRPr kumimoji="0" lang="zh-CN" altLang="en-US" dirty="0"/>
           </a:p>
@@ -24922,7 +24916,7 @@
                 <a:latin typeface="+mn-ea"/>
                 <a:ea typeface="+mn-ea"/>
               </a:rPr>
-              <a:t>bar</a:t>
+              <a:t>fee</a:t>
             </a:r>
             <a:r>
               <a:rPr lang="zh-CN" altLang="en-US" sz="2200">
@@ -25855,13 +25849,7 @@
               <a:rPr kumimoji="0" lang="zh-CN" altLang="en-US" dirty="0">
                 <a:sym typeface="+mn-ea"/>
               </a:rPr>
-              <a:t>闭包的常见形式（</a:t>
-            </a:r>
-            <a:r>
-              <a:rPr kumimoji="0" lang="zh-CN" altLang="en-US" dirty="0">
-                <a:sym typeface="+mn-ea"/>
-              </a:rPr>
-              <a:t>作为对象的方法返回）</a:t>
+              <a:t>闭包的常见形式（作为对象的方法返回）</a:t>
             </a:r>
             <a:endParaRPr kumimoji="0" lang="zh-CN" altLang="en-US" dirty="0"/>
           </a:p>
@@ -25875,8 +25863,8 @@
         </p:nvSpPr>
         <p:spPr>
           <a:xfrm>
-            <a:off x="6306820" y="6113780"/>
-            <a:ext cx="4890135" cy="429895"/>
+            <a:off x="7024370" y="6113780"/>
+            <a:ext cx="3345815" cy="429895"/>
           </a:xfrm>
           <a:prstGeom prst="rect">
             <a:avLst/>
@@ -25943,6 +25931,58 @@
           </a:prstGeom>
         </p:spPr>
       </p:pic>
+      <p:sp>
+        <p:nvSpPr>
+          <p:cNvPr id="5" name="文本框 4"/>
+          <p:cNvSpPr txBox="1"/>
+          <p:nvPr/>
+        </p:nvSpPr>
+        <p:spPr>
+          <a:xfrm>
+            <a:off x="7031355" y="4805680"/>
+            <a:ext cx="3284220" cy="768350"/>
+          </a:xfrm>
+          <a:prstGeom prst="rect">
+            <a:avLst/>
+          </a:prstGeom>
+          <a:noFill/>
+        </p:spPr>
+        <p:txBody>
+          <a:bodyPr wrap="square" rtlCol="0">
+            <a:spAutoFit/>
+          </a:bodyPr>
+          <a:p>
+            <a:pPr algn="l"/>
+            <a:r>
+              <a:rPr lang="zh-CN" altLang="en-US" sz="2200">
+                <a:solidFill>
+                  <a:schemeClr val="tx1"/>
+                </a:solidFill>
+                <a:latin typeface="+mn-ea"/>
+                <a:ea typeface="+mn-ea"/>
+              </a:rPr>
+              <a:t>思考：此实例中</a:t>
+            </a:r>
+            <a:r>
+              <a:rPr lang="zh-CN" sz="2200">
+                <a:solidFill>
+                  <a:schemeClr val="tx1"/>
+                </a:solidFill>
+                <a:latin typeface="+mn-ea"/>
+                <a:ea typeface="+mn-ea"/>
+              </a:rPr>
+              <a:t>总共有几个闭包？</a:t>
+            </a:r>
+            <a:endParaRPr lang="zh-CN" sz="2200">
+              <a:solidFill>
+                <a:schemeClr val="tx1"/>
+              </a:solidFill>
+              <a:latin typeface="+mn-ea"/>
+              <a:ea typeface="+mn-ea"/>
+            </a:endParaRPr>
+          </a:p>
+        </p:txBody>
+      </p:sp>
     </p:spTree>
   </p:cSld>
   <p:clrMapOvr>
@@ -26067,7 +26107,7 @@
                                           </p:stCondLst>
                                         </p:cTn>
                                         <p:tgtEl>
-                                          <p:spTgt spid="4"/>
+                                          <p:spTgt spid="5"/>
                                         </p:tgtEl>
                                         <p:attrNameLst>
                                           <p:attrName>style.visibility</p:attrName>
@@ -26081,6 +26121,88 @@
                                       <p:cBhvr additive="base">
                                         <p:cTn id="12" dur="500" fill="hold"/>
                                         <p:tgtEl>
+                                          <p:spTgt spid="5"/>
+                                        </p:tgtEl>
+                                        <p:attrNameLst>
+                                          <p:attrName>ppt_x</p:attrName>
+                                        </p:attrNameLst>
+                                      </p:cBhvr>
+                                      <p:tavLst>
+                                        <p:tav tm="0">
+                                          <p:val>
+                                            <p:strVal val="#ppt_x"/>
+                                          </p:val>
+                                        </p:tav>
+                                        <p:tav tm="100000">
+                                          <p:val>
+                                            <p:strVal val="#ppt_x"/>
+                                          </p:val>
+                                        </p:tav>
+                                      </p:tavLst>
+                                    </p:anim>
+                                    <p:anim calcmode="lin" valueType="num">
+                                      <p:cBhvr additive="base">
+                                        <p:cTn id="13" dur="500" fill="hold"/>
+                                        <p:tgtEl>
+                                          <p:spTgt spid="5"/>
+                                        </p:tgtEl>
+                                        <p:attrNameLst>
+                                          <p:attrName>ppt_y</p:attrName>
+                                        </p:attrNameLst>
+                                      </p:cBhvr>
+                                      <p:tavLst>
+                                        <p:tav tm="0">
+                                          <p:val>
+                                            <p:strVal val="1+#ppt_h/2"/>
+                                          </p:val>
+                                        </p:tav>
+                                        <p:tav tm="100000">
+                                          <p:val>
+                                            <p:strVal val="#ppt_y"/>
+                                          </p:val>
+                                        </p:tav>
+                                      </p:tavLst>
+                                    </p:anim>
+                                  </p:childTnLst>
+                                </p:cTn>
+                              </p:par>
+                            </p:childTnLst>
+                          </p:cTn>
+                        </p:par>
+                        <p:par>
+                          <p:cTn id="14" fill="hold">
+                            <p:stCondLst>
+                              <p:cond delay="1000"/>
+                            </p:stCondLst>
+                            <p:childTnLst>
+                              <p:par>
+                                <p:cTn id="15" presetID="2" presetClass="entr" presetSubtype="4" fill="hold" grpId="0" nodeType="afterEffect">
+                                  <p:stCondLst>
+                                    <p:cond delay="0"/>
+                                  </p:stCondLst>
+                                  <p:childTnLst>
+                                    <p:set>
+                                      <p:cBhvr>
+                                        <p:cTn id="16" dur="1" fill="hold">
+                                          <p:stCondLst>
+                                            <p:cond delay="0"/>
+                                          </p:stCondLst>
+                                        </p:cTn>
+                                        <p:tgtEl>
+                                          <p:spTgt spid="4"/>
+                                        </p:tgtEl>
+                                        <p:attrNameLst>
+                                          <p:attrName>style.visibility</p:attrName>
+                                        </p:attrNameLst>
+                                      </p:cBhvr>
+                                      <p:to>
+                                        <p:strVal val="visible"/>
+                                      </p:to>
+                                    </p:set>
+                                    <p:anim calcmode="lin" valueType="num">
+                                      <p:cBhvr additive="base">
+                                        <p:cTn id="17" dur="500" fill="hold"/>
+                                        <p:tgtEl>
                                           <p:spTgt spid="4"/>
                                         </p:tgtEl>
                                         <p:attrNameLst>
@@ -26102,7 +26224,7 @@
                                     </p:anim>
                                     <p:anim calcmode="lin" valueType="num">
                                       <p:cBhvr additive="base">
-                                        <p:cTn id="13" dur="500" fill="hold"/>
+                                        <p:cTn id="18" dur="500" fill="hold"/>
                                         <p:tgtEl>
                                           <p:spTgt spid="4"/>
                                         </p:tgtEl>
@@ -26155,6 +26277,7 @@
     </p:tnLst>
     <p:bldLst>
       <p:bldP spid="4" grpId="0"/>
+      <p:bldP spid="5" grpId="0"/>
     </p:bldLst>
   </p:timing>
 </p:sld>
@@ -26656,6 +26779,58 @@
           </a:p>
         </p:txBody>
       </p:sp>
+      <p:sp>
+        <p:nvSpPr>
+          <p:cNvPr id="6" name="文本框 5"/>
+          <p:cNvSpPr txBox="1"/>
+          <p:nvPr/>
+        </p:nvSpPr>
+        <p:spPr>
+          <a:xfrm>
+            <a:off x="6385560" y="4805680"/>
+            <a:ext cx="2897505" cy="429895"/>
+          </a:xfrm>
+          <a:prstGeom prst="rect">
+            <a:avLst/>
+          </a:prstGeom>
+          <a:noFill/>
+        </p:spPr>
+        <p:txBody>
+          <a:bodyPr wrap="square" rtlCol="0">
+            <a:spAutoFit/>
+          </a:bodyPr>
+          <a:p>
+            <a:pPr algn="l"/>
+            <a:r>
+              <a:rPr lang="zh-CN" altLang="en-US" sz="2200">
+                <a:solidFill>
+                  <a:schemeClr val="tx1"/>
+                </a:solidFill>
+                <a:latin typeface="+mn-ea"/>
+                <a:ea typeface="+mn-ea"/>
+              </a:rPr>
+              <a:t>左侧实例输出什么</a:t>
+            </a:r>
+            <a:r>
+              <a:rPr lang="zh-CN" sz="2200">
+                <a:solidFill>
+                  <a:schemeClr val="tx1"/>
+                </a:solidFill>
+                <a:latin typeface="+mn-ea"/>
+                <a:ea typeface="+mn-ea"/>
+              </a:rPr>
+              <a:t>？</a:t>
+            </a:r>
+            <a:endParaRPr lang="zh-CN" sz="2200">
+              <a:solidFill>
+                <a:schemeClr val="tx1"/>
+              </a:solidFill>
+              <a:latin typeface="+mn-ea"/>
+              <a:ea typeface="+mn-ea"/>
+            </a:endParaRPr>
+          </a:p>
+        </p:txBody>
+      </p:sp>
     </p:spTree>
   </p:cSld>
   <p:clrMapOvr>
@@ -26673,9 +26848,6 @@
                     <p:cTn id="3" fill="hold">
                       <p:stCondLst>
                         <p:cond delay="indefinite"/>
-                        <p:cond evt="onBegin" delay="0">
-                          <p:tn val="2"/>
-                        </p:cond>
                       </p:stCondLst>
                       <p:childTnLst>
                         <p:par>
@@ -26685,7 +26857,7 @@
                             </p:stCondLst>
                             <p:childTnLst>
                               <p:par>
-                                <p:cTn id="5" presetID="2" presetClass="entr" presetSubtype="4" fill="hold" grpId="0" nodeType="afterEffect">
+                                <p:cTn id="5" presetID="2" presetClass="entr" presetSubtype="4" fill="hold" nodeType="clickEffect">
                                   <p:stCondLst>
                                     <p:cond delay="0"/>
                                   </p:stCondLst>
@@ -26693,97 +26865,6 @@
                                     <p:set>
                                       <p:cBhvr>
                                         <p:cTn id="6" dur="1" fill="hold">
-                                          <p:stCondLst>
-                                            <p:cond delay="0"/>
-                                          </p:stCondLst>
-                                        </p:cTn>
-                                        <p:tgtEl>
-                                          <p:spTgt spid="5"/>
-                                        </p:tgtEl>
-                                        <p:attrNameLst>
-                                          <p:attrName>style.visibility</p:attrName>
-                                        </p:attrNameLst>
-                                      </p:cBhvr>
-                                      <p:to>
-                                        <p:strVal val="visible"/>
-                                      </p:to>
-                                    </p:set>
-                                    <p:anim calcmode="lin" valueType="num">
-                                      <p:cBhvr additive="base">
-                                        <p:cTn id="7" dur="500" fill="hold"/>
-                                        <p:tgtEl>
-                                          <p:spTgt spid="5"/>
-                                        </p:tgtEl>
-                                        <p:attrNameLst>
-                                          <p:attrName>ppt_x</p:attrName>
-                                        </p:attrNameLst>
-                                      </p:cBhvr>
-                                      <p:tavLst>
-                                        <p:tav tm="0">
-                                          <p:val>
-                                            <p:strVal val="#ppt_x"/>
-                                          </p:val>
-                                        </p:tav>
-                                        <p:tav tm="100000">
-                                          <p:val>
-                                            <p:strVal val="#ppt_x"/>
-                                          </p:val>
-                                        </p:tav>
-                                      </p:tavLst>
-                                    </p:anim>
-                                    <p:anim calcmode="lin" valueType="num">
-                                      <p:cBhvr additive="base">
-                                        <p:cTn id="8" dur="500" fill="hold"/>
-                                        <p:tgtEl>
-                                          <p:spTgt spid="5"/>
-                                        </p:tgtEl>
-                                        <p:attrNameLst>
-                                          <p:attrName>ppt_y</p:attrName>
-                                        </p:attrNameLst>
-                                      </p:cBhvr>
-                                      <p:tavLst>
-                                        <p:tav tm="0">
-                                          <p:val>
-                                            <p:strVal val="1+#ppt_h/2"/>
-                                          </p:val>
-                                        </p:tav>
-                                        <p:tav tm="100000">
-                                          <p:val>
-                                            <p:strVal val="#ppt_y"/>
-                                          </p:val>
-                                        </p:tav>
-                                      </p:tavLst>
-                                    </p:anim>
-                                  </p:childTnLst>
-                                </p:cTn>
-                              </p:par>
-                            </p:childTnLst>
-                          </p:cTn>
-                        </p:par>
-                      </p:childTnLst>
-                    </p:cTn>
-                  </p:par>
-                  <p:par>
-                    <p:cTn id="9" fill="hold">
-                      <p:stCondLst>
-                        <p:cond delay="indefinite"/>
-                      </p:stCondLst>
-                      <p:childTnLst>
-                        <p:par>
-                          <p:cTn id="10" fill="hold">
-                            <p:stCondLst>
-                              <p:cond delay="0"/>
-                            </p:stCondLst>
-                            <p:childTnLst>
-                              <p:par>
-                                <p:cTn id="11" presetID="2" presetClass="entr" presetSubtype="4" fill="hold" nodeType="clickEffect">
-                                  <p:stCondLst>
-                                    <p:cond delay="0"/>
-                                  </p:stCondLst>
-                                  <p:childTnLst>
-                                    <p:set>
-                                      <p:cBhvr>
-                                        <p:cTn id="12" dur="1" fill="hold">
                                           <p:stCondLst>
                                             <p:cond delay="0"/>
                                           </p:stCondLst>
@@ -26801,7 +26882,7 @@
                                     </p:set>
                                     <p:anim calcmode="lin" valueType="num">
                                       <p:cBhvr additive="base">
-                                        <p:cTn id="13" dur="500" fill="hold"/>
+                                        <p:cTn id="7" dur="500" fill="hold"/>
                                         <p:tgtEl>
                                           <p:spTgt spid="3"/>
                                         </p:tgtEl>
@@ -26824,7 +26905,7 @@
                                     </p:anim>
                                     <p:anim calcmode="lin" valueType="num">
                                       <p:cBhvr additive="base">
-                                        <p:cTn id="14" dur="500" fill="hold"/>
+                                        <p:cTn id="8" dur="500" fill="hold"/>
                                         <p:tgtEl>
                                           <p:spTgt spid="3"/>
                                         </p:tgtEl>
@@ -26852,20 +26933,20 @@
                           </p:cTn>
                         </p:par>
                         <p:par>
-                          <p:cTn id="15" fill="hold">
+                          <p:cTn id="9" fill="hold">
                             <p:stCondLst>
                               <p:cond delay="500"/>
                             </p:stCondLst>
                             <p:childTnLst>
                               <p:par>
-                                <p:cTn id="16" presetID="2" presetClass="entr" presetSubtype="4" fill="hold" grpId="0" nodeType="afterEffect">
+                                <p:cTn id="10" presetID="2" presetClass="entr" presetSubtype="4" fill="hold" grpId="0" nodeType="afterEffect">
                                   <p:stCondLst>
                                     <p:cond delay="0"/>
                                   </p:stCondLst>
                                   <p:childTnLst>
                                     <p:set>
                                       <p:cBhvr>
-                                        <p:cTn id="17" dur="1" fill="hold">
+                                        <p:cTn id="11" dur="1" fill="hold">
                                           <p:stCondLst>
                                             <p:cond delay="0"/>
                                           </p:stCondLst>
@@ -26883,7 +26964,7 @@
                                     </p:set>
                                     <p:anim calcmode="lin" valueType="num">
                                       <p:cBhvr additive="base">
-                                        <p:cTn id="18" dur="500" fill="hold"/>
+                                        <p:cTn id="12" dur="500" fill="hold"/>
                                         <p:tgtEl>
                                           <p:spTgt spid="4"/>
                                         </p:tgtEl>
@@ -26906,9 +26987,91 @@
                                     </p:anim>
                                     <p:anim calcmode="lin" valueType="num">
                                       <p:cBhvr additive="base">
-                                        <p:cTn id="19" dur="500" fill="hold"/>
+                                        <p:cTn id="13" dur="500" fill="hold"/>
                                         <p:tgtEl>
                                           <p:spTgt spid="4"/>
+                                        </p:tgtEl>
+                                        <p:attrNameLst>
+                                          <p:attrName>ppt_y</p:attrName>
+                                        </p:attrNameLst>
+                                      </p:cBhvr>
+                                      <p:tavLst>
+                                        <p:tav tm="0">
+                                          <p:val>
+                                            <p:strVal val="1+#ppt_h/2"/>
+                                          </p:val>
+                                        </p:tav>
+                                        <p:tav tm="100000">
+                                          <p:val>
+                                            <p:strVal val="#ppt_y"/>
+                                          </p:val>
+                                        </p:tav>
+                                      </p:tavLst>
+                                    </p:anim>
+                                  </p:childTnLst>
+                                </p:cTn>
+                              </p:par>
+                            </p:childTnLst>
+                          </p:cTn>
+                        </p:par>
+                        <p:par>
+                          <p:cTn id="14" fill="hold">
+                            <p:stCondLst>
+                              <p:cond delay="1000"/>
+                            </p:stCondLst>
+                            <p:childTnLst>
+                              <p:par>
+                                <p:cTn id="15" presetID="2" presetClass="entr" presetSubtype="4" fill="hold" grpId="0" nodeType="afterEffect">
+                                  <p:stCondLst>
+                                    <p:cond delay="0"/>
+                                  </p:stCondLst>
+                                  <p:childTnLst>
+                                    <p:set>
+                                      <p:cBhvr>
+                                        <p:cTn id="16" dur="1" fill="hold">
+                                          <p:stCondLst>
+                                            <p:cond delay="0"/>
+                                          </p:stCondLst>
+                                        </p:cTn>
+                                        <p:tgtEl>
+                                          <p:spTgt spid="6"/>
+                                        </p:tgtEl>
+                                        <p:attrNameLst>
+                                          <p:attrName>style.visibility</p:attrName>
+                                        </p:attrNameLst>
+                                      </p:cBhvr>
+                                      <p:to>
+                                        <p:strVal val="visible"/>
+                                      </p:to>
+                                    </p:set>
+                                    <p:anim calcmode="lin" valueType="num">
+                                      <p:cBhvr additive="base">
+                                        <p:cTn id="17" dur="500" fill="hold"/>
+                                        <p:tgtEl>
+                                          <p:spTgt spid="6"/>
+                                        </p:tgtEl>
+                                        <p:attrNameLst>
+                                          <p:attrName>ppt_x</p:attrName>
+                                        </p:attrNameLst>
+                                      </p:cBhvr>
+                                      <p:tavLst>
+                                        <p:tav tm="0">
+                                          <p:val>
+                                            <p:strVal val="#ppt_x"/>
+                                          </p:val>
+                                        </p:tav>
+                                        <p:tav tm="100000">
+                                          <p:val>
+                                            <p:strVal val="#ppt_x"/>
+                                          </p:val>
+                                        </p:tav>
+                                      </p:tavLst>
+                                    </p:anim>
+                                    <p:anim calcmode="lin" valueType="num">
+                                      <p:cBhvr additive="base">
+                                        <p:cTn id="18" dur="500" fill="hold"/>
+                                        <p:tgtEl>
+                                          <p:spTgt spid="6"/>
                                         </p:tgtEl>
                                         <p:attrNameLst>
                                           <p:attrName>ppt_y</p:attrName>
@@ -26959,7 +27122,7 @@
     </p:tnLst>
     <p:bldLst>
       <p:bldP spid="4" grpId="0"/>
-      <p:bldP spid="5" grpId="0"/>
+      <p:bldP spid="6" grpId="0"/>
     </p:bldLst>
   </p:timing>
 </p:sld>
@@ -29486,8 +29649,8 @@
         </p:nvSpPr>
         <p:spPr>
           <a:xfrm>
-            <a:off x="9173210" y="5363210"/>
-            <a:ext cx="2152015" cy="768350"/>
+            <a:off x="5655310" y="6127750"/>
+            <a:ext cx="3743325" cy="429895"/>
           </a:xfrm>
           <a:prstGeom prst="rect">
             <a:avLst/>
@@ -29520,16 +29683,6 @@
               </a:rPr>
               <a:t>demo15 </a:t>
             </a:r>
-            <a:endParaRPr lang="en-US" altLang="zh-CN" sz="2200">
-              <a:solidFill>
-                <a:srgbClr val="FF0000"/>
-              </a:solidFill>
-              <a:latin typeface="+mn-ea"/>
-              <a:ea typeface="+mn-ea"/>
-            </a:endParaRPr>
-          </a:p>
-          <a:p>
-            <a:pPr algn="l"/>
             <a:r>
               <a:rPr lang="zh-CN" altLang="en-US" sz="2200">
                 <a:solidFill>
@@ -29574,6 +29727,140 @@
           </a:prstGeom>
         </p:spPr>
       </p:pic>
+      <p:sp>
+        <p:nvSpPr>
+          <p:cNvPr id="4" name="文本框 3"/>
+          <p:cNvSpPr txBox="1"/>
+          <p:nvPr/>
+        </p:nvSpPr>
+        <p:spPr>
+          <a:xfrm>
+            <a:off x="4493260" y="1184910"/>
+            <a:ext cx="6831965" cy="429895"/>
+          </a:xfrm>
+          <a:prstGeom prst="rect">
+            <a:avLst/>
+          </a:prstGeom>
+          <a:noFill/>
+        </p:spPr>
+        <p:txBody>
+          <a:bodyPr wrap="square" rtlCol="0">
+            <a:spAutoFit/>
+          </a:bodyPr>
+          <a:p>
+            <a:pPr algn="l"/>
+            <a:r>
+              <a:rPr lang="zh-CN" sz="2200">
+                <a:solidFill>
+                  <a:schemeClr val="tx1"/>
+                </a:solidFill>
+                <a:latin typeface="+mn-ea"/>
+                <a:ea typeface="+mn-ea"/>
+              </a:rPr>
+              <a:t>单例模式实例：因为闭包，所以</a:t>
+            </a:r>
+            <a:r>
+              <a:rPr lang="en-US" altLang="zh-CN" sz="2200">
+                <a:solidFill>
+                  <a:schemeClr val="tx1"/>
+                </a:solidFill>
+                <a:latin typeface="+mn-ea"/>
+                <a:ea typeface="+mn-ea"/>
+              </a:rPr>
+              <a:t>a</a:t>
+            </a:r>
+            <a:r>
+              <a:rPr lang="zh-CN" altLang="en-US" sz="2200">
+                <a:solidFill>
+                  <a:schemeClr val="tx1"/>
+                </a:solidFill>
+                <a:latin typeface="+mn-ea"/>
+                <a:ea typeface="+mn-ea"/>
+              </a:rPr>
+              <a:t>常驻内存，始终存在</a:t>
+            </a:r>
+            <a:endParaRPr lang="zh-CN" altLang="en-US" sz="2200">
+              <a:solidFill>
+                <a:schemeClr val="tx1"/>
+              </a:solidFill>
+              <a:latin typeface="+mn-ea"/>
+              <a:ea typeface="+mn-ea"/>
+            </a:endParaRPr>
+          </a:p>
+        </p:txBody>
+      </p:sp>
+      <p:sp>
+        <p:nvSpPr>
+          <p:cNvPr id="5" name="文本框 4"/>
+          <p:cNvSpPr txBox="1"/>
+          <p:nvPr/>
+        </p:nvSpPr>
+        <p:spPr>
+          <a:xfrm>
+            <a:off x="5073650" y="5034280"/>
+            <a:ext cx="6592570" cy="429895"/>
+          </a:xfrm>
+          <a:prstGeom prst="rect">
+            <a:avLst/>
+          </a:prstGeom>
+          <a:noFill/>
+        </p:spPr>
+        <p:txBody>
+          <a:bodyPr wrap="square" rtlCol="0">
+            <a:spAutoFit/>
+          </a:bodyPr>
+          <a:p>
+            <a:pPr algn="l"/>
+            <a:r>
+              <a:rPr lang="zh-CN" sz="2200">
+                <a:solidFill>
+                  <a:schemeClr val="tx1"/>
+                </a:solidFill>
+                <a:latin typeface="+mn-ea"/>
+                <a:ea typeface="+mn-ea"/>
+              </a:rPr>
+              <a:t>定时修改</a:t>
+            </a:r>
+            <a:r>
+              <a:rPr lang="en-US" altLang="zh-CN" sz="2200">
+                <a:solidFill>
+                  <a:schemeClr val="tx1"/>
+                </a:solidFill>
+                <a:latin typeface="+mn-ea"/>
+                <a:ea typeface="+mn-ea"/>
+              </a:rPr>
+              <a:t>DOM</a:t>
+            </a:r>
+            <a:r>
+              <a:rPr lang="zh-CN" altLang="en-US" sz="2200">
+                <a:solidFill>
+                  <a:schemeClr val="tx1"/>
+                </a:solidFill>
+                <a:latin typeface="+mn-ea"/>
+                <a:ea typeface="+mn-ea"/>
+              </a:rPr>
+              <a:t>节点案例，升级版参见</a:t>
+            </a:r>
+            <a:r>
+              <a:rPr lang="en-US" altLang="zh-CN" sz="2200">
+                <a:solidFill>
+                  <a:schemeClr val="tx1"/>
+                </a:solidFill>
+                <a:latin typeface="+mn-ea"/>
+                <a:ea typeface="+mn-ea"/>
+              </a:rPr>
+              <a:t>index16.html</a:t>
+            </a:r>
+            <a:endParaRPr lang="en-US" altLang="zh-CN" sz="2200">
+              <a:solidFill>
+                <a:schemeClr val="tx1"/>
+              </a:solidFill>
+              <a:latin typeface="+mn-ea"/>
+              <a:ea typeface="+mn-ea"/>
+            </a:endParaRPr>
+          </a:p>
+        </p:txBody>
+      </p:sp>
     </p:spTree>
   </p:cSld>
   <p:clrMapOvr>
@@ -29591,9 +29878,6 @@
                     <p:cTn id="3" fill="hold">
                       <p:stCondLst>
                         <p:cond delay="indefinite"/>
-                        <p:cond evt="onBegin" delay="0">
-                          <p:tn val="2"/>
-                        </p:cond>
                       </p:stCondLst>
                       <p:childTnLst>
                         <p:par>
@@ -29603,7 +29887,7 @@
                             </p:stCondLst>
                             <p:childTnLst>
                               <p:par>
-                                <p:cTn id="5" presetID="2" presetClass="entr" presetSubtype="4" fill="hold" nodeType="afterEffect">
+                                <p:cTn id="5" presetID="2" presetClass="entr" presetSubtype="4" fill="hold" nodeType="clickEffect">
                                   <p:stCondLst>
                                     <p:cond delay="0"/>
                                   </p:stCondLst>
@@ -29675,6 +29959,161 @@
                                   </p:childTnLst>
                                 </p:cTn>
                               </p:par>
+                              <p:par>
+                                <p:cTn id="9" presetID="2" presetClass="entr" presetSubtype="4" fill="hold" grpId="0" nodeType="withEffect">
+                                  <p:stCondLst>
+                                    <p:cond delay="0"/>
+                                  </p:stCondLst>
+                                  <p:childTnLst>
+                                    <p:set>
+                                      <p:cBhvr>
+                                        <p:cTn id="10" dur="1" fill="hold">
+                                          <p:stCondLst>
+                                            <p:cond delay="0"/>
+                                          </p:stCondLst>
+                                        </p:cTn>
+                                        <p:tgtEl>
+                                          <p:spTgt spid="4"/>
+                                        </p:tgtEl>
+                                        <p:attrNameLst>
+                                          <p:attrName>style.visibility</p:attrName>
+                                        </p:attrNameLst>
+                                      </p:cBhvr>
+                                      <p:to>
+                                        <p:strVal val="visible"/>
+                                      </p:to>
+                                    </p:set>
+                                    <p:anim calcmode="lin" valueType="num">
+                                      <p:cBhvr additive="base">
+                                        <p:cTn id="11" dur="500" fill="hold"/>
+                                        <p:tgtEl>
+                                          <p:spTgt spid="4"/>
+                                        </p:tgtEl>
+                                        <p:attrNameLst>
+                                          <p:attrName>ppt_x</p:attrName>
+                                        </p:attrNameLst>
+                                      </p:cBhvr>
+                                      <p:tavLst>
+                                        <p:tav tm="0">
+                                          <p:val>
+                                            <p:strVal val="#ppt_x"/>
+                                          </p:val>
+                                        </p:tav>
+                                        <p:tav tm="100000">
+                                          <p:val>
+                                            <p:strVal val="#ppt_x"/>
+                                          </p:val>
+                                        </p:tav>
+                                      </p:tavLst>
+                                    </p:anim>
+                                    <p:anim calcmode="lin" valueType="num">
+                                      <p:cBhvr additive="base">
+                                        <p:cTn id="12" dur="500" fill="hold"/>
+                                        <p:tgtEl>
+                                          <p:spTgt spid="4"/>
+                                        </p:tgtEl>
+                                        <p:attrNameLst>
+                                          <p:attrName>ppt_y</p:attrName>
+                                        </p:attrNameLst>
+                                      </p:cBhvr>
+                                      <p:tavLst>
+                                        <p:tav tm="0">
+                                          <p:val>
+                                            <p:strVal val="1+#ppt_h/2"/>
+                                          </p:val>
+                                        </p:tav>
+                                        <p:tav tm="100000">
+                                          <p:val>
+                                            <p:strVal val="#ppt_y"/>
+                                          </p:val>
+                                        </p:tav>
+                                      </p:tavLst>
+                                    </p:anim>
+                                  </p:childTnLst>
+                                </p:cTn>
+                              </p:par>
+                            </p:childTnLst>
+                          </p:cTn>
+                        </p:par>
+                        <p:par>
+                          <p:cTn id="13" fill="hold">
+                            <p:stCondLst>
+                              <p:cond delay="500"/>
+                            </p:stCondLst>
+                            <p:childTnLst>
+                              <p:par>
+                                <p:cTn id="14" presetID="2" presetClass="entr" presetSubtype="4" fill="hold" grpId="0" nodeType="afterEffect">
+                                  <p:stCondLst>
+                                    <p:cond delay="0"/>
+                                  </p:stCondLst>
+                                  <p:childTnLst>
+                                    <p:set>
+                                      <p:cBhvr>
+                                        <p:cTn id="15" dur="1" fill="hold">
+                                          <p:stCondLst>
+                                            <p:cond delay="0"/>
+                                          </p:stCondLst>
+                                        </p:cTn>
+                                        <p:tgtEl>
+                                          <p:spTgt spid="6"/>
+                                        </p:tgtEl>
+                                        <p:attrNameLst>
+                                          <p:attrName>style.visibility</p:attrName>
+                                        </p:attrNameLst>
+                                      </p:cBhvr>
+                                      <p:to>
+                                        <p:strVal val="visible"/>
+                                      </p:to>
+                                    </p:set>
+                                    <p:anim calcmode="lin" valueType="num">
+                                      <p:cBhvr additive="base">
+                                        <p:cTn id="16" dur="500" fill="hold"/>
+                                        <p:tgtEl>
+                                          <p:spTgt spid="6"/>
+                                        </p:tgtEl>
+                                        <p:attrNameLst>
+                                          <p:attrName>ppt_x</p:attrName>
+                                        </p:attrNameLst>
+                                      </p:cBhvr>
+                                      <p:tavLst>
+                                        <p:tav tm="0">
+                                          <p:val>
+                                            <p:strVal val="#ppt_x"/>
+                                          </p:val>
+                                        </p:tav>
+                                        <p:tav tm="100000">
+                                          <p:val>
+                                            <p:strVal val="#ppt_x"/>
+                                          </p:val>
+                                        </p:tav>
+                                      </p:tavLst>
+                                    </p:anim>
+                                    <p:anim calcmode="lin" valueType="num">
+                                      <p:cBhvr additive="base">
+                                        <p:cTn id="17" dur="500" fill="hold"/>
+                                        <p:tgtEl>
+                                          <p:spTgt spid="6"/>
+                                        </p:tgtEl>
+                                        <p:attrNameLst>
+                                          <p:attrName>ppt_y</p:attrName>
+                                        </p:attrNameLst>
+                                      </p:cBhvr>
+                                      <p:tavLst>
+                                        <p:tav tm="0">
+                                          <p:val>
+                                            <p:strVal val="1+#ppt_h/2"/>
+                                          </p:val>
+                                        </p:tav>
+                                        <p:tav tm="100000">
+                                          <p:val>
+                                            <p:strVal val="#ppt_y"/>
+                                          </p:val>
+                                        </p:tav>
+                                      </p:tavLst>
+                                    </p:anim>
+                                  </p:childTnLst>
+                                </p:cTn>
+                              </p:par>
                             </p:childTnLst>
                           </p:cTn>
                         </p:par>
@@ -29682,26 +30121,26 @@
                     </p:cTn>
                   </p:par>
                   <p:par>
-                    <p:cTn id="9" fill="hold">
+                    <p:cTn id="18" fill="hold">
                       <p:stCondLst>
                         <p:cond delay="indefinite"/>
                       </p:stCondLst>
                       <p:childTnLst>
                         <p:par>
-                          <p:cTn id="10" fill="hold">
+                          <p:cTn id="19" fill="hold">
                             <p:stCondLst>
                               <p:cond delay="0"/>
                             </p:stCondLst>
                             <p:childTnLst>
                               <p:par>
-                                <p:cTn id="11" presetID="2" presetClass="entr" presetSubtype="4" fill="hold" nodeType="clickEffect">
+                                <p:cTn id="20" presetID="2" presetClass="entr" presetSubtype="4" fill="hold" nodeType="clickEffect">
                                   <p:stCondLst>
                                     <p:cond delay="0"/>
                                   </p:stCondLst>
                                   <p:childTnLst>
                                     <p:set>
                                       <p:cBhvr>
-                                        <p:cTn id="12" dur="1" fill="hold">
+                                        <p:cTn id="21" dur="1" fill="hold">
                                           <p:stCondLst>
                                             <p:cond delay="0"/>
                                           </p:stCondLst>
@@ -29719,7 +30158,7 @@
                                     </p:set>
                                     <p:anim calcmode="lin" valueType="num">
                                       <p:cBhvr additive="base">
-                                        <p:cTn id="13" dur="500" fill="hold"/>
+                                        <p:cTn id="22" dur="500" fill="hold"/>
                                         <p:tgtEl>
                                           <p:spTgt spid="9"/>
                                         </p:tgtEl>
@@ -29742,7 +30181,7 @@
                                     </p:anim>
                                     <p:anim calcmode="lin" valueType="num">
                                       <p:cBhvr additive="base">
-                                        <p:cTn id="14" dur="500" fill="hold"/>
+                                        <p:cTn id="23" dur="500" fill="hold"/>
                                         <p:tgtEl>
                                           <p:spTgt spid="9"/>
                                         </p:tgtEl>
@@ -29766,30 +30205,21 @@
                                   </p:childTnLst>
                                 </p:cTn>
                               </p:par>
-                            </p:childTnLst>
-                          </p:cTn>
-                        </p:par>
-                        <p:par>
-                          <p:cTn id="15" fill="hold">
-                            <p:stCondLst>
-                              <p:cond delay="500"/>
-                            </p:stCondLst>
-                            <p:childTnLst>
                               <p:par>
-                                <p:cTn id="16" presetID="2" presetClass="entr" presetSubtype="4" fill="hold" grpId="0" nodeType="afterEffect">
+                                <p:cTn id="24" presetID="2" presetClass="entr" presetSubtype="4" fill="hold" grpId="0" nodeType="withEffect">
                                   <p:stCondLst>
                                     <p:cond delay="0"/>
                                   </p:stCondLst>
                                   <p:childTnLst>
                                     <p:set>
                                       <p:cBhvr>
-                                        <p:cTn id="17" dur="1" fill="hold">
+                                        <p:cTn id="25" dur="1" fill="hold">
                                           <p:stCondLst>
                                             <p:cond delay="0"/>
                                           </p:stCondLst>
                                         </p:cTn>
                                         <p:tgtEl>
-                                          <p:spTgt spid="6"/>
+                                          <p:spTgt spid="5"/>
                                         </p:tgtEl>
                                         <p:attrNameLst>
                                           <p:attrName>style.visibility</p:attrName>
@@ -29801,9 +30231,9 @@
                                     </p:set>
                                     <p:anim calcmode="lin" valueType="num">
                                       <p:cBhvr additive="base">
-                                        <p:cTn id="18" dur="500" fill="hold"/>
+                                        <p:cTn id="26" dur="500" fill="hold"/>
                                         <p:tgtEl>
-                                          <p:spTgt spid="6"/>
+                                          <p:spTgt spid="5"/>
                                         </p:tgtEl>
                                         <p:attrNameLst>
                                           <p:attrName>ppt_x</p:attrName>
@@ -29824,9 +30254,9 @@
                                     </p:anim>
                                     <p:anim calcmode="lin" valueType="num">
                                       <p:cBhvr additive="base">
-                                        <p:cTn id="19" dur="500" fill="hold"/>
+                                        <p:cTn id="27" dur="500" fill="hold"/>
                                         <p:tgtEl>
-                                          <p:spTgt spid="6"/>
+                                          <p:spTgt spid="5"/>
                                         </p:tgtEl>
                                         <p:attrNameLst>
                                           <p:attrName>ppt_y</p:attrName>
@@ -29877,6 +30307,8 @@
     </p:tnLst>
     <p:bldLst>
       <p:bldP spid="6" grpId="0"/>
+      <p:bldP spid="4" grpId="0"/>
+      <p:bldP spid="5" grpId="0"/>
     </p:bldLst>
   </p:timing>
 </p:sld>

--- a/课程PPT/05.JavaScript函数进阶二.pptx
+++ b/课程PPT/05.JavaScript函数进阶二.pptx
@@ -16817,7 +16817,7 @@
         </p:nvSpPr>
         <p:spPr>
           <a:xfrm>
-            <a:off x="8086090" y="2537460"/>
+            <a:off x="8086090" y="4546600"/>
             <a:ext cx="3506470" cy="1783715"/>
           </a:xfrm>
           <a:prstGeom prst="rect">
@@ -17046,6 +17046,78 @@
           </a:prstGeom>
         </p:spPr>
       </p:pic>
+      <p:sp>
+        <p:nvSpPr>
+          <p:cNvPr id="3" name="文本框 2"/>
+          <p:cNvSpPr txBox="1"/>
+          <p:nvPr/>
+        </p:nvSpPr>
+        <p:spPr>
+          <a:xfrm>
+            <a:off x="7811135" y="2537460"/>
+            <a:ext cx="3903980" cy="1783715"/>
+          </a:xfrm>
+          <a:prstGeom prst="rect">
+            <a:avLst/>
+          </a:prstGeom>
+          <a:noFill/>
+        </p:spPr>
+        <p:txBody>
+          <a:bodyPr wrap="square" rtlCol="0">
+            <a:spAutoFit/>
+          </a:bodyPr>
+          <a:p>
+            <a:pPr algn="l"/>
+            <a:r>
+              <a:rPr lang="zh-CN" sz="2200">
+                <a:solidFill>
+                  <a:schemeClr val="tx1"/>
+                </a:solidFill>
+                <a:latin typeface="+mn-ea"/>
+                <a:ea typeface="+mn-ea"/>
+              </a:rPr>
+              <a:t>通过立即执行表达式来避免变量污染</a:t>
+            </a:r>
+            <a:endParaRPr lang="zh-CN" sz="2200">
+              <a:solidFill>
+                <a:schemeClr val="tx1"/>
+              </a:solidFill>
+              <a:latin typeface="+mn-ea"/>
+              <a:ea typeface="+mn-ea"/>
+            </a:endParaRPr>
+          </a:p>
+          <a:p>
+            <a:pPr algn="l"/>
+            <a:r>
+              <a:rPr lang="zh-CN" sz="2200">
+                <a:solidFill>
+                  <a:srgbClr val="FF0000"/>
+                </a:solidFill>
+                <a:latin typeface="+mn-ea"/>
+                <a:ea typeface="+mn-ea"/>
+              </a:rPr>
+              <a:t>思考：</a:t>
+            </a:r>
+            <a:r>
+              <a:rPr lang="zh-CN" sz="2200">
+                <a:solidFill>
+                  <a:schemeClr val="tx1"/>
+                </a:solidFill>
+                <a:latin typeface="+mn-ea"/>
+                <a:ea typeface="+mn-ea"/>
+              </a:rPr>
+              <a:t>如果不用立即执行表达式，而是直接写函数，然后再调用，是否可以实现同等效果</a:t>
+            </a:r>
+            <a:endParaRPr lang="zh-CN" sz="2200">
+              <a:solidFill>
+                <a:schemeClr val="tx1"/>
+              </a:solidFill>
+              <a:latin typeface="+mn-ea"/>
+              <a:ea typeface="+mn-ea"/>
+            </a:endParaRPr>
+          </a:p>
+        </p:txBody>
+      </p:sp>
     </p:spTree>
   </p:cSld>
   <p:clrMapOvr>
@@ -17413,7 +17485,7 @@
                                           </p:stCondLst>
                                         </p:cTn>
                                         <p:tgtEl>
-                                          <p:spTgt spid="10"/>
+                                          <p:spTgt spid="3"/>
                                         </p:tgtEl>
                                         <p:attrNameLst>
                                           <p:attrName>style.visibility</p:attrName>
@@ -17427,6 +17499,97 @@
                                       <p:cBhvr additive="base">
                                         <p:cTn id="27" dur="500" fill="hold"/>
                                         <p:tgtEl>
+                                          <p:spTgt spid="3"/>
+                                        </p:tgtEl>
+                                        <p:attrNameLst>
+                                          <p:attrName>ppt_x</p:attrName>
+                                        </p:attrNameLst>
+                                      </p:cBhvr>
+                                      <p:tavLst>
+                                        <p:tav tm="0">
+                                          <p:val>
+                                            <p:strVal val="#ppt_x"/>
+                                          </p:val>
+                                        </p:tav>
+                                        <p:tav tm="100000">
+                                          <p:val>
+                                            <p:strVal val="#ppt_x"/>
+                                          </p:val>
+                                        </p:tav>
+                                      </p:tavLst>
+                                    </p:anim>
+                                    <p:anim calcmode="lin" valueType="num">
+                                      <p:cBhvr additive="base">
+                                        <p:cTn id="28" dur="500" fill="hold"/>
+                                        <p:tgtEl>
+                                          <p:spTgt spid="3"/>
+                                        </p:tgtEl>
+                                        <p:attrNameLst>
+                                          <p:attrName>ppt_y</p:attrName>
+                                        </p:attrNameLst>
+                                      </p:cBhvr>
+                                      <p:tavLst>
+                                        <p:tav tm="0">
+                                          <p:val>
+                                            <p:strVal val="1+#ppt_h/2"/>
+                                          </p:val>
+                                        </p:tav>
+                                        <p:tav tm="100000">
+                                          <p:val>
+                                            <p:strVal val="#ppt_y"/>
+                                          </p:val>
+                                        </p:tav>
+                                      </p:tavLst>
+                                    </p:anim>
+                                  </p:childTnLst>
+                                </p:cTn>
+                              </p:par>
+                            </p:childTnLst>
+                          </p:cTn>
+                        </p:par>
+                      </p:childTnLst>
+                    </p:cTn>
+                  </p:par>
+                  <p:par>
+                    <p:cTn id="29" fill="hold">
+                      <p:stCondLst>
+                        <p:cond delay="indefinite"/>
+                      </p:stCondLst>
+                      <p:childTnLst>
+                        <p:par>
+                          <p:cTn id="30" fill="hold">
+                            <p:stCondLst>
+                              <p:cond delay="0"/>
+                            </p:stCondLst>
+                            <p:childTnLst>
+                              <p:par>
+                                <p:cTn id="31" presetID="2" presetClass="entr" presetSubtype="4" fill="hold" grpId="0" nodeType="clickEffect">
+                                  <p:stCondLst>
+                                    <p:cond delay="0"/>
+                                  </p:stCondLst>
+                                  <p:childTnLst>
+                                    <p:set>
+                                      <p:cBhvr>
+                                        <p:cTn id="32" dur="1" fill="hold">
+                                          <p:stCondLst>
+                                            <p:cond delay="0"/>
+                                          </p:stCondLst>
+                                        </p:cTn>
+                                        <p:tgtEl>
+                                          <p:spTgt spid="10"/>
+                                        </p:tgtEl>
+                                        <p:attrNameLst>
+                                          <p:attrName>style.visibility</p:attrName>
+                                        </p:attrNameLst>
+                                      </p:cBhvr>
+                                      <p:to>
+                                        <p:strVal val="visible"/>
+                                      </p:to>
+                                    </p:set>
+                                    <p:anim calcmode="lin" valueType="num">
+                                      <p:cBhvr additive="base">
+                                        <p:cTn id="33" dur="500" fill="hold"/>
+                                        <p:tgtEl>
                                           <p:spTgt spid="10"/>
                                         </p:tgtEl>
                                         <p:attrNameLst>
@@ -17448,7 +17611,7 @@
                                     </p:anim>
                                     <p:anim calcmode="lin" valueType="num">
                                       <p:cBhvr additive="base">
-                                        <p:cTn id="28" dur="500" fill="hold"/>
+                                        <p:cTn id="34" dur="500" fill="hold"/>
                                         <p:tgtEl>
                                           <p:spTgt spid="10"/>
                                         </p:tgtEl>
@@ -17503,6 +17666,7 @@
       <p:bldP spid="9" grpId="0"/>
       <p:bldP spid="11" grpId="0"/>
       <p:bldP spid="10" grpId="0"/>
+      <p:bldP spid="3" grpId="0"/>
     </p:bldLst>
   </p:timing>
 </p:sld>
@@ -22285,8 +22449,8 @@
         </p:nvSpPr>
         <p:spPr bwMode="auto">
           <a:xfrm>
-            <a:off x="5381626" y="4143375"/>
-            <a:ext cx="5286375" cy="583565"/>
+            <a:off x="5381625" y="4143375"/>
+            <a:ext cx="4123690" cy="583565"/>
           </a:xfrm>
           <a:prstGeom prst="rect">
             <a:avLst/>
@@ -22316,7 +22480,7 @@
           </a:extLst>
         </p:spPr>
         <p:txBody>
-          <a:bodyPr>
+          <a:bodyPr wrap="square">
             <a:spAutoFit/>
           </a:bodyPr>
           <a:lstStyle>
@@ -22446,9 +22610,9 @@
                 <a:latin typeface="+mj-ea"/>
                 <a:ea typeface="+mj-ea"/>
               </a:rPr>
-              <a:t>闭包</a:t>
-            </a:r>
-            <a:endParaRPr lang="zh-CN" altLang="en-US" dirty="0">
+              <a:t>闭包（closure）</a:t>
+            </a:r>
+            <a:endParaRPr lang="zh-CN" altLang="en-US">
               <a:latin typeface="+mj-ea"/>
               <a:ea typeface="+mj-ea"/>
             </a:endParaRPr>
@@ -23294,7 +23458,25 @@
               <a:rPr kumimoji="0" lang="zh-CN" altLang="en-US" dirty="0">
                 <a:sym typeface="+mn-ea"/>
               </a:rPr>
-              <a:t>闭包的概念</a:t>
+              <a:t>闭包（</a:t>
+            </a:r>
+            <a:r>
+              <a:rPr kumimoji="0" lang="en-US" altLang="zh-CN" dirty="0">
+                <a:sym typeface="+mn-ea"/>
+              </a:rPr>
+              <a:t>closure</a:t>
+            </a:r>
+            <a:r>
+              <a:rPr kumimoji="0" lang="zh-CN" altLang="en-US" dirty="0">
+                <a:sym typeface="+mn-ea"/>
+              </a:rPr>
+              <a:t>）</a:t>
+            </a:r>
+            <a:r>
+              <a:rPr kumimoji="0" lang="zh-CN" altLang="en-US" dirty="0">
+                <a:sym typeface="+mn-ea"/>
+              </a:rPr>
+              <a:t>的概念</a:t>
             </a:r>
             <a:endParaRPr kumimoji="0" lang="zh-CN" altLang="en-US" dirty="0"/>
           </a:p>
@@ -24854,7 +25036,7 @@
       </p:sp>
       <p:pic>
         <p:nvPicPr>
-          <p:cNvPr id="7" name="图片 6"/>
+          <p:cNvPr id="7" name="图片 6" descr="C:\Users\qile\Desktop\捕获.PNG捕获"/>
           <p:cNvPicPr>
             <a:picLocks noChangeAspect="1"/>
           </p:cNvPicPr>
@@ -24862,14 +25044,15 @@
         </p:nvPicPr>
         <p:blipFill>
           <a:blip r:embed="rId1"/>
+          <a:srcRect/>
           <a:stretch>
             <a:fillRect/>
           </a:stretch>
         </p:blipFill>
         <p:spPr>
           <a:xfrm>
-            <a:off x="1019175" y="1104265"/>
-            <a:ext cx="7920990" cy="4733925"/>
+            <a:off x="1019175" y="1134428"/>
+            <a:ext cx="7920990" cy="4673600"/>
           </a:xfrm>
           <a:prstGeom prst="rect">
             <a:avLst/>
@@ -24884,8 +25067,8 @@
         </p:nvSpPr>
         <p:spPr>
           <a:xfrm>
-            <a:off x="6529070" y="4590415"/>
-            <a:ext cx="3284220" cy="1445260"/>
+            <a:off x="5917565" y="4590415"/>
+            <a:ext cx="4431030" cy="1445260"/>
           </a:xfrm>
           <a:prstGeom prst="rect">
             <a:avLst/>
@@ -24971,6 +25154,26 @@
             <a:endParaRPr lang="zh-CN" altLang="en-US" sz="2200">
               <a:solidFill>
                 <a:schemeClr val="tx1"/>
+              </a:solidFill>
+              <a:latin typeface="+mn-ea"/>
+              <a:ea typeface="+mn-ea"/>
+            </a:endParaRPr>
+          </a:p>
+          <a:p>
+            <a:pPr algn="l"/>
+            <a:r>
+              <a:rPr lang="zh-CN" altLang="en-US" sz="2200">
+                <a:solidFill>
+                  <a:srgbClr val="FF0000"/>
+                </a:solidFill>
+                <a:latin typeface="+mn-ea"/>
+                <a:ea typeface="+mn-ea"/>
+              </a:rPr>
+              <a:t>使用断点调试查看代码的运行状况</a:t>
+            </a:r>
+            <a:endParaRPr lang="zh-CN" altLang="en-US" sz="2200">
+              <a:solidFill>
+                <a:srgbClr val="FF0000"/>
               </a:solidFill>
               <a:latin typeface="+mn-ea"/>
               <a:ea typeface="+mn-ea"/>
@@ -25501,6 +25704,128 @@
           </a:prstGeom>
         </p:spPr>
       </p:pic>
+      <p:sp>
+        <p:nvSpPr>
+          <p:cNvPr id="5" name="文本框 4"/>
+          <p:cNvSpPr txBox="1"/>
+          <p:nvPr/>
+        </p:nvSpPr>
+        <p:spPr>
+          <a:xfrm>
+            <a:off x="5917565" y="4590415"/>
+            <a:ext cx="4431030" cy="1445260"/>
+          </a:xfrm>
+          <a:prstGeom prst="rect">
+            <a:avLst/>
+          </a:prstGeom>
+          <a:noFill/>
+        </p:spPr>
+        <p:txBody>
+          <a:bodyPr wrap="square" rtlCol="0">
+            <a:spAutoFit/>
+          </a:bodyPr>
+          <a:p>
+            <a:pPr algn="l"/>
+            <a:r>
+              <a:rPr lang="zh-CN" altLang="en-US" sz="2200">
+                <a:solidFill>
+                  <a:schemeClr val="tx1"/>
+                </a:solidFill>
+                <a:latin typeface="+mn-ea"/>
+                <a:ea typeface="+mn-ea"/>
+              </a:rPr>
+              <a:t>思考：此实例中</a:t>
+            </a:r>
+            <a:r>
+              <a:rPr lang="en-US" altLang="zh-CN" sz="2200">
+                <a:solidFill>
+                  <a:schemeClr val="tx1"/>
+                </a:solidFill>
+                <a:latin typeface="+mn-ea"/>
+                <a:ea typeface="+mn-ea"/>
+              </a:rPr>
+              <a:t>bar</a:t>
+            </a:r>
+            <a:r>
+              <a:rPr lang="zh-CN" altLang="en-US" sz="2200">
+                <a:solidFill>
+                  <a:schemeClr val="tx1"/>
+                </a:solidFill>
+                <a:latin typeface="+mn-ea"/>
+                <a:ea typeface="+mn-ea"/>
+              </a:rPr>
+              <a:t>函数对象相关作用域的变量都有哪些？</a:t>
+            </a:r>
+            <a:r>
+              <a:rPr lang="en-US" altLang="zh-CN" sz="2200">
+                <a:solidFill>
+                  <a:schemeClr val="tx1"/>
+                </a:solidFill>
+                <a:latin typeface="+mn-ea"/>
+                <a:ea typeface="+mn-ea"/>
+              </a:rPr>
+              <a:t>foo</a:t>
+            </a:r>
+            <a:r>
+              <a:rPr lang="zh-CN" altLang="en-US" sz="2200">
+                <a:solidFill>
+                  <a:schemeClr val="tx1"/>
+                </a:solidFill>
+                <a:latin typeface="+mn-ea"/>
+                <a:ea typeface="+mn-ea"/>
+              </a:rPr>
+              <a:t>中的</a:t>
+            </a:r>
+            <a:r>
+              <a:rPr lang="en-US" altLang="zh-CN" sz="2200">
+                <a:solidFill>
+                  <a:schemeClr val="tx1"/>
+                </a:solidFill>
+                <a:latin typeface="+mn-ea"/>
+                <a:ea typeface="+mn-ea"/>
+              </a:rPr>
+              <a:t>tmp</a:t>
+            </a:r>
+            <a:r>
+              <a:rPr lang="zh-CN" altLang="en-US" sz="2200">
+                <a:solidFill>
+                  <a:schemeClr val="tx1"/>
+                </a:solidFill>
+                <a:latin typeface="+mn-ea"/>
+                <a:ea typeface="+mn-ea"/>
+              </a:rPr>
+              <a:t>是否调用后就释放？</a:t>
+            </a:r>
+            <a:endParaRPr lang="zh-CN" altLang="en-US" sz="2200">
+              <a:solidFill>
+                <a:schemeClr val="tx1"/>
+              </a:solidFill>
+              <a:latin typeface="+mn-ea"/>
+              <a:ea typeface="+mn-ea"/>
+            </a:endParaRPr>
+          </a:p>
+          <a:p>
+            <a:pPr algn="l"/>
+            <a:r>
+              <a:rPr lang="zh-CN" altLang="en-US" sz="2200">
+                <a:solidFill>
+                  <a:srgbClr val="FF0000"/>
+                </a:solidFill>
+                <a:latin typeface="+mn-ea"/>
+                <a:ea typeface="+mn-ea"/>
+              </a:rPr>
+              <a:t>使用断点调试查看代码的运行状况</a:t>
+            </a:r>
+            <a:endParaRPr lang="zh-CN" altLang="en-US" sz="2200">
+              <a:solidFill>
+                <a:srgbClr val="FF0000"/>
+              </a:solidFill>
+              <a:latin typeface="+mn-ea"/>
+              <a:ea typeface="+mn-ea"/>
+            </a:endParaRPr>
+          </a:p>
+        </p:txBody>
+      </p:sp>
     </p:spTree>
   </p:cSld>
   <p:clrMapOvr>
@@ -25605,21 +25930,112 @@
                             </p:childTnLst>
                           </p:cTn>
                         </p:par>
+                      </p:childTnLst>
+                    </p:cTn>
+                  </p:par>
+                  <p:par>
+                    <p:cTn id="9" fill="hold">
+                      <p:stCondLst>
+                        <p:cond delay="indefinite"/>
+                      </p:stCondLst>
+                      <p:childTnLst>
                         <p:par>
-                          <p:cTn id="9" fill="hold">
+                          <p:cTn id="10" fill="hold">
                             <p:stCondLst>
-                              <p:cond delay="500"/>
+                              <p:cond delay="0"/>
                             </p:stCondLst>
                             <p:childTnLst>
                               <p:par>
-                                <p:cTn id="10" presetID="2" presetClass="entr" presetSubtype="4" fill="hold" grpId="0" nodeType="afterEffect">
+                                <p:cTn id="11" presetID="2" presetClass="entr" presetSubtype="4" fill="hold" grpId="0" nodeType="clickEffect">
                                   <p:stCondLst>
                                     <p:cond delay="0"/>
                                   </p:stCondLst>
                                   <p:childTnLst>
                                     <p:set>
                                       <p:cBhvr>
-                                        <p:cTn id="11" dur="1" fill="hold">
+                                        <p:cTn id="12" dur="1" fill="hold">
+                                          <p:stCondLst>
+                                            <p:cond delay="0"/>
+                                          </p:stCondLst>
+                                        </p:cTn>
+                                        <p:tgtEl>
+                                          <p:spTgt spid="5"/>
+                                        </p:tgtEl>
+                                        <p:attrNameLst>
+                                          <p:attrName>style.visibility</p:attrName>
+                                        </p:attrNameLst>
+                                      </p:cBhvr>
+                                      <p:to>
+                                        <p:strVal val="visible"/>
+                                      </p:to>
+                                    </p:set>
+                                    <p:anim calcmode="lin" valueType="num">
+                                      <p:cBhvr additive="base">
+                                        <p:cTn id="13" dur="500" fill="hold"/>
+                                        <p:tgtEl>
+                                          <p:spTgt spid="5"/>
+                                        </p:tgtEl>
+                                        <p:attrNameLst>
+                                          <p:attrName>ppt_x</p:attrName>
+                                        </p:attrNameLst>
+                                      </p:cBhvr>
+                                      <p:tavLst>
+                                        <p:tav tm="0">
+                                          <p:val>
+                                            <p:strVal val="#ppt_x"/>
+                                          </p:val>
+                                        </p:tav>
+                                        <p:tav tm="100000">
+                                          <p:val>
+                                            <p:strVal val="#ppt_x"/>
+                                          </p:val>
+                                        </p:tav>
+                                      </p:tavLst>
+                                    </p:anim>
+                                    <p:anim calcmode="lin" valueType="num">
+                                      <p:cBhvr additive="base">
+                                        <p:cTn id="14" dur="500" fill="hold"/>
+                                        <p:tgtEl>
+                                          <p:spTgt spid="5"/>
+                                        </p:tgtEl>
+                                        <p:attrNameLst>
+                                          <p:attrName>ppt_y</p:attrName>
+                                        </p:attrNameLst>
+                                      </p:cBhvr>
+                                      <p:tavLst>
+                                        <p:tav tm="0">
+                                          <p:val>
+                                            <p:strVal val="1+#ppt_h/2"/>
+                                          </p:val>
+                                        </p:tav>
+                                        <p:tav tm="100000">
+                                          <p:val>
+                                            <p:strVal val="#ppt_y"/>
+                                          </p:val>
+                                        </p:tav>
+                                      </p:tavLst>
+                                    </p:anim>
+                                  </p:childTnLst>
+                                </p:cTn>
+                              </p:par>
+                            </p:childTnLst>
+                          </p:cTn>
+                        </p:par>
+                        <p:par>
+                          <p:cTn id="15" fill="hold">
+                            <p:stCondLst>
+                              <p:cond delay="500"/>
+                            </p:stCondLst>
+                            <p:childTnLst>
+                              <p:par>
+                                <p:cTn id="16" presetID="2" presetClass="entr" presetSubtype="4" fill="hold" grpId="0" nodeType="afterEffect">
+                                  <p:stCondLst>
+                                    <p:cond delay="0"/>
+                                  </p:stCondLst>
+                                  <p:childTnLst>
+                                    <p:set>
+                                      <p:cBhvr>
+                                        <p:cTn id="17" dur="1" fill="hold">
                                           <p:stCondLst>
                                             <p:cond delay="0"/>
                                           </p:stCondLst>
@@ -25637,7 +26053,7 @@
                                     </p:set>
                                     <p:anim calcmode="lin" valueType="num">
                                       <p:cBhvr additive="base">
-                                        <p:cTn id="12" dur="500" fill="hold"/>
+                                        <p:cTn id="18" dur="500" fill="hold"/>
                                         <p:tgtEl>
                                           <p:spTgt spid="4"/>
                                         </p:tgtEl>
@@ -25660,7 +26076,7 @@
                                     </p:anim>
                                     <p:anim calcmode="lin" valueType="num">
                                       <p:cBhvr additive="base">
-                                        <p:cTn id="13" dur="500" fill="hold"/>
+                                        <p:cTn id="19" dur="500" fill="hold"/>
                                         <p:tgtEl>
                                           <p:spTgt spid="4"/>
                                         </p:tgtEl>
@@ -25713,6 +26129,7 @@
     </p:tnLst>
     <p:bldLst>
       <p:bldP spid="4" grpId="0"/>
+      <p:bldP spid="5" grpId="0"/>
     </p:bldLst>
   </p:timing>
 </p:sld>
@@ -25939,8 +26356,8 @@
         </p:nvSpPr>
         <p:spPr>
           <a:xfrm>
-            <a:off x="7031355" y="4805680"/>
-            <a:ext cx="3284220" cy="768350"/>
+            <a:off x="6358255" y="4805680"/>
+            <a:ext cx="4615180" cy="768350"/>
           </a:xfrm>
           <a:prstGeom prst="rect">
             <a:avLst/>
@@ -25972,6 +26389,27 @@
                 <a:ea typeface="+mn-ea"/>
               </a:rPr>
               <a:t>总共有几个闭包？</a:t>
+            </a:r>
+            <a:endParaRPr lang="zh-CN" sz="2200">
+              <a:solidFill>
+                <a:schemeClr val="tx1"/>
+              </a:solidFill>
+              <a:latin typeface="+mn-ea"/>
+              <a:ea typeface="+mn-ea"/>
+            </a:endParaRPr>
+          </a:p>
+          <a:p>
+            <a:pPr algn="l"/>
+            <a:r>
+              <a:rPr lang="zh-CN" altLang="en-US" sz="2200">
+                <a:solidFill>
+                  <a:srgbClr val="FF0000"/>
+                </a:solidFill>
+                <a:latin typeface="+mn-ea"/>
+                <a:ea typeface="+mn-ea"/>
+                <a:sym typeface="+mn-ea"/>
+              </a:rPr>
+              <a:t>使用断点调试查看代码的运行状况</a:t>
             </a:r>
             <a:endParaRPr lang="zh-CN" sz="2200">
               <a:solidFill>
@@ -26788,7 +27226,7 @@
         <p:spPr>
           <a:xfrm>
             <a:off x="6385560" y="4805680"/>
-            <a:ext cx="2897505" cy="429895"/>
+            <a:ext cx="2897505" cy="1106805"/>
           </a:xfrm>
           <a:prstGeom prst="rect">
             <a:avLst/>
@@ -26820,6 +27258,27 @@
                 <a:ea typeface="+mn-ea"/>
               </a:rPr>
               <a:t>？</a:t>
+            </a:r>
+            <a:endParaRPr lang="zh-CN" sz="2200">
+              <a:solidFill>
+                <a:schemeClr val="tx1"/>
+              </a:solidFill>
+              <a:latin typeface="+mn-ea"/>
+              <a:ea typeface="+mn-ea"/>
+            </a:endParaRPr>
+          </a:p>
+          <a:p>
+            <a:pPr algn="l"/>
+            <a:r>
+              <a:rPr lang="zh-CN" altLang="en-US" sz="2200">
+                <a:solidFill>
+                  <a:srgbClr val="FF0000"/>
+                </a:solidFill>
+                <a:latin typeface="+mn-ea"/>
+                <a:ea typeface="+mn-ea"/>
+                <a:sym typeface="+mn-ea"/>
+              </a:rPr>
+              <a:t>使用断点调试查看代码的运行状况</a:t>
             </a:r>
             <a:endParaRPr lang="zh-CN" sz="2200">
               <a:solidFill>
@@ -29409,21 +29868,30 @@
                             </p:childTnLst>
                           </p:cTn>
                         </p:par>
+                      </p:childTnLst>
+                    </p:cTn>
+                  </p:par>
+                  <p:par>
+                    <p:cTn id="25" fill="hold">
+                      <p:stCondLst>
+                        <p:cond delay="indefinite"/>
+                      </p:stCondLst>
+                      <p:childTnLst>
                         <p:par>
-                          <p:cTn id="25" fill="hold">
+                          <p:cTn id="26" fill="hold">
                             <p:stCondLst>
-                              <p:cond delay="1000"/>
+                              <p:cond delay="0"/>
                             </p:stCondLst>
                             <p:childTnLst>
                               <p:par>
-                                <p:cTn id="26" presetID="2" presetClass="entr" presetSubtype="4" fill="hold" grpId="0" nodeType="afterEffect">
+                                <p:cTn id="27" presetID="2" presetClass="entr" presetSubtype="4" fill="hold" grpId="0" nodeType="clickEffect">
                                   <p:stCondLst>
                                     <p:cond delay="0"/>
                                   </p:stCondLst>
                                   <p:childTnLst>
                                     <p:set>
                                       <p:cBhvr>
-                                        <p:cTn id="27" dur="1" fill="hold">
+                                        <p:cTn id="28" dur="1" fill="hold">
                                           <p:stCondLst>
                                             <p:cond delay="0"/>
                                           </p:stCondLst>
@@ -29441,7 +29909,7 @@
                                     </p:set>
                                     <p:anim calcmode="lin" valueType="num">
                                       <p:cBhvr additive="base">
-                                        <p:cTn id="28" dur="500" fill="hold"/>
+                                        <p:cTn id="29" dur="500" fill="hold"/>
                                         <p:tgtEl>
                                           <p:spTgt spid="6"/>
                                         </p:tgtEl>
@@ -29464,7 +29932,7 @@
                                     </p:anim>
                                     <p:anim calcmode="lin" valueType="num">
                                       <p:cBhvr additive="base">
-                                        <p:cTn id="29" dur="500" fill="hold"/>
+                                        <p:cTn id="30" dur="500" fill="hold"/>
                                         <p:tgtEl>
                                           <p:spTgt spid="6"/>
                                         </p:tgtEl>
@@ -29633,7 +30101,7 @@
         </p:blipFill>
         <p:spPr>
           <a:xfrm>
-            <a:off x="765810" y="3657600"/>
+            <a:off x="765810" y="3442335"/>
             <a:ext cx="8784590" cy="2266950"/>
           </a:xfrm>
           <a:prstGeom prst="rect">
@@ -29649,8 +30117,8 @@
         </p:nvSpPr>
         <p:spPr>
           <a:xfrm>
-            <a:off x="5655310" y="6127750"/>
-            <a:ext cx="3743325" cy="429895"/>
+            <a:off x="5121275" y="5912485"/>
+            <a:ext cx="6591300" cy="768350"/>
           </a:xfrm>
           <a:prstGeom prst="rect">
             <a:avLst/>
@@ -29692,6 +30160,56 @@
                 <a:ea typeface="+mn-ea"/>
               </a:rPr>
               <a:t>闭包应用案例</a:t>
+            </a:r>
+            <a:endParaRPr lang="zh-CN" altLang="en-US" sz="2200">
+              <a:solidFill>
+                <a:srgbClr val="FF0000"/>
+              </a:solidFill>
+              <a:latin typeface="+mn-ea"/>
+              <a:ea typeface="+mn-ea"/>
+            </a:endParaRPr>
+          </a:p>
+          <a:p>
+            <a:pPr algn="l"/>
+            <a:r>
+              <a:rPr lang="zh-CN" altLang="en-US" sz="2200">
+                <a:solidFill>
+                  <a:srgbClr val="FF0000"/>
+                </a:solidFill>
+                <a:latin typeface="+mn-ea"/>
+                <a:ea typeface="+mn-ea"/>
+              </a:rPr>
+              <a:t>实例</a:t>
+            </a:r>
+            <a:r>
+              <a:rPr lang="en-US" altLang="zh-CN" sz="2200">
+                <a:solidFill>
+                  <a:srgbClr val="FF0000"/>
+                </a:solidFill>
+                <a:latin typeface="+mn-ea"/>
+                <a:ea typeface="+mn-ea"/>
+              </a:rPr>
+              <a:t>demo16 index16.html </a:t>
+            </a:r>
+            <a:r>
+              <a:rPr lang="zh-CN" sz="2200">
+                <a:solidFill>
+                  <a:srgbClr val="FF0000"/>
+                </a:solidFill>
+                <a:latin typeface="+mn-ea"/>
+                <a:ea typeface="+mn-ea"/>
+              </a:rPr>
+              <a:t>函数相关</a:t>
+            </a:r>
+            <a:r>
+              <a:rPr lang="zh-CN" altLang="en-US" sz="2200">
+                <a:solidFill>
+                  <a:srgbClr val="FF0000"/>
+                </a:solidFill>
+                <a:latin typeface="+mn-ea"/>
+                <a:ea typeface="+mn-ea"/>
+              </a:rPr>
+              <a:t>操作综合实例</a:t>
             </a:r>
             <a:endParaRPr lang="zh-CN" altLang="en-US" sz="2200">
               <a:solidFill>
@@ -29719,7 +30237,7 @@
         </p:blipFill>
         <p:spPr>
           <a:xfrm>
-            <a:off x="795655" y="1008380"/>
+            <a:off x="795655" y="936625"/>
             <a:ext cx="11317605" cy="2338070"/>
           </a:xfrm>
           <a:prstGeom prst="rect">
@@ -29797,8 +30315,8 @@
         </p:nvSpPr>
         <p:spPr>
           <a:xfrm>
-            <a:off x="5073650" y="5034280"/>
-            <a:ext cx="6592570" cy="429895"/>
+            <a:off x="4630420" y="4819015"/>
+            <a:ext cx="7311390" cy="429895"/>
           </a:xfrm>
           <a:prstGeom prst="rect">
             <a:avLst/>
@@ -29839,7 +30357,7 @@
                 <a:latin typeface="+mn-ea"/>
                 <a:ea typeface="+mn-ea"/>
               </a:rPr>
-              <a:t>节点案例，升级版参见</a:t>
+              <a:t>节点案例，</a:t>
             </a:r>
             <a:r>
               <a:rPr lang="en-US" altLang="zh-CN" sz="2200">
@@ -29849,7 +30367,27 @@
                 <a:latin typeface="+mn-ea"/>
                 <a:ea typeface="+mn-ea"/>
               </a:rPr>
-              <a:t>index16.html</a:t>
+              <a:t>1</a:t>
+            </a:r>
+            <a:r>
+              <a:rPr lang="zh-CN" altLang="en-US" sz="2200">
+                <a:solidFill>
+                  <a:schemeClr val="tx1"/>
+                </a:solidFill>
+                <a:latin typeface="+mn-ea"/>
+                <a:ea typeface="+mn-ea"/>
+              </a:rPr>
+              <a:t>秒后执行，仍能访问到</a:t>
+            </a:r>
+            <a:r>
+              <a:rPr lang="en-US" altLang="zh-CN" sz="2200">
+                <a:solidFill>
+                  <a:schemeClr val="tx1"/>
+                </a:solidFill>
+                <a:latin typeface="+mn-ea"/>
+                <a:ea typeface="+mn-ea"/>
+              </a:rPr>
+              <a:t>objID</a:t>
             </a:r>
             <a:endParaRPr lang="en-US" altLang="zh-CN" sz="2200">
               <a:solidFill>
@@ -30035,21 +30573,185 @@
                             </p:childTnLst>
                           </p:cTn>
                         </p:par>
+                      </p:childTnLst>
+                    </p:cTn>
+                  </p:par>
+                  <p:par>
+                    <p:cTn id="13" fill="hold">
+                      <p:stCondLst>
+                        <p:cond delay="indefinite"/>
+                      </p:stCondLst>
+                      <p:childTnLst>
                         <p:par>
-                          <p:cTn id="13" fill="hold">
+                          <p:cTn id="14" fill="hold">
                             <p:stCondLst>
-                              <p:cond delay="500"/>
+                              <p:cond delay="0"/>
                             </p:stCondLst>
                             <p:childTnLst>
                               <p:par>
-                                <p:cTn id="14" presetID="2" presetClass="entr" presetSubtype="4" fill="hold" grpId="0" nodeType="afterEffect">
+                                <p:cTn id="15" presetID="2" presetClass="entr" presetSubtype="4" fill="hold" nodeType="clickEffect">
                                   <p:stCondLst>
                                     <p:cond delay="0"/>
                                   </p:stCondLst>
                                   <p:childTnLst>
                                     <p:set>
                                       <p:cBhvr>
-                                        <p:cTn id="15" dur="1" fill="hold">
+                                        <p:cTn id="16" dur="1" fill="hold">
+                                          <p:stCondLst>
+                                            <p:cond delay="0"/>
+                                          </p:stCondLst>
+                                        </p:cTn>
+                                        <p:tgtEl>
+                                          <p:spTgt spid="9"/>
+                                        </p:tgtEl>
+                                        <p:attrNameLst>
+                                          <p:attrName>style.visibility</p:attrName>
+                                        </p:attrNameLst>
+                                      </p:cBhvr>
+                                      <p:to>
+                                        <p:strVal val="visible"/>
+                                      </p:to>
+                                    </p:set>
+                                    <p:anim calcmode="lin" valueType="num">
+                                      <p:cBhvr additive="base">
+                                        <p:cTn id="17" dur="500" fill="hold"/>
+                                        <p:tgtEl>
+                                          <p:spTgt spid="9"/>
+                                        </p:tgtEl>
+                                        <p:attrNameLst>
+                                          <p:attrName>ppt_x</p:attrName>
+                                        </p:attrNameLst>
+                                      </p:cBhvr>
+                                      <p:tavLst>
+                                        <p:tav tm="0">
+                                          <p:val>
+                                            <p:strVal val="#ppt_x"/>
+                                          </p:val>
+                                        </p:tav>
+                                        <p:tav tm="100000">
+                                          <p:val>
+                                            <p:strVal val="#ppt_x"/>
+                                          </p:val>
+                                        </p:tav>
+                                      </p:tavLst>
+                                    </p:anim>
+                                    <p:anim calcmode="lin" valueType="num">
+                                      <p:cBhvr additive="base">
+                                        <p:cTn id="18" dur="500" fill="hold"/>
+                                        <p:tgtEl>
+                                          <p:spTgt spid="9"/>
+                                        </p:tgtEl>
+                                        <p:attrNameLst>
+                                          <p:attrName>ppt_y</p:attrName>
+                                        </p:attrNameLst>
+                                      </p:cBhvr>
+                                      <p:tavLst>
+                                        <p:tav tm="0">
+                                          <p:val>
+                                            <p:strVal val="1+#ppt_h/2"/>
+                                          </p:val>
+                                        </p:tav>
+                                        <p:tav tm="100000">
+                                          <p:val>
+                                            <p:strVal val="#ppt_y"/>
+                                          </p:val>
+                                        </p:tav>
+                                      </p:tavLst>
+                                    </p:anim>
+                                  </p:childTnLst>
+                                </p:cTn>
+                              </p:par>
+                              <p:par>
+                                <p:cTn id="19" presetID="2" presetClass="entr" presetSubtype="4" fill="hold" grpId="0" nodeType="withEffect">
+                                  <p:stCondLst>
+                                    <p:cond delay="0"/>
+                                  </p:stCondLst>
+                                  <p:childTnLst>
+                                    <p:set>
+                                      <p:cBhvr>
+                                        <p:cTn id="20" dur="1" fill="hold">
+                                          <p:stCondLst>
+                                            <p:cond delay="0"/>
+                                          </p:stCondLst>
+                                        </p:cTn>
+                                        <p:tgtEl>
+                                          <p:spTgt spid="5"/>
+                                        </p:tgtEl>
+                                        <p:attrNameLst>
+                                          <p:attrName>style.visibility</p:attrName>
+                                        </p:attrNameLst>
+                                      </p:cBhvr>
+                                      <p:to>
+                                        <p:strVal val="visible"/>
+                                      </p:to>
+                                    </p:set>
+                                    <p:anim calcmode="lin" valueType="num">
+                                      <p:cBhvr additive="base">
+                                        <p:cTn id="21" dur="500" fill="hold"/>
+                                        <p:tgtEl>
+                                          <p:spTgt spid="5"/>
+                                        </p:tgtEl>
+                                        <p:attrNameLst>
+                                          <p:attrName>ppt_x</p:attrName>
+                                        </p:attrNameLst>
+                                      </p:cBhvr>
+                                      <p:tavLst>
+                                        <p:tav tm="0">
+                                          <p:val>
+                                            <p:strVal val="#ppt_x"/>
+                                          </p:val>
+                                        </p:tav>
+                                        <p:tav tm="100000">
+                                          <p:val>
+                                            <p:strVal val="#ppt_x"/>
+                                          </p:val>
+                                        </p:tav>
+                                      </p:tavLst>
+                                    </p:anim>
+                                    <p:anim calcmode="lin" valueType="num">
+                                      <p:cBhvr additive="base">
+                                        <p:cTn id="22" dur="500" fill="hold"/>
+                                        <p:tgtEl>
+                                          <p:spTgt spid="5"/>
+                                        </p:tgtEl>
+                                        <p:attrNameLst>
+                                          <p:attrName>ppt_y</p:attrName>
+                                        </p:attrNameLst>
+                                      </p:cBhvr>
+                                      <p:tavLst>
+                                        <p:tav tm="0">
+                                          <p:val>
+                                            <p:strVal val="1+#ppt_h/2"/>
+                                          </p:val>
+                                        </p:tav>
+                                        <p:tav tm="100000">
+                                          <p:val>
+                                            <p:strVal val="#ppt_y"/>
+                                          </p:val>
+                                        </p:tav>
+                                      </p:tavLst>
+                                    </p:anim>
+                                  </p:childTnLst>
+                                </p:cTn>
+                              </p:par>
+                            </p:childTnLst>
+                          </p:cTn>
+                        </p:par>
+                        <p:par>
+                          <p:cTn id="23" fill="hold">
+                            <p:stCondLst>
+                              <p:cond delay="500"/>
+                            </p:stCondLst>
+                            <p:childTnLst>
+                              <p:par>
+                                <p:cTn id="24" presetID="2" presetClass="entr" presetSubtype="4" fill="hold" grpId="0" nodeType="afterEffect">
+                                  <p:stCondLst>
+                                    <p:cond delay="0"/>
+                                  </p:stCondLst>
+                                  <p:childTnLst>
+                                    <p:set>
+                                      <p:cBhvr>
+                                        <p:cTn id="25" dur="1" fill="hold">
                                           <p:stCondLst>
                                             <p:cond delay="0"/>
                                           </p:stCondLst>
@@ -30067,7 +30769,7 @@
                                     </p:set>
                                     <p:anim calcmode="lin" valueType="num">
                                       <p:cBhvr additive="base">
-                                        <p:cTn id="16" dur="500" fill="hold"/>
+                                        <p:cTn id="26" dur="500" fill="hold"/>
                                         <p:tgtEl>
                                           <p:spTgt spid="6"/>
                                         </p:tgtEl>
@@ -30090,173 +30792,9 @@
                                     </p:anim>
                                     <p:anim calcmode="lin" valueType="num">
                                       <p:cBhvr additive="base">
-                                        <p:cTn id="17" dur="500" fill="hold"/>
+                                        <p:cTn id="27" dur="500" fill="hold"/>
                                         <p:tgtEl>
                                           <p:spTgt spid="6"/>
-                                        </p:tgtEl>
-                                        <p:attrNameLst>
-                                          <p:attrName>ppt_y</p:attrName>
-                                        </p:attrNameLst>
-                                      </p:cBhvr>
-                                      <p:tavLst>
-                                        <p:tav tm="0">
-                                          <p:val>
-                                            <p:strVal val="1+#ppt_h/2"/>
-                                          </p:val>
-                                        </p:tav>
-                                        <p:tav tm="100000">
-                                          <p:val>
-                                            <p:strVal val="#ppt_y"/>
-                                          </p:val>
-                                        </p:tav>
-                                      </p:tavLst>
-                                    </p:anim>
-                                  </p:childTnLst>
-                                </p:cTn>
-                              </p:par>
-                            </p:childTnLst>
-                          </p:cTn>
-                        </p:par>
-                      </p:childTnLst>
-                    </p:cTn>
-                  </p:par>
-                  <p:par>
-                    <p:cTn id="18" fill="hold">
-                      <p:stCondLst>
-                        <p:cond delay="indefinite"/>
-                      </p:stCondLst>
-                      <p:childTnLst>
-                        <p:par>
-                          <p:cTn id="19" fill="hold">
-                            <p:stCondLst>
-                              <p:cond delay="0"/>
-                            </p:stCondLst>
-                            <p:childTnLst>
-                              <p:par>
-                                <p:cTn id="20" presetID="2" presetClass="entr" presetSubtype="4" fill="hold" nodeType="clickEffect">
-                                  <p:stCondLst>
-                                    <p:cond delay="0"/>
-                                  </p:stCondLst>
-                                  <p:childTnLst>
-                                    <p:set>
-                                      <p:cBhvr>
-                                        <p:cTn id="21" dur="1" fill="hold">
-                                          <p:stCondLst>
-                                            <p:cond delay="0"/>
-                                          </p:stCondLst>
-                                        </p:cTn>
-                                        <p:tgtEl>
-                                          <p:spTgt spid="9"/>
-                                        </p:tgtEl>
-                                        <p:attrNameLst>
-                                          <p:attrName>style.visibility</p:attrName>
-                                        </p:attrNameLst>
-                                      </p:cBhvr>
-                                      <p:to>
-                                        <p:strVal val="visible"/>
-                                      </p:to>
-                                    </p:set>
-                                    <p:anim calcmode="lin" valueType="num">
-                                      <p:cBhvr additive="base">
-                                        <p:cTn id="22" dur="500" fill="hold"/>
-                                        <p:tgtEl>
-                                          <p:spTgt spid="9"/>
-                                        </p:tgtEl>
-                                        <p:attrNameLst>
-                                          <p:attrName>ppt_x</p:attrName>
-                                        </p:attrNameLst>
-                                      </p:cBhvr>
-                                      <p:tavLst>
-                                        <p:tav tm="0">
-                                          <p:val>
-                                            <p:strVal val="#ppt_x"/>
-                                          </p:val>
-                                        </p:tav>
-                                        <p:tav tm="100000">
-                                          <p:val>
-                                            <p:strVal val="#ppt_x"/>
-                                          </p:val>
-                                        </p:tav>
-                                      </p:tavLst>
-                                    </p:anim>
-                                    <p:anim calcmode="lin" valueType="num">
-                                      <p:cBhvr additive="base">
-                                        <p:cTn id="23" dur="500" fill="hold"/>
-                                        <p:tgtEl>
-                                          <p:spTgt spid="9"/>
-                                        </p:tgtEl>
-                                        <p:attrNameLst>
-                                          <p:attrName>ppt_y</p:attrName>
-                                        </p:attrNameLst>
-                                      </p:cBhvr>
-                                      <p:tavLst>
-                                        <p:tav tm="0">
-                                          <p:val>
-                                            <p:strVal val="1+#ppt_h/2"/>
-                                          </p:val>
-                                        </p:tav>
-                                        <p:tav tm="100000">
-                                          <p:val>
-                                            <p:strVal val="#ppt_y"/>
-                                          </p:val>
-                                        </p:tav>
-                                      </p:tavLst>
-                                    </p:anim>
-                                  </p:childTnLst>
-                                </p:cTn>
-                              </p:par>
-                              <p:par>
-                                <p:cTn id="24" presetID="2" presetClass="entr" presetSubtype="4" fill="hold" grpId="0" nodeType="withEffect">
-                                  <p:stCondLst>
-                                    <p:cond delay="0"/>
-                                  </p:stCondLst>
-                                  <p:childTnLst>
-                                    <p:set>
-                                      <p:cBhvr>
-                                        <p:cTn id="25" dur="1" fill="hold">
-                                          <p:stCondLst>
-                                            <p:cond delay="0"/>
-                                          </p:stCondLst>
-                                        </p:cTn>
-                                        <p:tgtEl>
-                                          <p:spTgt spid="5"/>
-                                        </p:tgtEl>
-                                        <p:attrNameLst>
-                                          <p:attrName>style.visibility</p:attrName>
-                                        </p:attrNameLst>
-                                      </p:cBhvr>
-                                      <p:to>
-                                        <p:strVal val="visible"/>
-                                      </p:to>
-                                    </p:set>
-                                    <p:anim calcmode="lin" valueType="num">
-                                      <p:cBhvr additive="base">
-                                        <p:cTn id="26" dur="500" fill="hold"/>
-                                        <p:tgtEl>
-                                          <p:spTgt spid="5"/>
-                                        </p:tgtEl>
-                                        <p:attrNameLst>
-                                          <p:attrName>ppt_x</p:attrName>
-                                        </p:attrNameLst>
-                                      </p:cBhvr>
-                                      <p:tavLst>
-                                        <p:tav tm="0">
-                                          <p:val>
-                                            <p:strVal val="#ppt_x"/>
-                                          </p:val>
-                                        </p:tav>
-                                        <p:tav tm="100000">
-                                          <p:val>
-                                            <p:strVal val="#ppt_x"/>
-                                          </p:val>
-                                        </p:tav>
-                                      </p:tavLst>
-                                    </p:anim>
-                                    <p:anim calcmode="lin" valueType="num">
-                                      <p:cBhvr additive="base">
-                                        <p:cTn id="27" dur="500" fill="hold"/>
-                                        <p:tgtEl>
-                                          <p:spTgt spid="5"/>
                                         </p:tgtEl>
                                         <p:attrNameLst>
                                           <p:attrName>ppt_y</p:attrName>

--- a/课程PPT/05.JavaScript函数进阶二.pptx
+++ b/课程PPT/05.JavaScript函数进阶二.pptx
@@ -52,6 +52,7 @@
     <p:sldId id="1478" r:id="rId45"/>
     <p:sldId id="1456" r:id="rId46"/>
     <p:sldId id="1233" r:id="rId47"/>
+    <p:sldId id="1484" r:id="rId48"/>
   </p:sldIdLst>
   <p:sldSz cx="12192000" cy="6858000"/>
   <p:notesSz cx="6797675" cy="9928225"/>
@@ -2206,6 +2207,62 @@
 </file>
 
 <file path=ppt/notesSlides/notesSlide27.xml><?xml version="1.0" encoding="utf-8"?>
+<p:notes xmlns:a="http://schemas.openxmlformats.org/drawingml/2006/main" xmlns:r="http://schemas.openxmlformats.org/officeDocument/2006/relationships" xmlns:p="http://schemas.openxmlformats.org/presentationml/2006/main">
+  <p:cSld>
+    <p:spTree>
+      <p:nvGrpSpPr>
+        <p:cNvPr id="1" name=""/>
+        <p:cNvGrpSpPr/>
+        <p:nvPr/>
+      </p:nvGrpSpPr>
+      <p:grpSpPr>
+        <a:xfrm>
+          <a:off x="0" y="0"/>
+          <a:ext cx="0" cy="0"/>
+          <a:chOff x="0" y="0"/>
+          <a:chExt cx="0" cy="0"/>
+        </a:xfrm>
+      </p:grpSpPr>
+      <p:sp>
+        <p:nvSpPr>
+          <p:cNvPr id="2" name="幻灯片图像占位符 1"/>
+          <p:cNvSpPr>
+            <a:spLocks noGrp="1" noRot="1" noChangeAspect="1"/>
+          </p:cNvSpPr>
+          <p:nvPr>
+            <p:ph type="sldImg" idx="2"/>
+          </p:nvPr>
+        </p:nvSpPr>
+        <p:spPr/>
+      </p:sp>
+      <p:sp>
+        <p:nvSpPr>
+          <p:cNvPr id="3" name="文本占位符 2"/>
+          <p:cNvSpPr>
+            <a:spLocks noGrp="1"/>
+          </p:cNvSpPr>
+          <p:nvPr>
+            <p:ph type="body" idx="3"/>
+          </p:nvPr>
+        </p:nvSpPr>
+        <p:spPr/>
+        <p:txBody>
+          <a:bodyPr/>
+          <a:lstStyle/>
+          <a:p>
+            <a:endParaRPr lang="zh-CN" altLang="en-US" dirty="0"/>
+          </a:p>
+        </p:txBody>
+      </p:sp>
+    </p:spTree>
+  </p:cSld>
+  <p:clrMapOvr>
+    <a:masterClrMapping/>
+  </p:clrMapOvr>
+</p:notes>
+</file>
+
+<file path=ppt/notesSlides/notesSlide28.xml><?xml version="1.0" encoding="utf-8"?>
 <p:notes xmlns:a="http://schemas.openxmlformats.org/drawingml/2006/main" xmlns:r="http://schemas.openxmlformats.org/officeDocument/2006/relationships" xmlns:p="http://schemas.openxmlformats.org/presentationml/2006/main">
   <p:cSld>
     <p:spTree>
@@ -23470,13 +23527,7 @@
               <a:rPr kumimoji="0" lang="zh-CN" altLang="en-US" dirty="0">
                 <a:sym typeface="+mn-ea"/>
               </a:rPr>
-              <a:t>）</a:t>
-            </a:r>
-            <a:r>
-              <a:rPr kumimoji="0" lang="zh-CN" altLang="en-US" dirty="0">
-                <a:sym typeface="+mn-ea"/>
-              </a:rPr>
-              <a:t>的概念</a:t>
+              <a:t>）的概念</a:t>
             </a:r>
             <a:endParaRPr kumimoji="0" lang="zh-CN" altLang="en-US" dirty="0"/>
           </a:p>
@@ -31400,6 +31451,222 @@
           </a:extLst>
         </p:spPr>
       </p:pic>
+    </p:spTree>
+  </p:cSld>
+  <p:clrMapOvr>
+    <a:masterClrMapping/>
+  </p:clrMapOvr>
+  <p:timing>
+    <p:tnLst>
+      <p:par>
+        <p:cTn id="1" dur="indefinite" restart="never" nodeType="tmRoot"/>
+      </p:par>
+    </p:tnLst>
+  </p:timing>
+</p:sld>
+</file>
+
+<file path=ppt/slides/slide45.xml><?xml version="1.0" encoding="utf-8"?>
+<p:sld xmlns:a="http://schemas.openxmlformats.org/drawingml/2006/main" xmlns:r="http://schemas.openxmlformats.org/officeDocument/2006/relationships" xmlns:p="http://schemas.openxmlformats.org/presentationml/2006/main">
+  <p:cSld>
+    <p:spTree>
+      <p:nvGrpSpPr>
+        <p:cNvPr id="1" name=""/>
+        <p:cNvGrpSpPr/>
+        <p:nvPr/>
+      </p:nvGrpSpPr>
+      <p:grpSpPr>
+        <a:xfrm>
+          <a:off x="0" y="0"/>
+          <a:ext cx="0" cy="0"/>
+          <a:chOff x="0" y="0"/>
+          <a:chExt cx="0" cy="0"/>
+        </a:xfrm>
+      </p:grpSpPr>
+      <p:sp>
+        <p:nvSpPr>
+          <p:cNvPr id="2" name="内容占位符 1"/>
+          <p:cNvSpPr>
+            <a:spLocks noGrp="1"/>
+          </p:cNvSpPr>
+          <p:nvPr>
+            <p:ph sz="quarter" idx="10"/>
+          </p:nvPr>
+        </p:nvSpPr>
+        <p:spPr>
+          <a:xfrm>
+            <a:off x="981710" y="840105"/>
+            <a:ext cx="9776460" cy="5196205"/>
+          </a:xfrm>
+        </p:spPr>
+        <p:txBody>
+          <a:bodyPr/>
+          <a:lstStyle/>
+          <a:p>
+            <a:pPr>
+              <a:lnSpc>
+                <a:spcPct val="130000"/>
+              </a:lnSpc>
+            </a:pPr>
+            <a:r>
+              <a:rPr lang="en-US" altLang="zh-CN" sz="3200" dirty="0">
+                <a:solidFill>
+                  <a:schemeClr val="tx1"/>
+                </a:solidFill>
+                <a:sym typeface="+mn-ea"/>
+              </a:rPr>
+              <a:t>codefordream</a:t>
+            </a:r>
+            <a:r>
+              <a:rPr lang="zh-CN" altLang="en-US" sz="3200" dirty="0">
+                <a:solidFill>
+                  <a:schemeClr val="tx1"/>
+                </a:solidFill>
+                <a:sym typeface="+mn-ea"/>
+              </a:rPr>
+              <a:t>网站上</a:t>
+            </a:r>
+            <a:r>
+              <a:rPr lang="en-US" altLang="zh-CN" sz="3200" dirty="0">
+                <a:solidFill>
+                  <a:srgbClr val="FF0000"/>
+                </a:solidFill>
+                <a:sym typeface="+mn-ea"/>
+              </a:rPr>
+              <a:t>JavaScript</a:t>
+            </a:r>
+            <a:r>
+              <a:rPr lang="zh-CN" altLang="en-US" sz="3200" dirty="0">
+                <a:solidFill>
+                  <a:srgbClr val="FF0000"/>
+                </a:solidFill>
+                <a:sym typeface="+mn-ea"/>
+              </a:rPr>
+              <a:t>基础</a:t>
+            </a:r>
+            <a:r>
+              <a:rPr lang="en-US" altLang="zh-CN" sz="3200" dirty="0">
+                <a:solidFill>
+                  <a:srgbClr val="FF0000"/>
+                </a:solidFill>
+                <a:sym typeface="+mn-ea"/>
+              </a:rPr>
+              <a:t>-</a:t>
+            </a:r>
+            <a:r>
+              <a:rPr lang="zh-CN" altLang="en-US" sz="3200" dirty="0">
+                <a:solidFill>
+                  <a:srgbClr val="FF0000"/>
+                </a:solidFill>
+                <a:sym typeface="+mn-ea"/>
+              </a:rPr>
+              <a:t>初级训练营</a:t>
+            </a:r>
+            <a:endParaRPr lang="zh-CN" altLang="en-US" sz="3200" dirty="0">
+              <a:solidFill>
+                <a:srgbClr val="FF0000"/>
+              </a:solidFill>
+              <a:sym typeface="+mn-ea"/>
+            </a:endParaRPr>
+          </a:p>
+          <a:p>
+            <a:pPr>
+              <a:lnSpc>
+                <a:spcPct val="130000"/>
+              </a:lnSpc>
+            </a:pPr>
+            <a:r>
+              <a:rPr lang="en-US" altLang="zh-CN" sz="3200" dirty="0">
+                <a:solidFill>
+                  <a:schemeClr val="tx1"/>
+                </a:solidFill>
+                <a:sym typeface="+mn-ea"/>
+              </a:rPr>
+              <a:t>codefordream</a:t>
+            </a:r>
+            <a:r>
+              <a:rPr lang="zh-CN" altLang="en-US" sz="3200" dirty="0">
+                <a:solidFill>
+                  <a:schemeClr val="tx1"/>
+                </a:solidFill>
+                <a:sym typeface="+mn-ea"/>
+              </a:rPr>
+              <a:t>网站</a:t>
+            </a:r>
+            <a:r>
+              <a:rPr lang="en-US" altLang="zh-CN" sz="3200" dirty="0">
+                <a:solidFill>
+                  <a:schemeClr val="tx1"/>
+                </a:solidFill>
+                <a:sym typeface="+mn-ea"/>
+              </a:rPr>
+              <a:t>上</a:t>
+            </a:r>
+            <a:r>
+              <a:rPr lang="en-US" altLang="zh-CN" sz="3200" dirty="0">
+                <a:solidFill>
+                  <a:srgbClr val="FF0000"/>
+                </a:solidFill>
+                <a:sym typeface="+mn-ea"/>
+              </a:rPr>
+              <a:t>JavaScript</a:t>
+            </a:r>
+            <a:r>
+              <a:rPr lang="zh-CN" altLang="en-US" sz="3200" dirty="0">
+                <a:solidFill>
+                  <a:srgbClr val="FF0000"/>
+                </a:solidFill>
+                <a:sym typeface="+mn-ea"/>
+              </a:rPr>
+              <a:t>中级</a:t>
+            </a:r>
+            <a:endParaRPr lang="en-US" altLang="zh-CN" sz="3200" dirty="0">
+              <a:solidFill>
+                <a:srgbClr val="FF0000"/>
+              </a:solidFill>
+              <a:sym typeface="+mn-ea"/>
+            </a:endParaRPr>
+          </a:p>
+          <a:p>
+            <a:pPr>
+              <a:lnSpc>
+                <a:spcPct val="160000"/>
+              </a:lnSpc>
+            </a:pPr>
+            <a:endParaRPr kumimoji="0" lang="zh-CN" altLang="en-US" sz="3200" dirty="0" smtClean="0">
+              <a:solidFill>
+                <a:schemeClr val="tx1"/>
+              </a:solidFill>
+            </a:endParaRPr>
+          </a:p>
+          <a:p>
+            <a:endParaRPr lang="zh-CN" altLang="en-US" dirty="0"/>
+          </a:p>
+        </p:txBody>
+      </p:sp>
+      <p:sp>
+        <p:nvSpPr>
+          <p:cNvPr id="3" name="内容占位符 2"/>
+          <p:cNvSpPr>
+            <a:spLocks noGrp="1"/>
+          </p:cNvSpPr>
+          <p:nvPr>
+            <p:ph sz="quarter" idx="11"/>
+          </p:nvPr>
+        </p:nvSpPr>
+        <p:spPr/>
+        <p:txBody>
+          <a:bodyPr/>
+          <a:lstStyle/>
+          <a:p>
+            <a:r>
+              <a:rPr lang="zh-CN" altLang="en-US" dirty="0"/>
+              <a:t>作业</a:t>
+            </a:r>
+            <a:endParaRPr lang="zh-CN" altLang="en-US" dirty="0"/>
+          </a:p>
+        </p:txBody>
+      </p:sp>
     </p:spTree>
   </p:cSld>
   <p:clrMapOvr>

--- a/课程PPT/05.JavaScript函数进阶二.pptx
+++ b/课程PPT/05.JavaScript函数进阶二.pptx
@@ -23889,7 +23889,7 @@
       </p:sp>
       <p:pic>
         <p:nvPicPr>
-          <p:cNvPr id="6" name="图片 5"/>
+          <p:cNvPr id="3" name="图片 2"/>
           <p:cNvPicPr>
             <a:picLocks noChangeAspect="1"/>
           </p:cNvPicPr>
@@ -23903,8 +23903,8 @@
         </p:blipFill>
         <p:spPr>
           <a:xfrm>
-            <a:off x="1157605" y="2391410"/>
-            <a:ext cx="4410075" cy="3619500"/>
+            <a:off x="1426845" y="2348230"/>
+            <a:ext cx="4013200" cy="4199890"/>
           </a:xfrm>
           <a:prstGeom prst="rect">
             <a:avLst/>
@@ -24138,7 +24138,7 @@
                                           </p:stCondLst>
                                         </p:cTn>
                                         <p:tgtEl>
-                                          <p:spTgt spid="6"/>
+                                          <p:spTgt spid="3"/>
                                         </p:tgtEl>
                                         <p:attrNameLst>
                                           <p:attrName>style.visibility</p:attrName>
@@ -24152,7 +24152,7 @@
                                       <p:cBhvr additive="base">
                                         <p:cTn id="17" dur="500" fill="hold"/>
                                         <p:tgtEl>
-                                          <p:spTgt spid="6"/>
+                                          <p:spTgt spid="3"/>
                                         </p:tgtEl>
                                         <p:attrNameLst>
                                           <p:attrName>ppt_x</p:attrName>
@@ -24175,7 +24175,7 @@
                                       <p:cBhvr additive="base">
                                         <p:cTn id="18" dur="500" fill="hold"/>
                                         <p:tgtEl>
-                                          <p:spTgt spid="6"/>
+                                          <p:spTgt spid="3"/>
                                         </p:tgtEl>
                                         <p:attrNameLst>
                                           <p:attrName>ppt_y</p:attrName>

--- a/课程PPT/05.JavaScript函数进阶二.pptx
+++ b/课程PPT/05.JavaScript函数进阶二.pptx
@@ -13,46 +13,47 @@
     <p:sldId id="1195" r:id="rId6"/>
     <p:sldId id="1196" r:id="rId7"/>
     <p:sldId id="1197" r:id="rId8"/>
-    <p:sldId id="1198" r:id="rId9"/>
-    <p:sldId id="1199" r:id="rId10"/>
-    <p:sldId id="1200" r:id="rId11"/>
-    <p:sldId id="1201" r:id="rId12"/>
-    <p:sldId id="1293" r:id="rId13"/>
-    <p:sldId id="1202" r:id="rId14"/>
-    <p:sldId id="1203" r:id="rId15"/>
-    <p:sldId id="1363" r:id="rId16"/>
-    <p:sldId id="1204" r:id="rId17"/>
-    <p:sldId id="1205" r:id="rId18"/>
-    <p:sldId id="1206" r:id="rId19"/>
-    <p:sldId id="1339" r:id="rId20"/>
-    <p:sldId id="1391" r:id="rId21"/>
-    <p:sldId id="1392" r:id="rId22"/>
-    <p:sldId id="1393" r:id="rId23"/>
-    <p:sldId id="1394" r:id="rId24"/>
-    <p:sldId id="1395" r:id="rId25"/>
-    <p:sldId id="1396" r:id="rId26"/>
-    <p:sldId id="1397" r:id="rId27"/>
-    <p:sldId id="1398" r:id="rId28"/>
-    <p:sldId id="1399" r:id="rId29"/>
-    <p:sldId id="1400" r:id="rId30"/>
-    <p:sldId id="1401" r:id="rId31"/>
-    <p:sldId id="1428" r:id="rId32"/>
-    <p:sldId id="1402" r:id="rId33"/>
-    <p:sldId id="1404" r:id="rId34"/>
-    <p:sldId id="1208" r:id="rId35"/>
-    <p:sldId id="1227" r:id="rId36"/>
-    <p:sldId id="1228" r:id="rId37"/>
-    <p:sldId id="1229" r:id="rId38"/>
-    <p:sldId id="1454" r:id="rId39"/>
-    <p:sldId id="1476" r:id="rId40"/>
-    <p:sldId id="1455" r:id="rId41"/>
-    <p:sldId id="1457" r:id="rId42"/>
-    <p:sldId id="1230" r:id="rId43"/>
-    <p:sldId id="1232" r:id="rId44"/>
-    <p:sldId id="1478" r:id="rId45"/>
-    <p:sldId id="1456" r:id="rId46"/>
-    <p:sldId id="1233" r:id="rId47"/>
-    <p:sldId id="1484" r:id="rId48"/>
+    <p:sldId id="1485" r:id="rId9"/>
+    <p:sldId id="1198" r:id="rId10"/>
+    <p:sldId id="1199" r:id="rId11"/>
+    <p:sldId id="1200" r:id="rId12"/>
+    <p:sldId id="1201" r:id="rId13"/>
+    <p:sldId id="1293" r:id="rId14"/>
+    <p:sldId id="1202" r:id="rId15"/>
+    <p:sldId id="1203" r:id="rId16"/>
+    <p:sldId id="1363" r:id="rId17"/>
+    <p:sldId id="1204" r:id="rId18"/>
+    <p:sldId id="1205" r:id="rId19"/>
+    <p:sldId id="1206" r:id="rId20"/>
+    <p:sldId id="1339" r:id="rId21"/>
+    <p:sldId id="1391" r:id="rId22"/>
+    <p:sldId id="1392" r:id="rId23"/>
+    <p:sldId id="1393" r:id="rId24"/>
+    <p:sldId id="1394" r:id="rId25"/>
+    <p:sldId id="1395" r:id="rId26"/>
+    <p:sldId id="1396" r:id="rId27"/>
+    <p:sldId id="1397" r:id="rId28"/>
+    <p:sldId id="1398" r:id="rId29"/>
+    <p:sldId id="1399" r:id="rId30"/>
+    <p:sldId id="1400" r:id="rId31"/>
+    <p:sldId id="1401" r:id="rId32"/>
+    <p:sldId id="1428" r:id="rId33"/>
+    <p:sldId id="1402" r:id="rId34"/>
+    <p:sldId id="1404" r:id="rId35"/>
+    <p:sldId id="1208" r:id="rId36"/>
+    <p:sldId id="1227" r:id="rId37"/>
+    <p:sldId id="1228" r:id="rId38"/>
+    <p:sldId id="1229" r:id="rId39"/>
+    <p:sldId id="1454" r:id="rId40"/>
+    <p:sldId id="1476" r:id="rId41"/>
+    <p:sldId id="1455" r:id="rId42"/>
+    <p:sldId id="1457" r:id="rId43"/>
+    <p:sldId id="1230" r:id="rId44"/>
+    <p:sldId id="1232" r:id="rId45"/>
+    <p:sldId id="1478" r:id="rId46"/>
+    <p:sldId id="1456" r:id="rId47"/>
+    <p:sldId id="1233" r:id="rId48"/>
+    <p:sldId id="1484" r:id="rId49"/>
   </p:sldIdLst>
   <p:sldSz cx="12192000" cy="6858000"/>
   <p:notesSz cx="6797675" cy="9928225"/>
@@ -744,6 +745,26 @@
           <a:bodyPr/>
           <a:lstStyle/>
           <a:p>
+            <a:r>
+              <a:rPr lang="zh-CN" altLang="en-US" dirty="0"/>
+              <a:t>小明写作业</a:t>
+            </a:r>
+            <a:r>
+              <a:rPr lang="en-US" altLang="zh-CN" dirty="0"/>
+              <a:t>-</a:t>
+            </a:r>
+            <a:r>
+              <a:rPr lang="zh-CN" altLang="en-US" dirty="0"/>
+              <a:t>买铅笔</a:t>
+            </a:r>
+            <a:r>
+              <a:rPr lang="en-US" altLang="zh-CN" dirty="0"/>
+              <a:t>-</a:t>
+            </a:r>
+            <a:r>
+              <a:rPr lang="zh-CN" altLang="en-US" dirty="0"/>
+              <a:t>取钱</a:t>
+            </a:r>
             <a:endParaRPr lang="zh-CN" altLang="en-US" dirty="0"/>
           </a:p>
         </p:txBody>
@@ -822,10 +843,6 @@
           <a:bodyPr/>
           <a:lstStyle/>
           <a:p>
-            <a:r>
-              <a:rPr lang="zh-CN" altLang="en-US" dirty="0"/>
-              <a:t>作用域：变量能够引用、函数能够生效的区域</a:t>
-            </a:r>
             <a:endParaRPr lang="zh-CN" altLang="en-US" dirty="0"/>
           </a:p>
         </p:txBody>
@@ -906,33 +923,7 @@
           <a:p>
             <a:r>
               <a:rPr lang="zh-CN" altLang="en-US" dirty="0"/>
-              <a:t>定义函数的方式：函数声明、函数表达式、通过</a:t>
-            </a:r>
-            <a:r>
-              <a:rPr lang="en-US" altLang="zh-CN" dirty="0"/>
-              <a:t>new Function</a:t>
-            </a:r>
-            <a:endParaRPr lang="zh-CN" altLang="en-US" dirty="0"/>
-          </a:p>
-          <a:p>
-            <a:r>
-              <a:rPr lang="zh-CN" altLang="en-US" dirty="0"/>
-              <a:t>函数名：函数声明必须有函数名、函数表达式可以没有函数名（担有的话，有利于调用栈追踪和函数递归）</a:t>
-            </a:r>
-            <a:endParaRPr lang="zh-CN" altLang="en-US" dirty="0"/>
-          </a:p>
-          <a:p>
-            <a:r>
-              <a:rPr lang="zh-CN" altLang="en-US" dirty="0"/>
-              <a:t>声明提前：解析时以全局</a:t>
-            </a:r>
-            <a:r>
-              <a:rPr lang="en-US" altLang="zh-CN" dirty="0"/>
-              <a:t>/</a:t>
-            </a:r>
-            <a:r>
-              <a:rPr lang="zh-CN" altLang="en-US" dirty="0"/>
-              <a:t>函数作用域为范围，对变量或函数进行声明提前</a:t>
+              <a:t>作用域：变量能够引用、函数能够生效的区域</a:t>
             </a:r>
             <a:endParaRPr lang="zh-CN" altLang="en-US" dirty="0"/>
           </a:p>
@@ -1014,15 +1005,33 @@
           <a:p>
             <a:r>
               <a:rPr lang="zh-CN" altLang="en-US" dirty="0"/>
-              <a:t>解析：</a:t>
+              <a:t>定义函数的方式：函数声明、函数表达式、通过</a:t>
             </a:r>
             <a:r>
               <a:rPr lang="en-US" altLang="zh-CN" dirty="0"/>
-              <a:t>function</a:t>
-            </a:r>
+              <a:t>new Function</a:t>
+            </a:r>
+            <a:endParaRPr lang="zh-CN" altLang="en-US" dirty="0"/>
+          </a:p>
+          <a:p>
             <a:r>
               <a:rPr lang="zh-CN" altLang="en-US" dirty="0"/>
-              <a:t>左边是否有标识，决定了是按定义来对待，还是按表达式来对待。</a:t>
+              <a:t>函数名：函数声明必须有函数名、函数表达式可以没有函数名（担有的话，有利于调用栈追踪和函数递归）</a:t>
+            </a:r>
+            <a:endParaRPr lang="zh-CN" altLang="en-US" dirty="0"/>
+          </a:p>
+          <a:p>
+            <a:r>
+              <a:rPr lang="zh-CN" altLang="en-US" dirty="0"/>
+              <a:t>声明提前：解析时以全局</a:t>
+            </a:r>
+            <a:r>
+              <a:rPr lang="en-US" altLang="zh-CN" dirty="0"/>
+              <a:t>/</a:t>
+            </a:r>
+            <a:r>
+              <a:rPr lang="zh-CN" altLang="en-US" dirty="0"/>
+              <a:t>函数作用域为范围，对变量或函数进行声明提前</a:t>
             </a:r>
             <a:endParaRPr lang="zh-CN" altLang="en-US" dirty="0"/>
           </a:p>
@@ -1103,86 +1112,17 @@
           <a:lstStyle/>
           <a:p>
             <a:r>
+              <a:rPr lang="zh-CN" altLang="en-US" dirty="0"/>
+              <a:t>解析：</a:t>
+            </a:r>
+            <a:r>
               <a:rPr lang="en-US" altLang="zh-CN" dirty="0"/>
-              <a:t>//</a:t>
+              <a:t>function</a:t>
             </a:r>
             <a:r>
               <a:rPr lang="zh-CN" altLang="en-US" dirty="0"/>
-              <a:t>另外的例子</a:t>
-            </a:r>
-            <a:br>
-              <a:rPr lang="zh-CN" altLang="en-US" dirty="0"/>
-            </a:br>
-            <a:r>
-              <a:rPr lang="zh-CN" altLang="en-US" dirty="0"/>
-              <a:t>function f()</a:t>
-            </a:r>
-            <a:br>
-              <a:rPr lang="zh-CN" altLang="en-US" dirty="0"/>
-            </a:br>
-            <a:r>
-              <a:rPr lang="zh-CN" altLang="en-US" dirty="0"/>
-              <a:t>{</a:t>
-            </a:r>
-            <a:endParaRPr lang="zh-CN" altLang="en-US" dirty="0"/>
-          </a:p>
-          <a:p>
-            <a:r>
-              <a:rPr lang="zh-CN" altLang="en-US" dirty="0"/>
-              <a:t>  {</a:t>
-            </a:r>
-            <a:endParaRPr lang="zh-CN" altLang="en-US" dirty="0"/>
-          </a:p>
-          <a:p>
-            <a:r>
-              <a:rPr lang="zh-CN" altLang="en-US" dirty="0"/>
-              <a:t>  var i = 10;</a:t>
-            </a:r>
-            <a:endParaRPr lang="zh-CN" altLang="en-US" dirty="0"/>
-          </a:p>
-          <a:p>
-            <a:r>
-              <a:rPr lang="zh-CN" altLang="en-US" dirty="0"/>
-              <a:t>  console.log(i);</a:t>
-            </a:r>
-            <a:endParaRPr lang="zh-CN" altLang="en-US" dirty="0"/>
-          </a:p>
-          <a:p>
-            <a:r>
-              <a:rPr lang="zh-CN" altLang="en-US" dirty="0"/>
-              <a:t>  i++;</a:t>
-            </a:r>
-            <a:endParaRPr lang="zh-CN" altLang="en-US" dirty="0"/>
-          </a:p>
-          <a:p>
-            <a:r>
-              <a:rPr lang="zh-CN" altLang="en-US" dirty="0"/>
-              <a:t>  }</a:t>
-            </a:r>
-            <a:endParaRPr lang="zh-CN" altLang="en-US" dirty="0"/>
-          </a:p>
-          <a:p>
-            <a:r>
-              <a:rPr lang="zh-CN" altLang="en-US" dirty="0"/>
-              <a:t>console.log(i);</a:t>
-            </a:r>
-            <a:endParaRPr lang="zh-CN" altLang="en-US" dirty="0"/>
-          </a:p>
-          <a:p>
-            <a:r>
-              <a:rPr lang="zh-CN" altLang="en-US" dirty="0"/>
-              <a:t>}</a:t>
-            </a:r>
-            <a:endParaRPr lang="zh-CN" altLang="en-US" dirty="0"/>
-          </a:p>
-          <a:p>
-            <a:r>
-              <a:rPr lang="zh-CN" altLang="en-US" dirty="0"/>
-              <a:t>f();</a:t>
-            </a:r>
-            <a:br>
-              <a:rPr lang="zh-CN" altLang="en-US" dirty="0"/>
-            </a:br>
+              <a:t>左边是否有标识，决定了是按定义来对待，还是按表达式来对待。</a:t>
+            </a:r>
             <a:endParaRPr lang="zh-CN" altLang="en-US" dirty="0"/>
           </a:p>
         </p:txBody>
@@ -1420,6 +1360,87 @@
           <a:bodyPr/>
           <a:lstStyle/>
           <a:p>
+            <a:r>
+              <a:rPr lang="en-US" altLang="zh-CN" dirty="0"/>
+              <a:t>//</a:t>
+            </a:r>
+            <a:r>
+              <a:rPr lang="zh-CN" altLang="en-US" dirty="0"/>
+              <a:t>另外的例子</a:t>
+            </a:r>
+            <a:br>
+              <a:rPr lang="zh-CN" altLang="en-US" dirty="0"/>
+            </a:br>
+            <a:r>
+              <a:rPr lang="zh-CN" altLang="en-US" dirty="0"/>
+              <a:t>function f()</a:t>
+            </a:r>
+            <a:br>
+              <a:rPr lang="zh-CN" altLang="en-US" dirty="0"/>
+            </a:br>
+            <a:r>
+              <a:rPr lang="zh-CN" altLang="en-US" dirty="0"/>
+              <a:t>{</a:t>
+            </a:r>
+            <a:endParaRPr lang="zh-CN" altLang="en-US" dirty="0"/>
+          </a:p>
+          <a:p>
+            <a:r>
+              <a:rPr lang="zh-CN" altLang="en-US" dirty="0"/>
+              <a:t>  {</a:t>
+            </a:r>
+            <a:endParaRPr lang="zh-CN" altLang="en-US" dirty="0"/>
+          </a:p>
+          <a:p>
+            <a:r>
+              <a:rPr lang="zh-CN" altLang="en-US" dirty="0"/>
+              <a:t>  var i = 10;</a:t>
+            </a:r>
+            <a:endParaRPr lang="zh-CN" altLang="en-US" dirty="0"/>
+          </a:p>
+          <a:p>
+            <a:r>
+              <a:rPr lang="zh-CN" altLang="en-US" dirty="0"/>
+              <a:t>  console.log(i);</a:t>
+            </a:r>
+            <a:endParaRPr lang="zh-CN" altLang="en-US" dirty="0"/>
+          </a:p>
+          <a:p>
+            <a:r>
+              <a:rPr lang="zh-CN" altLang="en-US" dirty="0"/>
+              <a:t>  i++;</a:t>
+            </a:r>
+            <a:endParaRPr lang="zh-CN" altLang="en-US" dirty="0"/>
+          </a:p>
+          <a:p>
+            <a:r>
+              <a:rPr lang="zh-CN" altLang="en-US" dirty="0"/>
+              <a:t>  }</a:t>
+            </a:r>
+            <a:endParaRPr lang="zh-CN" altLang="en-US" dirty="0"/>
+          </a:p>
+          <a:p>
+            <a:r>
+              <a:rPr lang="zh-CN" altLang="en-US" dirty="0"/>
+              <a:t>console.log(i);</a:t>
+            </a:r>
+            <a:endParaRPr lang="zh-CN" altLang="en-US" dirty="0"/>
+          </a:p>
+          <a:p>
+            <a:r>
+              <a:rPr lang="zh-CN" altLang="en-US" dirty="0"/>
+              <a:t>}</a:t>
+            </a:r>
+            <a:endParaRPr lang="zh-CN" altLang="en-US" dirty="0"/>
+          </a:p>
+          <a:p>
+            <a:r>
+              <a:rPr lang="zh-CN" altLang="en-US" dirty="0"/>
+              <a:t>f();</a:t>
+            </a:r>
+            <a:br>
+              <a:rPr lang="zh-CN" altLang="en-US" dirty="0"/>
+            </a:br>
             <a:endParaRPr lang="zh-CN" altLang="en-US" dirty="0"/>
           </a:p>
         </p:txBody>
@@ -1478,19 +1499,19 @@
             <a:spLocks noGrp="1" noRot="1" noChangeAspect="1"/>
           </p:cNvSpPr>
           <p:nvPr>
-            <p:ph type="sldImg" idx="2"/>
+            <p:ph type="sldImg"/>
           </p:nvPr>
         </p:nvSpPr>
         <p:spPr/>
       </p:sp>
       <p:sp>
         <p:nvSpPr>
-          <p:cNvPr id="3" name="文本占位符 2"/>
+          <p:cNvPr id="3" name="备注占位符 2"/>
           <p:cNvSpPr>
             <a:spLocks noGrp="1"/>
           </p:cNvSpPr>
           <p:nvPr>
-            <p:ph type="body" idx="3"/>
+            <p:ph type="body" idx="1"/>
           </p:nvPr>
         </p:nvSpPr>
         <p:spPr/>
@@ -1499,6 +1520,28 @@
           <a:lstStyle/>
           <a:p>
             <a:endParaRPr lang="zh-CN" altLang="en-US" dirty="0"/>
+          </a:p>
+        </p:txBody>
+      </p:sp>
+      <p:sp>
+        <p:nvSpPr>
+          <p:cNvPr id="4" name="灯片编号占位符 3"/>
+          <p:cNvSpPr>
+            <a:spLocks noGrp="1"/>
+          </p:cNvSpPr>
+          <p:nvPr>
+            <p:ph type="sldNum" sz="quarter" idx="10"/>
+          </p:nvPr>
+        </p:nvSpPr>
+        <p:spPr/>
+        <p:txBody>
+          <a:bodyPr/>
+          <a:lstStyle/>
+          <a:p>
+            <a:fld id="{D9AFD278-84AA-4CAA-9049-809825956FE0}" type="slidenum">
+              <a:rPr lang="en-US" altLang="zh-CN" smtClean="0"/>
+            </a:fld>
+            <a:endParaRPr lang="zh-CN" altLang="zh-CN"/>
           </a:p>
         </p:txBody>
       </p:sp>
@@ -1728,19 +1771,19 @@
             <a:spLocks noGrp="1" noRot="1" noChangeAspect="1"/>
           </p:cNvSpPr>
           <p:nvPr>
-            <p:ph type="sldImg"/>
+            <p:ph type="sldImg" idx="2"/>
           </p:nvPr>
         </p:nvSpPr>
         <p:spPr/>
       </p:sp>
       <p:sp>
         <p:nvSpPr>
-          <p:cNvPr id="3" name="备注占位符 2"/>
+          <p:cNvPr id="3" name="文本占位符 2"/>
           <p:cNvSpPr>
             <a:spLocks noGrp="1"/>
           </p:cNvSpPr>
           <p:nvPr>
-            <p:ph type="body" idx="1"/>
+            <p:ph type="body" idx="3"/>
           </p:nvPr>
         </p:nvSpPr>
         <p:spPr/>
@@ -1749,28 +1792,6 @@
           <a:lstStyle/>
           <a:p>
             <a:endParaRPr lang="zh-CN" altLang="en-US" dirty="0"/>
-          </a:p>
-        </p:txBody>
-      </p:sp>
-      <p:sp>
-        <p:nvSpPr>
-          <p:cNvPr id="4" name="灯片编号占位符 3"/>
-          <p:cNvSpPr>
-            <a:spLocks noGrp="1"/>
-          </p:cNvSpPr>
-          <p:nvPr>
-            <p:ph type="sldNum" sz="quarter" idx="10"/>
-          </p:nvPr>
-        </p:nvSpPr>
-        <p:spPr/>
-        <p:txBody>
-          <a:bodyPr/>
-          <a:lstStyle/>
-          <a:p>
-            <a:fld id="{D9AFD278-84AA-4CAA-9049-809825956FE0}" type="slidenum">
-              <a:rPr lang="en-US" altLang="zh-CN" smtClean="0"/>
-            </a:fld>
-            <a:endParaRPr lang="zh-CN" altLang="zh-CN"/>
           </a:p>
         </p:txBody>
       </p:sp>
@@ -2118,19 +2139,19 @@
             <a:spLocks noGrp="1" noRot="1" noChangeAspect="1"/>
           </p:cNvSpPr>
           <p:nvPr>
-            <p:ph type="sldImg" idx="2"/>
+            <p:ph type="sldImg"/>
           </p:nvPr>
         </p:nvSpPr>
         <p:spPr/>
       </p:sp>
       <p:sp>
         <p:nvSpPr>
-          <p:cNvPr id="3" name="文本占位符 2"/>
+          <p:cNvPr id="3" name="备注占位符 2"/>
           <p:cNvSpPr>
             <a:spLocks noGrp="1"/>
           </p:cNvSpPr>
           <p:nvPr>
-            <p:ph type="body" idx="3"/>
+            <p:ph type="body" idx="1"/>
           </p:nvPr>
         </p:nvSpPr>
         <p:spPr/>
@@ -2139,6 +2160,28 @@
           <a:lstStyle/>
           <a:p>
             <a:endParaRPr lang="zh-CN" altLang="en-US" dirty="0"/>
+          </a:p>
+        </p:txBody>
+      </p:sp>
+      <p:sp>
+        <p:nvSpPr>
+          <p:cNvPr id="4" name="灯片编号占位符 3"/>
+          <p:cNvSpPr>
+            <a:spLocks noGrp="1"/>
+          </p:cNvSpPr>
+          <p:nvPr>
+            <p:ph type="sldNum" sz="quarter" idx="10"/>
+          </p:nvPr>
+        </p:nvSpPr>
+        <p:spPr/>
+        <p:txBody>
+          <a:bodyPr/>
+          <a:lstStyle/>
+          <a:p>
+            <a:fld id="{D9AFD278-84AA-4CAA-9049-809825956FE0}" type="slidenum">
+              <a:rPr lang="en-US" altLang="zh-CN" smtClean="0"/>
+            </a:fld>
+            <a:endParaRPr lang="zh-CN" altLang="zh-CN"/>
           </a:p>
         </p:txBody>
       </p:sp>
@@ -2318,6 +2361,62 @@
 </p:notes>
 </file>
 
+<file path=ppt/notesSlides/notesSlide29.xml><?xml version="1.0" encoding="utf-8"?>
+<p:notes xmlns:a="http://schemas.openxmlformats.org/drawingml/2006/main" xmlns:r="http://schemas.openxmlformats.org/officeDocument/2006/relationships" xmlns:p="http://schemas.openxmlformats.org/presentationml/2006/main">
+  <p:cSld>
+    <p:spTree>
+      <p:nvGrpSpPr>
+        <p:cNvPr id="1" name=""/>
+        <p:cNvGrpSpPr/>
+        <p:nvPr/>
+      </p:nvGrpSpPr>
+      <p:grpSpPr>
+        <a:xfrm>
+          <a:off x="0" y="0"/>
+          <a:ext cx="0" cy="0"/>
+          <a:chOff x="0" y="0"/>
+          <a:chExt cx="0" cy="0"/>
+        </a:xfrm>
+      </p:grpSpPr>
+      <p:sp>
+        <p:nvSpPr>
+          <p:cNvPr id="2" name="幻灯片图像占位符 1"/>
+          <p:cNvSpPr>
+            <a:spLocks noGrp="1" noRot="1" noChangeAspect="1"/>
+          </p:cNvSpPr>
+          <p:nvPr>
+            <p:ph type="sldImg" idx="2"/>
+          </p:nvPr>
+        </p:nvSpPr>
+        <p:spPr/>
+      </p:sp>
+      <p:sp>
+        <p:nvSpPr>
+          <p:cNvPr id="3" name="文本占位符 2"/>
+          <p:cNvSpPr>
+            <a:spLocks noGrp="1"/>
+          </p:cNvSpPr>
+          <p:nvPr>
+            <p:ph type="body" idx="3"/>
+          </p:nvPr>
+        </p:nvSpPr>
+        <p:spPr/>
+        <p:txBody>
+          <a:bodyPr/>
+          <a:lstStyle/>
+          <a:p>
+            <a:endParaRPr lang="zh-CN" altLang="en-US" dirty="0"/>
+          </a:p>
+        </p:txBody>
+      </p:sp>
+    </p:spTree>
+  </p:cSld>
+  <p:clrMapOvr>
+    <a:masterClrMapping/>
+  </p:clrMapOvr>
+</p:notes>
+</file>
+
 <file path=ppt/notesSlides/notesSlide3.xml><?xml version="1.0" encoding="utf-8"?>
 <p:notes xmlns:a="http://schemas.openxmlformats.org/drawingml/2006/main" xmlns:r="http://schemas.openxmlformats.org/officeDocument/2006/relationships" xmlns:p="http://schemas.openxmlformats.org/presentationml/2006/main">
   <p:cSld>
@@ -2527,86 +2626,9 @@
           <a:lstStyle/>
           <a:p>
             <a:r>
-              <a:rPr lang="en-US" altLang="zh-CN" dirty="0"/>
-              <a:t>//</a:t>
-            </a:r>
-            <a:r>
               <a:rPr lang="zh-CN" altLang="en-US" dirty="0"/>
-              <a:t>另外的例子</a:t>
-            </a:r>
-            <a:br>
-              <a:rPr lang="zh-CN" altLang="en-US" dirty="0"/>
-            </a:br>
-            <a:r>
-              <a:rPr lang="zh-CN" altLang="en-US" dirty="0"/>
-              <a:t>function f()</a:t>
-            </a:r>
-            <a:br>
-              <a:rPr lang="zh-CN" altLang="en-US" dirty="0"/>
-            </a:br>
-            <a:r>
-              <a:rPr lang="zh-CN" altLang="en-US" dirty="0"/>
-              <a:t>{</a:t>
-            </a:r>
-            <a:endParaRPr lang="zh-CN" altLang="en-US" dirty="0"/>
-          </a:p>
-          <a:p>
-            <a:r>
-              <a:rPr lang="zh-CN" altLang="en-US" dirty="0"/>
-              <a:t>  {</a:t>
-            </a:r>
-            <a:endParaRPr lang="zh-CN" altLang="en-US" dirty="0"/>
-          </a:p>
-          <a:p>
-            <a:r>
-              <a:rPr lang="zh-CN" altLang="en-US" dirty="0"/>
-              <a:t>  var i = 10;</a:t>
-            </a:r>
-            <a:endParaRPr lang="zh-CN" altLang="en-US" dirty="0"/>
-          </a:p>
-          <a:p>
-            <a:r>
-              <a:rPr lang="zh-CN" altLang="en-US" dirty="0"/>
-              <a:t>  console.log(i);</a:t>
-            </a:r>
-            <a:endParaRPr lang="zh-CN" altLang="en-US" dirty="0"/>
-          </a:p>
-          <a:p>
-            <a:r>
-              <a:rPr lang="zh-CN" altLang="en-US" dirty="0"/>
-              <a:t>  i++;</a:t>
-            </a:r>
-            <a:endParaRPr lang="zh-CN" altLang="en-US" dirty="0"/>
-          </a:p>
-          <a:p>
-            <a:r>
-              <a:rPr lang="zh-CN" altLang="en-US" dirty="0"/>
-              <a:t>  }</a:t>
-            </a:r>
-            <a:endParaRPr lang="zh-CN" altLang="en-US" dirty="0"/>
-          </a:p>
-          <a:p>
-            <a:r>
-              <a:rPr lang="zh-CN" altLang="en-US" dirty="0"/>
-              <a:t>console.log(i);</a:t>
-            </a:r>
-            <a:endParaRPr lang="zh-CN" altLang="en-US" dirty="0"/>
-          </a:p>
-          <a:p>
-            <a:r>
-              <a:rPr lang="zh-CN" altLang="en-US" dirty="0"/>
-              <a:t>}</a:t>
-            </a:r>
-            <a:endParaRPr lang="zh-CN" altLang="en-US" dirty="0"/>
-          </a:p>
-          <a:p>
-            <a:r>
-              <a:rPr lang="zh-CN" altLang="en-US" dirty="0"/>
-              <a:t>f();</a:t>
-            </a:r>
-            <a:br>
-              <a:rPr lang="zh-CN" altLang="en-US" dirty="0"/>
-            </a:br>
+              <a:t>作用域：变量能够引用、函数能够生效的区域</a:t>
+            </a:r>
             <a:endParaRPr lang="zh-CN" altLang="en-US" dirty="0"/>
           </a:p>
         </p:txBody>
@@ -2686,9 +2708,86 @@
           <a:lstStyle/>
           <a:p>
             <a:r>
+              <a:rPr lang="en-US" altLang="zh-CN" dirty="0"/>
+              <a:t>//</a:t>
+            </a:r>
+            <a:r>
               <a:rPr lang="zh-CN" altLang="en-US" dirty="0"/>
-              <a:t>讲课执行上下文、下班执行上下文</a:t>
-            </a:r>
+              <a:t>另外的例子</a:t>
+            </a:r>
+            <a:br>
+              <a:rPr lang="zh-CN" altLang="en-US" dirty="0"/>
+            </a:br>
+            <a:r>
+              <a:rPr lang="zh-CN" altLang="en-US" dirty="0"/>
+              <a:t>function f()</a:t>
+            </a:r>
+            <a:br>
+              <a:rPr lang="zh-CN" altLang="en-US" dirty="0"/>
+            </a:br>
+            <a:r>
+              <a:rPr lang="zh-CN" altLang="en-US" dirty="0"/>
+              <a:t>{</a:t>
+            </a:r>
+            <a:endParaRPr lang="zh-CN" altLang="en-US" dirty="0"/>
+          </a:p>
+          <a:p>
+            <a:r>
+              <a:rPr lang="zh-CN" altLang="en-US" dirty="0"/>
+              <a:t>  {</a:t>
+            </a:r>
+            <a:endParaRPr lang="zh-CN" altLang="en-US" dirty="0"/>
+          </a:p>
+          <a:p>
+            <a:r>
+              <a:rPr lang="zh-CN" altLang="en-US" dirty="0"/>
+              <a:t>  var i = 10;</a:t>
+            </a:r>
+            <a:endParaRPr lang="zh-CN" altLang="en-US" dirty="0"/>
+          </a:p>
+          <a:p>
+            <a:r>
+              <a:rPr lang="zh-CN" altLang="en-US" dirty="0"/>
+              <a:t>  console.log(i);</a:t>
+            </a:r>
+            <a:endParaRPr lang="zh-CN" altLang="en-US" dirty="0"/>
+          </a:p>
+          <a:p>
+            <a:r>
+              <a:rPr lang="zh-CN" altLang="en-US" dirty="0"/>
+              <a:t>  i++;</a:t>
+            </a:r>
+            <a:endParaRPr lang="zh-CN" altLang="en-US" dirty="0"/>
+          </a:p>
+          <a:p>
+            <a:r>
+              <a:rPr lang="zh-CN" altLang="en-US" dirty="0"/>
+              <a:t>  }</a:t>
+            </a:r>
+            <a:endParaRPr lang="zh-CN" altLang="en-US" dirty="0"/>
+          </a:p>
+          <a:p>
+            <a:r>
+              <a:rPr lang="zh-CN" altLang="en-US" dirty="0"/>
+              <a:t>console.log(i);</a:t>
+            </a:r>
+            <a:endParaRPr lang="zh-CN" altLang="en-US" dirty="0"/>
+          </a:p>
+          <a:p>
+            <a:r>
+              <a:rPr lang="zh-CN" altLang="en-US" dirty="0"/>
+              <a:t>}</a:t>
+            </a:r>
+            <a:endParaRPr lang="zh-CN" altLang="en-US" dirty="0"/>
+          </a:p>
+          <a:p>
+            <a:r>
+              <a:rPr lang="zh-CN" altLang="en-US" dirty="0"/>
+              <a:t>f();</a:t>
+            </a:r>
+            <a:br>
+              <a:rPr lang="zh-CN" altLang="en-US" dirty="0"/>
+            </a:br>
             <a:endParaRPr lang="zh-CN" altLang="en-US" dirty="0"/>
           </a:p>
         </p:txBody>
@@ -2851,23 +2950,7 @@
           <a:p>
             <a:r>
               <a:rPr lang="zh-CN" altLang="en-US" dirty="0"/>
-              <a:t>小明写作业</a:t>
-            </a:r>
-            <a:r>
-              <a:rPr lang="en-US" altLang="zh-CN" dirty="0"/>
-              <a:t>-</a:t>
-            </a:r>
-            <a:r>
-              <a:rPr lang="zh-CN" altLang="en-US" dirty="0"/>
-              <a:t>买铅笔</a:t>
-            </a:r>
-            <a:r>
-              <a:rPr lang="en-US" altLang="zh-CN" dirty="0"/>
-              <a:t>-</a:t>
-            </a:r>
-            <a:r>
-              <a:rPr lang="zh-CN" altLang="en-US" dirty="0"/>
-              <a:t>取钱</a:t>
+              <a:t>讲课执行上下文、下班执行上下文</a:t>
             </a:r>
             <a:endParaRPr lang="zh-CN" altLang="en-US" dirty="0"/>
           </a:p>
@@ -5451,7 +5534,7 @@
         </p:nvSpPr>
         <p:spPr bwMode="auto">
           <a:xfrm>
-            <a:off x="875665" y="868680"/>
+            <a:off x="947420" y="868680"/>
             <a:ext cx="10489565" cy="5207000"/>
           </a:xfrm>
           <a:noFill/>
@@ -5490,7 +5573,7 @@
                   <a:schemeClr val="tx1"/>
                 </a:solidFill>
               </a:rPr>
-              <a:t>理解执行上下文（通俗的例子）</a:t>
+              <a:t>执行上下文</a:t>
             </a:r>
             <a:br>
               <a:rPr kumimoji="0" lang="zh-CN" sz="3200" dirty="0" smtClean="0">
@@ -5502,39 +5585,81 @@
             <a:r>
               <a:rPr kumimoji="0" lang="en-US" altLang="zh-CN" sz="2000" dirty="0" smtClean="0">
                 <a:solidFill>
+                  <a:schemeClr val="tx1"/>
+                </a:solidFill>
+                <a:sym typeface="+mn-ea"/>
+              </a:rPr>
+              <a:t>- 执行上下文</a:t>
+            </a:r>
+            <a:r>
+              <a:rPr kumimoji="0" lang="zh-CN" sz="2000" dirty="0" smtClean="0">
+                <a:solidFill>
+                  <a:schemeClr val="tx1"/>
+                </a:solidFill>
+                <a:sym typeface="+mn-ea"/>
+              </a:rPr>
+              <a:t>指</a:t>
+            </a:r>
+            <a:r>
+              <a:rPr kumimoji="0" lang="zh-CN" sz="2000" dirty="0" smtClean="0">
+                <a:solidFill>
                   <a:srgbClr val="FF0000"/>
                 </a:solidFill>
-              </a:rPr>
-              <a:t>- </a:t>
+                <a:sym typeface="+mn-ea"/>
+              </a:rPr>
+              <a:t>代码执行时</a:t>
+            </a:r>
+            <a:r>
+              <a:rPr kumimoji="0" lang="en-US" altLang="zh-CN" sz="2000" dirty="0" smtClean="0">
+                <a:solidFill>
+                  <a:schemeClr val="tx1"/>
+                </a:solidFill>
+                <a:sym typeface="+mn-ea"/>
+              </a:rPr>
+              <a:t>的</a:t>
             </a:r>
             <a:r>
               <a:rPr kumimoji="0" lang="zh-CN" altLang="en-US" sz="2000" dirty="0" smtClean="0">
                 <a:solidFill>
-                  <a:srgbClr val="FF0000"/>
-                </a:solidFill>
-              </a:rPr>
-              <a:t>小明回家</a:t>
-            </a:r>
-            <a:br>
+                  <a:schemeClr val="accent3"/>
+                </a:solidFill>
+                <a:sym typeface="+mn-ea"/>
+              </a:rPr>
+              <a:t>上下文</a:t>
+            </a:r>
+            <a:r>
+              <a:rPr kumimoji="0" lang="en-US" altLang="zh-CN" sz="2000" dirty="0" smtClean="0">
+                <a:solidFill>
+                  <a:schemeClr val="accent3"/>
+                </a:solidFill>
+                <a:sym typeface="+mn-ea"/>
+              </a:rPr>
+              <a:t>环境</a:t>
+            </a:r>
+            <a:r>
+              <a:rPr kumimoji="0" lang="zh-CN" sz="2000" dirty="0" smtClean="0">
+                <a:solidFill>
+                  <a:schemeClr val="tx1"/>
+                </a:solidFill>
+                <a:sym typeface="+mn-ea"/>
+              </a:rPr>
+              <a:t>（包括局部</a:t>
+            </a:r>
+            <a:r>
               <a:rPr kumimoji="0" lang="zh-CN" altLang="en-US" sz="2000" dirty="0" smtClean="0">
                 <a:solidFill>
                   <a:schemeClr val="tx1"/>
                 </a:solidFill>
-              </a:rPr>
-            </a:br>
-            <a:r>
-              <a:rPr kumimoji="0" lang="en-US" altLang="zh-CN" sz="2000" dirty="0" smtClean="0">
-                <a:solidFill>
-                  <a:schemeClr val="tx1"/>
-                </a:solidFill>
-              </a:rPr>
-              <a:t>- 在家-做作业中 1 ...</a:t>
+                <a:sym typeface="+mn-ea"/>
+              </a:rPr>
+              <a:t>变量、相关的函数、相关自由变量等）</a:t>
             </a:r>
             <a:br>
               <a:rPr kumimoji="0" lang="en-US" altLang="zh-CN" sz="2000" dirty="0" smtClean="0">
                 <a:solidFill>
                   <a:schemeClr val="tx1"/>
                 </a:solidFill>
+                <a:sym typeface="+mn-ea"/>
               </a:rPr>
             </a:br>
             <a:r>
@@ -5542,154 +5667,73 @@
                 <a:solidFill>
                   <a:schemeClr val="tx1"/>
                 </a:solidFill>
-              </a:rPr>
-              <a:t>- 在家-做作业中 2 ... 发现笔没油了</a:t>
-            </a:r>
-            <a:br>
+                <a:sym typeface="+mn-ea"/>
+              </a:rPr>
+              <a:t>- JS</a:t>
+            </a:r>
+            <a:r>
+              <a:rPr kumimoji="0" lang="zh-CN" altLang="en-US" sz="2000" dirty="0" smtClean="0">
+                <a:solidFill>
+                  <a:schemeClr val="tx1"/>
+                </a:solidFill>
+                <a:sym typeface="+mn-ea"/>
+              </a:rPr>
+              <a:t>运行时</a:t>
+            </a:r>
+            <a:r>
               <a:rPr kumimoji="0" lang="en-US" altLang="zh-CN" sz="2000" dirty="0" smtClean="0">
                 <a:solidFill>
                   <a:schemeClr val="tx1"/>
                 </a:solidFill>
-              </a:rPr>
-            </a:br>
+                <a:sym typeface="+mn-ea"/>
+              </a:rPr>
+              <a:t>会产生</a:t>
+            </a:r>
             <a:r>
               <a:rPr kumimoji="0" lang="en-US" altLang="zh-CN" sz="2000" dirty="0" smtClean="0">
                 <a:solidFill>
-                  <a:srgbClr val="FF0000"/>
-                </a:solidFill>
-              </a:rPr>
-              <a:t>- </a:t>
+                  <a:schemeClr val="accent3"/>
+                </a:solidFill>
+                <a:sym typeface="+mn-ea"/>
+              </a:rPr>
+              <a:t>多个执行上下文</a:t>
             </a:r>
             <a:r>
               <a:rPr kumimoji="0" lang="zh-CN" altLang="en-US" sz="2000" dirty="0" smtClean="0">
                 <a:solidFill>
-                  <a:srgbClr val="FF0000"/>
-                </a:solidFill>
-              </a:rPr>
-              <a:t>去文具店</a:t>
-            </a:r>
-            <a:br>
-              <a:rPr kumimoji="0" lang="zh-CN" altLang="en-US" sz="2000" dirty="0" smtClean="0">
-                <a:solidFill>
-                  <a:srgbClr val="FF0000"/>
-                </a:solidFill>
-              </a:rPr>
-            </a:br>
+                  <a:schemeClr val="tx1"/>
+                </a:solidFill>
+                <a:sym typeface="+mn-ea"/>
+              </a:rPr>
+              <a:t>，</a:t>
+            </a:r>
             <a:r>
               <a:rPr kumimoji="0" lang="en-US" altLang="zh-CN" sz="2000" dirty="0" smtClean="0">
                 <a:solidFill>
                   <a:schemeClr val="tx1"/>
                 </a:solidFill>
-              </a:rPr>
-              <a:t>- 在文具店-买文具中  ...</a:t>
-            </a:r>
-            <a:br>
+                <a:sym typeface="+mn-ea"/>
+              </a:rPr>
+              <a:t>处于</a:t>
+            </a:r>
+            <a:r>
               <a:rPr kumimoji="0" lang="en-US" altLang="zh-CN" sz="2000" dirty="0" smtClean="0">
                 <a:solidFill>
-                  <a:schemeClr val="tx1"/>
-                </a:solidFill>
-              </a:rPr>
-            </a:br>
+                  <a:schemeClr val="accent3"/>
+                </a:solidFill>
+                <a:sym typeface="+mn-ea"/>
+              </a:rPr>
+              <a:t>活动状态的执行上下文环境</a:t>
+            </a:r>
             <a:r>
               <a:rPr kumimoji="0" lang="en-US" altLang="zh-CN" sz="2000" dirty="0" smtClean="0">
                 <a:solidFill>
                   <a:schemeClr val="tx1"/>
                 </a:solidFill>
-              </a:rPr>
-              <a:t>- 在文具店-买文具中  ... 发现没带钱</a:t>
-            </a:r>
-            <a:br>
-              <a:rPr kumimoji="0" lang="en-US" altLang="zh-CN" sz="2000" dirty="0" smtClean="0">
-                <a:solidFill>
-                  <a:schemeClr val="tx1"/>
-                </a:solidFill>
-              </a:rPr>
-            </a:br>
-            <a:r>
-              <a:rPr kumimoji="0" lang="en-US" altLang="zh-CN" sz="2000" dirty="0" smtClean="0">
-                <a:solidFill>
-                  <a:schemeClr val="accent3"/>
-                </a:solidFill>
-              </a:rPr>
-              <a:t>- </a:t>
-            </a:r>
-            <a:r>
-              <a:rPr kumimoji="0" lang="zh-CN" altLang="en-US" sz="2000" dirty="0" smtClean="0">
-                <a:solidFill>
-                  <a:schemeClr val="accent3"/>
-                </a:solidFill>
                 <a:sym typeface="+mn-ea"/>
               </a:rPr>
-              <a:t>去银行</a:t>
-            </a:r>
-            <a:br>
-              <a:rPr kumimoji="0" lang="en-US" altLang="zh-CN" sz="2000" dirty="0" smtClean="0">
-                <a:solidFill>
-                  <a:schemeClr val="tx1"/>
-                </a:solidFill>
-              </a:rPr>
-            </a:br>
-            <a:r>
-              <a:rPr kumimoji="0" lang="en-US" altLang="zh-CN" sz="2000" dirty="0" smtClean="0">
-                <a:solidFill>
-                  <a:schemeClr val="tx1"/>
-                </a:solidFill>
-              </a:rPr>
-              <a:t>- 在银行-取钱 ... 返回文具店</a:t>
-            </a:r>
-            <a:br>
-              <a:rPr kumimoji="0" lang="en-US" altLang="zh-CN" sz="2000" dirty="0" smtClean="0">
-                <a:solidFill>
-                  <a:schemeClr val="tx1"/>
-                </a:solidFill>
-              </a:rPr>
-            </a:br>
-            <a:r>
-              <a:rPr kumimoji="0" lang="en-US" altLang="zh-CN" sz="2000" dirty="0" smtClean="0">
-                <a:solidFill>
-                  <a:schemeClr val="tx1"/>
-                </a:solidFill>
-              </a:rPr>
-              <a:t>- 在文具店-买好文具  ... 返回家</a:t>
-            </a:r>
-            <a:br>
-              <a:rPr kumimoji="0" lang="en-US" altLang="zh-CN" sz="2000" dirty="0" smtClean="0">
-                <a:solidFill>
-                  <a:schemeClr val="tx1"/>
-                </a:solidFill>
-              </a:rPr>
-            </a:br>
-            <a:r>
-              <a:rPr kumimoji="0" lang="en-US" altLang="zh-CN" sz="2000" dirty="0" smtClean="0">
-                <a:solidFill>
-                  <a:schemeClr val="tx1"/>
-                </a:solidFill>
-              </a:rPr>
-              <a:t>- </a:t>
-            </a:r>
-            <a:r>
-              <a:rPr kumimoji="0" lang="zh-CN" altLang="en-US" sz="2000" dirty="0" smtClean="0">
-                <a:solidFill>
-                  <a:schemeClr val="tx1"/>
-                </a:solidFill>
-              </a:rPr>
-              <a:t>在家</a:t>
-            </a:r>
-            <a:r>
-              <a:rPr kumimoji="0" lang="en-US" altLang="zh-CN" sz="2000" dirty="0" smtClean="0">
-                <a:solidFill>
-                  <a:schemeClr val="tx1"/>
-                </a:solidFill>
-              </a:rPr>
-              <a:t>-继续做作业...</a:t>
-            </a:r>
-            <a:br>
-              <a:rPr kumimoji="0" lang="zh-CN" sz="3200" dirty="0" smtClean="0">
-                <a:solidFill>
-                  <a:schemeClr val="tx1"/>
-                </a:solidFill>
-              </a:rPr>
-            </a:br>
+              <a:t>只有一个</a:t>
+            </a:r>
             <a:endParaRPr kumimoji="0" lang="en-US" altLang="zh-CN" sz="2000" dirty="0" smtClean="0">
               <a:solidFill>
                 <a:schemeClr val="tx1"/>
@@ -5767,7 +5811,7 @@
       </p:sp>
       <p:pic>
         <p:nvPicPr>
-          <p:cNvPr id="4" name="图片 3" descr="C:\Users\qile\Desktop\捕获.PNG捕获"/>
+          <p:cNvPr id="5" name="图片 4"/>
           <p:cNvPicPr>
             <a:picLocks noChangeAspect="1"/>
           </p:cNvPicPr>
@@ -5775,15 +5819,14 @@
         </p:nvPicPr>
         <p:blipFill>
           <a:blip r:embed="rId1"/>
-          <a:srcRect/>
           <a:stretch>
             <a:fillRect/>
           </a:stretch>
         </p:blipFill>
         <p:spPr>
           <a:xfrm>
-            <a:off x="5629593" y="1605280"/>
-            <a:ext cx="5812155" cy="3982720"/>
+            <a:off x="1257935" y="2441575"/>
+            <a:ext cx="9676130" cy="3418840"/>
           </a:xfrm>
           <a:prstGeom prst="rect">
             <a:avLst/>
@@ -5792,14 +5835,14 @@
       </p:pic>
       <p:sp>
         <p:nvSpPr>
-          <p:cNvPr id="6" name="文本框 5"/>
+          <p:cNvPr id="4" name="文本框 3"/>
           <p:cNvSpPr txBox="1"/>
           <p:nvPr/>
         </p:nvSpPr>
         <p:spPr>
           <a:xfrm>
-            <a:off x="5184775" y="6075680"/>
-            <a:ext cx="6180455" cy="429895"/>
+            <a:off x="4831080" y="5929630"/>
+            <a:ext cx="6407785" cy="848995"/>
           </a:xfrm>
           <a:prstGeom prst="rect">
             <a:avLst/>
@@ -5811,43 +5854,50 @@
             <a:spAutoFit/>
           </a:bodyPr>
           <a:p>
-            <a:pPr algn="l"/>
-            <a:r>
-              <a:rPr lang="zh-CN" altLang="en-US" sz="2200">
-                <a:solidFill>
-                  <a:srgbClr val="FF0000"/>
-                </a:solidFill>
-                <a:latin typeface="+mn-ea"/>
-                <a:ea typeface="+mn-ea"/>
-              </a:rPr>
-              <a:t>参见实例</a:t>
-            </a:r>
-            <a:r>
-              <a:rPr lang="en-US" altLang="zh-CN" sz="2200">
-                <a:solidFill>
-                  <a:srgbClr val="FF0000"/>
-                </a:solidFill>
-                <a:latin typeface="+mn-ea"/>
-                <a:ea typeface="+mn-ea"/>
-              </a:rPr>
-              <a:t>demo04_1 </a:t>
-            </a:r>
-            <a:r>
-              <a:rPr lang="zh-CN" altLang="en-US" sz="2200">
-                <a:solidFill>
-                  <a:srgbClr val="FF0000"/>
-                </a:solidFill>
-                <a:latin typeface="+mn-ea"/>
-                <a:ea typeface="+mn-ea"/>
-              </a:rPr>
-              <a:t>理解执行上下文的通俗例子</a:t>
-            </a:r>
-            <a:endParaRPr lang="zh-CN" altLang="en-US" sz="2200">
+            <a:r>
+              <a:rPr lang="zh-CN" altLang="en-US" sz="2400"/>
+              <a:t>断点：实例中</a:t>
+            </a:r>
+            <a:r>
+              <a:rPr lang="zh-CN" altLang="en-US" sz="2400">
+                <a:solidFill>
+                  <a:schemeClr val="accent3"/>
+                </a:solidFill>
+              </a:rPr>
+              <a:t>执行到断点时</a:t>
+            </a:r>
+            <a:r>
+              <a:rPr lang="zh-CN" altLang="en-US" sz="2400"/>
+              <a:t>，就有一个当前断点所对应的</a:t>
+            </a:r>
+            <a:r>
+              <a:rPr lang="zh-CN" altLang="en-US" sz="2400">
+                <a:solidFill>
+                  <a:schemeClr val="accent3"/>
+                </a:solidFill>
+              </a:rPr>
+              <a:t>执行上下文</a:t>
+            </a:r>
+            <a:r>
+              <a:rPr lang="zh-CN" altLang="en-US" sz="2400"/>
+              <a:t>（对应当前</a:t>
+            </a:r>
+            <a:r>
+              <a:rPr lang="zh-CN" altLang="en-US" sz="2400">
+                <a:solidFill>
+                  <a:schemeClr val="accent3"/>
+                </a:solidFill>
+              </a:rPr>
+              <a:t>执行环境</a:t>
+            </a:r>
+            <a:r>
+              <a:rPr lang="zh-CN" altLang="en-US" sz="2400"/>
+              <a:t>）</a:t>
+            </a:r>
+            <a:endParaRPr lang="zh-CN" altLang="en-US" sz="2400">
               <a:solidFill>
-                <a:srgbClr val="FF0000"/>
+                <a:schemeClr val="accent3"/>
               </a:solidFill>
-              <a:latin typeface="+mn-ea"/>
-              <a:ea typeface="+mn-ea"/>
             </a:endParaRPr>
           </a:p>
         </p:txBody>
@@ -5965,6 +6015,753 @@
                             </p:childTnLst>
                           </p:cTn>
                         </p:par>
+                        <p:par>
+                          <p:cTn id="9" fill="hold">
+                            <p:stCondLst>
+                              <p:cond delay="500"/>
+                            </p:stCondLst>
+                            <p:childTnLst>
+                              <p:par>
+                                <p:cTn id="10" presetID="2" presetClass="entr" presetSubtype="4" fill="hold" nodeType="afterEffect">
+                                  <p:stCondLst>
+                                    <p:cond delay="0"/>
+                                  </p:stCondLst>
+                                  <p:childTnLst>
+                                    <p:set>
+                                      <p:cBhvr>
+                                        <p:cTn id="11" dur="1" fill="hold">
+                                          <p:stCondLst>
+                                            <p:cond delay="0"/>
+                                          </p:stCondLst>
+                                        </p:cTn>
+                                        <p:tgtEl>
+                                          <p:spTgt spid="5"/>
+                                        </p:tgtEl>
+                                        <p:attrNameLst>
+                                          <p:attrName>style.visibility</p:attrName>
+                                        </p:attrNameLst>
+                                      </p:cBhvr>
+                                      <p:to>
+                                        <p:strVal val="visible"/>
+                                      </p:to>
+                                    </p:set>
+                                    <p:anim calcmode="lin" valueType="num">
+                                      <p:cBhvr additive="base">
+                                        <p:cTn id="12" dur="500" fill="hold"/>
+                                        <p:tgtEl>
+                                          <p:spTgt spid="5"/>
+                                        </p:tgtEl>
+                                        <p:attrNameLst>
+                                          <p:attrName>ppt_x</p:attrName>
+                                        </p:attrNameLst>
+                                      </p:cBhvr>
+                                      <p:tavLst>
+                                        <p:tav tm="0">
+                                          <p:val>
+                                            <p:strVal val="#ppt_x"/>
+                                          </p:val>
+                                        </p:tav>
+                                        <p:tav tm="100000">
+                                          <p:val>
+                                            <p:strVal val="#ppt_x"/>
+                                          </p:val>
+                                        </p:tav>
+                                      </p:tavLst>
+                                    </p:anim>
+                                    <p:anim calcmode="lin" valueType="num">
+                                      <p:cBhvr additive="base">
+                                        <p:cTn id="13" dur="500" fill="hold"/>
+                                        <p:tgtEl>
+                                          <p:spTgt spid="5"/>
+                                        </p:tgtEl>
+                                        <p:attrNameLst>
+                                          <p:attrName>ppt_y</p:attrName>
+                                        </p:attrNameLst>
+                                      </p:cBhvr>
+                                      <p:tavLst>
+                                        <p:tav tm="0">
+                                          <p:val>
+                                            <p:strVal val="1+#ppt_h/2"/>
+                                          </p:val>
+                                        </p:tav>
+                                        <p:tav tm="100000">
+                                          <p:val>
+                                            <p:strVal val="#ppt_y"/>
+                                          </p:val>
+                                        </p:tav>
+                                      </p:tavLst>
+                                    </p:anim>
+                                  </p:childTnLst>
+                                </p:cTn>
+                              </p:par>
+                            </p:childTnLst>
+                          </p:cTn>
+                        </p:par>
+                      </p:childTnLst>
+                    </p:cTn>
+                  </p:par>
+                  <p:par>
+                    <p:cTn id="14" fill="hold">
+                      <p:stCondLst>
+                        <p:cond delay="indefinite"/>
+                      </p:stCondLst>
+                      <p:childTnLst>
+                        <p:par>
+                          <p:cTn id="15" fill="hold">
+                            <p:stCondLst>
+                              <p:cond delay="0"/>
+                            </p:stCondLst>
+                            <p:childTnLst>
+                              <p:par>
+                                <p:cTn id="16" presetID="2" presetClass="entr" presetSubtype="4" fill="hold" grpId="0" nodeType="clickEffect">
+                                  <p:stCondLst>
+                                    <p:cond delay="0"/>
+                                  </p:stCondLst>
+                                  <p:childTnLst>
+                                    <p:set>
+                                      <p:cBhvr>
+                                        <p:cTn id="17" dur="1" fill="hold">
+                                          <p:stCondLst>
+                                            <p:cond delay="0"/>
+                                          </p:stCondLst>
+                                        </p:cTn>
+                                        <p:tgtEl>
+                                          <p:spTgt spid="4"/>
+                                        </p:tgtEl>
+                                        <p:attrNameLst>
+                                          <p:attrName>style.visibility</p:attrName>
+                                        </p:attrNameLst>
+                                      </p:cBhvr>
+                                      <p:to>
+                                        <p:strVal val="visible"/>
+                                      </p:to>
+                                    </p:set>
+                                    <p:anim calcmode="lin" valueType="num">
+                                      <p:cBhvr additive="base">
+                                        <p:cTn id="18" dur="500" fill="hold"/>
+                                        <p:tgtEl>
+                                          <p:spTgt spid="4"/>
+                                        </p:tgtEl>
+                                        <p:attrNameLst>
+                                          <p:attrName>ppt_x</p:attrName>
+                                        </p:attrNameLst>
+                                      </p:cBhvr>
+                                      <p:tavLst>
+                                        <p:tav tm="0">
+                                          <p:val>
+                                            <p:strVal val="#ppt_x"/>
+                                          </p:val>
+                                        </p:tav>
+                                        <p:tav tm="100000">
+                                          <p:val>
+                                            <p:strVal val="#ppt_x"/>
+                                          </p:val>
+                                        </p:tav>
+                                      </p:tavLst>
+                                    </p:anim>
+                                    <p:anim calcmode="lin" valueType="num">
+                                      <p:cBhvr additive="base">
+                                        <p:cTn id="19" dur="500" fill="hold"/>
+                                        <p:tgtEl>
+                                          <p:spTgt spid="4"/>
+                                        </p:tgtEl>
+                                        <p:attrNameLst>
+                                          <p:attrName>ppt_y</p:attrName>
+                                        </p:attrNameLst>
+                                      </p:cBhvr>
+                                      <p:tavLst>
+                                        <p:tav tm="0">
+                                          <p:val>
+                                            <p:strVal val="1+#ppt_h/2"/>
+                                          </p:val>
+                                        </p:tav>
+                                        <p:tav tm="100000">
+                                          <p:val>
+                                            <p:strVal val="#ppt_y"/>
+                                          </p:val>
+                                        </p:tav>
+                                      </p:tavLst>
+                                    </p:anim>
+                                  </p:childTnLst>
+                                </p:cTn>
+                              </p:par>
+                            </p:childTnLst>
+                          </p:cTn>
+                        </p:par>
+                      </p:childTnLst>
+                    </p:cTn>
+                  </p:par>
+                </p:childTnLst>
+              </p:cTn>
+              <p:prevCondLst>
+                <p:cond evt="onPrev" delay="0">
+                  <p:tgtEl>
+                    <p:sldTgt/>
+                  </p:tgtEl>
+                </p:cond>
+              </p:prevCondLst>
+              <p:nextCondLst>
+                <p:cond evt="onNext" delay="0">
+                  <p:tgtEl>
+                    <p:sldTgt/>
+                  </p:tgtEl>
+                </p:cond>
+              </p:nextCondLst>
+            </p:seq>
+          </p:childTnLst>
+        </p:cTn>
+      </p:par>
+    </p:tnLst>
+    <p:bldLst>
+      <p:bldP spid="4" grpId="0"/>
+    </p:bldLst>
+  </p:timing>
+</p:sld>
+</file>
+
+<file path=ppt/slides/slide11.xml><?xml version="1.0" encoding="utf-8"?>
+<p:sld xmlns:a="http://schemas.openxmlformats.org/drawingml/2006/main" xmlns:r="http://schemas.openxmlformats.org/officeDocument/2006/relationships" xmlns:p="http://schemas.openxmlformats.org/presentationml/2006/main">
+  <p:cSld>
+    <p:spTree>
+      <p:nvGrpSpPr>
+        <p:cNvPr id="1" name=""/>
+        <p:cNvGrpSpPr/>
+        <p:nvPr/>
+      </p:nvGrpSpPr>
+      <p:grpSpPr>
+        <a:xfrm>
+          <a:off x="0" y="0"/>
+          <a:ext cx="0" cy="0"/>
+          <a:chOff x="0" y="0"/>
+          <a:chExt cx="0" cy="0"/>
+        </a:xfrm>
+      </p:grpSpPr>
+      <p:sp>
+        <p:nvSpPr>
+          <p:cNvPr id="11266" name="内容占位符 1"/>
+          <p:cNvSpPr>
+            <a:spLocks noGrp="1"/>
+          </p:cNvSpPr>
+          <p:nvPr>
+            <p:ph sz="quarter" idx="10"/>
+          </p:nvPr>
+        </p:nvSpPr>
+        <p:spPr bwMode="auto">
+          <a:xfrm>
+            <a:off x="875665" y="868680"/>
+            <a:ext cx="10489565" cy="5207000"/>
+          </a:xfrm>
+          <a:noFill/>
+          <a:extLst>
+            <a:ext uri="{909E8E84-426E-40DD-AFC4-6F175D3DCCD1}">
+              <a14:hiddenFill xmlns:a14="http://schemas.microsoft.com/office/drawing/2010/main">
+                <a:solidFill>
+                  <a:srgbClr val="FFFFFF"/>
+                </a:solidFill>
+              </a14:hiddenFill>
+            </a:ext>
+            <a:ext uri="{91240B29-F687-4F45-9708-019B960494DF}">
+              <a14:hiddenLine xmlns:a14="http://schemas.microsoft.com/office/drawing/2010/main" w="9525">
+                <a:solidFill>
+                  <a:srgbClr val="000000"/>
+                </a:solidFill>
+                <a:miter lim="800000"/>
+                <a:headEnd/>
+                <a:tailEnd/>
+              </a14:hiddenLine>
+            </a:ext>
+          </a:extLst>
+        </p:spPr>
+        <p:txBody>
+          <a:bodyPr vert="horz" wrap="square" lIns="91440" tIns="45720" rIns="91440" bIns="45720" numCol="1" anchor="t" anchorCtr="0" compatLnSpc="1"/>
+          <a:lstStyle/>
+          <a:p>
+            <a:pPr>
+              <a:lnSpc>
+                <a:spcPct val="130000"/>
+              </a:lnSpc>
+            </a:pPr>
+            <a:r>
+              <a:rPr kumimoji="0" lang="zh-CN" sz="3200" dirty="0" smtClean="0">
+                <a:solidFill>
+                  <a:schemeClr val="tx1"/>
+                </a:solidFill>
+              </a:rPr>
+              <a:t>理解执行上下文（通俗的例子）</a:t>
+            </a:r>
+            <a:br>
+              <a:rPr kumimoji="0" lang="zh-CN" sz="3200" dirty="0" smtClean="0">
+                <a:solidFill>
+                  <a:schemeClr val="tx1"/>
+                </a:solidFill>
+              </a:rPr>
+            </a:br>
+            <a:r>
+              <a:rPr kumimoji="0" lang="en-US" altLang="zh-CN" sz="2000" dirty="0" smtClean="0">
+                <a:solidFill>
+                  <a:srgbClr val="FF0000"/>
+                </a:solidFill>
+              </a:rPr>
+              <a:t>- </a:t>
+            </a:r>
+            <a:r>
+              <a:rPr kumimoji="0" lang="zh-CN" altLang="en-US" sz="2000" dirty="0" smtClean="0">
+                <a:solidFill>
+                  <a:srgbClr val="FF0000"/>
+                </a:solidFill>
+              </a:rPr>
+              <a:t>小明回家</a:t>
+            </a:r>
+            <a:br>
+              <a:rPr kumimoji="0" lang="zh-CN" altLang="en-US" sz="2000" dirty="0" smtClean="0">
+                <a:solidFill>
+                  <a:schemeClr val="tx1"/>
+                </a:solidFill>
+              </a:rPr>
+            </a:br>
+            <a:r>
+              <a:rPr kumimoji="0" lang="en-US" altLang="zh-CN" sz="2000" dirty="0" smtClean="0">
+                <a:solidFill>
+                  <a:schemeClr val="tx1"/>
+                </a:solidFill>
+              </a:rPr>
+              <a:t>- 在家-做作业中 1 ...</a:t>
+            </a:r>
+            <a:br>
+              <a:rPr kumimoji="0" lang="en-US" altLang="zh-CN" sz="2000" dirty="0" smtClean="0">
+                <a:solidFill>
+                  <a:schemeClr val="tx1"/>
+                </a:solidFill>
+              </a:rPr>
+            </a:br>
+            <a:r>
+              <a:rPr kumimoji="0" lang="en-US" altLang="zh-CN" sz="2000" dirty="0" smtClean="0">
+                <a:solidFill>
+                  <a:schemeClr val="tx1"/>
+                </a:solidFill>
+              </a:rPr>
+              <a:t>- 在家-做作业中 2 ... 发现笔没油了</a:t>
+            </a:r>
+            <a:br>
+              <a:rPr kumimoji="0" lang="en-US" altLang="zh-CN" sz="2000" dirty="0" smtClean="0">
+                <a:solidFill>
+                  <a:schemeClr val="tx1"/>
+                </a:solidFill>
+              </a:rPr>
+            </a:br>
+            <a:r>
+              <a:rPr kumimoji="0" lang="en-US" altLang="zh-CN" sz="2000" dirty="0" smtClean="0">
+                <a:solidFill>
+                  <a:srgbClr val="FF0000"/>
+                </a:solidFill>
+              </a:rPr>
+              <a:t>- </a:t>
+            </a:r>
+            <a:r>
+              <a:rPr kumimoji="0" lang="zh-CN" altLang="en-US" sz="2000" dirty="0" smtClean="0">
+                <a:solidFill>
+                  <a:srgbClr val="FF0000"/>
+                </a:solidFill>
+              </a:rPr>
+              <a:t>去文具店</a:t>
+            </a:r>
+            <a:br>
+              <a:rPr kumimoji="0" lang="zh-CN" altLang="en-US" sz="2000" dirty="0" smtClean="0">
+                <a:solidFill>
+                  <a:srgbClr val="FF0000"/>
+                </a:solidFill>
+              </a:rPr>
+            </a:br>
+            <a:r>
+              <a:rPr kumimoji="0" lang="en-US" altLang="zh-CN" sz="2000" dirty="0" smtClean="0">
+                <a:solidFill>
+                  <a:schemeClr val="tx1"/>
+                </a:solidFill>
+              </a:rPr>
+              <a:t>- 在文具店-买文具中  ...</a:t>
+            </a:r>
+            <a:br>
+              <a:rPr kumimoji="0" lang="en-US" altLang="zh-CN" sz="2000" dirty="0" smtClean="0">
+                <a:solidFill>
+                  <a:schemeClr val="tx1"/>
+                </a:solidFill>
+              </a:rPr>
+            </a:br>
+            <a:r>
+              <a:rPr kumimoji="0" lang="en-US" altLang="zh-CN" sz="2000" dirty="0" smtClean="0">
+                <a:solidFill>
+                  <a:schemeClr val="tx1"/>
+                </a:solidFill>
+              </a:rPr>
+              <a:t>- 在文具店-买文具中  ... 发现没带钱</a:t>
+            </a:r>
+            <a:br>
+              <a:rPr kumimoji="0" lang="en-US" altLang="zh-CN" sz="2000" dirty="0" smtClean="0">
+                <a:solidFill>
+                  <a:schemeClr val="tx1"/>
+                </a:solidFill>
+              </a:rPr>
+            </a:br>
+            <a:r>
+              <a:rPr kumimoji="0" lang="en-US" altLang="zh-CN" sz="2000" dirty="0" smtClean="0">
+                <a:solidFill>
+                  <a:schemeClr val="accent3"/>
+                </a:solidFill>
+              </a:rPr>
+              <a:t>- </a:t>
+            </a:r>
+            <a:r>
+              <a:rPr kumimoji="0" lang="zh-CN" altLang="en-US" sz="2000" dirty="0" smtClean="0">
+                <a:solidFill>
+                  <a:schemeClr val="accent3"/>
+                </a:solidFill>
+                <a:sym typeface="+mn-ea"/>
+              </a:rPr>
+              <a:t>去银行</a:t>
+            </a:r>
+            <a:br>
+              <a:rPr kumimoji="0" lang="en-US" altLang="zh-CN" sz="2000" dirty="0" smtClean="0">
+                <a:solidFill>
+                  <a:schemeClr val="tx1"/>
+                </a:solidFill>
+              </a:rPr>
+            </a:br>
+            <a:r>
+              <a:rPr kumimoji="0" lang="en-US" altLang="zh-CN" sz="2000" dirty="0" smtClean="0">
+                <a:solidFill>
+                  <a:schemeClr val="tx1"/>
+                </a:solidFill>
+              </a:rPr>
+              <a:t>- 在银行-取钱 ... 返回文具店</a:t>
+            </a:r>
+            <a:br>
+              <a:rPr kumimoji="0" lang="en-US" altLang="zh-CN" sz="2000" dirty="0" smtClean="0">
+                <a:solidFill>
+                  <a:schemeClr val="tx1"/>
+                </a:solidFill>
+              </a:rPr>
+            </a:br>
+            <a:r>
+              <a:rPr kumimoji="0" lang="en-US" altLang="zh-CN" sz="2000" dirty="0" smtClean="0">
+                <a:solidFill>
+                  <a:schemeClr val="tx1"/>
+                </a:solidFill>
+              </a:rPr>
+              <a:t>- 在文具店-买好文具  ... 返回家</a:t>
+            </a:r>
+            <a:br>
+              <a:rPr kumimoji="0" lang="en-US" altLang="zh-CN" sz="2000" dirty="0" smtClean="0">
+                <a:solidFill>
+                  <a:schemeClr val="tx1"/>
+                </a:solidFill>
+              </a:rPr>
+            </a:br>
+            <a:r>
+              <a:rPr kumimoji="0" lang="en-US" altLang="zh-CN" sz="2000" dirty="0" smtClean="0">
+                <a:solidFill>
+                  <a:schemeClr val="tx1"/>
+                </a:solidFill>
+              </a:rPr>
+              <a:t>- </a:t>
+            </a:r>
+            <a:r>
+              <a:rPr kumimoji="0" lang="zh-CN" altLang="en-US" sz="2000" dirty="0" smtClean="0">
+                <a:solidFill>
+                  <a:schemeClr val="tx1"/>
+                </a:solidFill>
+              </a:rPr>
+              <a:t>在家</a:t>
+            </a:r>
+            <a:r>
+              <a:rPr kumimoji="0" lang="en-US" altLang="zh-CN" sz="2000" dirty="0" smtClean="0">
+                <a:solidFill>
+                  <a:schemeClr val="tx1"/>
+                </a:solidFill>
+              </a:rPr>
+              <a:t>-继续做作业...</a:t>
+            </a:r>
+            <a:br>
+              <a:rPr kumimoji="0" lang="zh-CN" sz="3200" dirty="0" smtClean="0">
+                <a:solidFill>
+                  <a:schemeClr val="tx1"/>
+                </a:solidFill>
+              </a:rPr>
+            </a:br>
+            <a:endParaRPr kumimoji="0" lang="en-US" altLang="zh-CN" sz="2000" dirty="0" smtClean="0">
+              <a:solidFill>
+                <a:schemeClr val="tx1"/>
+              </a:solidFill>
+              <a:sym typeface="+mn-ea"/>
+            </a:endParaRPr>
+          </a:p>
+          <a:p>
+            <a:pPr>
+              <a:lnSpc>
+                <a:spcPct val="130000"/>
+              </a:lnSpc>
+            </a:pPr>
+            <a:endParaRPr kumimoji="0" lang="zh-CN" altLang="en-US" sz="3200" dirty="0" smtClean="0">
+              <a:solidFill>
+                <a:schemeClr val="tx1"/>
+              </a:solidFill>
+            </a:endParaRPr>
+          </a:p>
+          <a:p>
+            <a:pPr eaLnBrk="1" hangingPunct="1">
+              <a:lnSpc>
+                <a:spcPct val="150000"/>
+              </a:lnSpc>
+            </a:pPr>
+            <a:endParaRPr kumimoji="0" lang="en-US" altLang="zh-CN" sz="3600" dirty="0" smtClean="0">
+              <a:solidFill>
+                <a:schemeClr val="tx1"/>
+              </a:solidFill>
+            </a:endParaRPr>
+          </a:p>
+          <a:p>
+            <a:pPr eaLnBrk="1" hangingPunct="1">
+              <a:lnSpc>
+                <a:spcPct val="150000"/>
+              </a:lnSpc>
+            </a:pPr>
+            <a:endParaRPr kumimoji="0" lang="zh-CN" altLang="en-US" dirty="0" smtClean="0">
+              <a:solidFill>
+                <a:schemeClr val="tx1"/>
+              </a:solidFill>
+            </a:endParaRPr>
+          </a:p>
+        </p:txBody>
+      </p:sp>
+      <p:sp>
+        <p:nvSpPr>
+          <p:cNvPr id="2" name="内容占位符 1"/>
+          <p:cNvSpPr>
+            <a:spLocks noGrp="1"/>
+          </p:cNvSpPr>
+          <p:nvPr>
+            <p:ph sz="quarter" idx="11"/>
+          </p:nvPr>
+        </p:nvSpPr>
+        <p:spPr>
+          <a:xfrm>
+            <a:off x="947204" y="308698"/>
+            <a:ext cx="8191557" cy="490476"/>
+          </a:xfrm>
+        </p:spPr>
+        <p:txBody>
+          <a:bodyPr/>
+          <a:lstStyle/>
+          <a:p>
+            <a:r>
+              <a:rPr kumimoji="0" lang="zh-CN" altLang="en-US" dirty="0">
+                <a:sym typeface="+mn-ea"/>
+              </a:rPr>
+              <a:t>JS执行上下文和调用栈</a:t>
+            </a:r>
+            <a:endParaRPr kumimoji="0" lang="zh-CN" altLang="en-US" dirty="0"/>
+          </a:p>
+        </p:txBody>
+      </p:sp>
+      <p:pic>
+        <p:nvPicPr>
+          <p:cNvPr id="4" name="图片 3" descr="C:\Users\qile\Desktop\捕获.PNG捕获"/>
+          <p:cNvPicPr>
+            <a:picLocks noChangeAspect="1"/>
+          </p:cNvPicPr>
+          <p:nvPr/>
+        </p:nvPicPr>
+        <p:blipFill>
+          <a:blip r:embed="rId1"/>
+          <a:srcRect/>
+          <a:stretch>
+            <a:fillRect/>
+          </a:stretch>
+        </p:blipFill>
+        <p:spPr>
+          <a:xfrm>
+            <a:off x="5629593" y="1605280"/>
+            <a:ext cx="5812155" cy="3982720"/>
+          </a:xfrm>
+          <a:prstGeom prst="rect">
+            <a:avLst/>
+          </a:prstGeom>
+        </p:spPr>
+      </p:pic>
+      <p:sp>
+        <p:nvSpPr>
+          <p:cNvPr id="6" name="文本框 5"/>
+          <p:cNvSpPr txBox="1"/>
+          <p:nvPr/>
+        </p:nvSpPr>
+        <p:spPr>
+          <a:xfrm>
+            <a:off x="5184775" y="6075680"/>
+            <a:ext cx="6180455" cy="429895"/>
+          </a:xfrm>
+          <a:prstGeom prst="rect">
+            <a:avLst/>
+          </a:prstGeom>
+          <a:noFill/>
+        </p:spPr>
+        <p:txBody>
+          <a:bodyPr wrap="square" rtlCol="0">
+            <a:spAutoFit/>
+          </a:bodyPr>
+          <a:p>
+            <a:pPr algn="l"/>
+            <a:r>
+              <a:rPr lang="zh-CN" altLang="en-US" sz="2200">
+                <a:solidFill>
+                  <a:srgbClr val="FF0000"/>
+                </a:solidFill>
+                <a:latin typeface="+mn-ea"/>
+                <a:ea typeface="+mn-ea"/>
+              </a:rPr>
+              <a:t>参见实例</a:t>
+            </a:r>
+            <a:r>
+              <a:rPr lang="en-US" altLang="zh-CN" sz="2200">
+                <a:solidFill>
+                  <a:srgbClr val="FF0000"/>
+                </a:solidFill>
+                <a:latin typeface="+mn-ea"/>
+                <a:ea typeface="+mn-ea"/>
+              </a:rPr>
+              <a:t>demo04_1 </a:t>
+            </a:r>
+            <a:r>
+              <a:rPr lang="zh-CN" altLang="en-US" sz="2200">
+                <a:solidFill>
+                  <a:srgbClr val="FF0000"/>
+                </a:solidFill>
+                <a:latin typeface="+mn-ea"/>
+                <a:ea typeface="+mn-ea"/>
+              </a:rPr>
+              <a:t>理解执行上下文的通俗例子</a:t>
+            </a:r>
+            <a:endParaRPr lang="zh-CN" altLang="en-US" sz="2200">
+              <a:solidFill>
+                <a:srgbClr val="FF0000"/>
+              </a:solidFill>
+              <a:latin typeface="+mn-ea"/>
+              <a:ea typeface="+mn-ea"/>
+            </a:endParaRPr>
+          </a:p>
+        </p:txBody>
+      </p:sp>
+    </p:spTree>
+  </p:cSld>
+  <p:clrMapOvr>
+    <a:masterClrMapping/>
+  </p:clrMapOvr>
+  <p:timing>
+    <p:tnLst>
+      <p:par>
+        <p:cTn id="1" dur="indefinite" restart="never" nodeType="tmRoot">
+          <p:childTnLst>
+            <p:seq concurrent="1" nextAc="seek">
+              <p:cTn id="2" dur="indefinite" nodeType="mainSeq">
+                <p:childTnLst>
+                  <p:par>
+                    <p:cTn id="3" fill="hold">
+                      <p:stCondLst>
+                        <p:cond delay="indefinite"/>
+                      </p:stCondLst>
+                      <p:childTnLst>
+                        <p:par>
+                          <p:cTn id="4" fill="hold">
+                            <p:stCondLst>
+                              <p:cond delay="0"/>
+                            </p:stCondLst>
+                            <p:childTnLst>
+                              <p:par>
+                                <p:cTn id="5" presetID="2" presetClass="entr" presetSubtype="4" fill="hold" nodeType="clickEffect">
+                                  <p:stCondLst>
+                                    <p:cond delay="0"/>
+                                  </p:stCondLst>
+                                  <p:childTnLst>
+                                    <p:set>
+                                      <p:cBhvr>
+                                        <p:cTn id="6" dur="1" fill="hold">
+                                          <p:stCondLst>
+                                            <p:cond delay="0"/>
+                                          </p:stCondLst>
+                                        </p:cTn>
+                                        <p:tgtEl>
+                                          <p:spTgt spid="11266">
+                                            <p:txEl>
+                                              <p:pRg st="0" end="0"/>
+                                            </p:txEl>
+                                          </p:spTgt>
+                                        </p:tgtEl>
+                                        <p:attrNameLst>
+                                          <p:attrName>style.visibility</p:attrName>
+                                        </p:attrNameLst>
+                                      </p:cBhvr>
+                                      <p:to>
+                                        <p:strVal val="visible"/>
+                                      </p:to>
+                                    </p:set>
+                                    <p:anim calcmode="lin" valueType="num">
+                                      <p:cBhvr additive="base">
+                                        <p:cTn id="7" dur="500" fill="hold"/>
+                                        <p:tgtEl>
+                                          <p:spTgt spid="11266">
+                                            <p:txEl>
+                                              <p:pRg st="0" end="0"/>
+                                            </p:txEl>
+                                          </p:spTgt>
+                                        </p:tgtEl>
+                                        <p:attrNameLst>
+                                          <p:attrName>ppt_x</p:attrName>
+                                        </p:attrNameLst>
+                                      </p:cBhvr>
+                                      <p:tavLst>
+                                        <p:tav tm="0">
+                                          <p:val>
+                                            <p:strVal val="#ppt_x"/>
+                                          </p:val>
+                                        </p:tav>
+                                        <p:tav tm="100000">
+                                          <p:val>
+                                            <p:strVal val="#ppt_x"/>
+                                          </p:val>
+                                        </p:tav>
+                                      </p:tavLst>
+                                    </p:anim>
+                                    <p:anim calcmode="lin" valueType="num">
+                                      <p:cBhvr additive="base">
+                                        <p:cTn id="8" dur="500" fill="hold"/>
+                                        <p:tgtEl>
+                                          <p:spTgt spid="11266">
+                                            <p:txEl>
+                                              <p:pRg st="0" end="0"/>
+                                            </p:txEl>
+                                          </p:spTgt>
+                                        </p:tgtEl>
+                                        <p:attrNameLst>
+                                          <p:attrName>ppt_y</p:attrName>
+                                        </p:attrNameLst>
+                                      </p:cBhvr>
+                                      <p:tavLst>
+                                        <p:tav tm="0">
+                                          <p:val>
+                                            <p:strVal val="1+#ppt_h/2"/>
+                                          </p:val>
+                                        </p:tav>
+                                        <p:tav tm="100000">
+                                          <p:val>
+                                            <p:strVal val="#ppt_y"/>
+                                          </p:val>
+                                        </p:tav>
+                                      </p:tavLst>
+                                    </p:anim>
+                                  </p:childTnLst>
+                                </p:cTn>
+                              </p:par>
+                            </p:childTnLst>
+                          </p:cTn>
+                        </p:par>
                       </p:childTnLst>
                     </p:cTn>
                   </p:par>
@@ -6169,7 +6966,7 @@
 </p:sld>
 </file>
 
-<file path=ppt/slides/slide11.xml><?xml version="1.0" encoding="utf-8"?>
+<file path=ppt/slides/slide12.xml><?xml version="1.0" encoding="utf-8"?>
 <p:sld xmlns:a="http://schemas.openxmlformats.org/drawingml/2006/main" xmlns:r="http://schemas.openxmlformats.org/officeDocument/2006/relationships" xmlns:p="http://schemas.openxmlformats.org/presentationml/2006/main">
   <p:cSld>
     <p:spTree>
@@ -7485,7 +8282,7 @@
 </p:sld>
 </file>
 
-<file path=ppt/slides/slide12.xml><?xml version="1.0" encoding="utf-8"?>
+<file path=ppt/slides/slide13.xml><?xml version="1.0" encoding="utf-8"?>
 <p:sld xmlns:a="http://schemas.openxmlformats.org/drawingml/2006/main" xmlns:r="http://schemas.openxmlformats.org/officeDocument/2006/relationships" xmlns:p="http://schemas.openxmlformats.org/presentationml/2006/main">
   <p:cSld>
     <p:spTree>
@@ -8012,7 +8809,7 @@
 </p:sld>
 </file>
 
-<file path=ppt/slides/slide13.xml><?xml version="1.0" encoding="utf-8"?>
+<file path=ppt/slides/slide14.xml><?xml version="1.0" encoding="utf-8"?>
 <p:sld xmlns:a="http://schemas.openxmlformats.org/drawingml/2006/main" xmlns:r="http://schemas.openxmlformats.org/officeDocument/2006/relationships" xmlns:p="http://schemas.openxmlformats.org/presentationml/2006/main">
   <p:cSld>
     <p:spTree>
@@ -9646,7 +10443,7 @@
 </p:sld>
 </file>
 
-<file path=ppt/slides/slide14.xml><?xml version="1.0" encoding="utf-8"?>
+<file path=ppt/slides/slide15.xml><?xml version="1.0" encoding="utf-8"?>
 <p:sld xmlns:a="http://schemas.openxmlformats.org/drawingml/2006/main" xmlns:r="http://schemas.openxmlformats.org/officeDocument/2006/relationships" xmlns:p="http://schemas.openxmlformats.org/presentationml/2006/main">
   <p:cSld>
     <p:spTree>
@@ -10424,7 +11221,7 @@
 </p:sld>
 </file>
 
-<file path=ppt/slides/slide15.xml><?xml version="1.0" encoding="utf-8"?>
+<file path=ppt/slides/slide16.xml><?xml version="1.0" encoding="utf-8"?>
 <p:sld xmlns:a="http://schemas.openxmlformats.org/drawingml/2006/main" xmlns:r="http://schemas.openxmlformats.org/officeDocument/2006/relationships" xmlns:p="http://schemas.openxmlformats.org/presentationml/2006/main">
   <p:cSld>
     <p:spTree>
@@ -10943,7 +11740,7 @@
 </p:sld>
 </file>
 
-<file path=ppt/slides/slide16.xml><?xml version="1.0" encoding="utf-8"?>
+<file path=ppt/slides/slide17.xml><?xml version="1.0" encoding="utf-8"?>
 <p:sld xmlns:a="http://schemas.openxmlformats.org/drawingml/2006/main" xmlns:r="http://schemas.openxmlformats.org/officeDocument/2006/relationships" xmlns:p="http://schemas.openxmlformats.org/presentationml/2006/main">
   <p:cSld>
     <p:spTree>
@@ -11152,7 +11949,7 @@
 </p:sld>
 </file>
 
-<file path=ppt/slides/slide17.xml><?xml version="1.0" encoding="utf-8"?>
+<file path=ppt/slides/slide18.xml><?xml version="1.0" encoding="utf-8"?>
 <p:sld xmlns:a="http://schemas.openxmlformats.org/drawingml/2006/main" xmlns:r="http://schemas.openxmlformats.org/officeDocument/2006/relationships" xmlns:p="http://schemas.openxmlformats.org/presentationml/2006/main">
   <p:cSld>
     <p:spTree>
@@ -11754,7 +12551,7 @@
 </p:sld>
 </file>
 
-<file path=ppt/slides/slide18.xml><?xml version="1.0" encoding="utf-8"?>
+<file path=ppt/slides/slide19.xml><?xml version="1.0" encoding="utf-8"?>
 <p:sld xmlns:a="http://schemas.openxmlformats.org/drawingml/2006/main" xmlns:r="http://schemas.openxmlformats.org/officeDocument/2006/relationships" xmlns:p="http://schemas.openxmlformats.org/presentationml/2006/main">
   <p:cSld>
     <p:spTree>
@@ -12139,535 +12936,6 @@
     <a:masterClrMapping/>
   </p:clrMapOvr>
   <p:transition advClick="0"/>
-  <p:timing>
-    <p:tnLst>
-      <p:par>
-        <p:cTn id="1" dur="indefinite" restart="never" nodeType="tmRoot"/>
-      </p:par>
-    </p:tnLst>
-  </p:timing>
-</p:sld>
-</file>
-
-<file path=ppt/slides/slide19.xml><?xml version="1.0" encoding="utf-8"?>
-<p:sld xmlns:a="http://schemas.openxmlformats.org/drawingml/2006/main" xmlns:r="http://schemas.openxmlformats.org/officeDocument/2006/relationships" xmlns:p="http://schemas.openxmlformats.org/presentationml/2006/main">
-  <p:cSld>
-    <p:spTree>
-      <p:nvGrpSpPr>
-        <p:cNvPr id="1" name=""/>
-        <p:cNvGrpSpPr/>
-        <p:nvPr/>
-      </p:nvGrpSpPr>
-      <p:grpSpPr>
-        <a:xfrm>
-          <a:off x="0" y="0"/>
-          <a:ext cx="0" cy="0"/>
-          <a:chOff x="0" y="0"/>
-          <a:chExt cx="0" cy="0"/>
-        </a:xfrm>
-      </p:grpSpPr>
-      <p:sp>
-        <p:nvSpPr>
-          <p:cNvPr id="5123" name="AutoShape 6"/>
-          <p:cNvSpPr>
-            <a:spLocks noChangeArrowheads="1"/>
-          </p:cNvSpPr>
-          <p:nvPr/>
-        </p:nvSpPr>
-        <p:spPr bwMode="auto">
-          <a:xfrm>
-            <a:off x="2566988" y="1339851"/>
-            <a:ext cx="6711950" cy="4214813"/>
-          </a:xfrm>
-          <a:prstGeom prst="roundRect">
-            <a:avLst>
-              <a:gd name="adj" fmla="val 16667"/>
-            </a:avLst>
-          </a:prstGeom>
-          <a:noFill/>
-          <a:ln w="28575">
-            <a:solidFill>
-              <a:srgbClr val="C0C0C0"/>
-            </a:solidFill>
-            <a:prstDash val="sysDot"/>
-            <a:round/>
-          </a:ln>
-          <a:extLst>
-            <a:ext uri="{909E8E84-426E-40DD-AFC4-6F175D3DCCD1}">
-              <a14:hiddenFill xmlns:a14="http://schemas.microsoft.com/office/drawing/2010/main">
-                <a:solidFill>
-                  <a:srgbClr val="FFFFFF"/>
-                </a:solidFill>
-              </a14:hiddenFill>
-            </a:ext>
-          </a:extLst>
-        </p:spPr>
-        <p:txBody>
-          <a:bodyPr wrap="none" anchor="ctr"/>
-          <a:lstStyle>
-            <a:lvl1pPr marL="457200" indent="-457200">
-              <a:defRPr sz="3200">
-                <a:solidFill>
-                  <a:schemeClr val="tx1"/>
-                </a:solidFill>
-                <a:latin typeface="Arial" panose="020B0604020202020204" pitchFamily="34" charset="0"/>
-                <a:ea typeface="微软雅黑" panose="020B0503020204020204" pitchFamily="34" charset="-122"/>
-              </a:defRPr>
-            </a:lvl1pPr>
-            <a:lvl2pPr marL="742950" indent="-285750">
-              <a:defRPr sz="3200">
-                <a:solidFill>
-                  <a:schemeClr val="tx1"/>
-                </a:solidFill>
-                <a:latin typeface="Arial" panose="020B0604020202020204" pitchFamily="34" charset="0"/>
-                <a:ea typeface="微软雅黑" panose="020B0503020204020204" pitchFamily="34" charset="-122"/>
-              </a:defRPr>
-            </a:lvl2pPr>
-            <a:lvl3pPr marL="1143000" indent="-228600">
-              <a:defRPr sz="3200">
-                <a:solidFill>
-                  <a:schemeClr val="tx1"/>
-                </a:solidFill>
-                <a:latin typeface="Arial" panose="020B0604020202020204" pitchFamily="34" charset="0"/>
-                <a:ea typeface="微软雅黑" panose="020B0503020204020204" pitchFamily="34" charset="-122"/>
-              </a:defRPr>
-            </a:lvl3pPr>
-            <a:lvl4pPr marL="1600200" indent="-228600">
-              <a:defRPr sz="3200">
-                <a:solidFill>
-                  <a:schemeClr val="tx1"/>
-                </a:solidFill>
-                <a:latin typeface="Arial" panose="020B0604020202020204" pitchFamily="34" charset="0"/>
-                <a:ea typeface="微软雅黑" panose="020B0503020204020204" pitchFamily="34" charset="-122"/>
-              </a:defRPr>
-            </a:lvl4pPr>
-            <a:lvl5pPr marL="2057400" indent="-228600">
-              <a:defRPr sz="3200">
-                <a:solidFill>
-                  <a:schemeClr val="tx1"/>
-                </a:solidFill>
-                <a:latin typeface="Arial" panose="020B0604020202020204" pitchFamily="34" charset="0"/>
-                <a:ea typeface="微软雅黑" panose="020B0503020204020204" pitchFamily="34" charset="-122"/>
-              </a:defRPr>
-            </a:lvl5pPr>
-            <a:lvl6pPr marL="2514600" indent="-228600" eaLnBrk="0" fontAlgn="base" hangingPunct="0">
-              <a:spcBef>
-                <a:spcPct val="0"/>
-              </a:spcBef>
-              <a:spcAft>
-                <a:spcPct val="0"/>
-              </a:spcAft>
-              <a:defRPr sz="3200">
-                <a:solidFill>
-                  <a:schemeClr val="tx1"/>
-                </a:solidFill>
-                <a:latin typeface="Arial" panose="020B0604020202020204" pitchFamily="34" charset="0"/>
-                <a:ea typeface="微软雅黑" panose="020B0503020204020204" pitchFamily="34" charset="-122"/>
-              </a:defRPr>
-            </a:lvl6pPr>
-            <a:lvl7pPr marL="2971800" indent="-228600" eaLnBrk="0" fontAlgn="base" hangingPunct="0">
-              <a:spcBef>
-                <a:spcPct val="0"/>
-              </a:spcBef>
-              <a:spcAft>
-                <a:spcPct val="0"/>
-              </a:spcAft>
-              <a:defRPr sz="3200">
-                <a:solidFill>
-                  <a:schemeClr val="tx1"/>
-                </a:solidFill>
-                <a:latin typeface="Arial" panose="020B0604020202020204" pitchFamily="34" charset="0"/>
-                <a:ea typeface="微软雅黑" panose="020B0503020204020204" pitchFamily="34" charset="-122"/>
-              </a:defRPr>
-            </a:lvl7pPr>
-            <a:lvl8pPr marL="3429000" indent="-228600" eaLnBrk="0" fontAlgn="base" hangingPunct="0">
-              <a:spcBef>
-                <a:spcPct val="0"/>
-              </a:spcBef>
-              <a:spcAft>
-                <a:spcPct val="0"/>
-              </a:spcAft>
-              <a:defRPr sz="3200">
-                <a:solidFill>
-                  <a:schemeClr val="tx1"/>
-                </a:solidFill>
-                <a:latin typeface="Arial" panose="020B0604020202020204" pitchFamily="34" charset="0"/>
-                <a:ea typeface="微软雅黑" panose="020B0503020204020204" pitchFamily="34" charset="-122"/>
-              </a:defRPr>
-            </a:lvl8pPr>
-            <a:lvl9pPr marL="3886200" indent="-228600" eaLnBrk="0" fontAlgn="base" hangingPunct="0">
-              <a:spcBef>
-                <a:spcPct val="0"/>
-              </a:spcBef>
-              <a:spcAft>
-                <a:spcPct val="0"/>
-              </a:spcAft>
-              <a:defRPr sz="3200">
-                <a:solidFill>
-                  <a:schemeClr val="tx1"/>
-                </a:solidFill>
-                <a:latin typeface="Arial" panose="020B0604020202020204" pitchFamily="34" charset="0"/>
-                <a:ea typeface="微软雅黑" panose="020B0503020204020204" pitchFamily="34" charset="-122"/>
-              </a:defRPr>
-            </a:lvl9pPr>
-          </a:lstStyle>
-          <a:p>
-            <a:pPr algn="l">
-              <a:lnSpc>
-                <a:spcPct val="150000"/>
-              </a:lnSpc>
-              <a:spcBef>
-                <a:spcPts val="1200"/>
-              </a:spcBef>
-              <a:spcAft>
-                <a:spcPts val="1200"/>
-              </a:spcAft>
-              <a:buClr>
-                <a:srgbClr val="92D050"/>
-              </a:buClr>
-              <a:buFont typeface="Wingdings" panose="05000000000000000000" pitchFamily="2" charset="2"/>
-              <a:buChar char="Ø"/>
-            </a:pPr>
-            <a:r>
-              <a:rPr lang="zh-CN" altLang="en-US" sz="2800" b="1">
-                <a:solidFill>
-                  <a:srgbClr val="FF0000"/>
-                </a:solidFill>
-              </a:rPr>
-              <a:t>什么是</a:t>
-            </a:r>
-            <a:r>
-              <a:rPr lang="en-US" altLang="zh-CN" sz="2800" b="1">
-                <a:solidFill>
-                  <a:srgbClr val="FF0000"/>
-                </a:solidFill>
-              </a:rPr>
-              <a:t>IIFE</a:t>
-            </a:r>
-            <a:r>
-              <a:rPr lang="zh-CN" altLang="en-US" sz="2800" b="1">
-                <a:solidFill>
-                  <a:srgbClr val="FF0000"/>
-                </a:solidFill>
-              </a:rPr>
-              <a:t>以及其使用方式</a:t>
-            </a:r>
-            <a:endParaRPr lang="zh-CN" altLang="en-US" sz="2800" b="1">
-              <a:solidFill>
-                <a:srgbClr val="FF0000"/>
-              </a:solidFill>
-            </a:endParaRPr>
-          </a:p>
-          <a:p>
-            <a:pPr algn="l">
-              <a:lnSpc>
-                <a:spcPct val="150000"/>
-              </a:lnSpc>
-              <a:spcBef>
-                <a:spcPts val="1200"/>
-              </a:spcBef>
-              <a:spcAft>
-                <a:spcPts val="1200"/>
-              </a:spcAft>
-              <a:buClr>
-                <a:srgbClr val="92D050"/>
-              </a:buClr>
-              <a:buFont typeface="Wingdings" panose="05000000000000000000" pitchFamily="2" charset="2"/>
-              <a:buChar char="Ø"/>
-            </a:pPr>
-            <a:r>
-              <a:rPr lang="zh-CN" altLang="en-US" sz="2800" b="1">
-                <a:solidFill>
-                  <a:schemeClr val="tx1"/>
-                </a:solidFill>
-                <a:sym typeface="+mn-ea"/>
-              </a:rPr>
-              <a:t>通过</a:t>
-            </a:r>
-            <a:r>
-              <a:rPr lang="en-US" altLang="zh-CN" sz="2800" b="1">
-                <a:solidFill>
-                  <a:schemeClr val="tx1"/>
-                </a:solidFill>
-                <a:sym typeface="+mn-ea"/>
-              </a:rPr>
-              <a:t>IIFE</a:t>
-            </a:r>
-            <a:r>
-              <a:rPr lang="zh-CN" altLang="en-US" sz="2800" b="1">
-                <a:solidFill>
-                  <a:schemeClr val="tx1"/>
-                </a:solidFill>
-                <a:sym typeface="+mn-ea"/>
-              </a:rPr>
-              <a:t>来解决的问题</a:t>
-            </a:r>
-            <a:r>
-              <a:rPr lang="zh-CN" altLang="en-US" sz="2800" b="1"/>
-              <a:t>（</a:t>
-            </a:r>
-            <a:r>
-              <a:rPr lang="en-US" altLang="zh-CN" sz="2800" b="1"/>
-              <a:t>JS</a:t>
-            </a:r>
-            <a:r>
-              <a:rPr lang="zh-CN" altLang="en-US" sz="2800" b="1"/>
-              <a:t>缺陷）</a:t>
-            </a:r>
-            <a:endParaRPr lang="zh-CN" altLang="en-US" sz="2800" b="1"/>
-          </a:p>
-          <a:p>
-            <a:pPr algn="l">
-              <a:lnSpc>
-                <a:spcPct val="150000"/>
-              </a:lnSpc>
-              <a:spcBef>
-                <a:spcPts val="1200"/>
-              </a:spcBef>
-              <a:spcAft>
-                <a:spcPts val="1200"/>
-              </a:spcAft>
-              <a:buClr>
-                <a:srgbClr val="92D050"/>
-              </a:buClr>
-              <a:buFont typeface="Wingdings" panose="05000000000000000000" pitchFamily="2" charset="2"/>
-              <a:buChar char="Ø"/>
-            </a:pPr>
-            <a:r>
-              <a:rPr lang="en-US" altLang="zh-CN" sz="2800" b="1"/>
-              <a:t>IIFE</a:t>
-            </a:r>
-            <a:r>
-              <a:rPr lang="zh-CN" altLang="en-US" sz="2800" b="1"/>
-              <a:t>实际应用案例</a:t>
-            </a:r>
-            <a:endParaRPr lang="en-US" altLang="zh-CN" sz="2800" b="1"/>
-          </a:p>
-        </p:txBody>
-      </p:sp>
-      <p:sp>
-        <p:nvSpPr>
-          <p:cNvPr id="4" name="内容占位符 3"/>
-          <p:cNvSpPr txBox="1"/>
-          <p:nvPr/>
-        </p:nvSpPr>
-        <p:spPr>
-          <a:xfrm>
-            <a:off x="981657" y="236943"/>
-            <a:ext cx="8191557" cy="490476"/>
-          </a:xfrm>
-          <a:prstGeom prst="rect">
-            <a:avLst/>
-          </a:prstGeom>
-        </p:spPr>
-        <p:txBody>
-          <a:bodyPr/>
-          <a:lstStyle>
-            <a:lvl1pPr marL="167005" indent="-167005" algn="l" defTabSz="0" rtl="0" eaLnBrk="0" fontAlgn="base" hangingPunct="0">
-              <a:spcBef>
-                <a:spcPct val="0"/>
-              </a:spcBef>
-              <a:spcAft>
-                <a:spcPct val="15000"/>
-              </a:spcAft>
-              <a:buClr>
-                <a:schemeClr val="tx2"/>
-              </a:buClr>
-              <a:buFont typeface="Arial" panose="020B0604020202020204" pitchFamily="34" charset="0"/>
-              <a:buChar char="•"/>
-              <a:defRPr kumimoji="1" sz="1600">
-                <a:solidFill>
-                  <a:srgbClr val="006F53"/>
-                </a:solidFill>
-                <a:latin typeface="微软雅黑" panose="020B0503020204020204" pitchFamily="34" charset="-122"/>
-                <a:ea typeface="微软雅黑" panose="020B0503020204020204" pitchFamily="34" charset="-122"/>
-                <a:cs typeface="微软雅黑" panose="020B0503020204020204" pitchFamily="34" charset="-122"/>
-              </a:defRPr>
-            </a:lvl1pPr>
-            <a:lvl2pPr marL="398780" indent="-230505" algn="l" defTabSz="0" rtl="0" eaLnBrk="0" fontAlgn="base" hangingPunct="0">
-              <a:spcBef>
-                <a:spcPct val="0"/>
-              </a:spcBef>
-              <a:spcAft>
-                <a:spcPct val="15000"/>
-              </a:spcAft>
-              <a:buClr>
-                <a:schemeClr val="tx2"/>
-              </a:buClr>
-              <a:buFont typeface="Arial" panose="020B0604020202020204" pitchFamily="34" charset="0"/>
-              <a:buChar char="–"/>
-              <a:defRPr kumimoji="1" sz="2800">
-                <a:solidFill>
-                  <a:schemeClr val="bg2"/>
-                </a:solidFill>
-                <a:latin typeface="微软雅黑" panose="020B0503020204020204" pitchFamily="34" charset="-122"/>
-                <a:ea typeface="微软雅黑" panose="020B0503020204020204" pitchFamily="34" charset="-122"/>
-                <a:cs typeface="微软雅黑" panose="020B0503020204020204" pitchFamily="34" charset="-122"/>
-              </a:defRPr>
-            </a:lvl2pPr>
-            <a:lvl3pPr marL="400050" indent="182880" algn="l" defTabSz="0" rtl="0" eaLnBrk="0" fontAlgn="base" hangingPunct="0">
-              <a:spcBef>
-                <a:spcPct val="0"/>
-              </a:spcBef>
-              <a:spcAft>
-                <a:spcPct val="15000"/>
-              </a:spcAft>
-              <a:buClr>
-                <a:schemeClr val="tx2"/>
-              </a:buClr>
-              <a:buFont typeface="Arial" panose="020B0604020202020204" pitchFamily="34" charset="0"/>
-              <a:buChar char="•"/>
-              <a:defRPr kumimoji="1" sz="1600">
-                <a:solidFill>
-                  <a:schemeClr val="bg2"/>
-                </a:solidFill>
-                <a:latin typeface="微软雅黑" panose="020B0503020204020204" pitchFamily="34" charset="-122"/>
-                <a:ea typeface="微软雅黑" panose="020B0503020204020204" pitchFamily="34" charset="-122"/>
-                <a:cs typeface="微软雅黑" panose="020B0503020204020204" pitchFamily="34" charset="-122"/>
-              </a:defRPr>
-            </a:lvl3pPr>
-            <a:lvl4pPr marL="825500" indent="-241300" algn="l" defTabSz="0" rtl="0" eaLnBrk="0" fontAlgn="base" hangingPunct="0">
-              <a:spcBef>
-                <a:spcPct val="0"/>
-              </a:spcBef>
-              <a:spcAft>
-                <a:spcPct val="15000"/>
-              </a:spcAft>
-              <a:buClr>
-                <a:schemeClr val="tx2"/>
-              </a:buClr>
-              <a:buFont typeface="Arial" panose="020B0604020202020204" pitchFamily="34" charset="0"/>
-              <a:buChar char="–"/>
-              <a:defRPr kumimoji="1" sz="1600">
-                <a:solidFill>
-                  <a:schemeClr val="bg2"/>
-                </a:solidFill>
-                <a:latin typeface="微软雅黑" panose="020B0503020204020204" pitchFamily="34" charset="-122"/>
-                <a:ea typeface="微软雅黑" panose="020B0503020204020204" pitchFamily="34" charset="-122"/>
-                <a:cs typeface="微软雅黑" panose="020B0503020204020204" pitchFamily="34" charset="-122"/>
-              </a:defRPr>
-            </a:lvl4pPr>
-            <a:lvl5pPr marL="2057400" indent="-228600" algn="l" defTabSz="0" rtl="0" eaLnBrk="0" fontAlgn="base" hangingPunct="0">
-              <a:spcBef>
-                <a:spcPct val="0"/>
-              </a:spcBef>
-              <a:spcAft>
-                <a:spcPct val="25000"/>
-              </a:spcAft>
-              <a:buClr>
-                <a:schemeClr val="tx2"/>
-              </a:buClr>
-              <a:buFont typeface="Arial" panose="020B0604020202020204" pitchFamily="34" charset="0"/>
-              <a:buChar char="–"/>
-              <a:defRPr kumimoji="1" sz="2000">
-                <a:solidFill>
-                  <a:schemeClr val="tx1"/>
-                </a:solidFill>
-                <a:latin typeface="+mn-lt"/>
-                <a:ea typeface="微软雅黑" panose="020B0503020204020204" pitchFamily="34" charset="-122"/>
-                <a:cs typeface="微软雅黑" panose="020B0503020204020204" pitchFamily="34" charset="-122"/>
-              </a:defRPr>
-            </a:lvl5pPr>
-            <a:lvl6pPr marL="2514600" indent="-228600" algn="l" defTabSz="0" rtl="0" eaLnBrk="0" fontAlgn="base" hangingPunct="0">
-              <a:spcBef>
-                <a:spcPct val="0"/>
-              </a:spcBef>
-              <a:spcAft>
-                <a:spcPct val="25000"/>
-              </a:spcAft>
-              <a:buClr>
-                <a:schemeClr val="tx2"/>
-              </a:buClr>
-              <a:buFont typeface="Arial" panose="020B0604020202020204" pitchFamily="34" charset="0"/>
-              <a:buChar char="–"/>
-              <a:defRPr>
-                <a:solidFill>
-                  <a:schemeClr val="tx1"/>
-                </a:solidFill>
-                <a:latin typeface="+mn-lt"/>
-              </a:defRPr>
-            </a:lvl6pPr>
-            <a:lvl7pPr marL="2971800" indent="-228600" algn="l" defTabSz="0" rtl="0" eaLnBrk="0" fontAlgn="base" hangingPunct="0">
-              <a:spcBef>
-                <a:spcPct val="0"/>
-              </a:spcBef>
-              <a:spcAft>
-                <a:spcPct val="25000"/>
-              </a:spcAft>
-              <a:buClr>
-                <a:schemeClr val="tx2"/>
-              </a:buClr>
-              <a:buFont typeface="Arial" panose="020B0604020202020204" pitchFamily="34" charset="0"/>
-              <a:buChar char="–"/>
-              <a:defRPr>
-                <a:solidFill>
-                  <a:schemeClr val="tx1"/>
-                </a:solidFill>
-                <a:latin typeface="+mn-lt"/>
-              </a:defRPr>
-            </a:lvl7pPr>
-            <a:lvl8pPr marL="3429000" indent="-228600" algn="l" defTabSz="0" rtl="0" eaLnBrk="0" fontAlgn="base" hangingPunct="0">
-              <a:spcBef>
-                <a:spcPct val="0"/>
-              </a:spcBef>
-              <a:spcAft>
-                <a:spcPct val="25000"/>
-              </a:spcAft>
-              <a:buClr>
-                <a:schemeClr val="tx2"/>
-              </a:buClr>
-              <a:buFont typeface="Arial" panose="020B0604020202020204" pitchFamily="34" charset="0"/>
-              <a:buChar char="–"/>
-              <a:defRPr>
-                <a:solidFill>
-                  <a:schemeClr val="tx1"/>
-                </a:solidFill>
-                <a:latin typeface="+mn-lt"/>
-              </a:defRPr>
-            </a:lvl8pPr>
-            <a:lvl9pPr marL="3886200" indent="-228600" algn="l" defTabSz="0" rtl="0" eaLnBrk="0" fontAlgn="base" hangingPunct="0">
-              <a:spcBef>
-                <a:spcPct val="0"/>
-              </a:spcBef>
-              <a:spcAft>
-                <a:spcPct val="25000"/>
-              </a:spcAft>
-              <a:buClr>
-                <a:schemeClr val="tx2"/>
-              </a:buClr>
-              <a:buFont typeface="Arial" panose="020B0604020202020204" pitchFamily="34" charset="0"/>
-              <a:buChar char="–"/>
-              <a:defRPr>
-                <a:solidFill>
-                  <a:schemeClr val="tx1"/>
-                </a:solidFill>
-                <a:latin typeface="+mn-lt"/>
-              </a:defRPr>
-            </a:lvl9pPr>
-          </a:lstStyle>
-          <a:p>
-            <a:pPr marL="0" indent="0">
-              <a:buNone/>
-            </a:pPr>
-            <a:r>
-              <a:rPr lang="zh-CN" altLang="en-US" sz="3200" dirty="0" smtClean="0">
-                <a:solidFill>
-                  <a:srgbClr val="C00000"/>
-                </a:solidFill>
-                <a:cs typeface="+mn-cs"/>
-                <a:sym typeface="+mn-ea"/>
-              </a:rPr>
-              <a:t>内容提纲</a:t>
-            </a:r>
-            <a:endParaRPr lang="zh-CN" altLang="en-US" kern="0" dirty="0"/>
-          </a:p>
-        </p:txBody>
-      </p:sp>
-    </p:spTree>
-  </p:cSld>
-  <p:clrMapOvr>
-    <a:masterClrMapping/>
-  </p:clrMapOvr>
   <p:timing>
     <p:tnLst>
       <p:par>
@@ -13060,6 +13328,535 @@
 </file>
 
 <file path=ppt/slides/slide20.xml><?xml version="1.0" encoding="utf-8"?>
+<p:sld xmlns:a="http://schemas.openxmlformats.org/drawingml/2006/main" xmlns:r="http://schemas.openxmlformats.org/officeDocument/2006/relationships" xmlns:p="http://schemas.openxmlformats.org/presentationml/2006/main">
+  <p:cSld>
+    <p:spTree>
+      <p:nvGrpSpPr>
+        <p:cNvPr id="1" name=""/>
+        <p:cNvGrpSpPr/>
+        <p:nvPr/>
+      </p:nvGrpSpPr>
+      <p:grpSpPr>
+        <a:xfrm>
+          <a:off x="0" y="0"/>
+          <a:ext cx="0" cy="0"/>
+          <a:chOff x="0" y="0"/>
+          <a:chExt cx="0" cy="0"/>
+        </a:xfrm>
+      </p:grpSpPr>
+      <p:sp>
+        <p:nvSpPr>
+          <p:cNvPr id="5123" name="AutoShape 6"/>
+          <p:cNvSpPr>
+            <a:spLocks noChangeArrowheads="1"/>
+          </p:cNvSpPr>
+          <p:nvPr/>
+        </p:nvSpPr>
+        <p:spPr bwMode="auto">
+          <a:xfrm>
+            <a:off x="2566988" y="1339851"/>
+            <a:ext cx="6711950" cy="4214813"/>
+          </a:xfrm>
+          <a:prstGeom prst="roundRect">
+            <a:avLst>
+              <a:gd name="adj" fmla="val 16667"/>
+            </a:avLst>
+          </a:prstGeom>
+          <a:noFill/>
+          <a:ln w="28575">
+            <a:solidFill>
+              <a:srgbClr val="C0C0C0"/>
+            </a:solidFill>
+            <a:prstDash val="sysDot"/>
+            <a:round/>
+          </a:ln>
+          <a:extLst>
+            <a:ext uri="{909E8E84-426E-40DD-AFC4-6F175D3DCCD1}">
+              <a14:hiddenFill xmlns:a14="http://schemas.microsoft.com/office/drawing/2010/main">
+                <a:solidFill>
+                  <a:srgbClr val="FFFFFF"/>
+                </a:solidFill>
+              </a14:hiddenFill>
+            </a:ext>
+          </a:extLst>
+        </p:spPr>
+        <p:txBody>
+          <a:bodyPr wrap="none" anchor="ctr"/>
+          <a:lstStyle>
+            <a:lvl1pPr marL="457200" indent="-457200">
+              <a:defRPr sz="3200">
+                <a:solidFill>
+                  <a:schemeClr val="tx1"/>
+                </a:solidFill>
+                <a:latin typeface="Arial" panose="020B0604020202020204" pitchFamily="34" charset="0"/>
+                <a:ea typeface="微软雅黑" panose="020B0503020204020204" pitchFamily="34" charset="-122"/>
+              </a:defRPr>
+            </a:lvl1pPr>
+            <a:lvl2pPr marL="742950" indent="-285750">
+              <a:defRPr sz="3200">
+                <a:solidFill>
+                  <a:schemeClr val="tx1"/>
+                </a:solidFill>
+                <a:latin typeface="Arial" panose="020B0604020202020204" pitchFamily="34" charset="0"/>
+                <a:ea typeface="微软雅黑" panose="020B0503020204020204" pitchFamily="34" charset="-122"/>
+              </a:defRPr>
+            </a:lvl2pPr>
+            <a:lvl3pPr marL="1143000" indent="-228600">
+              <a:defRPr sz="3200">
+                <a:solidFill>
+                  <a:schemeClr val="tx1"/>
+                </a:solidFill>
+                <a:latin typeface="Arial" panose="020B0604020202020204" pitchFamily="34" charset="0"/>
+                <a:ea typeface="微软雅黑" panose="020B0503020204020204" pitchFamily="34" charset="-122"/>
+              </a:defRPr>
+            </a:lvl3pPr>
+            <a:lvl4pPr marL="1600200" indent="-228600">
+              <a:defRPr sz="3200">
+                <a:solidFill>
+                  <a:schemeClr val="tx1"/>
+                </a:solidFill>
+                <a:latin typeface="Arial" panose="020B0604020202020204" pitchFamily="34" charset="0"/>
+                <a:ea typeface="微软雅黑" panose="020B0503020204020204" pitchFamily="34" charset="-122"/>
+              </a:defRPr>
+            </a:lvl4pPr>
+            <a:lvl5pPr marL="2057400" indent="-228600">
+              <a:defRPr sz="3200">
+                <a:solidFill>
+                  <a:schemeClr val="tx1"/>
+                </a:solidFill>
+                <a:latin typeface="Arial" panose="020B0604020202020204" pitchFamily="34" charset="0"/>
+                <a:ea typeface="微软雅黑" panose="020B0503020204020204" pitchFamily="34" charset="-122"/>
+              </a:defRPr>
+            </a:lvl5pPr>
+            <a:lvl6pPr marL="2514600" indent="-228600" eaLnBrk="0" fontAlgn="base" hangingPunct="0">
+              <a:spcBef>
+                <a:spcPct val="0"/>
+              </a:spcBef>
+              <a:spcAft>
+                <a:spcPct val="0"/>
+              </a:spcAft>
+              <a:defRPr sz="3200">
+                <a:solidFill>
+                  <a:schemeClr val="tx1"/>
+                </a:solidFill>
+                <a:latin typeface="Arial" panose="020B0604020202020204" pitchFamily="34" charset="0"/>
+                <a:ea typeface="微软雅黑" panose="020B0503020204020204" pitchFamily="34" charset="-122"/>
+              </a:defRPr>
+            </a:lvl6pPr>
+            <a:lvl7pPr marL="2971800" indent="-228600" eaLnBrk="0" fontAlgn="base" hangingPunct="0">
+              <a:spcBef>
+                <a:spcPct val="0"/>
+              </a:spcBef>
+              <a:spcAft>
+                <a:spcPct val="0"/>
+              </a:spcAft>
+              <a:defRPr sz="3200">
+                <a:solidFill>
+                  <a:schemeClr val="tx1"/>
+                </a:solidFill>
+                <a:latin typeface="Arial" panose="020B0604020202020204" pitchFamily="34" charset="0"/>
+                <a:ea typeface="微软雅黑" panose="020B0503020204020204" pitchFamily="34" charset="-122"/>
+              </a:defRPr>
+            </a:lvl7pPr>
+            <a:lvl8pPr marL="3429000" indent="-228600" eaLnBrk="0" fontAlgn="base" hangingPunct="0">
+              <a:spcBef>
+                <a:spcPct val="0"/>
+              </a:spcBef>
+              <a:spcAft>
+                <a:spcPct val="0"/>
+              </a:spcAft>
+              <a:defRPr sz="3200">
+                <a:solidFill>
+                  <a:schemeClr val="tx1"/>
+                </a:solidFill>
+                <a:latin typeface="Arial" panose="020B0604020202020204" pitchFamily="34" charset="0"/>
+                <a:ea typeface="微软雅黑" panose="020B0503020204020204" pitchFamily="34" charset="-122"/>
+              </a:defRPr>
+            </a:lvl8pPr>
+            <a:lvl9pPr marL="3886200" indent="-228600" eaLnBrk="0" fontAlgn="base" hangingPunct="0">
+              <a:spcBef>
+                <a:spcPct val="0"/>
+              </a:spcBef>
+              <a:spcAft>
+                <a:spcPct val="0"/>
+              </a:spcAft>
+              <a:defRPr sz="3200">
+                <a:solidFill>
+                  <a:schemeClr val="tx1"/>
+                </a:solidFill>
+                <a:latin typeface="Arial" panose="020B0604020202020204" pitchFamily="34" charset="0"/>
+                <a:ea typeface="微软雅黑" panose="020B0503020204020204" pitchFamily="34" charset="-122"/>
+              </a:defRPr>
+            </a:lvl9pPr>
+          </a:lstStyle>
+          <a:p>
+            <a:pPr algn="l">
+              <a:lnSpc>
+                <a:spcPct val="150000"/>
+              </a:lnSpc>
+              <a:spcBef>
+                <a:spcPts val="1200"/>
+              </a:spcBef>
+              <a:spcAft>
+                <a:spcPts val="1200"/>
+              </a:spcAft>
+              <a:buClr>
+                <a:srgbClr val="92D050"/>
+              </a:buClr>
+              <a:buFont typeface="Wingdings" panose="05000000000000000000" pitchFamily="2" charset="2"/>
+              <a:buChar char="Ø"/>
+            </a:pPr>
+            <a:r>
+              <a:rPr lang="zh-CN" altLang="en-US" sz="2800" b="1">
+                <a:solidFill>
+                  <a:srgbClr val="FF0000"/>
+                </a:solidFill>
+              </a:rPr>
+              <a:t>什么是</a:t>
+            </a:r>
+            <a:r>
+              <a:rPr lang="en-US" altLang="zh-CN" sz="2800" b="1">
+                <a:solidFill>
+                  <a:srgbClr val="FF0000"/>
+                </a:solidFill>
+              </a:rPr>
+              <a:t>IIFE</a:t>
+            </a:r>
+            <a:r>
+              <a:rPr lang="zh-CN" altLang="en-US" sz="2800" b="1">
+                <a:solidFill>
+                  <a:srgbClr val="FF0000"/>
+                </a:solidFill>
+              </a:rPr>
+              <a:t>以及其使用方式</a:t>
+            </a:r>
+            <a:endParaRPr lang="zh-CN" altLang="en-US" sz="2800" b="1">
+              <a:solidFill>
+                <a:srgbClr val="FF0000"/>
+              </a:solidFill>
+            </a:endParaRPr>
+          </a:p>
+          <a:p>
+            <a:pPr algn="l">
+              <a:lnSpc>
+                <a:spcPct val="150000"/>
+              </a:lnSpc>
+              <a:spcBef>
+                <a:spcPts val="1200"/>
+              </a:spcBef>
+              <a:spcAft>
+                <a:spcPts val="1200"/>
+              </a:spcAft>
+              <a:buClr>
+                <a:srgbClr val="92D050"/>
+              </a:buClr>
+              <a:buFont typeface="Wingdings" panose="05000000000000000000" pitchFamily="2" charset="2"/>
+              <a:buChar char="Ø"/>
+            </a:pPr>
+            <a:r>
+              <a:rPr lang="zh-CN" altLang="en-US" sz="2800" b="1">
+                <a:solidFill>
+                  <a:schemeClr val="tx1"/>
+                </a:solidFill>
+                <a:sym typeface="+mn-ea"/>
+              </a:rPr>
+              <a:t>通过</a:t>
+            </a:r>
+            <a:r>
+              <a:rPr lang="en-US" altLang="zh-CN" sz="2800" b="1">
+                <a:solidFill>
+                  <a:schemeClr val="tx1"/>
+                </a:solidFill>
+                <a:sym typeface="+mn-ea"/>
+              </a:rPr>
+              <a:t>IIFE</a:t>
+            </a:r>
+            <a:r>
+              <a:rPr lang="zh-CN" altLang="en-US" sz="2800" b="1">
+                <a:solidFill>
+                  <a:schemeClr val="tx1"/>
+                </a:solidFill>
+                <a:sym typeface="+mn-ea"/>
+              </a:rPr>
+              <a:t>来解决的问题</a:t>
+            </a:r>
+            <a:r>
+              <a:rPr lang="zh-CN" altLang="en-US" sz="2800" b="1"/>
+              <a:t>（</a:t>
+            </a:r>
+            <a:r>
+              <a:rPr lang="en-US" altLang="zh-CN" sz="2800" b="1"/>
+              <a:t>JS</a:t>
+            </a:r>
+            <a:r>
+              <a:rPr lang="zh-CN" altLang="en-US" sz="2800" b="1"/>
+              <a:t>缺陷）</a:t>
+            </a:r>
+            <a:endParaRPr lang="zh-CN" altLang="en-US" sz="2800" b="1"/>
+          </a:p>
+          <a:p>
+            <a:pPr algn="l">
+              <a:lnSpc>
+                <a:spcPct val="150000"/>
+              </a:lnSpc>
+              <a:spcBef>
+                <a:spcPts val="1200"/>
+              </a:spcBef>
+              <a:spcAft>
+                <a:spcPts val="1200"/>
+              </a:spcAft>
+              <a:buClr>
+                <a:srgbClr val="92D050"/>
+              </a:buClr>
+              <a:buFont typeface="Wingdings" panose="05000000000000000000" pitchFamily="2" charset="2"/>
+              <a:buChar char="Ø"/>
+            </a:pPr>
+            <a:r>
+              <a:rPr lang="en-US" altLang="zh-CN" sz="2800" b="1"/>
+              <a:t>IIFE</a:t>
+            </a:r>
+            <a:r>
+              <a:rPr lang="zh-CN" altLang="en-US" sz="2800" b="1"/>
+              <a:t>实际应用案例</a:t>
+            </a:r>
+            <a:endParaRPr lang="en-US" altLang="zh-CN" sz="2800" b="1"/>
+          </a:p>
+        </p:txBody>
+      </p:sp>
+      <p:sp>
+        <p:nvSpPr>
+          <p:cNvPr id="4" name="内容占位符 3"/>
+          <p:cNvSpPr txBox="1"/>
+          <p:nvPr/>
+        </p:nvSpPr>
+        <p:spPr>
+          <a:xfrm>
+            <a:off x="981657" y="236943"/>
+            <a:ext cx="8191557" cy="490476"/>
+          </a:xfrm>
+          <a:prstGeom prst="rect">
+            <a:avLst/>
+          </a:prstGeom>
+        </p:spPr>
+        <p:txBody>
+          <a:bodyPr/>
+          <a:lstStyle>
+            <a:lvl1pPr marL="167005" indent="-167005" algn="l" defTabSz="0" rtl="0" eaLnBrk="0" fontAlgn="base" hangingPunct="0">
+              <a:spcBef>
+                <a:spcPct val="0"/>
+              </a:spcBef>
+              <a:spcAft>
+                <a:spcPct val="15000"/>
+              </a:spcAft>
+              <a:buClr>
+                <a:schemeClr val="tx2"/>
+              </a:buClr>
+              <a:buFont typeface="Arial" panose="020B0604020202020204" pitchFamily="34" charset="0"/>
+              <a:buChar char="•"/>
+              <a:defRPr kumimoji="1" sz="1600">
+                <a:solidFill>
+                  <a:srgbClr val="006F53"/>
+                </a:solidFill>
+                <a:latin typeface="微软雅黑" panose="020B0503020204020204" pitchFamily="34" charset="-122"/>
+                <a:ea typeface="微软雅黑" panose="020B0503020204020204" pitchFamily="34" charset="-122"/>
+                <a:cs typeface="微软雅黑" panose="020B0503020204020204" pitchFamily="34" charset="-122"/>
+              </a:defRPr>
+            </a:lvl1pPr>
+            <a:lvl2pPr marL="398780" indent="-230505" algn="l" defTabSz="0" rtl="0" eaLnBrk="0" fontAlgn="base" hangingPunct="0">
+              <a:spcBef>
+                <a:spcPct val="0"/>
+              </a:spcBef>
+              <a:spcAft>
+                <a:spcPct val="15000"/>
+              </a:spcAft>
+              <a:buClr>
+                <a:schemeClr val="tx2"/>
+              </a:buClr>
+              <a:buFont typeface="Arial" panose="020B0604020202020204" pitchFamily="34" charset="0"/>
+              <a:buChar char="–"/>
+              <a:defRPr kumimoji="1" sz="2800">
+                <a:solidFill>
+                  <a:schemeClr val="bg2"/>
+                </a:solidFill>
+                <a:latin typeface="微软雅黑" panose="020B0503020204020204" pitchFamily="34" charset="-122"/>
+                <a:ea typeface="微软雅黑" panose="020B0503020204020204" pitchFamily="34" charset="-122"/>
+                <a:cs typeface="微软雅黑" panose="020B0503020204020204" pitchFamily="34" charset="-122"/>
+              </a:defRPr>
+            </a:lvl2pPr>
+            <a:lvl3pPr marL="400050" indent="182880" algn="l" defTabSz="0" rtl="0" eaLnBrk="0" fontAlgn="base" hangingPunct="0">
+              <a:spcBef>
+                <a:spcPct val="0"/>
+              </a:spcBef>
+              <a:spcAft>
+                <a:spcPct val="15000"/>
+              </a:spcAft>
+              <a:buClr>
+                <a:schemeClr val="tx2"/>
+              </a:buClr>
+              <a:buFont typeface="Arial" panose="020B0604020202020204" pitchFamily="34" charset="0"/>
+              <a:buChar char="•"/>
+              <a:defRPr kumimoji="1" sz="1600">
+                <a:solidFill>
+                  <a:schemeClr val="bg2"/>
+                </a:solidFill>
+                <a:latin typeface="微软雅黑" panose="020B0503020204020204" pitchFamily="34" charset="-122"/>
+                <a:ea typeface="微软雅黑" panose="020B0503020204020204" pitchFamily="34" charset="-122"/>
+                <a:cs typeface="微软雅黑" panose="020B0503020204020204" pitchFamily="34" charset="-122"/>
+              </a:defRPr>
+            </a:lvl3pPr>
+            <a:lvl4pPr marL="825500" indent="-241300" algn="l" defTabSz="0" rtl="0" eaLnBrk="0" fontAlgn="base" hangingPunct="0">
+              <a:spcBef>
+                <a:spcPct val="0"/>
+              </a:spcBef>
+              <a:spcAft>
+                <a:spcPct val="15000"/>
+              </a:spcAft>
+              <a:buClr>
+                <a:schemeClr val="tx2"/>
+              </a:buClr>
+              <a:buFont typeface="Arial" panose="020B0604020202020204" pitchFamily="34" charset="0"/>
+              <a:buChar char="–"/>
+              <a:defRPr kumimoji="1" sz="1600">
+                <a:solidFill>
+                  <a:schemeClr val="bg2"/>
+                </a:solidFill>
+                <a:latin typeface="微软雅黑" panose="020B0503020204020204" pitchFamily="34" charset="-122"/>
+                <a:ea typeface="微软雅黑" panose="020B0503020204020204" pitchFamily="34" charset="-122"/>
+                <a:cs typeface="微软雅黑" panose="020B0503020204020204" pitchFamily="34" charset="-122"/>
+              </a:defRPr>
+            </a:lvl4pPr>
+            <a:lvl5pPr marL="2057400" indent="-228600" algn="l" defTabSz="0" rtl="0" eaLnBrk="0" fontAlgn="base" hangingPunct="0">
+              <a:spcBef>
+                <a:spcPct val="0"/>
+              </a:spcBef>
+              <a:spcAft>
+                <a:spcPct val="25000"/>
+              </a:spcAft>
+              <a:buClr>
+                <a:schemeClr val="tx2"/>
+              </a:buClr>
+              <a:buFont typeface="Arial" panose="020B0604020202020204" pitchFamily="34" charset="0"/>
+              <a:buChar char="–"/>
+              <a:defRPr kumimoji="1" sz="2000">
+                <a:solidFill>
+                  <a:schemeClr val="tx1"/>
+                </a:solidFill>
+                <a:latin typeface="+mn-lt"/>
+                <a:ea typeface="微软雅黑" panose="020B0503020204020204" pitchFamily="34" charset="-122"/>
+                <a:cs typeface="微软雅黑" panose="020B0503020204020204" pitchFamily="34" charset="-122"/>
+              </a:defRPr>
+            </a:lvl5pPr>
+            <a:lvl6pPr marL="2514600" indent="-228600" algn="l" defTabSz="0" rtl="0" eaLnBrk="0" fontAlgn="base" hangingPunct="0">
+              <a:spcBef>
+                <a:spcPct val="0"/>
+              </a:spcBef>
+              <a:spcAft>
+                <a:spcPct val="25000"/>
+              </a:spcAft>
+              <a:buClr>
+                <a:schemeClr val="tx2"/>
+              </a:buClr>
+              <a:buFont typeface="Arial" panose="020B0604020202020204" pitchFamily="34" charset="0"/>
+              <a:buChar char="–"/>
+              <a:defRPr>
+                <a:solidFill>
+                  <a:schemeClr val="tx1"/>
+                </a:solidFill>
+                <a:latin typeface="+mn-lt"/>
+              </a:defRPr>
+            </a:lvl6pPr>
+            <a:lvl7pPr marL="2971800" indent="-228600" algn="l" defTabSz="0" rtl="0" eaLnBrk="0" fontAlgn="base" hangingPunct="0">
+              <a:spcBef>
+                <a:spcPct val="0"/>
+              </a:spcBef>
+              <a:spcAft>
+                <a:spcPct val="25000"/>
+              </a:spcAft>
+              <a:buClr>
+                <a:schemeClr val="tx2"/>
+              </a:buClr>
+              <a:buFont typeface="Arial" panose="020B0604020202020204" pitchFamily="34" charset="0"/>
+              <a:buChar char="–"/>
+              <a:defRPr>
+                <a:solidFill>
+                  <a:schemeClr val="tx1"/>
+                </a:solidFill>
+                <a:latin typeface="+mn-lt"/>
+              </a:defRPr>
+            </a:lvl7pPr>
+            <a:lvl8pPr marL="3429000" indent="-228600" algn="l" defTabSz="0" rtl="0" eaLnBrk="0" fontAlgn="base" hangingPunct="0">
+              <a:spcBef>
+                <a:spcPct val="0"/>
+              </a:spcBef>
+              <a:spcAft>
+                <a:spcPct val="25000"/>
+              </a:spcAft>
+              <a:buClr>
+                <a:schemeClr val="tx2"/>
+              </a:buClr>
+              <a:buFont typeface="Arial" panose="020B0604020202020204" pitchFamily="34" charset="0"/>
+              <a:buChar char="–"/>
+              <a:defRPr>
+                <a:solidFill>
+                  <a:schemeClr val="tx1"/>
+                </a:solidFill>
+                <a:latin typeface="+mn-lt"/>
+              </a:defRPr>
+            </a:lvl8pPr>
+            <a:lvl9pPr marL="3886200" indent="-228600" algn="l" defTabSz="0" rtl="0" eaLnBrk="0" fontAlgn="base" hangingPunct="0">
+              <a:spcBef>
+                <a:spcPct val="0"/>
+              </a:spcBef>
+              <a:spcAft>
+                <a:spcPct val="25000"/>
+              </a:spcAft>
+              <a:buClr>
+                <a:schemeClr val="tx2"/>
+              </a:buClr>
+              <a:buFont typeface="Arial" panose="020B0604020202020204" pitchFamily="34" charset="0"/>
+              <a:buChar char="–"/>
+              <a:defRPr>
+                <a:solidFill>
+                  <a:schemeClr val="tx1"/>
+                </a:solidFill>
+                <a:latin typeface="+mn-lt"/>
+              </a:defRPr>
+            </a:lvl9pPr>
+          </a:lstStyle>
+          <a:p>
+            <a:pPr marL="0" indent="0">
+              <a:buNone/>
+            </a:pPr>
+            <a:r>
+              <a:rPr lang="zh-CN" altLang="en-US" sz="3200" dirty="0" smtClean="0">
+                <a:solidFill>
+                  <a:srgbClr val="C00000"/>
+                </a:solidFill>
+                <a:cs typeface="+mn-cs"/>
+                <a:sym typeface="+mn-ea"/>
+              </a:rPr>
+              <a:t>内容提纲</a:t>
+            </a:r>
+            <a:endParaRPr lang="zh-CN" altLang="en-US" kern="0" dirty="0"/>
+          </a:p>
+        </p:txBody>
+      </p:sp>
+    </p:spTree>
+  </p:cSld>
+  <p:clrMapOvr>
+    <a:masterClrMapping/>
+  </p:clrMapOvr>
+  <p:timing>
+    <p:tnLst>
+      <p:par>
+        <p:cTn id="1" dur="indefinite" restart="never" nodeType="tmRoot"/>
+      </p:par>
+    </p:tnLst>
+  </p:timing>
+</p:sld>
+</file>
+
+<file path=ppt/slides/slide21.xml><?xml version="1.0" encoding="utf-8"?>
 <p:sld xmlns:a="http://schemas.openxmlformats.org/drawingml/2006/main" xmlns:r="http://schemas.openxmlformats.org/officeDocument/2006/relationships" xmlns:p="http://schemas.openxmlformats.org/presentationml/2006/main">
   <p:cSld>
     <p:spTree>
@@ -13795,7 +14592,7 @@
 </p:sld>
 </file>
 
-<file path=ppt/slides/slide21.xml><?xml version="1.0" encoding="utf-8"?>
+<file path=ppt/slides/slide22.xml><?xml version="1.0" encoding="utf-8"?>
 <p:sld xmlns:a="http://schemas.openxmlformats.org/drawingml/2006/main" xmlns:r="http://schemas.openxmlformats.org/officeDocument/2006/relationships" xmlns:p="http://schemas.openxmlformats.org/presentationml/2006/main">
   <p:cSld>
     <p:spTree>
@@ -15133,7 +15930,7 @@
 </p:sld>
 </file>
 
-<file path=ppt/slides/slide22.xml><?xml version="1.0" encoding="utf-8"?>
+<file path=ppt/slides/slide23.xml><?xml version="1.0" encoding="utf-8"?>
 <p:sld xmlns:a="http://schemas.openxmlformats.org/drawingml/2006/main" xmlns:r="http://schemas.openxmlformats.org/officeDocument/2006/relationships" xmlns:p="http://schemas.openxmlformats.org/presentationml/2006/main">
   <p:cSld>
     <p:spTree>
@@ -15678,7 +16475,7 @@
 </p:sld>
 </file>
 
-<file path=ppt/slides/slide23.xml><?xml version="1.0" encoding="utf-8"?>
+<file path=ppt/slides/slide24.xml><?xml version="1.0" encoding="utf-8"?>
 <p:sld xmlns:a="http://schemas.openxmlformats.org/drawingml/2006/main" xmlns:r="http://schemas.openxmlformats.org/officeDocument/2006/relationships" xmlns:p="http://schemas.openxmlformats.org/presentationml/2006/main">
   <p:cSld>
     <p:spTree>
@@ -16468,7 +17265,7 @@
 </p:sld>
 </file>
 
-<file path=ppt/slides/slide24.xml><?xml version="1.0" encoding="utf-8"?>
+<file path=ppt/slides/slide25.xml><?xml version="1.0" encoding="utf-8"?>
 <p:sld xmlns:a="http://schemas.openxmlformats.org/drawingml/2006/main" xmlns:r="http://schemas.openxmlformats.org/officeDocument/2006/relationships" xmlns:p="http://schemas.openxmlformats.org/presentationml/2006/main">
   <p:cSld>
     <p:spTree>
@@ -17729,7 +18526,7 @@
 </p:sld>
 </file>
 
-<file path=ppt/slides/slide25.xml><?xml version="1.0" encoding="utf-8"?>
+<file path=ppt/slides/slide26.xml><?xml version="1.0" encoding="utf-8"?>
 <p:sld xmlns:a="http://schemas.openxmlformats.org/drawingml/2006/main" xmlns:r="http://schemas.openxmlformats.org/officeDocument/2006/relationships" xmlns:p="http://schemas.openxmlformats.org/presentationml/2006/main">
   <p:cSld>
     <p:spTree>
@@ -18773,7 +19570,7 @@
 </p:sld>
 </file>
 
-<file path=ppt/slides/slide26.xml><?xml version="1.0" encoding="utf-8"?>
+<file path=ppt/slides/slide27.xml><?xml version="1.0" encoding="utf-8"?>
 <p:sld xmlns:a="http://schemas.openxmlformats.org/drawingml/2006/main" xmlns:r="http://schemas.openxmlformats.org/officeDocument/2006/relationships" xmlns:p="http://schemas.openxmlformats.org/presentationml/2006/main">
   <p:cSld>
     <p:spTree>
@@ -19330,7 +20127,7 @@
 </p:sld>
 </file>
 
-<file path=ppt/slides/slide27.xml><?xml version="1.0" encoding="utf-8"?>
+<file path=ppt/slides/slide28.xml><?xml version="1.0" encoding="utf-8"?>
 <p:sld xmlns:a="http://schemas.openxmlformats.org/drawingml/2006/main" xmlns:r="http://schemas.openxmlformats.org/officeDocument/2006/relationships" xmlns:p="http://schemas.openxmlformats.org/presentationml/2006/main">
   <p:cSld>
     <p:spTree>
@@ -19854,7 +20651,7 @@
 </p:sld>
 </file>
 
-<file path=ppt/slides/slide28.xml><?xml version="1.0" encoding="utf-8"?>
+<file path=ppt/slides/slide29.xml><?xml version="1.0" encoding="utf-8"?>
 <p:sld xmlns:a="http://schemas.openxmlformats.org/drawingml/2006/main" xmlns:r="http://schemas.openxmlformats.org/officeDocument/2006/relationships" xmlns:p="http://schemas.openxmlformats.org/presentationml/2006/main">
   <p:cSld>
     <p:spTree>
@@ -20545,7 +21342,526 @@
 </p:sld>
 </file>
 
-<file path=ppt/slides/slide29.xml><?xml version="1.0" encoding="utf-8"?>
+<file path=ppt/slides/slide3.xml><?xml version="1.0" encoding="utf-8"?>
+<p:sld xmlns:a="http://schemas.openxmlformats.org/drawingml/2006/main" xmlns:r="http://schemas.openxmlformats.org/officeDocument/2006/relationships" xmlns:p="http://schemas.openxmlformats.org/presentationml/2006/main">
+  <p:cSld>
+    <p:spTree>
+      <p:nvGrpSpPr>
+        <p:cNvPr id="1" name=""/>
+        <p:cNvGrpSpPr/>
+        <p:nvPr/>
+      </p:nvGrpSpPr>
+      <p:grpSpPr>
+        <a:xfrm>
+          <a:off x="0" y="0"/>
+          <a:ext cx="0" cy="0"/>
+          <a:chOff x="0" y="0"/>
+          <a:chExt cx="0" cy="0"/>
+        </a:xfrm>
+      </p:grpSpPr>
+      <p:sp>
+        <p:nvSpPr>
+          <p:cNvPr id="5123" name="AutoShape 6"/>
+          <p:cNvSpPr>
+            <a:spLocks noChangeArrowheads="1"/>
+          </p:cNvSpPr>
+          <p:nvPr/>
+        </p:nvSpPr>
+        <p:spPr bwMode="auto">
+          <a:xfrm>
+            <a:off x="2567305" y="1339850"/>
+            <a:ext cx="6863715" cy="4215130"/>
+          </a:xfrm>
+          <a:prstGeom prst="roundRect">
+            <a:avLst>
+              <a:gd name="adj" fmla="val 16667"/>
+            </a:avLst>
+          </a:prstGeom>
+          <a:noFill/>
+          <a:ln w="28575">
+            <a:solidFill>
+              <a:srgbClr val="C0C0C0"/>
+            </a:solidFill>
+            <a:prstDash val="sysDot"/>
+            <a:round/>
+          </a:ln>
+          <a:extLst>
+            <a:ext uri="{909E8E84-426E-40DD-AFC4-6F175D3DCCD1}">
+              <a14:hiddenFill xmlns:a14="http://schemas.microsoft.com/office/drawing/2010/main">
+                <a:solidFill>
+                  <a:srgbClr val="FFFFFF"/>
+                </a:solidFill>
+              </a14:hiddenFill>
+            </a:ext>
+          </a:extLst>
+        </p:spPr>
+        <p:txBody>
+          <a:bodyPr wrap="none" anchor="ctr"/>
+          <a:lstStyle>
+            <a:lvl1pPr marL="457200" indent="-457200">
+              <a:defRPr sz="3200">
+                <a:solidFill>
+                  <a:schemeClr val="tx1"/>
+                </a:solidFill>
+                <a:latin typeface="Arial" panose="020B0604020202020204" pitchFamily="34" charset="0"/>
+                <a:ea typeface="微软雅黑" panose="020B0503020204020204" pitchFamily="34" charset="-122"/>
+              </a:defRPr>
+            </a:lvl1pPr>
+            <a:lvl2pPr marL="742950" indent="-285750">
+              <a:defRPr sz="3200">
+                <a:solidFill>
+                  <a:schemeClr val="tx1"/>
+                </a:solidFill>
+                <a:latin typeface="Arial" panose="020B0604020202020204" pitchFamily="34" charset="0"/>
+                <a:ea typeface="微软雅黑" panose="020B0503020204020204" pitchFamily="34" charset="-122"/>
+              </a:defRPr>
+            </a:lvl2pPr>
+            <a:lvl3pPr marL="1143000" indent="-228600">
+              <a:defRPr sz="3200">
+                <a:solidFill>
+                  <a:schemeClr val="tx1"/>
+                </a:solidFill>
+                <a:latin typeface="Arial" panose="020B0604020202020204" pitchFamily="34" charset="0"/>
+                <a:ea typeface="微软雅黑" panose="020B0503020204020204" pitchFamily="34" charset="-122"/>
+              </a:defRPr>
+            </a:lvl3pPr>
+            <a:lvl4pPr marL="1600200" indent="-228600">
+              <a:defRPr sz="3200">
+                <a:solidFill>
+                  <a:schemeClr val="tx1"/>
+                </a:solidFill>
+                <a:latin typeface="Arial" panose="020B0604020202020204" pitchFamily="34" charset="0"/>
+                <a:ea typeface="微软雅黑" panose="020B0503020204020204" pitchFamily="34" charset="-122"/>
+              </a:defRPr>
+            </a:lvl4pPr>
+            <a:lvl5pPr marL="2057400" indent="-228600">
+              <a:defRPr sz="3200">
+                <a:solidFill>
+                  <a:schemeClr val="tx1"/>
+                </a:solidFill>
+                <a:latin typeface="Arial" panose="020B0604020202020204" pitchFamily="34" charset="0"/>
+                <a:ea typeface="微软雅黑" panose="020B0503020204020204" pitchFamily="34" charset="-122"/>
+              </a:defRPr>
+            </a:lvl5pPr>
+            <a:lvl6pPr marL="2514600" indent="-228600" eaLnBrk="0" fontAlgn="base" hangingPunct="0">
+              <a:spcBef>
+                <a:spcPct val="0"/>
+              </a:spcBef>
+              <a:spcAft>
+                <a:spcPct val="0"/>
+              </a:spcAft>
+              <a:defRPr sz="3200">
+                <a:solidFill>
+                  <a:schemeClr val="tx1"/>
+                </a:solidFill>
+                <a:latin typeface="Arial" panose="020B0604020202020204" pitchFamily="34" charset="0"/>
+                <a:ea typeface="微软雅黑" panose="020B0503020204020204" pitchFamily="34" charset="-122"/>
+              </a:defRPr>
+            </a:lvl6pPr>
+            <a:lvl7pPr marL="2971800" indent="-228600" eaLnBrk="0" fontAlgn="base" hangingPunct="0">
+              <a:spcBef>
+                <a:spcPct val="0"/>
+              </a:spcBef>
+              <a:spcAft>
+                <a:spcPct val="0"/>
+              </a:spcAft>
+              <a:defRPr sz="3200">
+                <a:solidFill>
+                  <a:schemeClr val="tx1"/>
+                </a:solidFill>
+                <a:latin typeface="Arial" panose="020B0604020202020204" pitchFamily="34" charset="0"/>
+                <a:ea typeface="微软雅黑" panose="020B0503020204020204" pitchFamily="34" charset="-122"/>
+              </a:defRPr>
+            </a:lvl7pPr>
+            <a:lvl8pPr marL="3429000" indent="-228600" eaLnBrk="0" fontAlgn="base" hangingPunct="0">
+              <a:spcBef>
+                <a:spcPct val="0"/>
+              </a:spcBef>
+              <a:spcAft>
+                <a:spcPct val="0"/>
+              </a:spcAft>
+              <a:defRPr sz="3200">
+                <a:solidFill>
+                  <a:schemeClr val="tx1"/>
+                </a:solidFill>
+                <a:latin typeface="Arial" panose="020B0604020202020204" pitchFamily="34" charset="0"/>
+                <a:ea typeface="微软雅黑" panose="020B0503020204020204" pitchFamily="34" charset="-122"/>
+              </a:defRPr>
+            </a:lvl8pPr>
+            <a:lvl9pPr marL="3886200" indent="-228600" eaLnBrk="0" fontAlgn="base" hangingPunct="0">
+              <a:spcBef>
+                <a:spcPct val="0"/>
+              </a:spcBef>
+              <a:spcAft>
+                <a:spcPct val="0"/>
+              </a:spcAft>
+              <a:defRPr sz="3200">
+                <a:solidFill>
+                  <a:schemeClr val="tx1"/>
+                </a:solidFill>
+                <a:latin typeface="Arial" panose="020B0604020202020204" pitchFamily="34" charset="0"/>
+                <a:ea typeface="微软雅黑" panose="020B0503020204020204" pitchFamily="34" charset="-122"/>
+              </a:defRPr>
+            </a:lvl9pPr>
+          </a:lstStyle>
+          <a:p>
+            <a:pPr algn="l">
+              <a:lnSpc>
+                <a:spcPct val="150000"/>
+              </a:lnSpc>
+              <a:spcBef>
+                <a:spcPts val="1200"/>
+              </a:spcBef>
+              <a:spcAft>
+                <a:spcPts val="1200"/>
+              </a:spcAft>
+              <a:buClr>
+                <a:srgbClr val="92D050"/>
+              </a:buClr>
+              <a:buFont typeface="Wingdings" panose="05000000000000000000" pitchFamily="2" charset="2"/>
+              <a:buChar char="Ø"/>
+            </a:pPr>
+            <a:r>
+              <a:rPr lang="en-US" altLang="zh-CN" sz="2800" b="1">
+                <a:solidFill>
+                  <a:srgbClr val="FF0000"/>
+                </a:solidFill>
+              </a:rPr>
+              <a:t>JS</a:t>
+            </a:r>
+            <a:r>
+              <a:rPr lang="zh-CN" altLang="en-US" sz="2800" b="1">
+                <a:solidFill>
+                  <a:srgbClr val="FF0000"/>
+                </a:solidFill>
+              </a:rPr>
+              <a:t>作用域及其特点</a:t>
+            </a:r>
+            <a:endParaRPr lang="zh-CN" altLang="en-US" sz="2800" b="1">
+              <a:solidFill>
+                <a:srgbClr val="FF0000"/>
+              </a:solidFill>
+            </a:endParaRPr>
+          </a:p>
+          <a:p>
+            <a:pPr algn="l">
+              <a:lnSpc>
+                <a:spcPct val="150000"/>
+              </a:lnSpc>
+              <a:spcBef>
+                <a:spcPts val="1200"/>
+              </a:spcBef>
+              <a:spcAft>
+                <a:spcPts val="1200"/>
+              </a:spcAft>
+              <a:buClr>
+                <a:srgbClr val="92D050"/>
+              </a:buClr>
+              <a:buFont typeface="Wingdings" panose="05000000000000000000" pitchFamily="2" charset="2"/>
+              <a:buChar char="Ø"/>
+            </a:pPr>
+            <a:r>
+              <a:rPr lang="en-US" altLang="zh-CN" sz="2800" b="1">
+                <a:solidFill>
+                  <a:schemeClr val="tx1"/>
+                </a:solidFill>
+                <a:sym typeface="+mn-ea"/>
+              </a:rPr>
+              <a:t>JS</a:t>
+            </a:r>
+            <a:r>
+              <a:rPr lang="zh-CN" sz="2800" b="1">
+                <a:solidFill>
+                  <a:schemeClr val="tx1"/>
+                </a:solidFill>
+                <a:sym typeface="+mn-ea"/>
+              </a:rPr>
+              <a:t>执行上下文与调用栈（</a:t>
+            </a:r>
+            <a:r>
+              <a:rPr lang="en-US" altLang="zh-CN" sz="2800" b="1">
+                <a:solidFill>
+                  <a:schemeClr val="tx1"/>
+                </a:solidFill>
+                <a:sym typeface="+mn-ea"/>
+              </a:rPr>
+              <a:t>Call Stack</a:t>
+            </a:r>
+            <a:r>
+              <a:rPr lang="zh-CN" altLang="en-US" sz="2800" b="1">
+                <a:solidFill>
+                  <a:schemeClr val="tx1"/>
+                </a:solidFill>
+                <a:sym typeface="+mn-ea"/>
+              </a:rPr>
+              <a:t>）</a:t>
+            </a:r>
+            <a:endParaRPr lang="zh-CN" altLang="en-US" sz="2800" b="1">
+              <a:solidFill>
+                <a:schemeClr val="tx1"/>
+              </a:solidFill>
+              <a:sym typeface="+mn-ea"/>
+            </a:endParaRPr>
+          </a:p>
+          <a:p>
+            <a:pPr algn="l">
+              <a:lnSpc>
+                <a:spcPct val="150000"/>
+              </a:lnSpc>
+              <a:spcBef>
+                <a:spcPts val="1200"/>
+              </a:spcBef>
+              <a:spcAft>
+                <a:spcPts val="1200"/>
+              </a:spcAft>
+              <a:buClr>
+                <a:srgbClr val="92D050"/>
+              </a:buClr>
+              <a:buFont typeface="Wingdings" panose="05000000000000000000" pitchFamily="2" charset="2"/>
+              <a:buChar char="Ø"/>
+            </a:pPr>
+            <a:r>
+              <a:rPr lang="zh-CN" altLang="en-US" sz="2800" b="1"/>
+              <a:t>作用域链与执行上下文</a:t>
+            </a:r>
+            <a:endParaRPr lang="zh-CN" altLang="en-US" sz="2800" b="1"/>
+          </a:p>
+        </p:txBody>
+      </p:sp>
+      <p:sp>
+        <p:nvSpPr>
+          <p:cNvPr id="4" name="内容占位符 3"/>
+          <p:cNvSpPr txBox="1"/>
+          <p:nvPr/>
+        </p:nvSpPr>
+        <p:spPr>
+          <a:xfrm>
+            <a:off x="981657" y="236943"/>
+            <a:ext cx="8191557" cy="490476"/>
+          </a:xfrm>
+          <a:prstGeom prst="rect">
+            <a:avLst/>
+          </a:prstGeom>
+        </p:spPr>
+        <p:txBody>
+          <a:bodyPr/>
+          <a:lstStyle>
+            <a:lvl1pPr marL="167005" indent="-167005" algn="l" defTabSz="0" rtl="0" eaLnBrk="0" fontAlgn="base" hangingPunct="0">
+              <a:spcBef>
+                <a:spcPct val="0"/>
+              </a:spcBef>
+              <a:spcAft>
+                <a:spcPct val="15000"/>
+              </a:spcAft>
+              <a:buClr>
+                <a:schemeClr val="tx2"/>
+              </a:buClr>
+              <a:buFont typeface="Arial" panose="020B0604020202020204" pitchFamily="34" charset="0"/>
+              <a:buChar char="•"/>
+              <a:defRPr kumimoji="1" sz="1600">
+                <a:solidFill>
+                  <a:srgbClr val="006F53"/>
+                </a:solidFill>
+                <a:latin typeface="微软雅黑" panose="020B0503020204020204" pitchFamily="34" charset="-122"/>
+                <a:ea typeface="微软雅黑" panose="020B0503020204020204" pitchFamily="34" charset="-122"/>
+                <a:cs typeface="微软雅黑" panose="020B0503020204020204" pitchFamily="34" charset="-122"/>
+              </a:defRPr>
+            </a:lvl1pPr>
+            <a:lvl2pPr marL="398780" indent="-230505" algn="l" defTabSz="0" rtl="0" eaLnBrk="0" fontAlgn="base" hangingPunct="0">
+              <a:spcBef>
+                <a:spcPct val="0"/>
+              </a:spcBef>
+              <a:spcAft>
+                <a:spcPct val="15000"/>
+              </a:spcAft>
+              <a:buClr>
+                <a:schemeClr val="tx2"/>
+              </a:buClr>
+              <a:buFont typeface="Arial" panose="020B0604020202020204" pitchFamily="34" charset="0"/>
+              <a:buChar char="–"/>
+              <a:defRPr kumimoji="1" sz="2800">
+                <a:solidFill>
+                  <a:schemeClr val="bg2"/>
+                </a:solidFill>
+                <a:latin typeface="微软雅黑" panose="020B0503020204020204" pitchFamily="34" charset="-122"/>
+                <a:ea typeface="微软雅黑" panose="020B0503020204020204" pitchFamily="34" charset="-122"/>
+                <a:cs typeface="微软雅黑" panose="020B0503020204020204" pitchFamily="34" charset="-122"/>
+              </a:defRPr>
+            </a:lvl2pPr>
+            <a:lvl3pPr marL="400050" indent="182880" algn="l" defTabSz="0" rtl="0" eaLnBrk="0" fontAlgn="base" hangingPunct="0">
+              <a:spcBef>
+                <a:spcPct val="0"/>
+              </a:spcBef>
+              <a:spcAft>
+                <a:spcPct val="15000"/>
+              </a:spcAft>
+              <a:buClr>
+                <a:schemeClr val="tx2"/>
+              </a:buClr>
+              <a:buFont typeface="Arial" panose="020B0604020202020204" pitchFamily="34" charset="0"/>
+              <a:buChar char="•"/>
+              <a:defRPr kumimoji="1" sz="1600">
+                <a:solidFill>
+                  <a:schemeClr val="bg2"/>
+                </a:solidFill>
+                <a:latin typeface="微软雅黑" panose="020B0503020204020204" pitchFamily="34" charset="-122"/>
+                <a:ea typeface="微软雅黑" panose="020B0503020204020204" pitchFamily="34" charset="-122"/>
+                <a:cs typeface="微软雅黑" panose="020B0503020204020204" pitchFamily="34" charset="-122"/>
+              </a:defRPr>
+            </a:lvl3pPr>
+            <a:lvl4pPr marL="825500" indent="-241300" algn="l" defTabSz="0" rtl="0" eaLnBrk="0" fontAlgn="base" hangingPunct="0">
+              <a:spcBef>
+                <a:spcPct val="0"/>
+              </a:spcBef>
+              <a:spcAft>
+                <a:spcPct val="15000"/>
+              </a:spcAft>
+              <a:buClr>
+                <a:schemeClr val="tx2"/>
+              </a:buClr>
+              <a:buFont typeface="Arial" panose="020B0604020202020204" pitchFamily="34" charset="0"/>
+              <a:buChar char="–"/>
+              <a:defRPr kumimoji="1" sz="1600">
+                <a:solidFill>
+                  <a:schemeClr val="bg2"/>
+                </a:solidFill>
+                <a:latin typeface="微软雅黑" panose="020B0503020204020204" pitchFamily="34" charset="-122"/>
+                <a:ea typeface="微软雅黑" panose="020B0503020204020204" pitchFamily="34" charset="-122"/>
+                <a:cs typeface="微软雅黑" panose="020B0503020204020204" pitchFamily="34" charset="-122"/>
+              </a:defRPr>
+            </a:lvl4pPr>
+            <a:lvl5pPr marL="2057400" indent="-228600" algn="l" defTabSz="0" rtl="0" eaLnBrk="0" fontAlgn="base" hangingPunct="0">
+              <a:spcBef>
+                <a:spcPct val="0"/>
+              </a:spcBef>
+              <a:spcAft>
+                <a:spcPct val="25000"/>
+              </a:spcAft>
+              <a:buClr>
+                <a:schemeClr val="tx2"/>
+              </a:buClr>
+              <a:buFont typeface="Arial" panose="020B0604020202020204" pitchFamily="34" charset="0"/>
+              <a:buChar char="–"/>
+              <a:defRPr kumimoji="1" sz="2000">
+                <a:solidFill>
+                  <a:schemeClr val="tx1"/>
+                </a:solidFill>
+                <a:latin typeface="+mn-lt"/>
+                <a:ea typeface="微软雅黑" panose="020B0503020204020204" pitchFamily="34" charset="-122"/>
+                <a:cs typeface="微软雅黑" panose="020B0503020204020204" pitchFamily="34" charset="-122"/>
+              </a:defRPr>
+            </a:lvl5pPr>
+            <a:lvl6pPr marL="2514600" indent="-228600" algn="l" defTabSz="0" rtl="0" eaLnBrk="0" fontAlgn="base" hangingPunct="0">
+              <a:spcBef>
+                <a:spcPct val="0"/>
+              </a:spcBef>
+              <a:spcAft>
+                <a:spcPct val="25000"/>
+              </a:spcAft>
+              <a:buClr>
+                <a:schemeClr val="tx2"/>
+              </a:buClr>
+              <a:buFont typeface="Arial" panose="020B0604020202020204" pitchFamily="34" charset="0"/>
+              <a:buChar char="–"/>
+              <a:defRPr>
+                <a:solidFill>
+                  <a:schemeClr val="tx1"/>
+                </a:solidFill>
+                <a:latin typeface="+mn-lt"/>
+              </a:defRPr>
+            </a:lvl6pPr>
+            <a:lvl7pPr marL="2971800" indent="-228600" algn="l" defTabSz="0" rtl="0" eaLnBrk="0" fontAlgn="base" hangingPunct="0">
+              <a:spcBef>
+                <a:spcPct val="0"/>
+              </a:spcBef>
+              <a:spcAft>
+                <a:spcPct val="25000"/>
+              </a:spcAft>
+              <a:buClr>
+                <a:schemeClr val="tx2"/>
+              </a:buClr>
+              <a:buFont typeface="Arial" panose="020B0604020202020204" pitchFamily="34" charset="0"/>
+              <a:buChar char="–"/>
+              <a:defRPr>
+                <a:solidFill>
+                  <a:schemeClr val="tx1"/>
+                </a:solidFill>
+                <a:latin typeface="+mn-lt"/>
+              </a:defRPr>
+            </a:lvl7pPr>
+            <a:lvl8pPr marL="3429000" indent="-228600" algn="l" defTabSz="0" rtl="0" eaLnBrk="0" fontAlgn="base" hangingPunct="0">
+              <a:spcBef>
+                <a:spcPct val="0"/>
+              </a:spcBef>
+              <a:spcAft>
+                <a:spcPct val="25000"/>
+              </a:spcAft>
+              <a:buClr>
+                <a:schemeClr val="tx2"/>
+              </a:buClr>
+              <a:buFont typeface="Arial" panose="020B0604020202020204" pitchFamily="34" charset="0"/>
+              <a:buChar char="–"/>
+              <a:defRPr>
+                <a:solidFill>
+                  <a:schemeClr val="tx1"/>
+                </a:solidFill>
+                <a:latin typeface="+mn-lt"/>
+              </a:defRPr>
+            </a:lvl8pPr>
+            <a:lvl9pPr marL="3886200" indent="-228600" algn="l" defTabSz="0" rtl="0" eaLnBrk="0" fontAlgn="base" hangingPunct="0">
+              <a:spcBef>
+                <a:spcPct val="0"/>
+              </a:spcBef>
+              <a:spcAft>
+                <a:spcPct val="25000"/>
+              </a:spcAft>
+              <a:buClr>
+                <a:schemeClr val="tx2"/>
+              </a:buClr>
+              <a:buFont typeface="Arial" panose="020B0604020202020204" pitchFamily="34" charset="0"/>
+              <a:buChar char="–"/>
+              <a:defRPr>
+                <a:solidFill>
+                  <a:schemeClr val="tx1"/>
+                </a:solidFill>
+                <a:latin typeface="+mn-lt"/>
+              </a:defRPr>
+            </a:lvl9pPr>
+          </a:lstStyle>
+          <a:p>
+            <a:pPr marL="0" indent="0">
+              <a:buNone/>
+            </a:pPr>
+            <a:r>
+              <a:rPr lang="zh-CN" altLang="en-US" sz="3200" dirty="0" smtClean="0">
+                <a:solidFill>
+                  <a:srgbClr val="C00000"/>
+                </a:solidFill>
+                <a:cs typeface="+mn-cs"/>
+                <a:sym typeface="+mn-ea"/>
+              </a:rPr>
+              <a:t>内容提纲</a:t>
+            </a:r>
+            <a:endParaRPr lang="zh-CN" altLang="en-US" kern="0" dirty="0"/>
+          </a:p>
+        </p:txBody>
+      </p:sp>
+    </p:spTree>
+  </p:cSld>
+  <p:clrMapOvr>
+    <a:masterClrMapping/>
+  </p:clrMapOvr>
+  <p:timing>
+    <p:tnLst>
+      <p:par>
+        <p:cTn id="1" dur="indefinite" restart="never" nodeType="tmRoot"/>
+      </p:par>
+    </p:tnLst>
+  </p:timing>
+</p:sld>
+</file>
+
+<file path=ppt/slides/slide30.xml><?xml version="1.0" encoding="utf-8"?>
 <p:sld xmlns:a="http://schemas.openxmlformats.org/drawingml/2006/main" xmlns:r="http://schemas.openxmlformats.org/officeDocument/2006/relationships" xmlns:p="http://schemas.openxmlformats.org/presentationml/2006/main">
   <p:cSld>
     <p:spTree>
@@ -21077,526 +22393,7 @@
 </p:sld>
 </file>
 
-<file path=ppt/slides/slide3.xml><?xml version="1.0" encoding="utf-8"?>
-<p:sld xmlns:a="http://schemas.openxmlformats.org/drawingml/2006/main" xmlns:r="http://schemas.openxmlformats.org/officeDocument/2006/relationships" xmlns:p="http://schemas.openxmlformats.org/presentationml/2006/main">
-  <p:cSld>
-    <p:spTree>
-      <p:nvGrpSpPr>
-        <p:cNvPr id="1" name=""/>
-        <p:cNvGrpSpPr/>
-        <p:nvPr/>
-      </p:nvGrpSpPr>
-      <p:grpSpPr>
-        <a:xfrm>
-          <a:off x="0" y="0"/>
-          <a:ext cx="0" cy="0"/>
-          <a:chOff x="0" y="0"/>
-          <a:chExt cx="0" cy="0"/>
-        </a:xfrm>
-      </p:grpSpPr>
-      <p:sp>
-        <p:nvSpPr>
-          <p:cNvPr id="5123" name="AutoShape 6"/>
-          <p:cNvSpPr>
-            <a:spLocks noChangeArrowheads="1"/>
-          </p:cNvSpPr>
-          <p:nvPr/>
-        </p:nvSpPr>
-        <p:spPr bwMode="auto">
-          <a:xfrm>
-            <a:off x="2567305" y="1339850"/>
-            <a:ext cx="6863715" cy="4215130"/>
-          </a:xfrm>
-          <a:prstGeom prst="roundRect">
-            <a:avLst>
-              <a:gd name="adj" fmla="val 16667"/>
-            </a:avLst>
-          </a:prstGeom>
-          <a:noFill/>
-          <a:ln w="28575">
-            <a:solidFill>
-              <a:srgbClr val="C0C0C0"/>
-            </a:solidFill>
-            <a:prstDash val="sysDot"/>
-            <a:round/>
-          </a:ln>
-          <a:extLst>
-            <a:ext uri="{909E8E84-426E-40DD-AFC4-6F175D3DCCD1}">
-              <a14:hiddenFill xmlns:a14="http://schemas.microsoft.com/office/drawing/2010/main">
-                <a:solidFill>
-                  <a:srgbClr val="FFFFFF"/>
-                </a:solidFill>
-              </a14:hiddenFill>
-            </a:ext>
-          </a:extLst>
-        </p:spPr>
-        <p:txBody>
-          <a:bodyPr wrap="none" anchor="ctr"/>
-          <a:lstStyle>
-            <a:lvl1pPr marL="457200" indent="-457200">
-              <a:defRPr sz="3200">
-                <a:solidFill>
-                  <a:schemeClr val="tx1"/>
-                </a:solidFill>
-                <a:latin typeface="Arial" panose="020B0604020202020204" pitchFamily="34" charset="0"/>
-                <a:ea typeface="微软雅黑" panose="020B0503020204020204" pitchFamily="34" charset="-122"/>
-              </a:defRPr>
-            </a:lvl1pPr>
-            <a:lvl2pPr marL="742950" indent="-285750">
-              <a:defRPr sz="3200">
-                <a:solidFill>
-                  <a:schemeClr val="tx1"/>
-                </a:solidFill>
-                <a:latin typeface="Arial" panose="020B0604020202020204" pitchFamily="34" charset="0"/>
-                <a:ea typeface="微软雅黑" panose="020B0503020204020204" pitchFamily="34" charset="-122"/>
-              </a:defRPr>
-            </a:lvl2pPr>
-            <a:lvl3pPr marL="1143000" indent="-228600">
-              <a:defRPr sz="3200">
-                <a:solidFill>
-                  <a:schemeClr val="tx1"/>
-                </a:solidFill>
-                <a:latin typeface="Arial" panose="020B0604020202020204" pitchFamily="34" charset="0"/>
-                <a:ea typeface="微软雅黑" panose="020B0503020204020204" pitchFamily="34" charset="-122"/>
-              </a:defRPr>
-            </a:lvl3pPr>
-            <a:lvl4pPr marL="1600200" indent="-228600">
-              <a:defRPr sz="3200">
-                <a:solidFill>
-                  <a:schemeClr val="tx1"/>
-                </a:solidFill>
-                <a:latin typeface="Arial" panose="020B0604020202020204" pitchFamily="34" charset="0"/>
-                <a:ea typeface="微软雅黑" panose="020B0503020204020204" pitchFamily="34" charset="-122"/>
-              </a:defRPr>
-            </a:lvl4pPr>
-            <a:lvl5pPr marL="2057400" indent="-228600">
-              <a:defRPr sz="3200">
-                <a:solidFill>
-                  <a:schemeClr val="tx1"/>
-                </a:solidFill>
-                <a:latin typeface="Arial" panose="020B0604020202020204" pitchFamily="34" charset="0"/>
-                <a:ea typeface="微软雅黑" panose="020B0503020204020204" pitchFamily="34" charset="-122"/>
-              </a:defRPr>
-            </a:lvl5pPr>
-            <a:lvl6pPr marL="2514600" indent="-228600" eaLnBrk="0" fontAlgn="base" hangingPunct="0">
-              <a:spcBef>
-                <a:spcPct val="0"/>
-              </a:spcBef>
-              <a:spcAft>
-                <a:spcPct val="0"/>
-              </a:spcAft>
-              <a:defRPr sz="3200">
-                <a:solidFill>
-                  <a:schemeClr val="tx1"/>
-                </a:solidFill>
-                <a:latin typeface="Arial" panose="020B0604020202020204" pitchFamily="34" charset="0"/>
-                <a:ea typeface="微软雅黑" panose="020B0503020204020204" pitchFamily="34" charset="-122"/>
-              </a:defRPr>
-            </a:lvl6pPr>
-            <a:lvl7pPr marL="2971800" indent="-228600" eaLnBrk="0" fontAlgn="base" hangingPunct="0">
-              <a:spcBef>
-                <a:spcPct val="0"/>
-              </a:spcBef>
-              <a:spcAft>
-                <a:spcPct val="0"/>
-              </a:spcAft>
-              <a:defRPr sz="3200">
-                <a:solidFill>
-                  <a:schemeClr val="tx1"/>
-                </a:solidFill>
-                <a:latin typeface="Arial" panose="020B0604020202020204" pitchFamily="34" charset="0"/>
-                <a:ea typeface="微软雅黑" panose="020B0503020204020204" pitchFamily="34" charset="-122"/>
-              </a:defRPr>
-            </a:lvl7pPr>
-            <a:lvl8pPr marL="3429000" indent="-228600" eaLnBrk="0" fontAlgn="base" hangingPunct="0">
-              <a:spcBef>
-                <a:spcPct val="0"/>
-              </a:spcBef>
-              <a:spcAft>
-                <a:spcPct val="0"/>
-              </a:spcAft>
-              <a:defRPr sz="3200">
-                <a:solidFill>
-                  <a:schemeClr val="tx1"/>
-                </a:solidFill>
-                <a:latin typeface="Arial" panose="020B0604020202020204" pitchFamily="34" charset="0"/>
-                <a:ea typeface="微软雅黑" panose="020B0503020204020204" pitchFamily="34" charset="-122"/>
-              </a:defRPr>
-            </a:lvl8pPr>
-            <a:lvl9pPr marL="3886200" indent="-228600" eaLnBrk="0" fontAlgn="base" hangingPunct="0">
-              <a:spcBef>
-                <a:spcPct val="0"/>
-              </a:spcBef>
-              <a:spcAft>
-                <a:spcPct val="0"/>
-              </a:spcAft>
-              <a:defRPr sz="3200">
-                <a:solidFill>
-                  <a:schemeClr val="tx1"/>
-                </a:solidFill>
-                <a:latin typeface="Arial" panose="020B0604020202020204" pitchFamily="34" charset="0"/>
-                <a:ea typeface="微软雅黑" panose="020B0503020204020204" pitchFamily="34" charset="-122"/>
-              </a:defRPr>
-            </a:lvl9pPr>
-          </a:lstStyle>
-          <a:p>
-            <a:pPr algn="l">
-              <a:lnSpc>
-                <a:spcPct val="150000"/>
-              </a:lnSpc>
-              <a:spcBef>
-                <a:spcPts val="1200"/>
-              </a:spcBef>
-              <a:spcAft>
-                <a:spcPts val="1200"/>
-              </a:spcAft>
-              <a:buClr>
-                <a:srgbClr val="92D050"/>
-              </a:buClr>
-              <a:buFont typeface="Wingdings" panose="05000000000000000000" pitchFamily="2" charset="2"/>
-              <a:buChar char="Ø"/>
-            </a:pPr>
-            <a:r>
-              <a:rPr lang="en-US" altLang="zh-CN" sz="2800" b="1">
-                <a:solidFill>
-                  <a:srgbClr val="FF0000"/>
-                </a:solidFill>
-              </a:rPr>
-              <a:t>JS</a:t>
-            </a:r>
-            <a:r>
-              <a:rPr lang="zh-CN" altLang="en-US" sz="2800" b="1">
-                <a:solidFill>
-                  <a:srgbClr val="FF0000"/>
-                </a:solidFill>
-              </a:rPr>
-              <a:t>作用域及其特点</a:t>
-            </a:r>
-            <a:endParaRPr lang="zh-CN" altLang="en-US" sz="2800" b="1">
-              <a:solidFill>
-                <a:srgbClr val="FF0000"/>
-              </a:solidFill>
-            </a:endParaRPr>
-          </a:p>
-          <a:p>
-            <a:pPr algn="l">
-              <a:lnSpc>
-                <a:spcPct val="150000"/>
-              </a:lnSpc>
-              <a:spcBef>
-                <a:spcPts val="1200"/>
-              </a:spcBef>
-              <a:spcAft>
-                <a:spcPts val="1200"/>
-              </a:spcAft>
-              <a:buClr>
-                <a:srgbClr val="92D050"/>
-              </a:buClr>
-              <a:buFont typeface="Wingdings" panose="05000000000000000000" pitchFamily="2" charset="2"/>
-              <a:buChar char="Ø"/>
-            </a:pPr>
-            <a:r>
-              <a:rPr lang="en-US" altLang="zh-CN" sz="2800" b="1">
-                <a:solidFill>
-                  <a:schemeClr val="tx1"/>
-                </a:solidFill>
-                <a:sym typeface="+mn-ea"/>
-              </a:rPr>
-              <a:t>JS</a:t>
-            </a:r>
-            <a:r>
-              <a:rPr lang="zh-CN" sz="2800" b="1">
-                <a:solidFill>
-                  <a:schemeClr val="tx1"/>
-                </a:solidFill>
-                <a:sym typeface="+mn-ea"/>
-              </a:rPr>
-              <a:t>执行上下文与调用栈（</a:t>
-            </a:r>
-            <a:r>
-              <a:rPr lang="en-US" altLang="zh-CN" sz="2800" b="1">
-                <a:solidFill>
-                  <a:schemeClr val="tx1"/>
-                </a:solidFill>
-                <a:sym typeface="+mn-ea"/>
-              </a:rPr>
-              <a:t>Call Stack</a:t>
-            </a:r>
-            <a:r>
-              <a:rPr lang="zh-CN" altLang="en-US" sz="2800" b="1">
-                <a:solidFill>
-                  <a:schemeClr val="tx1"/>
-                </a:solidFill>
-                <a:sym typeface="+mn-ea"/>
-              </a:rPr>
-              <a:t>）</a:t>
-            </a:r>
-            <a:endParaRPr lang="zh-CN" altLang="en-US" sz="2800" b="1">
-              <a:solidFill>
-                <a:schemeClr val="tx1"/>
-              </a:solidFill>
-              <a:sym typeface="+mn-ea"/>
-            </a:endParaRPr>
-          </a:p>
-          <a:p>
-            <a:pPr algn="l">
-              <a:lnSpc>
-                <a:spcPct val="150000"/>
-              </a:lnSpc>
-              <a:spcBef>
-                <a:spcPts val="1200"/>
-              </a:spcBef>
-              <a:spcAft>
-                <a:spcPts val="1200"/>
-              </a:spcAft>
-              <a:buClr>
-                <a:srgbClr val="92D050"/>
-              </a:buClr>
-              <a:buFont typeface="Wingdings" panose="05000000000000000000" pitchFamily="2" charset="2"/>
-              <a:buChar char="Ø"/>
-            </a:pPr>
-            <a:r>
-              <a:rPr lang="zh-CN" altLang="en-US" sz="2800" b="1"/>
-              <a:t>作用域链与执行上下文</a:t>
-            </a:r>
-            <a:endParaRPr lang="zh-CN" altLang="en-US" sz="2800" b="1"/>
-          </a:p>
-        </p:txBody>
-      </p:sp>
-      <p:sp>
-        <p:nvSpPr>
-          <p:cNvPr id="4" name="内容占位符 3"/>
-          <p:cNvSpPr txBox="1"/>
-          <p:nvPr/>
-        </p:nvSpPr>
-        <p:spPr>
-          <a:xfrm>
-            <a:off x="981657" y="236943"/>
-            <a:ext cx="8191557" cy="490476"/>
-          </a:xfrm>
-          <a:prstGeom prst="rect">
-            <a:avLst/>
-          </a:prstGeom>
-        </p:spPr>
-        <p:txBody>
-          <a:bodyPr/>
-          <a:lstStyle>
-            <a:lvl1pPr marL="167005" indent="-167005" algn="l" defTabSz="0" rtl="0" eaLnBrk="0" fontAlgn="base" hangingPunct="0">
-              <a:spcBef>
-                <a:spcPct val="0"/>
-              </a:spcBef>
-              <a:spcAft>
-                <a:spcPct val="15000"/>
-              </a:spcAft>
-              <a:buClr>
-                <a:schemeClr val="tx2"/>
-              </a:buClr>
-              <a:buFont typeface="Arial" panose="020B0604020202020204" pitchFamily="34" charset="0"/>
-              <a:buChar char="•"/>
-              <a:defRPr kumimoji="1" sz="1600">
-                <a:solidFill>
-                  <a:srgbClr val="006F53"/>
-                </a:solidFill>
-                <a:latin typeface="微软雅黑" panose="020B0503020204020204" pitchFamily="34" charset="-122"/>
-                <a:ea typeface="微软雅黑" panose="020B0503020204020204" pitchFamily="34" charset="-122"/>
-                <a:cs typeface="微软雅黑" panose="020B0503020204020204" pitchFamily="34" charset="-122"/>
-              </a:defRPr>
-            </a:lvl1pPr>
-            <a:lvl2pPr marL="398780" indent="-230505" algn="l" defTabSz="0" rtl="0" eaLnBrk="0" fontAlgn="base" hangingPunct="0">
-              <a:spcBef>
-                <a:spcPct val="0"/>
-              </a:spcBef>
-              <a:spcAft>
-                <a:spcPct val="15000"/>
-              </a:spcAft>
-              <a:buClr>
-                <a:schemeClr val="tx2"/>
-              </a:buClr>
-              <a:buFont typeface="Arial" panose="020B0604020202020204" pitchFamily="34" charset="0"/>
-              <a:buChar char="–"/>
-              <a:defRPr kumimoji="1" sz="2800">
-                <a:solidFill>
-                  <a:schemeClr val="bg2"/>
-                </a:solidFill>
-                <a:latin typeface="微软雅黑" panose="020B0503020204020204" pitchFamily="34" charset="-122"/>
-                <a:ea typeface="微软雅黑" panose="020B0503020204020204" pitchFamily="34" charset="-122"/>
-                <a:cs typeface="微软雅黑" panose="020B0503020204020204" pitchFamily="34" charset="-122"/>
-              </a:defRPr>
-            </a:lvl2pPr>
-            <a:lvl3pPr marL="400050" indent="182880" algn="l" defTabSz="0" rtl="0" eaLnBrk="0" fontAlgn="base" hangingPunct="0">
-              <a:spcBef>
-                <a:spcPct val="0"/>
-              </a:spcBef>
-              <a:spcAft>
-                <a:spcPct val="15000"/>
-              </a:spcAft>
-              <a:buClr>
-                <a:schemeClr val="tx2"/>
-              </a:buClr>
-              <a:buFont typeface="Arial" panose="020B0604020202020204" pitchFamily="34" charset="0"/>
-              <a:buChar char="•"/>
-              <a:defRPr kumimoji="1" sz="1600">
-                <a:solidFill>
-                  <a:schemeClr val="bg2"/>
-                </a:solidFill>
-                <a:latin typeface="微软雅黑" panose="020B0503020204020204" pitchFamily="34" charset="-122"/>
-                <a:ea typeface="微软雅黑" panose="020B0503020204020204" pitchFamily="34" charset="-122"/>
-                <a:cs typeface="微软雅黑" panose="020B0503020204020204" pitchFamily="34" charset="-122"/>
-              </a:defRPr>
-            </a:lvl3pPr>
-            <a:lvl4pPr marL="825500" indent="-241300" algn="l" defTabSz="0" rtl="0" eaLnBrk="0" fontAlgn="base" hangingPunct="0">
-              <a:spcBef>
-                <a:spcPct val="0"/>
-              </a:spcBef>
-              <a:spcAft>
-                <a:spcPct val="15000"/>
-              </a:spcAft>
-              <a:buClr>
-                <a:schemeClr val="tx2"/>
-              </a:buClr>
-              <a:buFont typeface="Arial" panose="020B0604020202020204" pitchFamily="34" charset="0"/>
-              <a:buChar char="–"/>
-              <a:defRPr kumimoji="1" sz="1600">
-                <a:solidFill>
-                  <a:schemeClr val="bg2"/>
-                </a:solidFill>
-                <a:latin typeface="微软雅黑" panose="020B0503020204020204" pitchFamily="34" charset="-122"/>
-                <a:ea typeface="微软雅黑" panose="020B0503020204020204" pitchFamily="34" charset="-122"/>
-                <a:cs typeface="微软雅黑" panose="020B0503020204020204" pitchFamily="34" charset="-122"/>
-              </a:defRPr>
-            </a:lvl4pPr>
-            <a:lvl5pPr marL="2057400" indent="-228600" algn="l" defTabSz="0" rtl="0" eaLnBrk="0" fontAlgn="base" hangingPunct="0">
-              <a:spcBef>
-                <a:spcPct val="0"/>
-              </a:spcBef>
-              <a:spcAft>
-                <a:spcPct val="25000"/>
-              </a:spcAft>
-              <a:buClr>
-                <a:schemeClr val="tx2"/>
-              </a:buClr>
-              <a:buFont typeface="Arial" panose="020B0604020202020204" pitchFamily="34" charset="0"/>
-              <a:buChar char="–"/>
-              <a:defRPr kumimoji="1" sz="2000">
-                <a:solidFill>
-                  <a:schemeClr val="tx1"/>
-                </a:solidFill>
-                <a:latin typeface="+mn-lt"/>
-                <a:ea typeface="微软雅黑" panose="020B0503020204020204" pitchFamily="34" charset="-122"/>
-                <a:cs typeface="微软雅黑" panose="020B0503020204020204" pitchFamily="34" charset="-122"/>
-              </a:defRPr>
-            </a:lvl5pPr>
-            <a:lvl6pPr marL="2514600" indent="-228600" algn="l" defTabSz="0" rtl="0" eaLnBrk="0" fontAlgn="base" hangingPunct="0">
-              <a:spcBef>
-                <a:spcPct val="0"/>
-              </a:spcBef>
-              <a:spcAft>
-                <a:spcPct val="25000"/>
-              </a:spcAft>
-              <a:buClr>
-                <a:schemeClr val="tx2"/>
-              </a:buClr>
-              <a:buFont typeface="Arial" panose="020B0604020202020204" pitchFamily="34" charset="0"/>
-              <a:buChar char="–"/>
-              <a:defRPr>
-                <a:solidFill>
-                  <a:schemeClr val="tx1"/>
-                </a:solidFill>
-                <a:latin typeface="+mn-lt"/>
-              </a:defRPr>
-            </a:lvl6pPr>
-            <a:lvl7pPr marL="2971800" indent="-228600" algn="l" defTabSz="0" rtl="0" eaLnBrk="0" fontAlgn="base" hangingPunct="0">
-              <a:spcBef>
-                <a:spcPct val="0"/>
-              </a:spcBef>
-              <a:spcAft>
-                <a:spcPct val="25000"/>
-              </a:spcAft>
-              <a:buClr>
-                <a:schemeClr val="tx2"/>
-              </a:buClr>
-              <a:buFont typeface="Arial" panose="020B0604020202020204" pitchFamily="34" charset="0"/>
-              <a:buChar char="–"/>
-              <a:defRPr>
-                <a:solidFill>
-                  <a:schemeClr val="tx1"/>
-                </a:solidFill>
-                <a:latin typeface="+mn-lt"/>
-              </a:defRPr>
-            </a:lvl7pPr>
-            <a:lvl8pPr marL="3429000" indent="-228600" algn="l" defTabSz="0" rtl="0" eaLnBrk="0" fontAlgn="base" hangingPunct="0">
-              <a:spcBef>
-                <a:spcPct val="0"/>
-              </a:spcBef>
-              <a:spcAft>
-                <a:spcPct val="25000"/>
-              </a:spcAft>
-              <a:buClr>
-                <a:schemeClr val="tx2"/>
-              </a:buClr>
-              <a:buFont typeface="Arial" panose="020B0604020202020204" pitchFamily="34" charset="0"/>
-              <a:buChar char="–"/>
-              <a:defRPr>
-                <a:solidFill>
-                  <a:schemeClr val="tx1"/>
-                </a:solidFill>
-                <a:latin typeface="+mn-lt"/>
-              </a:defRPr>
-            </a:lvl8pPr>
-            <a:lvl9pPr marL="3886200" indent="-228600" algn="l" defTabSz="0" rtl="0" eaLnBrk="0" fontAlgn="base" hangingPunct="0">
-              <a:spcBef>
-                <a:spcPct val="0"/>
-              </a:spcBef>
-              <a:spcAft>
-                <a:spcPct val="25000"/>
-              </a:spcAft>
-              <a:buClr>
-                <a:schemeClr val="tx2"/>
-              </a:buClr>
-              <a:buFont typeface="Arial" panose="020B0604020202020204" pitchFamily="34" charset="0"/>
-              <a:buChar char="–"/>
-              <a:defRPr>
-                <a:solidFill>
-                  <a:schemeClr val="tx1"/>
-                </a:solidFill>
-                <a:latin typeface="+mn-lt"/>
-              </a:defRPr>
-            </a:lvl9pPr>
-          </a:lstStyle>
-          <a:p>
-            <a:pPr marL="0" indent="0">
-              <a:buNone/>
-            </a:pPr>
-            <a:r>
-              <a:rPr lang="zh-CN" altLang="en-US" sz="3200" dirty="0" smtClean="0">
-                <a:solidFill>
-                  <a:srgbClr val="C00000"/>
-                </a:solidFill>
-                <a:cs typeface="+mn-cs"/>
-                <a:sym typeface="+mn-ea"/>
-              </a:rPr>
-              <a:t>内容提纲</a:t>
-            </a:r>
-            <a:endParaRPr lang="zh-CN" altLang="en-US" kern="0" dirty="0"/>
-          </a:p>
-        </p:txBody>
-      </p:sp>
-    </p:spTree>
-  </p:cSld>
-  <p:clrMapOvr>
-    <a:masterClrMapping/>
-  </p:clrMapOvr>
-  <p:timing>
-    <p:tnLst>
-      <p:par>
-        <p:cTn id="1" dur="indefinite" restart="never" nodeType="tmRoot"/>
-      </p:par>
-    </p:tnLst>
-  </p:timing>
-</p:sld>
-</file>
-
-<file path=ppt/slides/slide30.xml><?xml version="1.0" encoding="utf-8"?>
+<file path=ppt/slides/slide31.xml><?xml version="1.0" encoding="utf-8"?>
 <p:sld xmlns:a="http://schemas.openxmlformats.org/drawingml/2006/main" xmlns:r="http://schemas.openxmlformats.org/officeDocument/2006/relationships" xmlns:p="http://schemas.openxmlformats.org/presentationml/2006/main">
   <p:cSld>
     <p:spTree>
@@ -22161,7 +22958,7 @@
 </p:sld>
 </file>
 
-<file path=ppt/slides/slide31.xml><?xml version="1.0" encoding="utf-8"?>
+<file path=ppt/slides/slide32.xml><?xml version="1.0" encoding="utf-8"?>
 <p:sld xmlns:a="http://schemas.openxmlformats.org/drawingml/2006/main" xmlns:r="http://schemas.openxmlformats.org/officeDocument/2006/relationships" xmlns:p="http://schemas.openxmlformats.org/presentationml/2006/main">
   <p:cSld>
     <p:spTree>
@@ -22365,7 +23162,7 @@
 </p:sld>
 </file>
 
-<file path=ppt/slides/slide32.xml><?xml version="1.0" encoding="utf-8"?>
+<file path=ppt/slides/slide33.xml><?xml version="1.0" encoding="utf-8"?>
 <p:sld xmlns:a="http://schemas.openxmlformats.org/drawingml/2006/main" xmlns:r="http://schemas.openxmlformats.org/officeDocument/2006/relationships" xmlns:p="http://schemas.openxmlformats.org/presentationml/2006/main">
   <p:cSld>
     <p:spTree>
@@ -22746,7 +23543,7 @@
 </p:sld>
 </file>
 
-<file path=ppt/slides/slide33.xml><?xml version="1.0" encoding="utf-8"?>
+<file path=ppt/slides/slide34.xml><?xml version="1.0" encoding="utf-8"?>
 <p:sld xmlns:a="http://schemas.openxmlformats.org/drawingml/2006/main" xmlns:r="http://schemas.openxmlformats.org/officeDocument/2006/relationships" xmlns:p="http://schemas.openxmlformats.org/presentationml/2006/main">
   <p:cSld>
     <p:spTree>
@@ -23236,7 +24033,7 @@
 </p:sld>
 </file>
 
-<file path=ppt/slides/slide34.xml><?xml version="1.0" encoding="utf-8"?>
+<file path=ppt/slides/slide35.xml><?xml version="1.0" encoding="utf-8"?>
 <p:sld xmlns:a="http://schemas.openxmlformats.org/drawingml/2006/main" xmlns:r="http://schemas.openxmlformats.org/officeDocument/2006/relationships" xmlns:p="http://schemas.openxmlformats.org/presentationml/2006/main">
   <p:cSld>
     <p:spTree>
@@ -24405,7 +25202,7 @@
 </p:sld>
 </file>
 
-<file path=ppt/slides/slide35.xml><?xml version="1.0" encoding="utf-8"?>
+<file path=ppt/slides/slide36.xml><?xml version="1.0" encoding="utf-8"?>
 <p:sld xmlns:a="http://schemas.openxmlformats.org/drawingml/2006/main" xmlns:r="http://schemas.openxmlformats.org/officeDocument/2006/relationships" xmlns:p="http://schemas.openxmlformats.org/presentationml/2006/main">
   <p:cSld>
     <p:spTree>
@@ -24895,7 +25692,7 @@
 </p:sld>
 </file>
 
-<file path=ppt/slides/slide36.xml><?xml version="1.0" encoding="utf-8"?>
+<file path=ppt/slides/slide37.xml><?xml version="1.0" encoding="utf-8"?>
 <p:sld xmlns:a="http://schemas.openxmlformats.org/drawingml/2006/main" xmlns:r="http://schemas.openxmlformats.org/officeDocument/2006/relationships" xmlns:p="http://schemas.openxmlformats.org/presentationml/2006/main">
   <p:cSld>
     <p:spTree>
@@ -25312,651 +26109,6 @@
                                         <p:cTn id="8" dur="500" fill="hold"/>
                                         <p:tgtEl>
                                           <p:spTgt spid="7"/>
-                                        </p:tgtEl>
-                                        <p:attrNameLst>
-                                          <p:attrName>ppt_y</p:attrName>
-                                        </p:attrNameLst>
-                                      </p:cBhvr>
-                                      <p:tavLst>
-                                        <p:tav tm="0">
-                                          <p:val>
-                                            <p:strVal val="1+#ppt_h/2"/>
-                                          </p:val>
-                                        </p:tav>
-                                        <p:tav tm="100000">
-                                          <p:val>
-                                            <p:strVal val="#ppt_y"/>
-                                          </p:val>
-                                        </p:tav>
-                                      </p:tavLst>
-                                    </p:anim>
-                                  </p:childTnLst>
-                                </p:cTn>
-                              </p:par>
-                            </p:childTnLst>
-                          </p:cTn>
-                        </p:par>
-                      </p:childTnLst>
-                    </p:cTn>
-                  </p:par>
-                  <p:par>
-                    <p:cTn id="9" fill="hold">
-                      <p:stCondLst>
-                        <p:cond delay="indefinite"/>
-                      </p:stCondLst>
-                      <p:childTnLst>
-                        <p:par>
-                          <p:cTn id="10" fill="hold">
-                            <p:stCondLst>
-                              <p:cond delay="0"/>
-                            </p:stCondLst>
-                            <p:childTnLst>
-                              <p:par>
-                                <p:cTn id="11" presetID="2" presetClass="entr" presetSubtype="4" fill="hold" grpId="0" nodeType="clickEffect">
-                                  <p:stCondLst>
-                                    <p:cond delay="0"/>
-                                  </p:stCondLst>
-                                  <p:childTnLst>
-                                    <p:set>
-                                      <p:cBhvr>
-                                        <p:cTn id="12" dur="1" fill="hold">
-                                          <p:stCondLst>
-                                            <p:cond delay="0"/>
-                                          </p:stCondLst>
-                                        </p:cTn>
-                                        <p:tgtEl>
-                                          <p:spTgt spid="5"/>
-                                        </p:tgtEl>
-                                        <p:attrNameLst>
-                                          <p:attrName>style.visibility</p:attrName>
-                                        </p:attrNameLst>
-                                      </p:cBhvr>
-                                      <p:to>
-                                        <p:strVal val="visible"/>
-                                      </p:to>
-                                    </p:set>
-                                    <p:anim calcmode="lin" valueType="num">
-                                      <p:cBhvr additive="base">
-                                        <p:cTn id="13" dur="500" fill="hold"/>
-                                        <p:tgtEl>
-                                          <p:spTgt spid="5"/>
-                                        </p:tgtEl>
-                                        <p:attrNameLst>
-                                          <p:attrName>ppt_x</p:attrName>
-                                        </p:attrNameLst>
-                                      </p:cBhvr>
-                                      <p:tavLst>
-                                        <p:tav tm="0">
-                                          <p:val>
-                                            <p:strVal val="#ppt_x"/>
-                                          </p:val>
-                                        </p:tav>
-                                        <p:tav tm="100000">
-                                          <p:val>
-                                            <p:strVal val="#ppt_x"/>
-                                          </p:val>
-                                        </p:tav>
-                                      </p:tavLst>
-                                    </p:anim>
-                                    <p:anim calcmode="lin" valueType="num">
-                                      <p:cBhvr additive="base">
-                                        <p:cTn id="14" dur="500" fill="hold"/>
-                                        <p:tgtEl>
-                                          <p:spTgt spid="5"/>
-                                        </p:tgtEl>
-                                        <p:attrNameLst>
-                                          <p:attrName>ppt_y</p:attrName>
-                                        </p:attrNameLst>
-                                      </p:cBhvr>
-                                      <p:tavLst>
-                                        <p:tav tm="0">
-                                          <p:val>
-                                            <p:strVal val="1+#ppt_h/2"/>
-                                          </p:val>
-                                        </p:tav>
-                                        <p:tav tm="100000">
-                                          <p:val>
-                                            <p:strVal val="#ppt_y"/>
-                                          </p:val>
-                                        </p:tav>
-                                      </p:tavLst>
-                                    </p:anim>
-                                  </p:childTnLst>
-                                </p:cTn>
-                              </p:par>
-                            </p:childTnLst>
-                          </p:cTn>
-                        </p:par>
-                        <p:par>
-                          <p:cTn id="15" fill="hold">
-                            <p:stCondLst>
-                              <p:cond delay="500"/>
-                            </p:stCondLst>
-                            <p:childTnLst>
-                              <p:par>
-                                <p:cTn id="16" presetID="2" presetClass="entr" presetSubtype="4" fill="hold" grpId="0" nodeType="afterEffect">
-                                  <p:stCondLst>
-                                    <p:cond delay="0"/>
-                                  </p:stCondLst>
-                                  <p:childTnLst>
-                                    <p:set>
-                                      <p:cBhvr>
-                                        <p:cTn id="17" dur="1" fill="hold">
-                                          <p:stCondLst>
-                                            <p:cond delay="0"/>
-                                          </p:stCondLst>
-                                        </p:cTn>
-                                        <p:tgtEl>
-                                          <p:spTgt spid="4"/>
-                                        </p:tgtEl>
-                                        <p:attrNameLst>
-                                          <p:attrName>style.visibility</p:attrName>
-                                        </p:attrNameLst>
-                                      </p:cBhvr>
-                                      <p:to>
-                                        <p:strVal val="visible"/>
-                                      </p:to>
-                                    </p:set>
-                                    <p:anim calcmode="lin" valueType="num">
-                                      <p:cBhvr additive="base">
-                                        <p:cTn id="18" dur="500" fill="hold"/>
-                                        <p:tgtEl>
-                                          <p:spTgt spid="4"/>
-                                        </p:tgtEl>
-                                        <p:attrNameLst>
-                                          <p:attrName>ppt_x</p:attrName>
-                                        </p:attrNameLst>
-                                      </p:cBhvr>
-                                      <p:tavLst>
-                                        <p:tav tm="0">
-                                          <p:val>
-                                            <p:strVal val="#ppt_x"/>
-                                          </p:val>
-                                        </p:tav>
-                                        <p:tav tm="100000">
-                                          <p:val>
-                                            <p:strVal val="#ppt_x"/>
-                                          </p:val>
-                                        </p:tav>
-                                      </p:tavLst>
-                                    </p:anim>
-                                    <p:anim calcmode="lin" valueType="num">
-                                      <p:cBhvr additive="base">
-                                        <p:cTn id="19" dur="500" fill="hold"/>
-                                        <p:tgtEl>
-                                          <p:spTgt spid="4"/>
-                                        </p:tgtEl>
-                                        <p:attrNameLst>
-                                          <p:attrName>ppt_y</p:attrName>
-                                        </p:attrNameLst>
-                                      </p:cBhvr>
-                                      <p:tavLst>
-                                        <p:tav tm="0">
-                                          <p:val>
-                                            <p:strVal val="1+#ppt_h/2"/>
-                                          </p:val>
-                                        </p:tav>
-                                        <p:tav tm="100000">
-                                          <p:val>
-                                            <p:strVal val="#ppt_y"/>
-                                          </p:val>
-                                        </p:tav>
-                                      </p:tavLst>
-                                    </p:anim>
-                                  </p:childTnLst>
-                                </p:cTn>
-                              </p:par>
-                            </p:childTnLst>
-                          </p:cTn>
-                        </p:par>
-                      </p:childTnLst>
-                    </p:cTn>
-                  </p:par>
-                </p:childTnLst>
-              </p:cTn>
-              <p:prevCondLst>
-                <p:cond evt="onPrev" delay="0">
-                  <p:tgtEl>
-                    <p:sldTgt/>
-                  </p:tgtEl>
-                </p:cond>
-              </p:prevCondLst>
-              <p:nextCondLst>
-                <p:cond evt="onNext" delay="0">
-                  <p:tgtEl>
-                    <p:sldTgt/>
-                  </p:tgtEl>
-                </p:cond>
-              </p:nextCondLst>
-            </p:seq>
-          </p:childTnLst>
-        </p:cTn>
-      </p:par>
-    </p:tnLst>
-    <p:bldLst>
-      <p:bldP spid="4" grpId="0"/>
-      <p:bldP spid="5" grpId="0"/>
-    </p:bldLst>
-  </p:timing>
-</p:sld>
-</file>
-
-<file path=ppt/slides/slide37.xml><?xml version="1.0" encoding="utf-8"?>
-<p:sld xmlns:a="http://schemas.openxmlformats.org/drawingml/2006/main" xmlns:r="http://schemas.openxmlformats.org/officeDocument/2006/relationships" xmlns:p="http://schemas.openxmlformats.org/presentationml/2006/main">
-  <p:cSld>
-    <p:spTree>
-      <p:nvGrpSpPr>
-        <p:cNvPr id="1" name=""/>
-        <p:cNvGrpSpPr/>
-        <p:nvPr/>
-      </p:nvGrpSpPr>
-      <p:grpSpPr>
-        <a:xfrm>
-          <a:off x="0" y="0"/>
-          <a:ext cx="0" cy="0"/>
-          <a:chOff x="0" y="0"/>
-          <a:chExt cx="0" cy="0"/>
-        </a:xfrm>
-      </p:grpSpPr>
-      <p:sp>
-        <p:nvSpPr>
-          <p:cNvPr id="11266" name="内容占位符 1"/>
-          <p:cNvSpPr>
-            <a:spLocks noGrp="1"/>
-          </p:cNvSpPr>
-          <p:nvPr>
-            <p:ph sz="quarter" idx="10"/>
-          </p:nvPr>
-        </p:nvSpPr>
-        <p:spPr bwMode="auto">
-          <a:xfrm>
-            <a:off x="947420" y="868680"/>
-            <a:ext cx="10248900" cy="5207000"/>
-          </a:xfrm>
-          <a:noFill/>
-          <a:extLst>
-            <a:ext uri="{909E8E84-426E-40DD-AFC4-6F175D3DCCD1}">
-              <a14:hiddenFill xmlns:a14="http://schemas.microsoft.com/office/drawing/2010/main">
-                <a:solidFill>
-                  <a:srgbClr val="FFFFFF"/>
-                </a:solidFill>
-              </a14:hiddenFill>
-            </a:ext>
-            <a:ext uri="{91240B29-F687-4F45-9708-019B960494DF}">
-              <a14:hiddenLine xmlns:a14="http://schemas.microsoft.com/office/drawing/2010/main" w="9525">
-                <a:solidFill>
-                  <a:srgbClr val="000000"/>
-                </a:solidFill>
-                <a:miter lim="800000"/>
-                <a:headEnd/>
-                <a:tailEnd/>
-              </a14:hiddenLine>
-            </a:ext>
-          </a:extLst>
-        </p:spPr>
-        <p:txBody>
-          <a:bodyPr vert="horz" wrap="square" lIns="91440" tIns="45720" rIns="91440" bIns="45720" numCol="1" anchor="t" anchorCtr="0" compatLnSpc="1"/>
-          <a:lstStyle/>
-          <a:p>
-            <a:pPr marL="0" indent="0">
-              <a:lnSpc>
-                <a:spcPct val="130000"/>
-              </a:lnSpc>
-              <a:buNone/>
-            </a:pPr>
-            <a:endParaRPr kumimoji="0" lang="zh-CN" altLang="en-US" sz="3200" dirty="0" smtClean="0">
-              <a:solidFill>
-                <a:schemeClr val="accent3"/>
-              </a:solidFill>
-              <a:sym typeface="+mn-ea"/>
-            </a:endParaRPr>
-          </a:p>
-          <a:p>
-            <a:pPr>
-              <a:lnSpc>
-                <a:spcPct val="130000"/>
-              </a:lnSpc>
-            </a:pPr>
-            <a:endParaRPr kumimoji="0" lang="zh-CN" altLang="en-US" sz="3200" dirty="0" smtClean="0">
-              <a:solidFill>
-                <a:schemeClr val="tx1"/>
-              </a:solidFill>
-            </a:endParaRPr>
-          </a:p>
-          <a:p>
-            <a:pPr eaLnBrk="1" hangingPunct="1">
-              <a:lnSpc>
-                <a:spcPct val="150000"/>
-              </a:lnSpc>
-            </a:pPr>
-            <a:endParaRPr kumimoji="0" lang="en-US" altLang="zh-CN" sz="3600" dirty="0" smtClean="0">
-              <a:solidFill>
-                <a:schemeClr val="tx1"/>
-              </a:solidFill>
-            </a:endParaRPr>
-          </a:p>
-          <a:p>
-            <a:pPr eaLnBrk="1" hangingPunct="1">
-              <a:lnSpc>
-                <a:spcPct val="150000"/>
-              </a:lnSpc>
-            </a:pPr>
-            <a:endParaRPr kumimoji="0" lang="zh-CN" altLang="en-US" dirty="0" smtClean="0">
-              <a:solidFill>
-                <a:schemeClr val="tx1"/>
-              </a:solidFill>
-            </a:endParaRPr>
-          </a:p>
-        </p:txBody>
-      </p:sp>
-      <p:sp>
-        <p:nvSpPr>
-          <p:cNvPr id="2" name="内容占位符 1"/>
-          <p:cNvSpPr>
-            <a:spLocks noGrp="1"/>
-          </p:cNvSpPr>
-          <p:nvPr>
-            <p:ph sz="quarter" idx="11"/>
-          </p:nvPr>
-        </p:nvSpPr>
-        <p:spPr>
-          <a:xfrm>
-            <a:off x="947204" y="308698"/>
-            <a:ext cx="8191557" cy="490476"/>
-          </a:xfrm>
-        </p:spPr>
-        <p:txBody>
-          <a:bodyPr/>
-          <a:lstStyle/>
-          <a:p>
-            <a:r>
-              <a:rPr kumimoji="0" lang="zh-CN" altLang="en-US" dirty="0">
-                <a:sym typeface="+mn-ea"/>
-              </a:rPr>
-              <a:t>闭包的常见形式（作为函数返回值返回）</a:t>
-            </a:r>
-            <a:endParaRPr kumimoji="0" lang="zh-CN" altLang="en-US" dirty="0"/>
-          </a:p>
-        </p:txBody>
-      </p:sp>
-      <p:sp>
-        <p:nvSpPr>
-          <p:cNvPr id="4" name="文本框 3"/>
-          <p:cNvSpPr txBox="1"/>
-          <p:nvPr/>
-        </p:nvSpPr>
-        <p:spPr>
-          <a:xfrm>
-            <a:off x="6306820" y="6042025"/>
-            <a:ext cx="3971925" cy="429895"/>
-          </a:xfrm>
-          <a:prstGeom prst="rect">
-            <a:avLst/>
-          </a:prstGeom>
-          <a:noFill/>
-        </p:spPr>
-        <p:txBody>
-          <a:bodyPr wrap="square" rtlCol="0">
-            <a:spAutoFit/>
-          </a:bodyPr>
-          <a:p>
-            <a:pPr algn="l"/>
-            <a:r>
-              <a:rPr lang="zh-CN" altLang="en-US" sz="2200">
-                <a:solidFill>
-                  <a:srgbClr val="FF0000"/>
-                </a:solidFill>
-                <a:latin typeface="+mn-ea"/>
-                <a:ea typeface="+mn-ea"/>
-              </a:rPr>
-              <a:t>参见实例</a:t>
-            </a:r>
-            <a:r>
-              <a:rPr lang="en-US" altLang="zh-CN" sz="2200">
-                <a:solidFill>
-                  <a:srgbClr val="FF0000"/>
-                </a:solidFill>
-                <a:latin typeface="+mn-ea"/>
-                <a:ea typeface="+mn-ea"/>
-              </a:rPr>
-              <a:t>demo12  Part2</a:t>
-            </a:r>
-            <a:endParaRPr lang="en-US" sz="2200">
-              <a:solidFill>
-                <a:srgbClr val="FF0000"/>
-              </a:solidFill>
-              <a:latin typeface="+mn-ea"/>
-              <a:ea typeface="+mn-ea"/>
-            </a:endParaRPr>
-          </a:p>
-        </p:txBody>
-      </p:sp>
-      <p:pic>
-        <p:nvPicPr>
-          <p:cNvPr id="3" name="图片 2"/>
-          <p:cNvPicPr>
-            <a:picLocks noChangeAspect="1"/>
-          </p:cNvPicPr>
-          <p:nvPr/>
-        </p:nvPicPr>
-        <p:blipFill>
-          <a:blip r:embed="rId1"/>
-          <a:stretch>
-            <a:fillRect/>
-          </a:stretch>
-        </p:blipFill>
-        <p:spPr>
-          <a:xfrm>
-            <a:off x="1047750" y="1016635"/>
-            <a:ext cx="8599170" cy="4806950"/>
-          </a:xfrm>
-          <a:prstGeom prst="rect">
-            <a:avLst/>
-          </a:prstGeom>
-        </p:spPr>
-      </p:pic>
-      <p:sp>
-        <p:nvSpPr>
-          <p:cNvPr id="5" name="文本框 4"/>
-          <p:cNvSpPr txBox="1"/>
-          <p:nvPr/>
-        </p:nvSpPr>
-        <p:spPr>
-          <a:xfrm>
-            <a:off x="5917565" y="4590415"/>
-            <a:ext cx="4431030" cy="1445260"/>
-          </a:xfrm>
-          <a:prstGeom prst="rect">
-            <a:avLst/>
-          </a:prstGeom>
-          <a:noFill/>
-        </p:spPr>
-        <p:txBody>
-          <a:bodyPr wrap="square" rtlCol="0">
-            <a:spAutoFit/>
-          </a:bodyPr>
-          <a:p>
-            <a:pPr algn="l"/>
-            <a:r>
-              <a:rPr lang="zh-CN" altLang="en-US" sz="2200">
-                <a:solidFill>
-                  <a:schemeClr val="tx1"/>
-                </a:solidFill>
-                <a:latin typeface="+mn-ea"/>
-                <a:ea typeface="+mn-ea"/>
-              </a:rPr>
-              <a:t>思考：此实例中</a:t>
-            </a:r>
-            <a:r>
-              <a:rPr lang="en-US" altLang="zh-CN" sz="2200">
-                <a:solidFill>
-                  <a:schemeClr val="tx1"/>
-                </a:solidFill>
-                <a:latin typeface="+mn-ea"/>
-                <a:ea typeface="+mn-ea"/>
-              </a:rPr>
-              <a:t>bar</a:t>
-            </a:r>
-            <a:r>
-              <a:rPr lang="zh-CN" altLang="en-US" sz="2200">
-                <a:solidFill>
-                  <a:schemeClr val="tx1"/>
-                </a:solidFill>
-                <a:latin typeface="+mn-ea"/>
-                <a:ea typeface="+mn-ea"/>
-              </a:rPr>
-              <a:t>函数对象相关作用域的变量都有哪些？</a:t>
-            </a:r>
-            <a:r>
-              <a:rPr lang="en-US" altLang="zh-CN" sz="2200">
-                <a:solidFill>
-                  <a:schemeClr val="tx1"/>
-                </a:solidFill>
-                <a:latin typeface="+mn-ea"/>
-                <a:ea typeface="+mn-ea"/>
-              </a:rPr>
-              <a:t>foo</a:t>
-            </a:r>
-            <a:r>
-              <a:rPr lang="zh-CN" altLang="en-US" sz="2200">
-                <a:solidFill>
-                  <a:schemeClr val="tx1"/>
-                </a:solidFill>
-                <a:latin typeface="+mn-ea"/>
-                <a:ea typeface="+mn-ea"/>
-              </a:rPr>
-              <a:t>中的</a:t>
-            </a:r>
-            <a:r>
-              <a:rPr lang="en-US" altLang="zh-CN" sz="2200">
-                <a:solidFill>
-                  <a:schemeClr val="tx1"/>
-                </a:solidFill>
-                <a:latin typeface="+mn-ea"/>
-                <a:ea typeface="+mn-ea"/>
-              </a:rPr>
-              <a:t>tmp</a:t>
-            </a:r>
-            <a:r>
-              <a:rPr lang="zh-CN" altLang="en-US" sz="2200">
-                <a:solidFill>
-                  <a:schemeClr val="tx1"/>
-                </a:solidFill>
-                <a:latin typeface="+mn-ea"/>
-                <a:ea typeface="+mn-ea"/>
-              </a:rPr>
-              <a:t>是否调用后就释放？</a:t>
-            </a:r>
-            <a:endParaRPr lang="zh-CN" altLang="en-US" sz="2200">
-              <a:solidFill>
-                <a:schemeClr val="tx1"/>
-              </a:solidFill>
-              <a:latin typeface="+mn-ea"/>
-              <a:ea typeface="+mn-ea"/>
-            </a:endParaRPr>
-          </a:p>
-          <a:p>
-            <a:pPr algn="l"/>
-            <a:r>
-              <a:rPr lang="zh-CN" altLang="en-US" sz="2200">
-                <a:solidFill>
-                  <a:srgbClr val="FF0000"/>
-                </a:solidFill>
-                <a:latin typeface="+mn-ea"/>
-                <a:ea typeface="+mn-ea"/>
-              </a:rPr>
-              <a:t>使用断点调试查看代码的运行状况</a:t>
-            </a:r>
-            <a:endParaRPr lang="zh-CN" altLang="en-US" sz="2200">
-              <a:solidFill>
-                <a:srgbClr val="FF0000"/>
-              </a:solidFill>
-              <a:latin typeface="+mn-ea"/>
-              <a:ea typeface="+mn-ea"/>
-            </a:endParaRPr>
-          </a:p>
-        </p:txBody>
-      </p:sp>
-    </p:spTree>
-  </p:cSld>
-  <p:clrMapOvr>
-    <a:masterClrMapping/>
-  </p:clrMapOvr>
-  <p:timing>
-    <p:tnLst>
-      <p:par>
-        <p:cTn id="1" dur="indefinite" restart="never" nodeType="tmRoot">
-          <p:childTnLst>
-            <p:seq concurrent="1" nextAc="seek">
-              <p:cTn id="2" dur="indefinite" nodeType="mainSeq">
-                <p:childTnLst>
-                  <p:par>
-                    <p:cTn id="3" fill="hold">
-                      <p:stCondLst>
-                        <p:cond delay="indefinite"/>
-                        <p:cond evt="onBegin" delay="0">
-                          <p:tn val="2"/>
-                        </p:cond>
-                      </p:stCondLst>
-                      <p:childTnLst>
-                        <p:par>
-                          <p:cTn id="4" fill="hold">
-                            <p:stCondLst>
-                              <p:cond delay="0"/>
-                            </p:stCondLst>
-                            <p:childTnLst>
-                              <p:par>
-                                <p:cTn id="5" presetID="2" presetClass="entr" presetSubtype="4" fill="hold" nodeType="afterEffect">
-                                  <p:stCondLst>
-                                    <p:cond delay="0"/>
-                                  </p:stCondLst>
-                                  <p:childTnLst>
-                                    <p:set>
-                                      <p:cBhvr>
-                                        <p:cTn id="6" dur="1" fill="hold">
-                                          <p:stCondLst>
-                                            <p:cond delay="0"/>
-                                          </p:stCondLst>
-                                        </p:cTn>
-                                        <p:tgtEl>
-                                          <p:spTgt spid="3"/>
-                                        </p:tgtEl>
-                                        <p:attrNameLst>
-                                          <p:attrName>style.visibility</p:attrName>
-                                        </p:attrNameLst>
-                                      </p:cBhvr>
-                                      <p:to>
-                                        <p:strVal val="visible"/>
-                                      </p:to>
-                                    </p:set>
-                                    <p:anim calcmode="lin" valueType="num">
-                                      <p:cBhvr additive="base">
-                                        <p:cTn id="7" dur="500" fill="hold"/>
-                                        <p:tgtEl>
-                                          <p:spTgt spid="3"/>
-                                        </p:tgtEl>
-                                        <p:attrNameLst>
-                                          <p:attrName>ppt_x</p:attrName>
-                                        </p:attrNameLst>
-                                      </p:cBhvr>
-                                      <p:tavLst>
-                                        <p:tav tm="0">
-                                          <p:val>
-                                            <p:strVal val="#ppt_x"/>
-                                          </p:val>
-                                        </p:tav>
-                                        <p:tav tm="100000">
-                                          <p:val>
-                                            <p:strVal val="#ppt_x"/>
-                                          </p:val>
-                                        </p:tav>
-                                      </p:tavLst>
-                                    </p:anim>
-                                    <p:anim calcmode="lin" valueType="num">
-                                      <p:cBhvr additive="base">
-                                        <p:cTn id="8" dur="500" fill="hold"/>
-                                        <p:tgtEl>
-                                          <p:spTgt spid="3"/>
                                         </p:tgtEl>
                                         <p:attrNameLst>
                                           <p:attrName>ppt_y</p:attrName>
@@ -26243,10 +26395,11 @@
           <a:bodyPr vert="horz" wrap="square" lIns="91440" tIns="45720" rIns="91440" bIns="45720" numCol="1" anchor="t" anchorCtr="0" compatLnSpc="1"/>
           <a:lstStyle/>
           <a:p>
-            <a:pPr>
+            <a:pPr marL="0" indent="0">
               <a:lnSpc>
                 <a:spcPct val="130000"/>
               </a:lnSpc>
+              <a:buNone/>
             </a:pPr>
             <a:endParaRPr kumimoji="0" lang="zh-CN" altLang="en-US" sz="3200" dirty="0" smtClean="0">
               <a:solidFill>
@@ -26317,7 +26470,7 @@
               <a:rPr kumimoji="0" lang="zh-CN" altLang="en-US" dirty="0">
                 <a:sym typeface="+mn-ea"/>
               </a:rPr>
-              <a:t>闭包的常见形式（作为对象的方法返回）</a:t>
+              <a:t>闭包的常见形式（作为函数返回值返回）</a:t>
             </a:r>
             <a:endParaRPr kumimoji="0" lang="zh-CN" altLang="en-US" dirty="0"/>
           </a:p>
@@ -26331,8 +26484,8 @@
         </p:nvSpPr>
         <p:spPr>
           <a:xfrm>
-            <a:off x="7024370" y="6113780"/>
-            <a:ext cx="3345815" cy="429895"/>
+            <a:off x="6306820" y="6042025"/>
+            <a:ext cx="3971925" cy="429895"/>
           </a:xfrm>
           <a:prstGeom prst="rect">
             <a:avLst/>
@@ -26363,7 +26516,7 @@
                 <a:latin typeface="+mn-ea"/>
                 <a:ea typeface="+mn-ea"/>
               </a:rPr>
-              <a:t>demo13 Part1</a:t>
+              <a:t>demo12  Part2</a:t>
             </a:r>
             <a:endParaRPr lang="en-US" sz="2200">
               <a:solidFill>
@@ -26377,7 +26530,7 @@
       </p:sp>
       <p:pic>
         <p:nvPicPr>
-          <p:cNvPr id="6" name="图片 5"/>
+          <p:cNvPr id="3" name="图片 2"/>
           <p:cNvPicPr>
             <a:picLocks noChangeAspect="1"/>
           </p:cNvPicPr>
@@ -26391,8 +26544,8 @@
         </p:blipFill>
         <p:spPr>
           <a:xfrm>
-            <a:off x="947420" y="1003935"/>
-            <a:ext cx="7849870" cy="4904740"/>
+            <a:off x="1047750" y="1016635"/>
+            <a:ext cx="8599170" cy="4806950"/>
           </a:xfrm>
           <a:prstGeom prst="rect">
             <a:avLst/>
@@ -26407,8 +26560,8 @@
         </p:nvSpPr>
         <p:spPr>
           <a:xfrm>
-            <a:off x="6358255" y="4805680"/>
-            <a:ext cx="4615180" cy="768350"/>
+            <a:off x="5917565" y="4590415"/>
+            <a:ext cx="4431030" cy="1445260"/>
           </a:xfrm>
           <a:prstGeom prst="rect">
             <a:avLst/>
@@ -26432,16 +26585,66 @@
               <a:t>思考：此实例中</a:t>
             </a:r>
             <a:r>
-              <a:rPr lang="zh-CN" sz="2200">
+              <a:rPr lang="en-US" altLang="zh-CN" sz="2200">
                 <a:solidFill>
                   <a:schemeClr val="tx1"/>
                 </a:solidFill>
                 <a:latin typeface="+mn-ea"/>
                 <a:ea typeface="+mn-ea"/>
               </a:rPr>
-              <a:t>总共有几个闭包？</a:t>
-            </a:r>
-            <a:endParaRPr lang="zh-CN" sz="2200">
+              <a:t>bar</a:t>
+            </a:r>
+            <a:r>
+              <a:rPr lang="zh-CN" altLang="en-US" sz="2200">
+                <a:solidFill>
+                  <a:schemeClr val="tx1"/>
+                </a:solidFill>
+                <a:latin typeface="+mn-ea"/>
+                <a:ea typeface="+mn-ea"/>
+              </a:rPr>
+              <a:t>函数对象相关作用域的变量都有哪些？</a:t>
+            </a:r>
+            <a:r>
+              <a:rPr lang="en-US" altLang="zh-CN" sz="2200">
+                <a:solidFill>
+                  <a:schemeClr val="tx1"/>
+                </a:solidFill>
+                <a:latin typeface="+mn-ea"/>
+                <a:ea typeface="+mn-ea"/>
+              </a:rPr>
+              <a:t>foo</a:t>
+            </a:r>
+            <a:r>
+              <a:rPr lang="zh-CN" altLang="en-US" sz="2200">
+                <a:solidFill>
+                  <a:schemeClr val="tx1"/>
+                </a:solidFill>
+                <a:latin typeface="+mn-ea"/>
+                <a:ea typeface="+mn-ea"/>
+              </a:rPr>
+              <a:t>中的</a:t>
+            </a:r>
+            <a:r>
+              <a:rPr lang="en-US" altLang="zh-CN" sz="2200">
+                <a:solidFill>
+                  <a:schemeClr val="tx1"/>
+                </a:solidFill>
+                <a:latin typeface="+mn-ea"/>
+                <a:ea typeface="+mn-ea"/>
+              </a:rPr>
+              <a:t>tmp</a:t>
+            </a:r>
+            <a:r>
+              <a:rPr lang="zh-CN" altLang="en-US" sz="2200">
+                <a:solidFill>
+                  <a:schemeClr val="tx1"/>
+                </a:solidFill>
+                <a:latin typeface="+mn-ea"/>
+                <a:ea typeface="+mn-ea"/>
+              </a:rPr>
+              <a:t>是否调用后就释放？</a:t>
+            </a:r>
+            <a:endParaRPr lang="zh-CN" altLang="en-US" sz="2200">
               <a:solidFill>
                 <a:schemeClr val="tx1"/>
               </a:solidFill>
@@ -26458,13 +26661,12 @@
                 </a:solidFill>
                 <a:latin typeface="+mn-ea"/>
                 <a:ea typeface="+mn-ea"/>
-                <a:sym typeface="+mn-ea"/>
               </a:rPr>
               <a:t>使用断点调试查看代码的运行状况</a:t>
             </a:r>
-            <a:endParaRPr lang="zh-CN" sz="2200">
+            <a:endParaRPr lang="zh-CN" altLang="en-US" sz="2200">
               <a:solidFill>
-                <a:schemeClr val="tx1"/>
+                <a:srgbClr val="FF0000"/>
               </a:solidFill>
               <a:latin typeface="+mn-ea"/>
               <a:ea typeface="+mn-ea"/>
@@ -26514,7 +26716,7 @@
                                           </p:stCondLst>
                                         </p:cTn>
                                         <p:tgtEl>
-                                          <p:spTgt spid="6"/>
+                                          <p:spTgt spid="3"/>
                                         </p:tgtEl>
                                         <p:attrNameLst>
                                           <p:attrName>style.visibility</p:attrName>
@@ -26528,7 +26730,7 @@
                                       <p:cBhvr additive="base">
                                         <p:cTn id="7" dur="500" fill="hold"/>
                                         <p:tgtEl>
-                                          <p:spTgt spid="6"/>
+                                          <p:spTgt spid="3"/>
                                         </p:tgtEl>
                                         <p:attrNameLst>
                                           <p:attrName>ppt_x</p:attrName>
@@ -26551,7 +26753,7 @@
                                       <p:cBhvr additive="base">
                                         <p:cTn id="8" dur="500" fill="hold"/>
                                         <p:tgtEl>
-                                          <p:spTgt spid="6"/>
+                                          <p:spTgt spid="3"/>
                                         </p:tgtEl>
                                         <p:attrNameLst>
                                           <p:attrName>ppt_y</p:attrName>
@@ -26576,21 +26778,30 @@
                             </p:childTnLst>
                           </p:cTn>
                         </p:par>
+                      </p:childTnLst>
+                    </p:cTn>
+                  </p:par>
+                  <p:par>
+                    <p:cTn id="9" fill="hold">
+                      <p:stCondLst>
+                        <p:cond delay="indefinite"/>
+                      </p:stCondLst>
+                      <p:childTnLst>
                         <p:par>
-                          <p:cTn id="9" fill="hold">
+                          <p:cTn id="10" fill="hold">
                             <p:stCondLst>
-                              <p:cond delay="500"/>
+                              <p:cond delay="0"/>
                             </p:stCondLst>
                             <p:childTnLst>
                               <p:par>
-                                <p:cTn id="10" presetID="2" presetClass="entr" presetSubtype="4" fill="hold" grpId="0" nodeType="afterEffect">
+                                <p:cTn id="11" presetID="2" presetClass="entr" presetSubtype="4" fill="hold" grpId="0" nodeType="clickEffect">
                                   <p:stCondLst>
                                     <p:cond delay="0"/>
                                   </p:stCondLst>
                                   <p:childTnLst>
                                     <p:set>
                                       <p:cBhvr>
-                                        <p:cTn id="11" dur="1" fill="hold">
+                                        <p:cTn id="12" dur="1" fill="hold">
                                           <p:stCondLst>
                                             <p:cond delay="0"/>
                                           </p:stCondLst>
@@ -26608,7 +26819,7 @@
                                     </p:set>
                                     <p:anim calcmode="lin" valueType="num">
                                       <p:cBhvr additive="base">
-                                        <p:cTn id="12" dur="500" fill="hold"/>
+                                        <p:cTn id="13" dur="500" fill="hold"/>
                                         <p:tgtEl>
                                           <p:spTgt spid="5"/>
                                         </p:tgtEl>
@@ -26631,7 +26842,7 @@
                                     </p:anim>
                                     <p:anim calcmode="lin" valueType="num">
                                       <p:cBhvr additive="base">
-                                        <p:cTn id="13" dur="500" fill="hold"/>
+                                        <p:cTn id="14" dur="500" fill="hold"/>
                                         <p:tgtEl>
                                           <p:spTgt spid="5"/>
                                         </p:tgtEl>
@@ -26659,20 +26870,20 @@
                           </p:cTn>
                         </p:par>
                         <p:par>
-                          <p:cTn id="14" fill="hold">
+                          <p:cTn id="15" fill="hold">
                             <p:stCondLst>
-                              <p:cond delay="1000"/>
+                              <p:cond delay="500"/>
                             </p:stCondLst>
                             <p:childTnLst>
                               <p:par>
-                                <p:cTn id="15" presetID="2" presetClass="entr" presetSubtype="4" fill="hold" grpId="0" nodeType="afterEffect">
+                                <p:cTn id="16" presetID="2" presetClass="entr" presetSubtype="4" fill="hold" grpId="0" nodeType="afterEffect">
                                   <p:stCondLst>
                                     <p:cond delay="0"/>
                                   </p:stCondLst>
                                   <p:childTnLst>
                                     <p:set>
                                       <p:cBhvr>
-                                        <p:cTn id="16" dur="1" fill="hold">
+                                        <p:cTn id="17" dur="1" fill="hold">
                                           <p:stCondLst>
                                             <p:cond delay="0"/>
                                           </p:stCondLst>
@@ -26690,7 +26901,7 @@
                                     </p:set>
                                     <p:anim calcmode="lin" valueType="num">
                                       <p:cBhvr additive="base">
-                                        <p:cTn id="17" dur="500" fill="hold"/>
+                                        <p:cTn id="18" dur="500" fill="hold"/>
                                         <p:tgtEl>
                                           <p:spTgt spid="4"/>
                                         </p:tgtEl>
@@ -26713,7 +26924,7 @@
                                     </p:anim>
                                     <p:anim calcmode="lin" valueType="num">
                                       <p:cBhvr additive="base">
-                                        <p:cTn id="18" dur="500" fill="hold"/>
+                                        <p:cTn id="19" dur="500" fill="hold"/>
                                         <p:tgtEl>
                                           <p:spTgt spid="4"/>
                                         </p:tgtEl>
@@ -26903,15 +27114,67 @@
               <a:rPr kumimoji="0" lang="zh-CN" altLang="en-US" dirty="0">
                 <a:sym typeface="+mn-ea"/>
               </a:rPr>
-              <a:t>闭包的常见形式（函数作为参数）</a:t>
+              <a:t>闭包的常见形式（作为对象的方法返回）</a:t>
             </a:r>
             <a:endParaRPr kumimoji="0" lang="zh-CN" altLang="en-US" dirty="0"/>
+          </a:p>
+        </p:txBody>
+      </p:sp>
+      <p:sp>
+        <p:nvSpPr>
+          <p:cNvPr id="4" name="文本框 3"/>
+          <p:cNvSpPr txBox="1"/>
+          <p:nvPr/>
+        </p:nvSpPr>
+        <p:spPr>
+          <a:xfrm>
+            <a:off x="7024370" y="6113780"/>
+            <a:ext cx="3345815" cy="429895"/>
+          </a:xfrm>
+          <a:prstGeom prst="rect">
+            <a:avLst/>
+          </a:prstGeom>
+          <a:noFill/>
+        </p:spPr>
+        <p:txBody>
+          <a:bodyPr wrap="square" rtlCol="0">
+            <a:spAutoFit/>
+          </a:bodyPr>
+          <a:p>
+            <a:pPr algn="l"/>
+            <a:r>
+              <a:rPr lang="zh-CN" altLang="en-US" sz="2200">
+                <a:solidFill>
+                  <a:srgbClr val="FF0000"/>
+                </a:solidFill>
+                <a:latin typeface="+mn-ea"/>
+                <a:ea typeface="+mn-ea"/>
+              </a:rPr>
+              <a:t>参见实例</a:t>
+            </a:r>
+            <a:r>
+              <a:rPr lang="en-US" altLang="zh-CN" sz="2200">
+                <a:solidFill>
+                  <a:srgbClr val="FF0000"/>
+                </a:solidFill>
+                <a:latin typeface="+mn-ea"/>
+                <a:ea typeface="+mn-ea"/>
+              </a:rPr>
+              <a:t>demo13 Part1</a:t>
+            </a:r>
+            <a:endParaRPr lang="en-US" sz="2200">
+              <a:solidFill>
+                <a:srgbClr val="FF0000"/>
+              </a:solidFill>
+              <a:latin typeface="+mn-ea"/>
+              <a:ea typeface="+mn-ea"/>
+            </a:endParaRPr>
           </a:p>
         </p:txBody>
       </p:sp>
       <p:pic>
         <p:nvPicPr>
-          <p:cNvPr id="3" name="图片 2"/>
+          <p:cNvPr id="6" name="图片 5"/>
           <p:cNvPicPr>
             <a:picLocks noChangeAspect="1"/>
           </p:cNvPicPr>
@@ -26925,8 +27188,8 @@
         </p:blipFill>
         <p:spPr>
           <a:xfrm>
-            <a:off x="999490" y="1748790"/>
-            <a:ext cx="4852035" cy="4097655"/>
+            <a:off x="947420" y="1003935"/>
+            <a:ext cx="7849870" cy="4904740"/>
           </a:xfrm>
           <a:prstGeom prst="rect">
             <a:avLst/>
@@ -26935,14 +27198,14 @@
       </p:pic>
       <p:sp>
         <p:nvSpPr>
-          <p:cNvPr id="4" name="文本框 3"/>
+          <p:cNvPr id="5" name="文本框 4"/>
           <p:cNvSpPr txBox="1"/>
           <p:nvPr/>
         </p:nvSpPr>
         <p:spPr>
           <a:xfrm>
-            <a:off x="6306820" y="6113780"/>
-            <a:ext cx="4890135" cy="429895"/>
+            <a:off x="6358255" y="4805680"/>
+            <a:ext cx="4615180" cy="768350"/>
           </a:xfrm>
           <a:prstGeom prst="rect">
             <a:avLst/>
@@ -26958,357 +27221,22 @@
             <a:r>
               <a:rPr lang="zh-CN" altLang="en-US" sz="2200">
                 <a:solidFill>
-                  <a:srgbClr val="FF0000"/>
+                  <a:schemeClr val="tx1"/>
                 </a:solidFill>
                 <a:latin typeface="+mn-ea"/>
                 <a:ea typeface="+mn-ea"/>
               </a:rPr>
-              <a:t>参见实例</a:t>
-            </a:r>
-            <a:r>
-              <a:rPr lang="en-US" altLang="zh-CN" sz="2200">
-                <a:solidFill>
-                  <a:srgbClr val="FF0000"/>
+              <a:t>思考：此实例中</a:t>
+            </a:r>
+            <a:r>
+              <a:rPr lang="zh-CN" sz="2200">
+                <a:solidFill>
+                  <a:schemeClr val="tx1"/>
                 </a:solidFill>
                 <a:latin typeface="+mn-ea"/>
                 <a:ea typeface="+mn-ea"/>
               </a:rPr>
-              <a:t>demo13 Part2</a:t>
-            </a:r>
-            <a:endParaRPr lang="en-US" sz="2200">
-              <a:solidFill>
-                <a:srgbClr val="FF0000"/>
-              </a:solidFill>
-              <a:latin typeface="+mn-ea"/>
-              <a:ea typeface="+mn-ea"/>
-            </a:endParaRPr>
-          </a:p>
-        </p:txBody>
-      </p:sp>
-      <p:sp>
-        <p:nvSpPr>
-          <p:cNvPr id="5" name="内容占位符 1"/>
-          <p:cNvSpPr>
-            <a:spLocks noGrp="1"/>
-          </p:cNvSpPr>
-          <p:nvPr/>
-        </p:nvSpPr>
-        <p:spPr bwMode="auto">
-          <a:xfrm>
-            <a:off x="947420" y="868680"/>
-            <a:ext cx="10880725" cy="5207000"/>
-          </a:xfrm>
-          <a:prstGeom prst="rect">
-            <a:avLst/>
-          </a:prstGeom>
-          <a:noFill/>
-          <a:extLst>
-            <a:ext uri="{909E8E84-426E-40DD-AFC4-6F175D3DCCD1}">
-              <a14:hiddenFill xmlns:a14="http://schemas.microsoft.com/office/drawing/2010/main">
-                <a:solidFill>
-                  <a:srgbClr val="FFFFFF"/>
-                </a:solidFill>
-              </a14:hiddenFill>
-            </a:ext>
-            <a:ext uri="{91240B29-F687-4F45-9708-019B960494DF}">
-              <a14:hiddenLine xmlns:a14="http://schemas.microsoft.com/office/drawing/2010/main" w="9525">
-                <a:solidFill>
-                  <a:srgbClr val="000000"/>
-                </a:solidFill>
-                <a:miter lim="800000"/>
-                <a:headEnd/>
-                <a:tailEnd/>
-              </a14:hiddenLine>
-            </a:ext>
-          </a:extLst>
-        </p:spPr>
-        <p:txBody>
-          <a:bodyPr vert="horz" wrap="square" lIns="91440" tIns="45720" rIns="91440" bIns="45720" numCol="1" anchor="t" anchorCtr="0" compatLnSpc="1"/>
-          <a:lstStyle>
-            <a:lvl1pPr marL="167005" indent="-167005" algn="l" defTabSz="0" rtl="0" eaLnBrk="0" fontAlgn="base" hangingPunct="0">
-              <a:spcBef>
-                <a:spcPct val="0"/>
-              </a:spcBef>
-              <a:spcAft>
-                <a:spcPct val="15000"/>
-              </a:spcAft>
-              <a:buClr>
-                <a:schemeClr val="tx2"/>
-              </a:buClr>
-              <a:buFont typeface="Arial" panose="020B0604020202020204" pitchFamily="34" charset="0"/>
-              <a:buChar char="•"/>
-              <a:defRPr kumimoji="1" sz="2800">
-                <a:solidFill>
-                  <a:srgbClr val="006F53"/>
-                </a:solidFill>
-                <a:latin typeface="微软雅黑" panose="020B0503020204020204" pitchFamily="34" charset="-122"/>
-                <a:ea typeface="微软雅黑" panose="020B0503020204020204" pitchFamily="34" charset="-122"/>
-                <a:cs typeface="微软雅黑" panose="020B0503020204020204" pitchFamily="34" charset="-122"/>
-              </a:defRPr>
-            </a:lvl1pPr>
-            <a:lvl2pPr marL="398780" indent="-230505" algn="l" defTabSz="0" rtl="0" eaLnBrk="0" fontAlgn="base" hangingPunct="0">
-              <a:spcBef>
-                <a:spcPct val="0"/>
-              </a:spcBef>
-              <a:spcAft>
-                <a:spcPct val="15000"/>
-              </a:spcAft>
-              <a:buClr>
-                <a:schemeClr val="tx2"/>
-              </a:buClr>
-              <a:buFont typeface="Arial" panose="020B0604020202020204" pitchFamily="34" charset="0"/>
-              <a:buChar char="–"/>
-              <a:defRPr kumimoji="1" sz="2000">
-                <a:solidFill>
-                  <a:schemeClr val="tx1"/>
-                </a:solidFill>
-                <a:latin typeface="微软雅黑" panose="020B0503020204020204" pitchFamily="34" charset="-122"/>
-                <a:ea typeface="微软雅黑" panose="020B0503020204020204" pitchFamily="34" charset="-122"/>
-                <a:cs typeface="微软雅黑" panose="020B0503020204020204" pitchFamily="34" charset="-122"/>
-              </a:defRPr>
-            </a:lvl2pPr>
-            <a:lvl3pPr marL="400050" indent="182880" algn="l" defTabSz="0" rtl="0" eaLnBrk="0" fontAlgn="base" hangingPunct="0">
-              <a:spcBef>
-                <a:spcPct val="0"/>
-              </a:spcBef>
-              <a:spcAft>
-                <a:spcPct val="15000"/>
-              </a:spcAft>
-              <a:buClr>
-                <a:schemeClr val="tx2"/>
-              </a:buClr>
-              <a:buFont typeface="Arial" panose="020B0604020202020204" pitchFamily="34" charset="0"/>
-              <a:buChar char="•"/>
-              <a:defRPr kumimoji="1" sz="1600">
-                <a:solidFill>
-                  <a:schemeClr val="tx1"/>
-                </a:solidFill>
-                <a:latin typeface="微软雅黑" panose="020B0503020204020204" pitchFamily="34" charset="-122"/>
-                <a:ea typeface="微软雅黑" panose="020B0503020204020204" pitchFamily="34" charset="-122"/>
-                <a:cs typeface="微软雅黑" panose="020B0503020204020204" pitchFamily="34" charset="-122"/>
-              </a:defRPr>
-            </a:lvl3pPr>
-            <a:lvl4pPr marL="825500" indent="-241300" algn="l" defTabSz="0" rtl="0" eaLnBrk="0" fontAlgn="base" hangingPunct="0">
-              <a:spcBef>
-                <a:spcPct val="0"/>
-              </a:spcBef>
-              <a:spcAft>
-                <a:spcPct val="15000"/>
-              </a:spcAft>
-              <a:buClr>
-                <a:schemeClr val="tx2"/>
-              </a:buClr>
-              <a:buFont typeface="Arial" panose="020B0604020202020204" pitchFamily="34" charset="0"/>
-              <a:buChar char="–"/>
-              <a:defRPr kumimoji="1" sz="1600">
-                <a:solidFill>
-                  <a:schemeClr val="tx1"/>
-                </a:solidFill>
-                <a:latin typeface="微软雅黑" panose="020B0503020204020204" pitchFamily="34" charset="-122"/>
-                <a:ea typeface="微软雅黑" panose="020B0503020204020204" pitchFamily="34" charset="-122"/>
-                <a:cs typeface="微软雅黑" panose="020B0503020204020204" pitchFamily="34" charset="-122"/>
-              </a:defRPr>
-            </a:lvl4pPr>
-            <a:lvl5pPr marL="2057400" indent="-228600" algn="l" defTabSz="0" rtl="0" eaLnBrk="0" fontAlgn="base" hangingPunct="0">
-              <a:spcBef>
-                <a:spcPct val="0"/>
-              </a:spcBef>
-              <a:spcAft>
-                <a:spcPct val="25000"/>
-              </a:spcAft>
-              <a:buClr>
-                <a:schemeClr val="tx2"/>
-              </a:buClr>
-              <a:buFont typeface="Arial" panose="020B0604020202020204" pitchFamily="34" charset="0"/>
-              <a:buChar char="–"/>
-              <a:defRPr kumimoji="1" sz="2000">
-                <a:solidFill>
-                  <a:schemeClr val="tx1"/>
-                </a:solidFill>
-                <a:latin typeface="+mn-lt"/>
-                <a:ea typeface="微软雅黑" panose="020B0503020204020204" pitchFamily="34" charset="-122"/>
-                <a:cs typeface="微软雅黑" panose="020B0503020204020204" pitchFamily="34" charset="-122"/>
-              </a:defRPr>
-            </a:lvl5pPr>
-            <a:lvl6pPr marL="2514600" indent="-228600" algn="l" defTabSz="0" rtl="0" eaLnBrk="0" fontAlgn="base" hangingPunct="0">
-              <a:spcBef>
-                <a:spcPct val="0"/>
-              </a:spcBef>
-              <a:spcAft>
-                <a:spcPct val="25000"/>
-              </a:spcAft>
-              <a:buClr>
-                <a:schemeClr val="tx2"/>
-              </a:buClr>
-              <a:buFont typeface="Arial" panose="020B0604020202020204" pitchFamily="34" charset="0"/>
-              <a:buChar char="–"/>
-              <a:defRPr>
-                <a:solidFill>
-                  <a:schemeClr val="tx1"/>
-                </a:solidFill>
-                <a:latin typeface="+mn-lt"/>
-              </a:defRPr>
-            </a:lvl6pPr>
-            <a:lvl7pPr marL="2971800" indent="-228600" algn="l" defTabSz="0" rtl="0" eaLnBrk="0" fontAlgn="base" hangingPunct="0">
-              <a:spcBef>
-                <a:spcPct val="0"/>
-              </a:spcBef>
-              <a:spcAft>
-                <a:spcPct val="25000"/>
-              </a:spcAft>
-              <a:buClr>
-                <a:schemeClr val="tx2"/>
-              </a:buClr>
-              <a:buFont typeface="Arial" panose="020B0604020202020204" pitchFamily="34" charset="0"/>
-              <a:buChar char="–"/>
-              <a:defRPr>
-                <a:solidFill>
-                  <a:schemeClr val="tx1"/>
-                </a:solidFill>
-                <a:latin typeface="+mn-lt"/>
-              </a:defRPr>
-            </a:lvl7pPr>
-            <a:lvl8pPr marL="3429000" indent="-228600" algn="l" defTabSz="0" rtl="0" eaLnBrk="0" fontAlgn="base" hangingPunct="0">
-              <a:spcBef>
-                <a:spcPct val="0"/>
-              </a:spcBef>
-              <a:spcAft>
-                <a:spcPct val="25000"/>
-              </a:spcAft>
-              <a:buClr>
-                <a:schemeClr val="tx2"/>
-              </a:buClr>
-              <a:buFont typeface="Arial" panose="020B0604020202020204" pitchFamily="34" charset="0"/>
-              <a:buChar char="–"/>
-              <a:defRPr>
-                <a:solidFill>
-                  <a:schemeClr val="tx1"/>
-                </a:solidFill>
-                <a:latin typeface="+mn-lt"/>
-              </a:defRPr>
-            </a:lvl8pPr>
-            <a:lvl9pPr marL="3886200" indent="-228600" algn="l" defTabSz="0" rtl="0" eaLnBrk="0" fontAlgn="base" hangingPunct="0">
-              <a:spcBef>
-                <a:spcPct val="0"/>
-              </a:spcBef>
-              <a:spcAft>
-                <a:spcPct val="25000"/>
-              </a:spcAft>
-              <a:buClr>
-                <a:schemeClr val="tx2"/>
-              </a:buClr>
-              <a:buFont typeface="Arial" panose="020B0604020202020204" pitchFamily="34" charset="0"/>
-              <a:buChar char="–"/>
-              <a:defRPr>
-                <a:solidFill>
-                  <a:schemeClr val="tx1"/>
-                </a:solidFill>
-                <a:latin typeface="+mn-lt"/>
-              </a:defRPr>
-            </a:lvl9pPr>
-          </a:lstStyle>
-          <a:p>
-            <a:pPr>
-              <a:lnSpc>
-                <a:spcPct val="130000"/>
-              </a:lnSpc>
-            </a:pPr>
-            <a:r>
-              <a:rPr kumimoji="0" lang="zh-CN" altLang="en-US" sz="3200" dirty="0" smtClean="0">
-                <a:solidFill>
-                  <a:schemeClr val="tx1"/>
-                </a:solidFill>
-                <a:sym typeface="+mn-ea"/>
-              </a:rPr>
-              <a:t>综合实例（闭包、高阶函数、静态词法作用域、IIFE）</a:t>
-            </a:r>
-            <a:endParaRPr kumimoji="0" lang="zh-CN" altLang="en-US" sz="3200" dirty="0" smtClean="0">
-              <a:solidFill>
-                <a:schemeClr val="tx1"/>
-              </a:solidFill>
-              <a:sym typeface="+mn-ea"/>
-            </a:endParaRPr>
-          </a:p>
-          <a:p>
-            <a:pPr>
-              <a:lnSpc>
-                <a:spcPct val="130000"/>
-              </a:lnSpc>
-            </a:pPr>
-            <a:endParaRPr kumimoji="0" lang="zh-CN" altLang="en-US" sz="3200" dirty="0" smtClean="0">
-              <a:solidFill>
-                <a:schemeClr val="tx1"/>
-              </a:solidFill>
-              <a:sym typeface="+mn-ea"/>
-            </a:endParaRPr>
-          </a:p>
-          <a:p>
-            <a:pPr eaLnBrk="1" hangingPunct="1">
-              <a:lnSpc>
-                <a:spcPct val="150000"/>
-              </a:lnSpc>
-            </a:pPr>
-            <a:endParaRPr kumimoji="0" lang="en-US" altLang="zh-CN" sz="3600" dirty="0" smtClean="0">
-              <a:solidFill>
-                <a:schemeClr val="tx1"/>
-              </a:solidFill>
-            </a:endParaRPr>
-          </a:p>
-          <a:p>
-            <a:pPr eaLnBrk="1" hangingPunct="1">
-              <a:lnSpc>
-                <a:spcPct val="150000"/>
-              </a:lnSpc>
-            </a:pPr>
-            <a:endParaRPr kumimoji="0" lang="zh-CN" altLang="en-US" dirty="0" smtClean="0">
-              <a:solidFill>
-                <a:schemeClr val="tx1"/>
-              </a:solidFill>
-            </a:endParaRPr>
-          </a:p>
-        </p:txBody>
-      </p:sp>
-      <p:sp>
-        <p:nvSpPr>
-          <p:cNvPr id="6" name="文本框 5"/>
-          <p:cNvSpPr txBox="1"/>
-          <p:nvPr/>
-        </p:nvSpPr>
-        <p:spPr>
-          <a:xfrm>
-            <a:off x="6385560" y="4805680"/>
-            <a:ext cx="2897505" cy="1106805"/>
-          </a:xfrm>
-          <a:prstGeom prst="rect">
-            <a:avLst/>
-          </a:prstGeom>
-          <a:noFill/>
-        </p:spPr>
-        <p:txBody>
-          <a:bodyPr wrap="square" rtlCol="0">
-            <a:spAutoFit/>
-          </a:bodyPr>
-          <a:p>
-            <a:pPr algn="l"/>
-            <a:r>
-              <a:rPr lang="zh-CN" altLang="en-US" sz="2200">
-                <a:solidFill>
-                  <a:schemeClr val="tx1"/>
-                </a:solidFill>
-                <a:latin typeface="+mn-ea"/>
-                <a:ea typeface="+mn-ea"/>
-              </a:rPr>
-              <a:t>左侧实例输出什么</a:t>
-            </a:r>
-            <a:r>
-              <a:rPr lang="zh-CN" sz="2200">
-                <a:solidFill>
-                  <a:schemeClr val="tx1"/>
-                </a:solidFill>
-                <a:latin typeface="+mn-ea"/>
-                <a:ea typeface="+mn-ea"/>
-              </a:rPr>
-              <a:t>？</a:t>
+              <a:t>总共有几个闭包？</a:t>
             </a:r>
             <a:endParaRPr lang="zh-CN" sz="2200">
               <a:solidFill>
@@ -27358,6 +27286,9 @@
                     <p:cTn id="3" fill="hold">
                       <p:stCondLst>
                         <p:cond delay="indefinite"/>
+                        <p:cond evt="onBegin" delay="0">
+                          <p:tn val="2"/>
+                        </p:cond>
                       </p:stCondLst>
                       <p:childTnLst>
                         <p:par>
@@ -27367,7 +27298,7 @@
                             </p:stCondLst>
                             <p:childTnLst>
                               <p:par>
-                                <p:cTn id="5" presetID="2" presetClass="entr" presetSubtype="4" fill="hold" nodeType="clickEffect">
+                                <p:cTn id="5" presetID="2" presetClass="entr" presetSubtype="4" fill="hold" nodeType="afterEffect">
                                   <p:stCondLst>
                                     <p:cond delay="0"/>
                                   </p:stCondLst>
@@ -27380,7 +27311,7 @@
                                           </p:stCondLst>
                                         </p:cTn>
                                         <p:tgtEl>
-                                          <p:spTgt spid="3"/>
+                                          <p:spTgt spid="6"/>
                                         </p:tgtEl>
                                         <p:attrNameLst>
                                           <p:attrName>style.visibility</p:attrName>
@@ -27394,7 +27325,7 @@
                                       <p:cBhvr additive="base">
                                         <p:cTn id="7" dur="500" fill="hold"/>
                                         <p:tgtEl>
-                                          <p:spTgt spid="3"/>
+                                          <p:spTgt spid="6"/>
                                         </p:tgtEl>
                                         <p:attrNameLst>
                                           <p:attrName>ppt_x</p:attrName>
@@ -27417,7 +27348,7 @@
                                       <p:cBhvr additive="base">
                                         <p:cTn id="8" dur="500" fill="hold"/>
                                         <p:tgtEl>
-                                          <p:spTgt spid="3"/>
+                                          <p:spTgt spid="6"/>
                                         </p:tgtEl>
                                         <p:attrNameLst>
                                           <p:attrName>ppt_y</p:attrName>
@@ -27462,7 +27393,7 @@
                                           </p:stCondLst>
                                         </p:cTn>
                                         <p:tgtEl>
-                                          <p:spTgt spid="4"/>
+                                          <p:spTgt spid="5"/>
                                         </p:tgtEl>
                                         <p:attrNameLst>
                                           <p:attrName>style.visibility</p:attrName>
@@ -27476,7 +27407,7 @@
                                       <p:cBhvr additive="base">
                                         <p:cTn id="12" dur="500" fill="hold"/>
                                         <p:tgtEl>
-                                          <p:spTgt spid="4"/>
+                                          <p:spTgt spid="5"/>
                                         </p:tgtEl>
                                         <p:attrNameLst>
                                           <p:attrName>ppt_x</p:attrName>
@@ -27499,7 +27430,7 @@
                                       <p:cBhvr additive="base">
                                         <p:cTn id="13" dur="500" fill="hold"/>
                                         <p:tgtEl>
-                                          <p:spTgt spid="4"/>
+                                          <p:spTgt spid="5"/>
                                         </p:tgtEl>
                                         <p:attrNameLst>
                                           <p:attrName>ppt_y</p:attrName>
@@ -27544,7 +27475,7 @@
                                           </p:stCondLst>
                                         </p:cTn>
                                         <p:tgtEl>
-                                          <p:spTgt spid="6"/>
+                                          <p:spTgt spid="4"/>
                                         </p:tgtEl>
                                         <p:attrNameLst>
                                           <p:attrName>style.visibility</p:attrName>
@@ -27558,7 +27489,7 @@
                                       <p:cBhvr additive="base">
                                         <p:cTn id="17" dur="500" fill="hold"/>
                                         <p:tgtEl>
-                                          <p:spTgt spid="6"/>
+                                          <p:spTgt spid="4"/>
                                         </p:tgtEl>
                                         <p:attrNameLst>
                                           <p:attrName>ppt_x</p:attrName>
@@ -27581,7 +27512,7 @@
                                       <p:cBhvr additive="base">
                                         <p:cTn id="18" dur="500" fill="hold"/>
                                         <p:tgtEl>
-                                          <p:spTgt spid="6"/>
+                                          <p:spTgt spid="4"/>
                                         </p:tgtEl>
                                         <p:attrNameLst>
                                           <p:attrName>ppt_y</p:attrName>
@@ -27632,7 +27563,7 @@
     </p:tnLst>
     <p:bldLst>
       <p:bldP spid="4" grpId="0"/>
-      <p:bldP spid="6" grpId="0"/>
+      <p:bldP spid="5" grpId="0"/>
     </p:bldLst>
   </p:timing>
 </p:sld>
@@ -28656,6 +28587,872 @@
       </p:grpSpPr>
       <p:sp>
         <p:nvSpPr>
+          <p:cNvPr id="11266" name="内容占位符 1"/>
+          <p:cNvSpPr>
+            <a:spLocks noGrp="1"/>
+          </p:cNvSpPr>
+          <p:nvPr>
+            <p:ph sz="quarter" idx="10"/>
+          </p:nvPr>
+        </p:nvSpPr>
+        <p:spPr bwMode="auto">
+          <a:xfrm>
+            <a:off x="947420" y="868680"/>
+            <a:ext cx="10248900" cy="5207000"/>
+          </a:xfrm>
+          <a:noFill/>
+          <a:extLst>
+            <a:ext uri="{909E8E84-426E-40DD-AFC4-6F175D3DCCD1}">
+              <a14:hiddenFill xmlns:a14="http://schemas.microsoft.com/office/drawing/2010/main">
+                <a:solidFill>
+                  <a:srgbClr val="FFFFFF"/>
+                </a:solidFill>
+              </a14:hiddenFill>
+            </a:ext>
+            <a:ext uri="{91240B29-F687-4F45-9708-019B960494DF}">
+              <a14:hiddenLine xmlns:a14="http://schemas.microsoft.com/office/drawing/2010/main" w="9525">
+                <a:solidFill>
+                  <a:srgbClr val="000000"/>
+                </a:solidFill>
+                <a:miter lim="800000"/>
+                <a:headEnd/>
+                <a:tailEnd/>
+              </a14:hiddenLine>
+            </a:ext>
+          </a:extLst>
+        </p:spPr>
+        <p:txBody>
+          <a:bodyPr vert="horz" wrap="square" lIns="91440" tIns="45720" rIns="91440" bIns="45720" numCol="1" anchor="t" anchorCtr="0" compatLnSpc="1"/>
+          <a:lstStyle/>
+          <a:p>
+            <a:pPr>
+              <a:lnSpc>
+                <a:spcPct val="130000"/>
+              </a:lnSpc>
+            </a:pPr>
+            <a:endParaRPr kumimoji="0" lang="zh-CN" altLang="en-US" sz="3200" dirty="0" smtClean="0">
+              <a:solidFill>
+                <a:schemeClr val="accent3"/>
+              </a:solidFill>
+              <a:sym typeface="+mn-ea"/>
+            </a:endParaRPr>
+          </a:p>
+          <a:p>
+            <a:pPr>
+              <a:lnSpc>
+                <a:spcPct val="130000"/>
+              </a:lnSpc>
+            </a:pPr>
+            <a:endParaRPr kumimoji="0" lang="zh-CN" altLang="en-US" sz="3200" dirty="0" smtClean="0">
+              <a:solidFill>
+                <a:schemeClr val="tx1"/>
+              </a:solidFill>
+            </a:endParaRPr>
+          </a:p>
+          <a:p>
+            <a:pPr eaLnBrk="1" hangingPunct="1">
+              <a:lnSpc>
+                <a:spcPct val="150000"/>
+              </a:lnSpc>
+            </a:pPr>
+            <a:endParaRPr kumimoji="0" lang="en-US" altLang="zh-CN" sz="3600" dirty="0" smtClean="0">
+              <a:solidFill>
+                <a:schemeClr val="tx1"/>
+              </a:solidFill>
+            </a:endParaRPr>
+          </a:p>
+          <a:p>
+            <a:pPr eaLnBrk="1" hangingPunct="1">
+              <a:lnSpc>
+                <a:spcPct val="150000"/>
+              </a:lnSpc>
+            </a:pPr>
+            <a:endParaRPr kumimoji="0" lang="zh-CN" altLang="en-US" dirty="0" smtClean="0">
+              <a:solidFill>
+                <a:schemeClr val="tx1"/>
+              </a:solidFill>
+            </a:endParaRPr>
+          </a:p>
+        </p:txBody>
+      </p:sp>
+      <p:sp>
+        <p:nvSpPr>
+          <p:cNvPr id="2" name="内容占位符 1"/>
+          <p:cNvSpPr>
+            <a:spLocks noGrp="1"/>
+          </p:cNvSpPr>
+          <p:nvPr>
+            <p:ph sz="quarter" idx="11"/>
+          </p:nvPr>
+        </p:nvSpPr>
+        <p:spPr>
+          <a:xfrm>
+            <a:off x="947204" y="308698"/>
+            <a:ext cx="8191557" cy="490476"/>
+          </a:xfrm>
+        </p:spPr>
+        <p:txBody>
+          <a:bodyPr/>
+          <a:lstStyle/>
+          <a:p>
+            <a:r>
+              <a:rPr kumimoji="0" lang="zh-CN" altLang="en-US" dirty="0">
+                <a:sym typeface="+mn-ea"/>
+              </a:rPr>
+              <a:t>闭包的常见形式（函数作为参数）</a:t>
+            </a:r>
+            <a:endParaRPr kumimoji="0" lang="zh-CN" altLang="en-US" dirty="0"/>
+          </a:p>
+        </p:txBody>
+      </p:sp>
+      <p:pic>
+        <p:nvPicPr>
+          <p:cNvPr id="3" name="图片 2"/>
+          <p:cNvPicPr>
+            <a:picLocks noChangeAspect="1"/>
+          </p:cNvPicPr>
+          <p:nvPr/>
+        </p:nvPicPr>
+        <p:blipFill>
+          <a:blip r:embed="rId1"/>
+          <a:stretch>
+            <a:fillRect/>
+          </a:stretch>
+        </p:blipFill>
+        <p:spPr>
+          <a:xfrm>
+            <a:off x="999490" y="1748790"/>
+            <a:ext cx="4852035" cy="4097655"/>
+          </a:xfrm>
+          <a:prstGeom prst="rect">
+            <a:avLst/>
+          </a:prstGeom>
+        </p:spPr>
+      </p:pic>
+      <p:sp>
+        <p:nvSpPr>
+          <p:cNvPr id="4" name="文本框 3"/>
+          <p:cNvSpPr txBox="1"/>
+          <p:nvPr/>
+        </p:nvSpPr>
+        <p:spPr>
+          <a:xfrm>
+            <a:off x="6306820" y="6113780"/>
+            <a:ext cx="4890135" cy="429895"/>
+          </a:xfrm>
+          <a:prstGeom prst="rect">
+            <a:avLst/>
+          </a:prstGeom>
+          <a:noFill/>
+        </p:spPr>
+        <p:txBody>
+          <a:bodyPr wrap="square" rtlCol="0">
+            <a:spAutoFit/>
+          </a:bodyPr>
+          <a:p>
+            <a:pPr algn="l"/>
+            <a:r>
+              <a:rPr lang="zh-CN" altLang="en-US" sz="2200">
+                <a:solidFill>
+                  <a:srgbClr val="FF0000"/>
+                </a:solidFill>
+                <a:latin typeface="+mn-ea"/>
+                <a:ea typeface="+mn-ea"/>
+              </a:rPr>
+              <a:t>参见实例</a:t>
+            </a:r>
+            <a:r>
+              <a:rPr lang="en-US" altLang="zh-CN" sz="2200">
+                <a:solidFill>
+                  <a:srgbClr val="FF0000"/>
+                </a:solidFill>
+                <a:latin typeface="+mn-ea"/>
+                <a:ea typeface="+mn-ea"/>
+              </a:rPr>
+              <a:t>demo13 Part2</a:t>
+            </a:r>
+            <a:endParaRPr lang="en-US" sz="2200">
+              <a:solidFill>
+                <a:srgbClr val="FF0000"/>
+              </a:solidFill>
+              <a:latin typeface="+mn-ea"/>
+              <a:ea typeface="+mn-ea"/>
+            </a:endParaRPr>
+          </a:p>
+        </p:txBody>
+      </p:sp>
+      <p:sp>
+        <p:nvSpPr>
+          <p:cNvPr id="5" name="内容占位符 1"/>
+          <p:cNvSpPr>
+            <a:spLocks noGrp="1"/>
+          </p:cNvSpPr>
+          <p:nvPr/>
+        </p:nvSpPr>
+        <p:spPr bwMode="auto">
+          <a:xfrm>
+            <a:off x="947420" y="868680"/>
+            <a:ext cx="10880725" cy="5207000"/>
+          </a:xfrm>
+          <a:prstGeom prst="rect">
+            <a:avLst/>
+          </a:prstGeom>
+          <a:noFill/>
+          <a:extLst>
+            <a:ext uri="{909E8E84-426E-40DD-AFC4-6F175D3DCCD1}">
+              <a14:hiddenFill xmlns:a14="http://schemas.microsoft.com/office/drawing/2010/main">
+                <a:solidFill>
+                  <a:srgbClr val="FFFFFF"/>
+                </a:solidFill>
+              </a14:hiddenFill>
+            </a:ext>
+            <a:ext uri="{91240B29-F687-4F45-9708-019B960494DF}">
+              <a14:hiddenLine xmlns:a14="http://schemas.microsoft.com/office/drawing/2010/main" w="9525">
+                <a:solidFill>
+                  <a:srgbClr val="000000"/>
+                </a:solidFill>
+                <a:miter lim="800000"/>
+                <a:headEnd/>
+                <a:tailEnd/>
+              </a14:hiddenLine>
+            </a:ext>
+          </a:extLst>
+        </p:spPr>
+        <p:txBody>
+          <a:bodyPr vert="horz" wrap="square" lIns="91440" tIns="45720" rIns="91440" bIns="45720" numCol="1" anchor="t" anchorCtr="0" compatLnSpc="1"/>
+          <a:lstStyle>
+            <a:lvl1pPr marL="167005" indent="-167005" algn="l" defTabSz="0" rtl="0" eaLnBrk="0" fontAlgn="base" hangingPunct="0">
+              <a:spcBef>
+                <a:spcPct val="0"/>
+              </a:spcBef>
+              <a:spcAft>
+                <a:spcPct val="15000"/>
+              </a:spcAft>
+              <a:buClr>
+                <a:schemeClr val="tx2"/>
+              </a:buClr>
+              <a:buFont typeface="Arial" panose="020B0604020202020204" pitchFamily="34" charset="0"/>
+              <a:buChar char="•"/>
+              <a:defRPr kumimoji="1" sz="2800">
+                <a:solidFill>
+                  <a:srgbClr val="006F53"/>
+                </a:solidFill>
+                <a:latin typeface="微软雅黑" panose="020B0503020204020204" pitchFamily="34" charset="-122"/>
+                <a:ea typeface="微软雅黑" panose="020B0503020204020204" pitchFamily="34" charset="-122"/>
+                <a:cs typeface="微软雅黑" panose="020B0503020204020204" pitchFamily="34" charset="-122"/>
+              </a:defRPr>
+            </a:lvl1pPr>
+            <a:lvl2pPr marL="398780" indent="-230505" algn="l" defTabSz="0" rtl="0" eaLnBrk="0" fontAlgn="base" hangingPunct="0">
+              <a:spcBef>
+                <a:spcPct val="0"/>
+              </a:spcBef>
+              <a:spcAft>
+                <a:spcPct val="15000"/>
+              </a:spcAft>
+              <a:buClr>
+                <a:schemeClr val="tx2"/>
+              </a:buClr>
+              <a:buFont typeface="Arial" panose="020B0604020202020204" pitchFamily="34" charset="0"/>
+              <a:buChar char="–"/>
+              <a:defRPr kumimoji="1" sz="2000">
+                <a:solidFill>
+                  <a:schemeClr val="tx1"/>
+                </a:solidFill>
+                <a:latin typeface="微软雅黑" panose="020B0503020204020204" pitchFamily="34" charset="-122"/>
+                <a:ea typeface="微软雅黑" panose="020B0503020204020204" pitchFamily="34" charset="-122"/>
+                <a:cs typeface="微软雅黑" panose="020B0503020204020204" pitchFamily="34" charset="-122"/>
+              </a:defRPr>
+            </a:lvl2pPr>
+            <a:lvl3pPr marL="400050" indent="182880" algn="l" defTabSz="0" rtl="0" eaLnBrk="0" fontAlgn="base" hangingPunct="0">
+              <a:spcBef>
+                <a:spcPct val="0"/>
+              </a:spcBef>
+              <a:spcAft>
+                <a:spcPct val="15000"/>
+              </a:spcAft>
+              <a:buClr>
+                <a:schemeClr val="tx2"/>
+              </a:buClr>
+              <a:buFont typeface="Arial" panose="020B0604020202020204" pitchFamily="34" charset="0"/>
+              <a:buChar char="•"/>
+              <a:defRPr kumimoji="1" sz="1600">
+                <a:solidFill>
+                  <a:schemeClr val="tx1"/>
+                </a:solidFill>
+                <a:latin typeface="微软雅黑" panose="020B0503020204020204" pitchFamily="34" charset="-122"/>
+                <a:ea typeface="微软雅黑" panose="020B0503020204020204" pitchFamily="34" charset="-122"/>
+                <a:cs typeface="微软雅黑" panose="020B0503020204020204" pitchFamily="34" charset="-122"/>
+              </a:defRPr>
+            </a:lvl3pPr>
+            <a:lvl4pPr marL="825500" indent="-241300" algn="l" defTabSz="0" rtl="0" eaLnBrk="0" fontAlgn="base" hangingPunct="0">
+              <a:spcBef>
+                <a:spcPct val="0"/>
+              </a:spcBef>
+              <a:spcAft>
+                <a:spcPct val="15000"/>
+              </a:spcAft>
+              <a:buClr>
+                <a:schemeClr val="tx2"/>
+              </a:buClr>
+              <a:buFont typeface="Arial" panose="020B0604020202020204" pitchFamily="34" charset="0"/>
+              <a:buChar char="–"/>
+              <a:defRPr kumimoji="1" sz="1600">
+                <a:solidFill>
+                  <a:schemeClr val="tx1"/>
+                </a:solidFill>
+                <a:latin typeface="微软雅黑" panose="020B0503020204020204" pitchFamily="34" charset="-122"/>
+                <a:ea typeface="微软雅黑" panose="020B0503020204020204" pitchFamily="34" charset="-122"/>
+                <a:cs typeface="微软雅黑" panose="020B0503020204020204" pitchFamily="34" charset="-122"/>
+              </a:defRPr>
+            </a:lvl4pPr>
+            <a:lvl5pPr marL="2057400" indent="-228600" algn="l" defTabSz="0" rtl="0" eaLnBrk="0" fontAlgn="base" hangingPunct="0">
+              <a:spcBef>
+                <a:spcPct val="0"/>
+              </a:spcBef>
+              <a:spcAft>
+                <a:spcPct val="25000"/>
+              </a:spcAft>
+              <a:buClr>
+                <a:schemeClr val="tx2"/>
+              </a:buClr>
+              <a:buFont typeface="Arial" panose="020B0604020202020204" pitchFamily="34" charset="0"/>
+              <a:buChar char="–"/>
+              <a:defRPr kumimoji="1" sz="2000">
+                <a:solidFill>
+                  <a:schemeClr val="tx1"/>
+                </a:solidFill>
+                <a:latin typeface="+mn-lt"/>
+                <a:ea typeface="微软雅黑" panose="020B0503020204020204" pitchFamily="34" charset="-122"/>
+                <a:cs typeface="微软雅黑" panose="020B0503020204020204" pitchFamily="34" charset="-122"/>
+              </a:defRPr>
+            </a:lvl5pPr>
+            <a:lvl6pPr marL="2514600" indent="-228600" algn="l" defTabSz="0" rtl="0" eaLnBrk="0" fontAlgn="base" hangingPunct="0">
+              <a:spcBef>
+                <a:spcPct val="0"/>
+              </a:spcBef>
+              <a:spcAft>
+                <a:spcPct val="25000"/>
+              </a:spcAft>
+              <a:buClr>
+                <a:schemeClr val="tx2"/>
+              </a:buClr>
+              <a:buFont typeface="Arial" panose="020B0604020202020204" pitchFamily="34" charset="0"/>
+              <a:buChar char="–"/>
+              <a:defRPr>
+                <a:solidFill>
+                  <a:schemeClr val="tx1"/>
+                </a:solidFill>
+                <a:latin typeface="+mn-lt"/>
+              </a:defRPr>
+            </a:lvl6pPr>
+            <a:lvl7pPr marL="2971800" indent="-228600" algn="l" defTabSz="0" rtl="0" eaLnBrk="0" fontAlgn="base" hangingPunct="0">
+              <a:spcBef>
+                <a:spcPct val="0"/>
+              </a:spcBef>
+              <a:spcAft>
+                <a:spcPct val="25000"/>
+              </a:spcAft>
+              <a:buClr>
+                <a:schemeClr val="tx2"/>
+              </a:buClr>
+              <a:buFont typeface="Arial" panose="020B0604020202020204" pitchFamily="34" charset="0"/>
+              <a:buChar char="–"/>
+              <a:defRPr>
+                <a:solidFill>
+                  <a:schemeClr val="tx1"/>
+                </a:solidFill>
+                <a:latin typeface="+mn-lt"/>
+              </a:defRPr>
+            </a:lvl7pPr>
+            <a:lvl8pPr marL="3429000" indent="-228600" algn="l" defTabSz="0" rtl="0" eaLnBrk="0" fontAlgn="base" hangingPunct="0">
+              <a:spcBef>
+                <a:spcPct val="0"/>
+              </a:spcBef>
+              <a:spcAft>
+                <a:spcPct val="25000"/>
+              </a:spcAft>
+              <a:buClr>
+                <a:schemeClr val="tx2"/>
+              </a:buClr>
+              <a:buFont typeface="Arial" panose="020B0604020202020204" pitchFamily="34" charset="0"/>
+              <a:buChar char="–"/>
+              <a:defRPr>
+                <a:solidFill>
+                  <a:schemeClr val="tx1"/>
+                </a:solidFill>
+                <a:latin typeface="+mn-lt"/>
+              </a:defRPr>
+            </a:lvl8pPr>
+            <a:lvl9pPr marL="3886200" indent="-228600" algn="l" defTabSz="0" rtl="0" eaLnBrk="0" fontAlgn="base" hangingPunct="0">
+              <a:spcBef>
+                <a:spcPct val="0"/>
+              </a:spcBef>
+              <a:spcAft>
+                <a:spcPct val="25000"/>
+              </a:spcAft>
+              <a:buClr>
+                <a:schemeClr val="tx2"/>
+              </a:buClr>
+              <a:buFont typeface="Arial" panose="020B0604020202020204" pitchFamily="34" charset="0"/>
+              <a:buChar char="–"/>
+              <a:defRPr>
+                <a:solidFill>
+                  <a:schemeClr val="tx1"/>
+                </a:solidFill>
+                <a:latin typeface="+mn-lt"/>
+              </a:defRPr>
+            </a:lvl9pPr>
+          </a:lstStyle>
+          <a:p>
+            <a:pPr>
+              <a:lnSpc>
+                <a:spcPct val="130000"/>
+              </a:lnSpc>
+            </a:pPr>
+            <a:r>
+              <a:rPr kumimoji="0" lang="zh-CN" altLang="en-US" sz="3200" dirty="0" smtClean="0">
+                <a:solidFill>
+                  <a:schemeClr val="tx1"/>
+                </a:solidFill>
+                <a:sym typeface="+mn-ea"/>
+              </a:rPr>
+              <a:t>综合实例（闭包、高阶函数、静态词法作用域、IIFE）</a:t>
+            </a:r>
+            <a:endParaRPr kumimoji="0" lang="zh-CN" altLang="en-US" sz="3200" dirty="0" smtClean="0">
+              <a:solidFill>
+                <a:schemeClr val="tx1"/>
+              </a:solidFill>
+              <a:sym typeface="+mn-ea"/>
+            </a:endParaRPr>
+          </a:p>
+          <a:p>
+            <a:pPr>
+              <a:lnSpc>
+                <a:spcPct val="130000"/>
+              </a:lnSpc>
+            </a:pPr>
+            <a:endParaRPr kumimoji="0" lang="zh-CN" altLang="en-US" sz="3200" dirty="0" smtClean="0">
+              <a:solidFill>
+                <a:schemeClr val="tx1"/>
+              </a:solidFill>
+              <a:sym typeface="+mn-ea"/>
+            </a:endParaRPr>
+          </a:p>
+          <a:p>
+            <a:pPr eaLnBrk="1" hangingPunct="1">
+              <a:lnSpc>
+                <a:spcPct val="150000"/>
+              </a:lnSpc>
+            </a:pPr>
+            <a:endParaRPr kumimoji="0" lang="en-US" altLang="zh-CN" sz="3600" dirty="0" smtClean="0">
+              <a:solidFill>
+                <a:schemeClr val="tx1"/>
+              </a:solidFill>
+            </a:endParaRPr>
+          </a:p>
+          <a:p>
+            <a:pPr eaLnBrk="1" hangingPunct="1">
+              <a:lnSpc>
+                <a:spcPct val="150000"/>
+              </a:lnSpc>
+            </a:pPr>
+            <a:endParaRPr kumimoji="0" lang="zh-CN" altLang="en-US" dirty="0" smtClean="0">
+              <a:solidFill>
+                <a:schemeClr val="tx1"/>
+              </a:solidFill>
+            </a:endParaRPr>
+          </a:p>
+        </p:txBody>
+      </p:sp>
+      <p:sp>
+        <p:nvSpPr>
+          <p:cNvPr id="6" name="文本框 5"/>
+          <p:cNvSpPr txBox="1"/>
+          <p:nvPr/>
+        </p:nvSpPr>
+        <p:spPr>
+          <a:xfrm>
+            <a:off x="6385560" y="4805680"/>
+            <a:ext cx="2897505" cy="1106805"/>
+          </a:xfrm>
+          <a:prstGeom prst="rect">
+            <a:avLst/>
+          </a:prstGeom>
+          <a:noFill/>
+        </p:spPr>
+        <p:txBody>
+          <a:bodyPr wrap="square" rtlCol="0">
+            <a:spAutoFit/>
+          </a:bodyPr>
+          <a:p>
+            <a:pPr algn="l"/>
+            <a:r>
+              <a:rPr lang="zh-CN" altLang="en-US" sz="2200">
+                <a:solidFill>
+                  <a:schemeClr val="tx1"/>
+                </a:solidFill>
+                <a:latin typeface="+mn-ea"/>
+                <a:ea typeface="+mn-ea"/>
+              </a:rPr>
+              <a:t>左侧实例输出什么</a:t>
+            </a:r>
+            <a:r>
+              <a:rPr lang="zh-CN" sz="2200">
+                <a:solidFill>
+                  <a:schemeClr val="tx1"/>
+                </a:solidFill>
+                <a:latin typeface="+mn-ea"/>
+                <a:ea typeface="+mn-ea"/>
+              </a:rPr>
+              <a:t>？</a:t>
+            </a:r>
+            <a:endParaRPr lang="zh-CN" sz="2200">
+              <a:solidFill>
+                <a:schemeClr val="tx1"/>
+              </a:solidFill>
+              <a:latin typeface="+mn-ea"/>
+              <a:ea typeface="+mn-ea"/>
+            </a:endParaRPr>
+          </a:p>
+          <a:p>
+            <a:pPr algn="l"/>
+            <a:r>
+              <a:rPr lang="zh-CN" altLang="en-US" sz="2200">
+                <a:solidFill>
+                  <a:srgbClr val="FF0000"/>
+                </a:solidFill>
+                <a:latin typeface="+mn-ea"/>
+                <a:ea typeface="+mn-ea"/>
+                <a:sym typeface="+mn-ea"/>
+              </a:rPr>
+              <a:t>使用断点调试查看代码的运行状况</a:t>
+            </a:r>
+            <a:endParaRPr lang="zh-CN" sz="2200">
+              <a:solidFill>
+                <a:schemeClr val="tx1"/>
+              </a:solidFill>
+              <a:latin typeface="+mn-ea"/>
+              <a:ea typeface="+mn-ea"/>
+            </a:endParaRPr>
+          </a:p>
+        </p:txBody>
+      </p:sp>
+    </p:spTree>
+  </p:cSld>
+  <p:clrMapOvr>
+    <a:masterClrMapping/>
+  </p:clrMapOvr>
+  <p:timing>
+    <p:tnLst>
+      <p:par>
+        <p:cTn id="1" dur="indefinite" restart="never" nodeType="tmRoot">
+          <p:childTnLst>
+            <p:seq concurrent="1" nextAc="seek">
+              <p:cTn id="2" dur="indefinite" nodeType="mainSeq">
+                <p:childTnLst>
+                  <p:par>
+                    <p:cTn id="3" fill="hold">
+                      <p:stCondLst>
+                        <p:cond delay="indefinite"/>
+                      </p:stCondLst>
+                      <p:childTnLst>
+                        <p:par>
+                          <p:cTn id="4" fill="hold">
+                            <p:stCondLst>
+                              <p:cond delay="0"/>
+                            </p:stCondLst>
+                            <p:childTnLst>
+                              <p:par>
+                                <p:cTn id="5" presetID="2" presetClass="entr" presetSubtype="4" fill="hold" nodeType="clickEffect">
+                                  <p:stCondLst>
+                                    <p:cond delay="0"/>
+                                  </p:stCondLst>
+                                  <p:childTnLst>
+                                    <p:set>
+                                      <p:cBhvr>
+                                        <p:cTn id="6" dur="1" fill="hold">
+                                          <p:stCondLst>
+                                            <p:cond delay="0"/>
+                                          </p:stCondLst>
+                                        </p:cTn>
+                                        <p:tgtEl>
+                                          <p:spTgt spid="3"/>
+                                        </p:tgtEl>
+                                        <p:attrNameLst>
+                                          <p:attrName>style.visibility</p:attrName>
+                                        </p:attrNameLst>
+                                      </p:cBhvr>
+                                      <p:to>
+                                        <p:strVal val="visible"/>
+                                      </p:to>
+                                    </p:set>
+                                    <p:anim calcmode="lin" valueType="num">
+                                      <p:cBhvr additive="base">
+                                        <p:cTn id="7" dur="500" fill="hold"/>
+                                        <p:tgtEl>
+                                          <p:spTgt spid="3"/>
+                                        </p:tgtEl>
+                                        <p:attrNameLst>
+                                          <p:attrName>ppt_x</p:attrName>
+                                        </p:attrNameLst>
+                                      </p:cBhvr>
+                                      <p:tavLst>
+                                        <p:tav tm="0">
+                                          <p:val>
+                                            <p:strVal val="#ppt_x"/>
+                                          </p:val>
+                                        </p:tav>
+                                        <p:tav tm="100000">
+                                          <p:val>
+                                            <p:strVal val="#ppt_x"/>
+                                          </p:val>
+                                        </p:tav>
+                                      </p:tavLst>
+                                    </p:anim>
+                                    <p:anim calcmode="lin" valueType="num">
+                                      <p:cBhvr additive="base">
+                                        <p:cTn id="8" dur="500" fill="hold"/>
+                                        <p:tgtEl>
+                                          <p:spTgt spid="3"/>
+                                        </p:tgtEl>
+                                        <p:attrNameLst>
+                                          <p:attrName>ppt_y</p:attrName>
+                                        </p:attrNameLst>
+                                      </p:cBhvr>
+                                      <p:tavLst>
+                                        <p:tav tm="0">
+                                          <p:val>
+                                            <p:strVal val="1+#ppt_h/2"/>
+                                          </p:val>
+                                        </p:tav>
+                                        <p:tav tm="100000">
+                                          <p:val>
+                                            <p:strVal val="#ppt_y"/>
+                                          </p:val>
+                                        </p:tav>
+                                      </p:tavLst>
+                                    </p:anim>
+                                  </p:childTnLst>
+                                </p:cTn>
+                              </p:par>
+                            </p:childTnLst>
+                          </p:cTn>
+                        </p:par>
+                        <p:par>
+                          <p:cTn id="9" fill="hold">
+                            <p:stCondLst>
+                              <p:cond delay="500"/>
+                            </p:stCondLst>
+                            <p:childTnLst>
+                              <p:par>
+                                <p:cTn id="10" presetID="2" presetClass="entr" presetSubtype="4" fill="hold" grpId="0" nodeType="afterEffect">
+                                  <p:stCondLst>
+                                    <p:cond delay="0"/>
+                                  </p:stCondLst>
+                                  <p:childTnLst>
+                                    <p:set>
+                                      <p:cBhvr>
+                                        <p:cTn id="11" dur="1" fill="hold">
+                                          <p:stCondLst>
+                                            <p:cond delay="0"/>
+                                          </p:stCondLst>
+                                        </p:cTn>
+                                        <p:tgtEl>
+                                          <p:spTgt spid="4"/>
+                                        </p:tgtEl>
+                                        <p:attrNameLst>
+                                          <p:attrName>style.visibility</p:attrName>
+                                        </p:attrNameLst>
+                                      </p:cBhvr>
+                                      <p:to>
+                                        <p:strVal val="visible"/>
+                                      </p:to>
+                                    </p:set>
+                                    <p:anim calcmode="lin" valueType="num">
+                                      <p:cBhvr additive="base">
+                                        <p:cTn id="12" dur="500" fill="hold"/>
+                                        <p:tgtEl>
+                                          <p:spTgt spid="4"/>
+                                        </p:tgtEl>
+                                        <p:attrNameLst>
+                                          <p:attrName>ppt_x</p:attrName>
+                                        </p:attrNameLst>
+                                      </p:cBhvr>
+                                      <p:tavLst>
+                                        <p:tav tm="0">
+                                          <p:val>
+                                            <p:strVal val="#ppt_x"/>
+                                          </p:val>
+                                        </p:tav>
+                                        <p:tav tm="100000">
+                                          <p:val>
+                                            <p:strVal val="#ppt_x"/>
+                                          </p:val>
+                                        </p:tav>
+                                      </p:tavLst>
+                                    </p:anim>
+                                    <p:anim calcmode="lin" valueType="num">
+                                      <p:cBhvr additive="base">
+                                        <p:cTn id="13" dur="500" fill="hold"/>
+                                        <p:tgtEl>
+                                          <p:spTgt spid="4"/>
+                                        </p:tgtEl>
+                                        <p:attrNameLst>
+                                          <p:attrName>ppt_y</p:attrName>
+                                        </p:attrNameLst>
+                                      </p:cBhvr>
+                                      <p:tavLst>
+                                        <p:tav tm="0">
+                                          <p:val>
+                                            <p:strVal val="1+#ppt_h/2"/>
+                                          </p:val>
+                                        </p:tav>
+                                        <p:tav tm="100000">
+                                          <p:val>
+                                            <p:strVal val="#ppt_y"/>
+                                          </p:val>
+                                        </p:tav>
+                                      </p:tavLst>
+                                    </p:anim>
+                                  </p:childTnLst>
+                                </p:cTn>
+                              </p:par>
+                            </p:childTnLst>
+                          </p:cTn>
+                        </p:par>
+                        <p:par>
+                          <p:cTn id="14" fill="hold">
+                            <p:stCondLst>
+                              <p:cond delay="1000"/>
+                            </p:stCondLst>
+                            <p:childTnLst>
+                              <p:par>
+                                <p:cTn id="15" presetID="2" presetClass="entr" presetSubtype="4" fill="hold" grpId="0" nodeType="afterEffect">
+                                  <p:stCondLst>
+                                    <p:cond delay="0"/>
+                                  </p:stCondLst>
+                                  <p:childTnLst>
+                                    <p:set>
+                                      <p:cBhvr>
+                                        <p:cTn id="16" dur="1" fill="hold">
+                                          <p:stCondLst>
+                                            <p:cond delay="0"/>
+                                          </p:stCondLst>
+                                        </p:cTn>
+                                        <p:tgtEl>
+                                          <p:spTgt spid="6"/>
+                                        </p:tgtEl>
+                                        <p:attrNameLst>
+                                          <p:attrName>style.visibility</p:attrName>
+                                        </p:attrNameLst>
+                                      </p:cBhvr>
+                                      <p:to>
+                                        <p:strVal val="visible"/>
+                                      </p:to>
+                                    </p:set>
+                                    <p:anim calcmode="lin" valueType="num">
+                                      <p:cBhvr additive="base">
+                                        <p:cTn id="17" dur="500" fill="hold"/>
+                                        <p:tgtEl>
+                                          <p:spTgt spid="6"/>
+                                        </p:tgtEl>
+                                        <p:attrNameLst>
+                                          <p:attrName>ppt_x</p:attrName>
+                                        </p:attrNameLst>
+                                      </p:cBhvr>
+                                      <p:tavLst>
+                                        <p:tav tm="0">
+                                          <p:val>
+                                            <p:strVal val="#ppt_x"/>
+                                          </p:val>
+                                        </p:tav>
+                                        <p:tav tm="100000">
+                                          <p:val>
+                                            <p:strVal val="#ppt_x"/>
+                                          </p:val>
+                                        </p:tav>
+                                      </p:tavLst>
+                                    </p:anim>
+                                    <p:anim calcmode="lin" valueType="num">
+                                      <p:cBhvr additive="base">
+                                        <p:cTn id="18" dur="500" fill="hold"/>
+                                        <p:tgtEl>
+                                          <p:spTgt spid="6"/>
+                                        </p:tgtEl>
+                                        <p:attrNameLst>
+                                          <p:attrName>ppt_y</p:attrName>
+                                        </p:attrNameLst>
+                                      </p:cBhvr>
+                                      <p:tavLst>
+                                        <p:tav tm="0">
+                                          <p:val>
+                                            <p:strVal val="1+#ppt_h/2"/>
+                                          </p:val>
+                                        </p:tav>
+                                        <p:tav tm="100000">
+                                          <p:val>
+                                            <p:strVal val="#ppt_y"/>
+                                          </p:val>
+                                        </p:tav>
+                                      </p:tavLst>
+                                    </p:anim>
+                                  </p:childTnLst>
+                                </p:cTn>
+                              </p:par>
+                            </p:childTnLst>
+                          </p:cTn>
+                        </p:par>
+                      </p:childTnLst>
+                    </p:cTn>
+                  </p:par>
+                </p:childTnLst>
+              </p:cTn>
+              <p:prevCondLst>
+                <p:cond evt="onPrev" delay="0">
+                  <p:tgtEl>
+                    <p:sldTgt/>
+                  </p:tgtEl>
+                </p:cond>
+              </p:prevCondLst>
+              <p:nextCondLst>
+                <p:cond evt="onNext" delay="0">
+                  <p:tgtEl>
+                    <p:sldTgt/>
+                  </p:tgtEl>
+                </p:cond>
+              </p:nextCondLst>
+            </p:seq>
+          </p:childTnLst>
+        </p:cTn>
+      </p:par>
+    </p:tnLst>
+    <p:bldLst>
+      <p:bldP spid="4" grpId="0"/>
+      <p:bldP spid="6" grpId="0"/>
+    </p:bldLst>
+  </p:timing>
+</p:sld>
+</file>
+
+<file path=ppt/slides/slide41.xml><?xml version="1.0" encoding="utf-8"?>
+<p:sld xmlns:a="http://schemas.openxmlformats.org/drawingml/2006/main" xmlns:r="http://schemas.openxmlformats.org/officeDocument/2006/relationships" xmlns:p="http://schemas.openxmlformats.org/presentationml/2006/main">
+  <p:cSld>
+    <p:spTree>
+      <p:nvGrpSpPr>
+        <p:cNvPr id="1" name=""/>
+        <p:cNvGrpSpPr/>
+        <p:nvPr/>
+      </p:nvGrpSpPr>
+      <p:grpSpPr>
+        <a:xfrm>
+          <a:off x="0" y="0"/>
+          <a:ext cx="0" cy="0"/>
+          <a:chOff x="0" y="0"/>
+          <a:chExt cx="0" cy="0"/>
+        </a:xfrm>
+      </p:grpSpPr>
+      <p:sp>
+        <p:nvSpPr>
           <p:cNvPr id="5123" name="AutoShape 6"/>
           <p:cNvSpPr>
             <a:spLocks noChangeArrowheads="1"/>
@@ -29135,7 +29932,7 @@
 </p:sld>
 </file>
 
-<file path=ppt/slides/slide41.xml><?xml version="1.0" encoding="utf-8"?>
+<file path=ppt/slides/slide42.xml><?xml version="1.0" encoding="utf-8"?>
 <p:sld xmlns:a="http://schemas.openxmlformats.org/drawingml/2006/main" xmlns:r="http://schemas.openxmlformats.org/officeDocument/2006/relationships" xmlns:p="http://schemas.openxmlformats.org/presentationml/2006/main">
   <p:cSld>
     <p:spTree>
@@ -30042,7 +30839,7 @@
 </p:sld>
 </file>
 
-<file path=ppt/slides/slide42.xml><?xml version="1.0" encoding="utf-8"?>
+<file path=ppt/slides/slide43.xml><?xml version="1.0" encoding="utf-8"?>
 <p:sld xmlns:a="http://schemas.openxmlformats.org/drawingml/2006/main" xmlns:r="http://schemas.openxmlformats.org/officeDocument/2006/relationships" xmlns:p="http://schemas.openxmlformats.org/presentationml/2006/main">
   <p:cSld>
     <p:spTree>
@@ -30903,7 +31700,7 @@
 </p:sld>
 </file>
 
-<file path=ppt/slides/slide43.xml><?xml version="1.0" encoding="utf-8"?>
+<file path=ppt/slides/slide44.xml><?xml version="1.0" encoding="utf-8"?>
 <p:sld xmlns:a="http://schemas.openxmlformats.org/drawingml/2006/main" xmlns:r="http://schemas.openxmlformats.org/officeDocument/2006/relationships" xmlns:p="http://schemas.openxmlformats.org/presentationml/2006/main">
   <p:cSld>
     <p:spTree>
@@ -31262,7 +32059,7 @@
 </p:sld>
 </file>
 
-<file path=ppt/slides/slide44.xml><?xml version="1.0" encoding="utf-8"?>
+<file path=ppt/slides/slide45.xml><?xml version="1.0" encoding="utf-8"?>
 <p:sld xmlns:a="http://schemas.openxmlformats.org/drawingml/2006/main" xmlns:r="http://schemas.openxmlformats.org/officeDocument/2006/relationships" xmlns:p="http://schemas.openxmlformats.org/presentationml/2006/main">
   <p:cSld>
     <p:spTree>
@@ -31466,7 +32263,7 @@
 </p:sld>
 </file>
 
-<file path=ppt/slides/slide45.xml><?xml version="1.0" encoding="utf-8"?>
+<file path=ppt/slides/slide46.xml><?xml version="1.0" encoding="utf-8"?>
 <p:sld xmlns:a="http://schemas.openxmlformats.org/drawingml/2006/main" xmlns:r="http://schemas.openxmlformats.org/officeDocument/2006/relationships" xmlns:p="http://schemas.openxmlformats.org/presentationml/2006/main">
   <p:cSld>
     <p:spTree>
@@ -32465,6 +33262,591 @@
 </file>
 
 <file path=ppt/slides/slide6.xml><?xml version="1.0" encoding="utf-8"?>
+<p:sld xmlns:a="http://schemas.openxmlformats.org/drawingml/2006/main" xmlns:r="http://schemas.openxmlformats.org/officeDocument/2006/relationships" xmlns:p="http://schemas.openxmlformats.org/presentationml/2006/main">
+  <p:cSld>
+    <p:spTree>
+      <p:nvGrpSpPr>
+        <p:cNvPr id="1" name=""/>
+        <p:cNvGrpSpPr/>
+        <p:nvPr/>
+      </p:nvGrpSpPr>
+      <p:grpSpPr>
+        <a:xfrm>
+          <a:off x="0" y="0"/>
+          <a:ext cx="0" cy="0"/>
+          <a:chOff x="0" y="0"/>
+          <a:chExt cx="0" cy="0"/>
+        </a:xfrm>
+      </p:grpSpPr>
+      <p:sp>
+        <p:nvSpPr>
+          <p:cNvPr id="11266" name="内容占位符 1"/>
+          <p:cNvSpPr>
+            <a:spLocks noGrp="1"/>
+          </p:cNvSpPr>
+          <p:nvPr>
+            <p:ph sz="quarter" idx="10"/>
+          </p:nvPr>
+        </p:nvSpPr>
+        <p:spPr bwMode="auto">
+          <a:xfrm>
+            <a:off x="947420" y="796925"/>
+            <a:ext cx="9939020" cy="5115560"/>
+          </a:xfrm>
+          <a:noFill/>
+          <a:extLst>
+            <a:ext uri="{909E8E84-426E-40DD-AFC4-6F175D3DCCD1}">
+              <a14:hiddenFill xmlns:a14="http://schemas.microsoft.com/office/drawing/2010/main">
+                <a:solidFill>
+                  <a:srgbClr val="FFFFFF"/>
+                </a:solidFill>
+              </a14:hiddenFill>
+            </a:ext>
+            <a:ext uri="{91240B29-F687-4F45-9708-019B960494DF}">
+              <a14:hiddenLine xmlns:a14="http://schemas.microsoft.com/office/drawing/2010/main" w="9525">
+                <a:solidFill>
+                  <a:srgbClr val="000000"/>
+                </a:solidFill>
+                <a:miter lim="800000"/>
+                <a:headEnd/>
+                <a:tailEnd/>
+              </a14:hiddenLine>
+            </a:ext>
+          </a:extLst>
+        </p:spPr>
+        <p:txBody>
+          <a:bodyPr vert="horz" wrap="square" lIns="91440" tIns="45720" rIns="91440" bIns="45720" numCol="1" anchor="t" anchorCtr="0" compatLnSpc="1"/>
+          <a:lstStyle/>
+          <a:p>
+            <a:pPr>
+              <a:lnSpc>
+                <a:spcPct val="130000"/>
+              </a:lnSpc>
+            </a:pPr>
+            <a:r>
+              <a:rPr kumimoji="0" lang="en-US" altLang="zh-CN" sz="3200" dirty="0" smtClean="0">
+                <a:solidFill>
+                  <a:schemeClr val="tx1"/>
+                </a:solidFill>
+              </a:rPr>
+              <a:t>JS</a:t>
+            </a:r>
+            <a:r>
+              <a:rPr kumimoji="0" lang="zh-CN" sz="3200" dirty="0" smtClean="0">
+                <a:solidFill>
+                  <a:schemeClr val="tx1"/>
+                </a:solidFill>
+              </a:rPr>
+              <a:t>作用域特点（静态词法作用域</a:t>
+            </a:r>
+            <a:r>
+              <a:rPr kumimoji="0" lang="zh-CN" sz="3200" dirty="0" smtClean="0">
+                <a:solidFill>
+                  <a:schemeClr val="accent3"/>
+                </a:solidFill>
+              </a:rPr>
+              <a:t>补充部分</a:t>
+            </a:r>
+            <a:r>
+              <a:rPr kumimoji="0" lang="zh-CN" sz="3200" dirty="0" smtClean="0">
+                <a:solidFill>
+                  <a:schemeClr val="tx1"/>
+                </a:solidFill>
+              </a:rPr>
+              <a:t>）</a:t>
+            </a:r>
+            <a:br>
+              <a:rPr kumimoji="0" lang="zh-CN" altLang="en-US" sz="2000" dirty="0" smtClean="0">
+                <a:solidFill>
+                  <a:schemeClr val="tx1"/>
+                </a:solidFill>
+              </a:rPr>
+            </a:br>
+            <a:r>
+              <a:rPr kumimoji="0" lang="en-US" altLang="zh-CN" sz="2000" dirty="0" smtClean="0">
+                <a:solidFill>
+                  <a:schemeClr val="tx1"/>
+                </a:solidFill>
+              </a:rPr>
+              <a:t>- </a:t>
+            </a:r>
+            <a:r>
+              <a:rPr kumimoji="0" lang="zh-CN" sz="2000" dirty="0" smtClean="0">
+                <a:solidFill>
+                  <a:schemeClr val="accent3"/>
+                </a:solidFill>
+              </a:rPr>
+              <a:t>通过</a:t>
+            </a:r>
+            <a:r>
+              <a:rPr kumimoji="0" lang="en-US" altLang="zh-CN" sz="2000" dirty="0" smtClean="0">
+                <a:solidFill>
+                  <a:schemeClr val="accent3"/>
+                </a:solidFill>
+              </a:rPr>
+              <a:t>new Function</a:t>
+            </a:r>
+            <a:r>
+              <a:rPr kumimoji="0" lang="zh-CN" altLang="en-US" sz="2000" dirty="0" smtClean="0">
+                <a:solidFill>
+                  <a:schemeClr val="accent3"/>
+                </a:solidFill>
+              </a:rPr>
+              <a:t>创建的函数对象</a:t>
+            </a:r>
+            <a:r>
+              <a:rPr kumimoji="0" lang="zh-CN" altLang="en-US" sz="2000" dirty="0" smtClean="0">
+                <a:solidFill>
+                  <a:schemeClr val="tx1"/>
+                </a:solidFill>
+              </a:rPr>
+              <a:t>不一定遵从静态词法作用域</a:t>
+            </a:r>
+            <a:br>
+              <a:rPr kumimoji="0" lang="zh-CN" altLang="en-US" sz="2000" dirty="0" smtClean="0">
+                <a:solidFill>
+                  <a:schemeClr val="tx1"/>
+                </a:solidFill>
+              </a:rPr>
+            </a:br>
+            <a:r>
+              <a:rPr kumimoji="0" lang="en-US" altLang="zh-CN" sz="2000" dirty="0" smtClean="0">
+                <a:solidFill>
+                  <a:schemeClr val="tx1"/>
+                </a:solidFill>
+              </a:rPr>
+              <a:t>- </a:t>
+            </a:r>
+            <a:r>
+              <a:rPr kumimoji="0" lang="zh-CN" altLang="en-US" sz="2000" dirty="0" smtClean="0">
+                <a:solidFill>
+                  <a:schemeClr val="tx1"/>
+                </a:solidFill>
+              </a:rPr>
+              <a:t>对比下边两个例子（通过不同形式定义的函数对象，访问到的</a:t>
+            </a:r>
+            <a:r>
+              <a:rPr kumimoji="0" lang="en-US" altLang="zh-CN" sz="2000" dirty="0" smtClean="0">
+                <a:solidFill>
+                  <a:schemeClr val="tx1"/>
+                </a:solidFill>
+              </a:rPr>
+              <a:t>scope</a:t>
+            </a:r>
+            <a:r>
+              <a:rPr kumimoji="0" lang="zh-CN" altLang="en-US" sz="2000" dirty="0" smtClean="0">
+                <a:solidFill>
+                  <a:schemeClr val="tx1"/>
+                </a:solidFill>
+              </a:rPr>
+              <a:t>的区别）</a:t>
+            </a:r>
+            <a:br>
+              <a:rPr kumimoji="0" lang="zh-CN" altLang="en-US" sz="2000" dirty="0" smtClean="0">
+                <a:solidFill>
+                  <a:schemeClr val="tx1"/>
+                </a:solidFill>
+              </a:rPr>
+            </a:br>
+            <a:endParaRPr kumimoji="0" lang="zh-CN" altLang="en-US" sz="2000" dirty="0" smtClean="0">
+              <a:solidFill>
+                <a:schemeClr val="tx1"/>
+              </a:solidFill>
+              <a:sym typeface="+mn-ea"/>
+            </a:endParaRPr>
+          </a:p>
+          <a:p>
+            <a:pPr>
+              <a:lnSpc>
+                <a:spcPct val="130000"/>
+              </a:lnSpc>
+            </a:pPr>
+            <a:endParaRPr kumimoji="0" lang="zh-CN" altLang="en-US" sz="3200" dirty="0" smtClean="0">
+              <a:solidFill>
+                <a:schemeClr val="tx1"/>
+              </a:solidFill>
+            </a:endParaRPr>
+          </a:p>
+          <a:p>
+            <a:pPr eaLnBrk="1" hangingPunct="1">
+              <a:lnSpc>
+                <a:spcPct val="150000"/>
+              </a:lnSpc>
+            </a:pPr>
+            <a:endParaRPr kumimoji="0" lang="en-US" altLang="zh-CN" sz="3600" dirty="0" smtClean="0">
+              <a:solidFill>
+                <a:schemeClr val="tx1"/>
+              </a:solidFill>
+            </a:endParaRPr>
+          </a:p>
+          <a:p>
+            <a:pPr eaLnBrk="1" hangingPunct="1">
+              <a:lnSpc>
+                <a:spcPct val="150000"/>
+              </a:lnSpc>
+            </a:pPr>
+            <a:endParaRPr kumimoji="0" lang="zh-CN" altLang="en-US" dirty="0" smtClean="0">
+              <a:solidFill>
+                <a:schemeClr val="tx1"/>
+              </a:solidFill>
+            </a:endParaRPr>
+          </a:p>
+        </p:txBody>
+      </p:sp>
+      <p:sp>
+        <p:nvSpPr>
+          <p:cNvPr id="2" name="内容占位符 1"/>
+          <p:cNvSpPr>
+            <a:spLocks noGrp="1"/>
+          </p:cNvSpPr>
+          <p:nvPr>
+            <p:ph sz="quarter" idx="11"/>
+          </p:nvPr>
+        </p:nvSpPr>
+        <p:spPr>
+          <a:xfrm>
+            <a:off x="947204" y="308698"/>
+            <a:ext cx="8191557" cy="490476"/>
+          </a:xfrm>
+        </p:spPr>
+        <p:txBody>
+          <a:bodyPr/>
+          <a:lstStyle/>
+          <a:p>
+            <a:r>
+              <a:rPr kumimoji="0" lang="en-US" altLang="zh-CN" dirty="0">
+                <a:sym typeface="+mn-ea"/>
+              </a:rPr>
+              <a:t>JS</a:t>
+            </a:r>
+            <a:r>
+              <a:rPr kumimoji="0" lang="zh-CN" altLang="en-US" dirty="0">
+                <a:sym typeface="+mn-ea"/>
+              </a:rPr>
+              <a:t>作用域及其特点</a:t>
+            </a:r>
+            <a:endParaRPr kumimoji="0" lang="zh-CN" altLang="en-US" dirty="0"/>
+          </a:p>
+        </p:txBody>
+      </p:sp>
+      <p:pic>
+        <p:nvPicPr>
+          <p:cNvPr id="7" name="图片 6"/>
+          <p:cNvPicPr>
+            <a:picLocks noChangeAspect="1"/>
+          </p:cNvPicPr>
+          <p:nvPr/>
+        </p:nvPicPr>
+        <p:blipFill>
+          <a:blip r:embed="rId1"/>
+          <a:stretch>
+            <a:fillRect/>
+          </a:stretch>
+        </p:blipFill>
+        <p:spPr>
+          <a:xfrm>
+            <a:off x="1183005" y="2546985"/>
+            <a:ext cx="3958590" cy="2782570"/>
+          </a:xfrm>
+          <a:prstGeom prst="rect">
+            <a:avLst/>
+          </a:prstGeom>
+        </p:spPr>
+      </p:pic>
+      <p:pic>
+        <p:nvPicPr>
+          <p:cNvPr id="8" name="图片 7"/>
+          <p:cNvPicPr>
+            <a:picLocks noChangeAspect="1"/>
+          </p:cNvPicPr>
+          <p:nvPr/>
+        </p:nvPicPr>
+        <p:blipFill>
+          <a:blip r:embed="rId2"/>
+          <a:stretch>
+            <a:fillRect/>
+          </a:stretch>
+        </p:blipFill>
+        <p:spPr>
+          <a:xfrm>
+            <a:off x="5781040" y="2546985"/>
+            <a:ext cx="5993130" cy="2264410"/>
+          </a:xfrm>
+          <a:prstGeom prst="rect">
+            <a:avLst/>
+          </a:prstGeom>
+        </p:spPr>
+      </p:pic>
+      <p:sp>
+        <p:nvSpPr>
+          <p:cNvPr id="12" name="图文框 11"/>
+          <p:cNvSpPr/>
+          <p:nvPr/>
+        </p:nvSpPr>
+        <p:spPr>
+          <a:xfrm>
+            <a:off x="1039495" y="4883150"/>
+            <a:ext cx="1097280" cy="518160"/>
+          </a:xfrm>
+          <a:prstGeom prst="frame">
+            <a:avLst/>
+          </a:prstGeom>
+          <a:ln>
+            <a:headEnd type="none" w="med" len="med"/>
+            <a:tailEnd type="none" w="med" len="med"/>
+          </a:ln>
+        </p:spPr>
+        <p:style>
+          <a:lnRef idx="2">
+            <a:schemeClr val="accent3"/>
+          </a:lnRef>
+          <a:fillRef idx="1">
+            <a:schemeClr val="lt1"/>
+          </a:fillRef>
+          <a:effectRef idx="0">
+            <a:schemeClr val="accent3"/>
+          </a:effectRef>
+          <a:fontRef idx="minor">
+            <a:schemeClr val="dk1"/>
+          </a:fontRef>
+        </p:style>
+        <p:txBody>
+          <a:bodyPr vert="horz" wrap="square" lIns="91440" tIns="45720" rIns="91440" bIns="45720" numCol="1" anchor="t" anchorCtr="0" compatLnSpc="1"/>
+          <a:p>
+            <a:pPr marL="0" marR="0" indent="0" algn="l" defTabSz="914400" rtl="0" eaLnBrk="0" fontAlgn="base" latinLnBrk="0" hangingPunct="0">
+              <a:lnSpc>
+                <a:spcPct val="100000"/>
+              </a:lnSpc>
+              <a:spcBef>
+                <a:spcPct val="0"/>
+              </a:spcBef>
+              <a:spcAft>
+                <a:spcPct val="0"/>
+              </a:spcAft>
+              <a:buClrTx/>
+              <a:buSzTx/>
+              <a:buFontTx/>
+              <a:buNone/>
+            </a:pPr>
+            <a:endParaRPr kumimoji="0" lang="zh-CN" altLang="en-US" sz="3200" b="0" i="0" u="none" strike="noStrike" cap="none" normalizeH="0" baseline="0" smtClean="0">
+              <a:ln>
+                <a:noFill/>
+              </a:ln>
+              <a:solidFill>
+                <a:schemeClr val="tx1"/>
+              </a:solidFill>
+              <a:effectLst/>
+              <a:latin typeface="Arial" panose="020B0604020202020204" pitchFamily="34" charset="0"/>
+            </a:endParaRPr>
+          </a:p>
+        </p:txBody>
+      </p:sp>
+      <p:sp>
+        <p:nvSpPr>
+          <p:cNvPr id="13" name="图文框 12"/>
+          <p:cNvSpPr/>
+          <p:nvPr/>
+        </p:nvSpPr>
+        <p:spPr>
+          <a:xfrm>
+            <a:off x="5663565" y="4364990"/>
+            <a:ext cx="1097280" cy="518160"/>
+          </a:xfrm>
+          <a:prstGeom prst="frame">
+            <a:avLst/>
+          </a:prstGeom>
+          <a:ln>
+            <a:headEnd type="none" w="med" len="med"/>
+            <a:tailEnd type="none" w="med" len="med"/>
+          </a:ln>
+        </p:spPr>
+        <p:style>
+          <a:lnRef idx="2">
+            <a:schemeClr val="accent3"/>
+          </a:lnRef>
+          <a:fillRef idx="1">
+            <a:schemeClr val="lt1"/>
+          </a:fillRef>
+          <a:effectRef idx="0">
+            <a:schemeClr val="accent3"/>
+          </a:effectRef>
+          <a:fontRef idx="minor">
+            <a:schemeClr val="dk1"/>
+          </a:fontRef>
+        </p:style>
+        <p:txBody>
+          <a:bodyPr vert="horz" wrap="square" lIns="91440" tIns="45720" rIns="91440" bIns="45720" numCol="1" anchor="t" anchorCtr="0" compatLnSpc="1"/>
+          <a:p>
+            <a:pPr marL="0" marR="0" indent="0" algn="l" defTabSz="914400" rtl="0" eaLnBrk="0" fontAlgn="base" latinLnBrk="0" hangingPunct="0">
+              <a:lnSpc>
+                <a:spcPct val="100000"/>
+              </a:lnSpc>
+              <a:spcBef>
+                <a:spcPct val="0"/>
+              </a:spcBef>
+              <a:spcAft>
+                <a:spcPct val="0"/>
+              </a:spcAft>
+              <a:buClrTx/>
+              <a:buSzTx/>
+              <a:buFontTx/>
+              <a:buNone/>
+            </a:pPr>
+            <a:endParaRPr kumimoji="0" lang="zh-CN" altLang="en-US" sz="3200" b="0" i="0" u="none" strike="noStrike" cap="none" normalizeH="0" baseline="0" smtClean="0">
+              <a:ln>
+                <a:noFill/>
+              </a:ln>
+              <a:solidFill>
+                <a:schemeClr val="tx1"/>
+              </a:solidFill>
+              <a:effectLst/>
+              <a:latin typeface="Arial" panose="020B0604020202020204" pitchFamily="34" charset="0"/>
+            </a:endParaRPr>
+          </a:p>
+        </p:txBody>
+      </p:sp>
+    </p:spTree>
+  </p:cSld>
+  <p:clrMapOvr>
+    <a:masterClrMapping/>
+  </p:clrMapOvr>
+  <p:timing>
+    <p:tnLst>
+      <p:par>
+        <p:cTn id="1" dur="indefinite" restart="never" nodeType="tmRoot">
+          <p:childTnLst>
+            <p:seq concurrent="1" nextAc="seek">
+              <p:cTn id="2" dur="indefinite" nodeType="mainSeq">
+                <p:childTnLst>
+                  <p:par>
+                    <p:cTn id="3" fill="hold">
+                      <p:stCondLst>
+                        <p:cond delay="indefinite"/>
+                      </p:stCondLst>
+                      <p:childTnLst>
+                        <p:par>
+                          <p:cTn id="4" fill="hold">
+                            <p:stCondLst>
+                              <p:cond delay="0"/>
+                            </p:stCondLst>
+                            <p:childTnLst>
+                              <p:par>
+                                <p:cTn id="5" presetID="2" presetClass="entr" presetSubtype="4" fill="hold" nodeType="clickEffect">
+                                  <p:stCondLst>
+                                    <p:cond delay="0"/>
+                                  </p:stCondLst>
+                                  <p:childTnLst>
+                                    <p:set>
+                                      <p:cBhvr>
+                                        <p:cTn id="6" dur="1" fill="hold">
+                                          <p:stCondLst>
+                                            <p:cond delay="0"/>
+                                          </p:stCondLst>
+                                        </p:cTn>
+                                        <p:tgtEl>
+                                          <p:spTgt spid="11266">
+                                            <p:txEl>
+                                              <p:pRg st="0" end="0"/>
+                                            </p:txEl>
+                                          </p:spTgt>
+                                        </p:tgtEl>
+                                        <p:attrNameLst>
+                                          <p:attrName>style.visibility</p:attrName>
+                                        </p:attrNameLst>
+                                      </p:cBhvr>
+                                      <p:to>
+                                        <p:strVal val="visible"/>
+                                      </p:to>
+                                    </p:set>
+                                    <p:anim calcmode="lin" valueType="num">
+                                      <p:cBhvr additive="base">
+                                        <p:cTn id="7" dur="500" fill="hold"/>
+                                        <p:tgtEl>
+                                          <p:spTgt spid="11266">
+                                            <p:txEl>
+                                              <p:pRg st="0" end="0"/>
+                                            </p:txEl>
+                                          </p:spTgt>
+                                        </p:tgtEl>
+                                        <p:attrNameLst>
+                                          <p:attrName>ppt_x</p:attrName>
+                                        </p:attrNameLst>
+                                      </p:cBhvr>
+                                      <p:tavLst>
+                                        <p:tav tm="0">
+                                          <p:val>
+                                            <p:strVal val="#ppt_x"/>
+                                          </p:val>
+                                        </p:tav>
+                                        <p:tav tm="100000">
+                                          <p:val>
+                                            <p:strVal val="#ppt_x"/>
+                                          </p:val>
+                                        </p:tav>
+                                      </p:tavLst>
+                                    </p:anim>
+                                    <p:anim calcmode="lin" valueType="num">
+                                      <p:cBhvr additive="base">
+                                        <p:cTn id="8" dur="500" fill="hold"/>
+                                        <p:tgtEl>
+                                          <p:spTgt spid="11266">
+                                            <p:txEl>
+                                              <p:pRg st="0" end="0"/>
+                                            </p:txEl>
+                                          </p:spTgt>
+                                        </p:tgtEl>
+                                        <p:attrNameLst>
+                                          <p:attrName>ppt_y</p:attrName>
+                                        </p:attrNameLst>
+                                      </p:cBhvr>
+                                      <p:tavLst>
+                                        <p:tav tm="0">
+                                          <p:val>
+                                            <p:strVal val="1+#ppt_h/2"/>
+                                          </p:val>
+                                        </p:tav>
+                                        <p:tav tm="100000">
+                                          <p:val>
+                                            <p:strVal val="#ppt_y"/>
+                                          </p:val>
+                                        </p:tav>
+                                      </p:tavLst>
+                                    </p:anim>
+                                  </p:childTnLst>
+                                </p:cTn>
+                              </p:par>
+                            </p:childTnLst>
+                          </p:cTn>
+                        </p:par>
+                      </p:childTnLst>
+                    </p:cTn>
+                  </p:par>
+                </p:childTnLst>
+              </p:cTn>
+              <p:prevCondLst>
+                <p:cond evt="onPrev" delay="0">
+                  <p:tgtEl>
+                    <p:sldTgt/>
+                  </p:tgtEl>
+                </p:cond>
+              </p:prevCondLst>
+              <p:nextCondLst>
+                <p:cond evt="onNext" delay="0">
+                  <p:tgtEl>
+                    <p:sldTgt/>
+                  </p:tgtEl>
+                </p:cond>
+              </p:nextCondLst>
+            </p:seq>
+          </p:childTnLst>
+        </p:cTn>
+      </p:par>
+    </p:tnLst>
+  </p:timing>
+</p:sld>
+</file>
+
+<file path=ppt/slides/slide7.xml><?xml version="1.0" encoding="utf-8"?>
 <p:sld xmlns:a="http://schemas.openxmlformats.org/drawingml/2006/main" xmlns:r="http://schemas.openxmlformats.org/officeDocument/2006/relationships" xmlns:p="http://schemas.openxmlformats.org/presentationml/2006/main">
   <p:cSld>
     <p:spTree>
@@ -33308,7 +34690,7 @@
 </p:sld>
 </file>
 
-<file path=ppt/slides/slide7.xml><?xml version="1.0" encoding="utf-8"?>
+<file path=ppt/slides/slide8.xml><?xml version="1.0" encoding="utf-8"?>
 <p:sld xmlns:a="http://schemas.openxmlformats.org/drawingml/2006/main" xmlns:r="http://schemas.openxmlformats.org/officeDocument/2006/relationships" xmlns:p="http://schemas.openxmlformats.org/presentationml/2006/main">
   <p:cSld>
     <p:spTree>
@@ -34175,7 +35557,7 @@
 </p:sld>
 </file>
 
-<file path=ppt/slides/slide8.xml><?xml version="1.0" encoding="utf-8"?>
+<file path=ppt/slides/slide9.xml><?xml version="1.0" encoding="utf-8"?>
 <p:sld xmlns:a="http://schemas.openxmlformats.org/drawingml/2006/main" xmlns:r="http://schemas.openxmlformats.org/officeDocument/2006/relationships" xmlns:p="http://schemas.openxmlformats.org/presentationml/2006/main">
   <p:cSld>
     <p:spTree>
@@ -34690,720 +36072,6 @@
         <p:cTn id="1" dur="indefinite" restart="never" nodeType="tmRoot"/>
       </p:par>
     </p:tnLst>
-  </p:timing>
-</p:sld>
-</file>
-
-<file path=ppt/slides/slide9.xml><?xml version="1.0" encoding="utf-8"?>
-<p:sld xmlns:a="http://schemas.openxmlformats.org/drawingml/2006/main" xmlns:r="http://schemas.openxmlformats.org/officeDocument/2006/relationships" xmlns:p="http://schemas.openxmlformats.org/presentationml/2006/main">
-  <p:cSld>
-    <p:spTree>
-      <p:nvGrpSpPr>
-        <p:cNvPr id="1" name=""/>
-        <p:cNvGrpSpPr/>
-        <p:nvPr/>
-      </p:nvGrpSpPr>
-      <p:grpSpPr>
-        <a:xfrm>
-          <a:off x="0" y="0"/>
-          <a:ext cx="0" cy="0"/>
-          <a:chOff x="0" y="0"/>
-          <a:chExt cx="0" cy="0"/>
-        </a:xfrm>
-      </p:grpSpPr>
-      <p:sp>
-        <p:nvSpPr>
-          <p:cNvPr id="11266" name="内容占位符 1"/>
-          <p:cNvSpPr>
-            <a:spLocks noGrp="1"/>
-          </p:cNvSpPr>
-          <p:nvPr>
-            <p:ph sz="quarter" idx="10"/>
-          </p:nvPr>
-        </p:nvSpPr>
-        <p:spPr bwMode="auto">
-          <a:xfrm>
-            <a:off x="947420" y="868680"/>
-            <a:ext cx="10489565" cy="5207000"/>
-          </a:xfrm>
-          <a:noFill/>
-          <a:extLst>
-            <a:ext uri="{909E8E84-426E-40DD-AFC4-6F175D3DCCD1}">
-              <a14:hiddenFill xmlns:a14="http://schemas.microsoft.com/office/drawing/2010/main">
-                <a:solidFill>
-                  <a:srgbClr val="FFFFFF"/>
-                </a:solidFill>
-              </a14:hiddenFill>
-            </a:ext>
-            <a:ext uri="{91240B29-F687-4F45-9708-019B960494DF}">
-              <a14:hiddenLine xmlns:a14="http://schemas.microsoft.com/office/drawing/2010/main" w="9525">
-                <a:solidFill>
-                  <a:srgbClr val="000000"/>
-                </a:solidFill>
-                <a:miter lim="800000"/>
-                <a:headEnd/>
-                <a:tailEnd/>
-              </a14:hiddenLine>
-            </a:ext>
-          </a:extLst>
-        </p:spPr>
-        <p:txBody>
-          <a:bodyPr vert="horz" wrap="square" lIns="91440" tIns="45720" rIns="91440" bIns="45720" numCol="1" anchor="t" anchorCtr="0" compatLnSpc="1"/>
-          <a:lstStyle/>
-          <a:p>
-            <a:pPr>
-              <a:lnSpc>
-                <a:spcPct val="130000"/>
-              </a:lnSpc>
-            </a:pPr>
-            <a:r>
-              <a:rPr kumimoji="0" lang="zh-CN" sz="3200" dirty="0" smtClean="0">
-                <a:solidFill>
-                  <a:schemeClr val="tx1"/>
-                </a:solidFill>
-              </a:rPr>
-              <a:t>执行上下文</a:t>
-            </a:r>
-            <a:br>
-              <a:rPr kumimoji="0" lang="zh-CN" sz="3200" dirty="0" smtClean="0">
-                <a:solidFill>
-                  <a:schemeClr val="tx1"/>
-                </a:solidFill>
-              </a:rPr>
-            </a:br>
-            <a:r>
-              <a:rPr kumimoji="0" lang="en-US" altLang="zh-CN" sz="2000" dirty="0" smtClean="0">
-                <a:solidFill>
-                  <a:schemeClr val="tx1"/>
-                </a:solidFill>
-                <a:sym typeface="+mn-ea"/>
-              </a:rPr>
-              <a:t>- 执行上下文</a:t>
-            </a:r>
-            <a:r>
-              <a:rPr kumimoji="0" lang="zh-CN" sz="2000" dirty="0" smtClean="0">
-                <a:solidFill>
-                  <a:schemeClr val="tx1"/>
-                </a:solidFill>
-                <a:sym typeface="+mn-ea"/>
-              </a:rPr>
-              <a:t>指</a:t>
-            </a:r>
-            <a:r>
-              <a:rPr kumimoji="0" lang="zh-CN" sz="2000" dirty="0" smtClean="0">
-                <a:solidFill>
-                  <a:srgbClr val="FF0000"/>
-                </a:solidFill>
-                <a:sym typeface="+mn-ea"/>
-              </a:rPr>
-              <a:t>代码执行时</a:t>
-            </a:r>
-            <a:r>
-              <a:rPr kumimoji="0" lang="en-US" altLang="zh-CN" sz="2000" dirty="0" smtClean="0">
-                <a:solidFill>
-                  <a:schemeClr val="tx1"/>
-                </a:solidFill>
-                <a:sym typeface="+mn-ea"/>
-              </a:rPr>
-              <a:t>的</a:t>
-            </a:r>
-            <a:r>
-              <a:rPr kumimoji="0" lang="zh-CN" altLang="en-US" sz="2000" dirty="0" smtClean="0">
-                <a:solidFill>
-                  <a:schemeClr val="accent3"/>
-                </a:solidFill>
-                <a:sym typeface="+mn-ea"/>
-              </a:rPr>
-              <a:t>上下文</a:t>
-            </a:r>
-            <a:r>
-              <a:rPr kumimoji="0" lang="en-US" altLang="zh-CN" sz="2000" dirty="0" smtClean="0">
-                <a:solidFill>
-                  <a:schemeClr val="accent3"/>
-                </a:solidFill>
-                <a:sym typeface="+mn-ea"/>
-              </a:rPr>
-              <a:t>环境</a:t>
-            </a:r>
-            <a:r>
-              <a:rPr kumimoji="0" lang="zh-CN" sz="2000" dirty="0" smtClean="0">
-                <a:solidFill>
-                  <a:schemeClr val="tx1"/>
-                </a:solidFill>
-                <a:sym typeface="+mn-ea"/>
-              </a:rPr>
-              <a:t>（包括局部</a:t>
-            </a:r>
-            <a:r>
-              <a:rPr kumimoji="0" lang="zh-CN" altLang="en-US" sz="2000" dirty="0" smtClean="0">
-                <a:solidFill>
-                  <a:schemeClr val="tx1"/>
-                </a:solidFill>
-                <a:sym typeface="+mn-ea"/>
-              </a:rPr>
-              <a:t>变量、相关的函数、相关自由变量等）</a:t>
-            </a:r>
-            <a:br>
-              <a:rPr kumimoji="0" lang="en-US" altLang="zh-CN" sz="2000" dirty="0" smtClean="0">
-                <a:solidFill>
-                  <a:schemeClr val="tx1"/>
-                </a:solidFill>
-                <a:sym typeface="+mn-ea"/>
-              </a:rPr>
-            </a:br>
-            <a:r>
-              <a:rPr kumimoji="0" lang="en-US" altLang="zh-CN" sz="2000" dirty="0" smtClean="0">
-                <a:solidFill>
-                  <a:schemeClr val="tx1"/>
-                </a:solidFill>
-                <a:sym typeface="+mn-ea"/>
-              </a:rPr>
-              <a:t>- JS</a:t>
-            </a:r>
-            <a:r>
-              <a:rPr kumimoji="0" lang="zh-CN" altLang="en-US" sz="2000" dirty="0" smtClean="0">
-                <a:solidFill>
-                  <a:schemeClr val="tx1"/>
-                </a:solidFill>
-                <a:sym typeface="+mn-ea"/>
-              </a:rPr>
-              <a:t>运行时</a:t>
-            </a:r>
-            <a:r>
-              <a:rPr kumimoji="0" lang="en-US" altLang="zh-CN" sz="2000" dirty="0" smtClean="0">
-                <a:solidFill>
-                  <a:schemeClr val="tx1"/>
-                </a:solidFill>
-                <a:sym typeface="+mn-ea"/>
-              </a:rPr>
-              <a:t>会产生</a:t>
-            </a:r>
-            <a:r>
-              <a:rPr kumimoji="0" lang="en-US" altLang="zh-CN" sz="2000" dirty="0" smtClean="0">
-                <a:solidFill>
-                  <a:schemeClr val="accent3"/>
-                </a:solidFill>
-                <a:sym typeface="+mn-ea"/>
-              </a:rPr>
-              <a:t>多个执行上下文</a:t>
-            </a:r>
-            <a:r>
-              <a:rPr kumimoji="0" lang="zh-CN" altLang="en-US" sz="2000" dirty="0" smtClean="0">
-                <a:solidFill>
-                  <a:schemeClr val="tx1"/>
-                </a:solidFill>
-                <a:sym typeface="+mn-ea"/>
-              </a:rPr>
-              <a:t>，</a:t>
-            </a:r>
-            <a:r>
-              <a:rPr kumimoji="0" lang="en-US" altLang="zh-CN" sz="2000" dirty="0" smtClean="0">
-                <a:solidFill>
-                  <a:schemeClr val="tx1"/>
-                </a:solidFill>
-                <a:sym typeface="+mn-ea"/>
-              </a:rPr>
-              <a:t>处于</a:t>
-            </a:r>
-            <a:r>
-              <a:rPr kumimoji="0" lang="en-US" altLang="zh-CN" sz="2000" dirty="0" smtClean="0">
-                <a:solidFill>
-                  <a:schemeClr val="accent3"/>
-                </a:solidFill>
-                <a:sym typeface="+mn-ea"/>
-              </a:rPr>
-              <a:t>活动状态的执行上下文环境</a:t>
-            </a:r>
-            <a:r>
-              <a:rPr kumimoji="0" lang="en-US" altLang="zh-CN" sz="2000" dirty="0" smtClean="0">
-                <a:solidFill>
-                  <a:schemeClr val="tx1"/>
-                </a:solidFill>
-                <a:sym typeface="+mn-ea"/>
-              </a:rPr>
-              <a:t>只有一个</a:t>
-            </a:r>
-            <a:endParaRPr kumimoji="0" lang="en-US" altLang="zh-CN" sz="2000" dirty="0" smtClean="0">
-              <a:solidFill>
-                <a:schemeClr val="tx1"/>
-              </a:solidFill>
-              <a:sym typeface="+mn-ea"/>
-            </a:endParaRPr>
-          </a:p>
-          <a:p>
-            <a:pPr>
-              <a:lnSpc>
-                <a:spcPct val="130000"/>
-              </a:lnSpc>
-            </a:pPr>
-            <a:endParaRPr kumimoji="0" lang="zh-CN" altLang="en-US" sz="3200" dirty="0" smtClean="0">
-              <a:solidFill>
-                <a:schemeClr val="tx1"/>
-              </a:solidFill>
-            </a:endParaRPr>
-          </a:p>
-          <a:p>
-            <a:pPr eaLnBrk="1" hangingPunct="1">
-              <a:lnSpc>
-                <a:spcPct val="150000"/>
-              </a:lnSpc>
-            </a:pPr>
-            <a:endParaRPr kumimoji="0" lang="en-US" altLang="zh-CN" sz="3600" dirty="0" smtClean="0">
-              <a:solidFill>
-                <a:schemeClr val="tx1"/>
-              </a:solidFill>
-            </a:endParaRPr>
-          </a:p>
-          <a:p>
-            <a:pPr eaLnBrk="1" hangingPunct="1">
-              <a:lnSpc>
-                <a:spcPct val="150000"/>
-              </a:lnSpc>
-            </a:pPr>
-            <a:endParaRPr kumimoji="0" lang="zh-CN" altLang="en-US" dirty="0" smtClean="0">
-              <a:solidFill>
-                <a:schemeClr val="tx1"/>
-              </a:solidFill>
-            </a:endParaRPr>
-          </a:p>
-        </p:txBody>
-      </p:sp>
-      <p:sp>
-        <p:nvSpPr>
-          <p:cNvPr id="2" name="内容占位符 1"/>
-          <p:cNvSpPr>
-            <a:spLocks noGrp="1"/>
-          </p:cNvSpPr>
-          <p:nvPr>
-            <p:ph sz="quarter" idx="11"/>
-          </p:nvPr>
-        </p:nvSpPr>
-        <p:spPr>
-          <a:xfrm>
-            <a:off x="947204" y="308698"/>
-            <a:ext cx="8191557" cy="490476"/>
-          </a:xfrm>
-        </p:spPr>
-        <p:txBody>
-          <a:bodyPr/>
-          <a:lstStyle/>
-          <a:p>
-            <a:r>
-              <a:rPr kumimoji="0" lang="zh-CN" altLang="en-US" dirty="0">
-                <a:sym typeface="+mn-ea"/>
-              </a:rPr>
-              <a:t>JS执行上下文和调用栈</a:t>
-            </a:r>
-            <a:endParaRPr kumimoji="0" lang="zh-CN" altLang="en-US" dirty="0"/>
-          </a:p>
-        </p:txBody>
-      </p:sp>
-      <p:pic>
-        <p:nvPicPr>
-          <p:cNvPr id="5" name="图片 4"/>
-          <p:cNvPicPr>
-            <a:picLocks noChangeAspect="1"/>
-          </p:cNvPicPr>
-          <p:nvPr/>
-        </p:nvPicPr>
-        <p:blipFill>
-          <a:blip r:embed="rId1"/>
-          <a:stretch>
-            <a:fillRect/>
-          </a:stretch>
-        </p:blipFill>
-        <p:spPr>
-          <a:xfrm>
-            <a:off x="1257935" y="2441575"/>
-            <a:ext cx="9676130" cy="3418840"/>
-          </a:xfrm>
-          <a:prstGeom prst="rect">
-            <a:avLst/>
-          </a:prstGeom>
-        </p:spPr>
-      </p:pic>
-      <p:sp>
-        <p:nvSpPr>
-          <p:cNvPr id="4" name="文本框 3"/>
-          <p:cNvSpPr txBox="1"/>
-          <p:nvPr/>
-        </p:nvSpPr>
-        <p:spPr>
-          <a:xfrm>
-            <a:off x="4831080" y="5929630"/>
-            <a:ext cx="6407785" cy="848995"/>
-          </a:xfrm>
-          <a:prstGeom prst="rect">
-            <a:avLst/>
-          </a:prstGeom>
-          <a:noFill/>
-        </p:spPr>
-        <p:txBody>
-          <a:bodyPr wrap="square" rtlCol="0">
-            <a:spAutoFit/>
-          </a:bodyPr>
-          <a:p>
-            <a:r>
-              <a:rPr lang="zh-CN" altLang="en-US" sz="2400"/>
-              <a:t>断点：实例中</a:t>
-            </a:r>
-            <a:r>
-              <a:rPr lang="zh-CN" altLang="en-US" sz="2400">
-                <a:solidFill>
-                  <a:schemeClr val="accent3"/>
-                </a:solidFill>
-              </a:rPr>
-              <a:t>执行到断点时</a:t>
-            </a:r>
-            <a:r>
-              <a:rPr lang="zh-CN" altLang="en-US" sz="2400"/>
-              <a:t>，就有一个当前断点所对应的</a:t>
-            </a:r>
-            <a:r>
-              <a:rPr lang="zh-CN" altLang="en-US" sz="2400">
-                <a:solidFill>
-                  <a:schemeClr val="accent3"/>
-                </a:solidFill>
-              </a:rPr>
-              <a:t>执行上下文</a:t>
-            </a:r>
-            <a:r>
-              <a:rPr lang="zh-CN" altLang="en-US" sz="2400"/>
-              <a:t>（对应当前</a:t>
-            </a:r>
-            <a:r>
-              <a:rPr lang="zh-CN" altLang="en-US" sz="2400">
-                <a:solidFill>
-                  <a:schemeClr val="accent3"/>
-                </a:solidFill>
-              </a:rPr>
-              <a:t>执行环境</a:t>
-            </a:r>
-            <a:r>
-              <a:rPr lang="zh-CN" altLang="en-US" sz="2400"/>
-              <a:t>）</a:t>
-            </a:r>
-            <a:endParaRPr lang="zh-CN" altLang="en-US" sz="2400">
-              <a:solidFill>
-                <a:schemeClr val="accent3"/>
-              </a:solidFill>
-            </a:endParaRPr>
-          </a:p>
-        </p:txBody>
-      </p:sp>
-    </p:spTree>
-  </p:cSld>
-  <p:clrMapOvr>
-    <a:masterClrMapping/>
-  </p:clrMapOvr>
-  <p:timing>
-    <p:tnLst>
-      <p:par>
-        <p:cTn id="1" dur="indefinite" restart="never" nodeType="tmRoot">
-          <p:childTnLst>
-            <p:seq concurrent="1" nextAc="seek">
-              <p:cTn id="2" dur="indefinite" nodeType="mainSeq">
-                <p:childTnLst>
-                  <p:par>
-                    <p:cTn id="3" fill="hold">
-                      <p:stCondLst>
-                        <p:cond delay="indefinite"/>
-                      </p:stCondLst>
-                      <p:childTnLst>
-                        <p:par>
-                          <p:cTn id="4" fill="hold">
-                            <p:stCondLst>
-                              <p:cond delay="0"/>
-                            </p:stCondLst>
-                            <p:childTnLst>
-                              <p:par>
-                                <p:cTn id="5" presetID="2" presetClass="entr" presetSubtype="4" fill="hold" nodeType="clickEffect">
-                                  <p:stCondLst>
-                                    <p:cond delay="0"/>
-                                  </p:stCondLst>
-                                  <p:childTnLst>
-                                    <p:set>
-                                      <p:cBhvr>
-                                        <p:cTn id="6" dur="1" fill="hold">
-                                          <p:stCondLst>
-                                            <p:cond delay="0"/>
-                                          </p:stCondLst>
-                                        </p:cTn>
-                                        <p:tgtEl>
-                                          <p:spTgt spid="11266">
-                                            <p:txEl>
-                                              <p:pRg st="0" end="0"/>
-                                            </p:txEl>
-                                          </p:spTgt>
-                                        </p:tgtEl>
-                                        <p:attrNameLst>
-                                          <p:attrName>style.visibility</p:attrName>
-                                        </p:attrNameLst>
-                                      </p:cBhvr>
-                                      <p:to>
-                                        <p:strVal val="visible"/>
-                                      </p:to>
-                                    </p:set>
-                                    <p:anim calcmode="lin" valueType="num">
-                                      <p:cBhvr additive="base">
-                                        <p:cTn id="7" dur="500" fill="hold"/>
-                                        <p:tgtEl>
-                                          <p:spTgt spid="11266">
-                                            <p:txEl>
-                                              <p:pRg st="0" end="0"/>
-                                            </p:txEl>
-                                          </p:spTgt>
-                                        </p:tgtEl>
-                                        <p:attrNameLst>
-                                          <p:attrName>ppt_x</p:attrName>
-                                        </p:attrNameLst>
-                                      </p:cBhvr>
-                                      <p:tavLst>
-                                        <p:tav tm="0">
-                                          <p:val>
-                                            <p:strVal val="#ppt_x"/>
-                                          </p:val>
-                                        </p:tav>
-                                        <p:tav tm="100000">
-                                          <p:val>
-                                            <p:strVal val="#ppt_x"/>
-                                          </p:val>
-                                        </p:tav>
-                                      </p:tavLst>
-                                    </p:anim>
-                                    <p:anim calcmode="lin" valueType="num">
-                                      <p:cBhvr additive="base">
-                                        <p:cTn id="8" dur="500" fill="hold"/>
-                                        <p:tgtEl>
-                                          <p:spTgt spid="11266">
-                                            <p:txEl>
-                                              <p:pRg st="0" end="0"/>
-                                            </p:txEl>
-                                          </p:spTgt>
-                                        </p:tgtEl>
-                                        <p:attrNameLst>
-                                          <p:attrName>ppt_y</p:attrName>
-                                        </p:attrNameLst>
-                                      </p:cBhvr>
-                                      <p:tavLst>
-                                        <p:tav tm="0">
-                                          <p:val>
-                                            <p:strVal val="1+#ppt_h/2"/>
-                                          </p:val>
-                                        </p:tav>
-                                        <p:tav tm="100000">
-                                          <p:val>
-                                            <p:strVal val="#ppt_y"/>
-                                          </p:val>
-                                        </p:tav>
-                                      </p:tavLst>
-                                    </p:anim>
-                                  </p:childTnLst>
-                                </p:cTn>
-                              </p:par>
-                            </p:childTnLst>
-                          </p:cTn>
-                        </p:par>
-                        <p:par>
-                          <p:cTn id="9" fill="hold">
-                            <p:stCondLst>
-                              <p:cond delay="500"/>
-                            </p:stCondLst>
-                            <p:childTnLst>
-                              <p:par>
-                                <p:cTn id="10" presetID="2" presetClass="entr" presetSubtype="4" fill="hold" nodeType="afterEffect">
-                                  <p:stCondLst>
-                                    <p:cond delay="0"/>
-                                  </p:stCondLst>
-                                  <p:childTnLst>
-                                    <p:set>
-                                      <p:cBhvr>
-                                        <p:cTn id="11" dur="1" fill="hold">
-                                          <p:stCondLst>
-                                            <p:cond delay="0"/>
-                                          </p:stCondLst>
-                                        </p:cTn>
-                                        <p:tgtEl>
-                                          <p:spTgt spid="5"/>
-                                        </p:tgtEl>
-                                        <p:attrNameLst>
-                                          <p:attrName>style.visibility</p:attrName>
-                                        </p:attrNameLst>
-                                      </p:cBhvr>
-                                      <p:to>
-                                        <p:strVal val="visible"/>
-                                      </p:to>
-                                    </p:set>
-                                    <p:anim calcmode="lin" valueType="num">
-                                      <p:cBhvr additive="base">
-                                        <p:cTn id="12" dur="500" fill="hold"/>
-                                        <p:tgtEl>
-                                          <p:spTgt spid="5"/>
-                                        </p:tgtEl>
-                                        <p:attrNameLst>
-                                          <p:attrName>ppt_x</p:attrName>
-                                        </p:attrNameLst>
-                                      </p:cBhvr>
-                                      <p:tavLst>
-                                        <p:tav tm="0">
-                                          <p:val>
-                                            <p:strVal val="#ppt_x"/>
-                                          </p:val>
-                                        </p:tav>
-                                        <p:tav tm="100000">
-                                          <p:val>
-                                            <p:strVal val="#ppt_x"/>
-                                          </p:val>
-                                        </p:tav>
-                                      </p:tavLst>
-                                    </p:anim>
-                                    <p:anim calcmode="lin" valueType="num">
-                                      <p:cBhvr additive="base">
-                                        <p:cTn id="13" dur="500" fill="hold"/>
-                                        <p:tgtEl>
-                                          <p:spTgt spid="5"/>
-                                        </p:tgtEl>
-                                        <p:attrNameLst>
-                                          <p:attrName>ppt_y</p:attrName>
-                                        </p:attrNameLst>
-                                      </p:cBhvr>
-                                      <p:tavLst>
-                                        <p:tav tm="0">
-                                          <p:val>
-                                            <p:strVal val="1+#ppt_h/2"/>
-                                          </p:val>
-                                        </p:tav>
-                                        <p:tav tm="100000">
-                                          <p:val>
-                                            <p:strVal val="#ppt_y"/>
-                                          </p:val>
-                                        </p:tav>
-                                      </p:tavLst>
-                                    </p:anim>
-                                  </p:childTnLst>
-                                </p:cTn>
-                              </p:par>
-                            </p:childTnLst>
-                          </p:cTn>
-                        </p:par>
-                      </p:childTnLst>
-                    </p:cTn>
-                  </p:par>
-                  <p:par>
-                    <p:cTn id="14" fill="hold">
-                      <p:stCondLst>
-                        <p:cond delay="indefinite"/>
-                      </p:stCondLst>
-                      <p:childTnLst>
-                        <p:par>
-                          <p:cTn id="15" fill="hold">
-                            <p:stCondLst>
-                              <p:cond delay="0"/>
-                            </p:stCondLst>
-                            <p:childTnLst>
-                              <p:par>
-                                <p:cTn id="16" presetID="2" presetClass="entr" presetSubtype="4" fill="hold" grpId="0" nodeType="clickEffect">
-                                  <p:stCondLst>
-                                    <p:cond delay="0"/>
-                                  </p:stCondLst>
-                                  <p:childTnLst>
-                                    <p:set>
-                                      <p:cBhvr>
-                                        <p:cTn id="17" dur="1" fill="hold">
-                                          <p:stCondLst>
-                                            <p:cond delay="0"/>
-                                          </p:stCondLst>
-                                        </p:cTn>
-                                        <p:tgtEl>
-                                          <p:spTgt spid="4"/>
-                                        </p:tgtEl>
-                                        <p:attrNameLst>
-                                          <p:attrName>style.visibility</p:attrName>
-                                        </p:attrNameLst>
-                                      </p:cBhvr>
-                                      <p:to>
-                                        <p:strVal val="visible"/>
-                                      </p:to>
-                                    </p:set>
-                                    <p:anim calcmode="lin" valueType="num">
-                                      <p:cBhvr additive="base">
-                                        <p:cTn id="18" dur="500" fill="hold"/>
-                                        <p:tgtEl>
-                                          <p:spTgt spid="4"/>
-                                        </p:tgtEl>
-                                        <p:attrNameLst>
-                                          <p:attrName>ppt_x</p:attrName>
-                                        </p:attrNameLst>
-                                      </p:cBhvr>
-                                      <p:tavLst>
-                                        <p:tav tm="0">
-                                          <p:val>
-                                            <p:strVal val="#ppt_x"/>
-                                          </p:val>
-                                        </p:tav>
-                                        <p:tav tm="100000">
-                                          <p:val>
-                                            <p:strVal val="#ppt_x"/>
-                                          </p:val>
-                                        </p:tav>
-                                      </p:tavLst>
-                                    </p:anim>
-                                    <p:anim calcmode="lin" valueType="num">
-                                      <p:cBhvr additive="base">
-                                        <p:cTn id="19" dur="500" fill="hold"/>
-                                        <p:tgtEl>
-                                          <p:spTgt spid="4"/>
-                                        </p:tgtEl>
-                                        <p:attrNameLst>
-                                          <p:attrName>ppt_y</p:attrName>
-                                        </p:attrNameLst>
-                                      </p:cBhvr>
-                                      <p:tavLst>
-                                        <p:tav tm="0">
-                                          <p:val>
-                                            <p:strVal val="1+#ppt_h/2"/>
-                                          </p:val>
-                                        </p:tav>
-                                        <p:tav tm="100000">
-                                          <p:val>
-                                            <p:strVal val="#ppt_y"/>
-                                          </p:val>
-                                        </p:tav>
-                                      </p:tavLst>
-                                    </p:anim>
-                                  </p:childTnLst>
-                                </p:cTn>
-                              </p:par>
-                            </p:childTnLst>
-                          </p:cTn>
-                        </p:par>
-                      </p:childTnLst>
-                    </p:cTn>
-                  </p:par>
-                </p:childTnLst>
-              </p:cTn>
-              <p:prevCondLst>
-                <p:cond evt="onPrev" delay="0">
-                  <p:tgtEl>
-                    <p:sldTgt/>
-                  </p:tgtEl>
-                </p:cond>
-              </p:prevCondLst>
-              <p:nextCondLst>
-                <p:cond evt="onNext" delay="0">
-                  <p:tgtEl>
-                    <p:sldTgt/>
-                  </p:tgtEl>
-                </p:cond>
-              </p:nextCondLst>
-            </p:seq>
-          </p:childTnLst>
-        </p:cTn>
-      </p:par>
-    </p:tnLst>
-    <p:bldLst>
-      <p:bldP spid="4" grpId="0"/>
-    </p:bldLst>
   </p:timing>
 </p:sld>
 </file>
